--- a/Part_01/Section02.pptx
+++ b/Part_01/Section02.pptx
@@ -4,6 +4,20 @@
   <p:sldMasterIdLst>
     <p:sldMasterId id="2147483648" r:id="rId1"/>
   </p:sldMasterIdLst>
+  <p:sldIdLst>
+    <p:sldId id="256" r:id="rId2"/>
+    <p:sldId id="257" r:id="rId3"/>
+    <p:sldId id="258" r:id="rId4"/>
+    <p:sldId id="262" r:id="rId5"/>
+    <p:sldId id="263" r:id="rId6"/>
+    <p:sldId id="264" r:id="rId7"/>
+    <p:sldId id="265" r:id="rId8"/>
+    <p:sldId id="266" r:id="rId9"/>
+    <p:sldId id="267" r:id="rId10"/>
+    <p:sldId id="259" r:id="rId11"/>
+    <p:sldId id="260" r:id="rId12"/>
+    <p:sldId id="261" r:id="rId13"/>
+  </p:sldIdLst>
   <p:sldSz cx="12192000" cy="6858000"/>
   <p:notesSz cx="6858000" cy="9144000"/>
   <p:defaultTextStyle>
@@ -101,6 +115,22 @@
       </a:defRPr>
     </a:lvl9pPr>
   </p:defaultTextStyle>
+  <p:extLst>
+    <p:ext uri="{EFAFB233-063F-42B5-8137-9DF3F51BA10A}">
+      <p15:sldGuideLst xmlns:p15="http://schemas.microsoft.com/office/powerpoint/2012/main">
+        <p15:guide id="1" orient="horz" pos="2160" userDrawn="1">
+          <p15:clr>
+            <a:srgbClr val="A4A3A4"/>
+          </p15:clr>
+        </p15:guide>
+        <p15:guide id="2" pos="3840" userDrawn="1">
+          <p15:clr>
+            <a:srgbClr val="A4A3A4"/>
+          </p15:clr>
+        </p15:guide>
+      </p15:sldGuideLst>
+    </p:ext>
+  </p:extLst>
 </p:presentation>
 </file>
 
@@ -235,7 +265,7 @@
           <a:p>
             <a:fld id="{3D626D60-E8ED-4541-BE33-B3C1FAE5292A}" type="datetimeFigureOut">
               <a:rPr lang="en-US" smtClean="0"/>
-              <a:t>10/19/2018</a:t>
+              <a:t>10/29/2018</a:t>
             </a:fld>
             <a:endParaRPr lang="en-US"/>
           </a:p>
@@ -405,7 +435,7 @@
           <a:p>
             <a:fld id="{3D626D60-E8ED-4541-BE33-B3C1FAE5292A}" type="datetimeFigureOut">
               <a:rPr lang="en-US" smtClean="0"/>
-              <a:t>10/19/2018</a:t>
+              <a:t>10/29/2018</a:t>
             </a:fld>
             <a:endParaRPr lang="en-US"/>
           </a:p>
@@ -585,7 +615,7 @@
           <a:p>
             <a:fld id="{3D626D60-E8ED-4541-BE33-B3C1FAE5292A}" type="datetimeFigureOut">
               <a:rPr lang="en-US" smtClean="0"/>
-              <a:t>10/19/2018</a:t>
+              <a:t>10/29/2018</a:t>
             </a:fld>
             <a:endParaRPr lang="en-US"/>
           </a:p>
@@ -755,7 +785,7 @@
           <a:p>
             <a:fld id="{3D626D60-E8ED-4541-BE33-B3C1FAE5292A}" type="datetimeFigureOut">
               <a:rPr lang="en-US" smtClean="0"/>
-              <a:t>10/19/2018</a:t>
+              <a:t>10/29/2018</a:t>
             </a:fld>
             <a:endParaRPr lang="en-US"/>
           </a:p>
@@ -1001,7 +1031,7 @@
           <a:p>
             <a:fld id="{3D626D60-E8ED-4541-BE33-B3C1FAE5292A}" type="datetimeFigureOut">
               <a:rPr lang="en-US" smtClean="0"/>
-              <a:t>10/19/2018</a:t>
+              <a:t>10/29/2018</a:t>
             </a:fld>
             <a:endParaRPr lang="en-US"/>
           </a:p>
@@ -1233,7 +1263,7 @@
           <a:p>
             <a:fld id="{3D626D60-E8ED-4541-BE33-B3C1FAE5292A}" type="datetimeFigureOut">
               <a:rPr lang="en-US" smtClean="0"/>
-              <a:t>10/19/2018</a:t>
+              <a:t>10/29/2018</a:t>
             </a:fld>
             <a:endParaRPr lang="en-US"/>
           </a:p>
@@ -1600,7 +1630,7 @@
           <a:p>
             <a:fld id="{3D626D60-E8ED-4541-BE33-B3C1FAE5292A}" type="datetimeFigureOut">
               <a:rPr lang="en-US" smtClean="0"/>
-              <a:t>10/19/2018</a:t>
+              <a:t>10/29/2018</a:t>
             </a:fld>
             <a:endParaRPr lang="en-US"/>
           </a:p>
@@ -1718,7 +1748,7 @@
           <a:p>
             <a:fld id="{3D626D60-E8ED-4541-BE33-B3C1FAE5292A}" type="datetimeFigureOut">
               <a:rPr lang="en-US" smtClean="0"/>
-              <a:t>10/19/2018</a:t>
+              <a:t>10/29/2018</a:t>
             </a:fld>
             <a:endParaRPr lang="en-US"/>
           </a:p>
@@ -1813,7 +1843,7 @@
           <a:p>
             <a:fld id="{3D626D60-E8ED-4541-BE33-B3C1FAE5292A}" type="datetimeFigureOut">
               <a:rPr lang="en-US" smtClean="0"/>
-              <a:t>10/19/2018</a:t>
+              <a:t>10/29/2018</a:t>
             </a:fld>
             <a:endParaRPr lang="en-US"/>
           </a:p>
@@ -2090,7 +2120,7 @@
           <a:p>
             <a:fld id="{3D626D60-E8ED-4541-BE33-B3C1FAE5292A}" type="datetimeFigureOut">
               <a:rPr lang="en-US" smtClean="0"/>
-              <a:t>10/19/2018</a:t>
+              <a:t>10/29/2018</a:t>
             </a:fld>
             <a:endParaRPr lang="en-US"/>
           </a:p>
@@ -2343,7 +2373,7 @@
           <a:p>
             <a:fld id="{3D626D60-E8ED-4541-BE33-B3C1FAE5292A}" type="datetimeFigureOut">
               <a:rPr lang="en-US" smtClean="0"/>
-              <a:t>10/19/2018</a:t>
+              <a:t>10/29/2018</a:t>
             </a:fld>
             <a:endParaRPr lang="en-US"/>
           </a:p>
@@ -2556,7 +2586,7 @@
           <a:p>
             <a:fld id="{3D626D60-E8ED-4541-BE33-B3C1FAE5292A}" type="datetimeFigureOut">
               <a:rPr lang="en-US" smtClean="0"/>
-              <a:t>10/19/2018</a:t>
+              <a:t>10/29/2018</a:t>
             </a:fld>
             <a:endParaRPr lang="en-US"/>
           </a:p>
@@ -2944,6 +2974,1283 @@
 </p:sldMaster>
 </file>
 
+<file path=ppt/slides/slide1.xml><?xml version="1.0" encoding="utf-8"?>
+<p:sld xmlns:a="http://schemas.openxmlformats.org/drawingml/2006/main" xmlns:r="http://schemas.openxmlformats.org/officeDocument/2006/relationships" xmlns:p="http://schemas.openxmlformats.org/presentationml/2006/main">
+  <p:cSld>
+    <p:spTree>
+      <p:nvGrpSpPr>
+        <p:cNvPr id="1" name=""/>
+        <p:cNvGrpSpPr/>
+        <p:nvPr/>
+      </p:nvGrpSpPr>
+      <p:grpSpPr>
+        <a:xfrm>
+          <a:off x="0" y="0"/>
+          <a:ext cx="0" cy="0"/>
+          <a:chOff x="0" y="0"/>
+          <a:chExt cx="0" cy="0"/>
+        </a:xfrm>
+      </p:grpSpPr>
+      <p:sp>
+        <p:nvSpPr>
+          <p:cNvPr id="2" name="Title 1"/>
+          <p:cNvSpPr>
+            <a:spLocks noGrp="1"/>
+          </p:cNvSpPr>
+          <p:nvPr>
+            <p:ph type="ctrTitle"/>
+          </p:nvPr>
+        </p:nvSpPr>
+        <p:spPr/>
+        <p:txBody>
+          <a:bodyPr/>
+          <a:lstStyle/>
+          <a:p>
+            <a:r>
+              <a:rPr lang="en-US" dirty="0" smtClean="0"/>
+              <a:t>HECC 2018</a:t>
+            </a:r>
+            <a:endParaRPr lang="en-US" dirty="0"/>
+          </a:p>
+        </p:txBody>
+      </p:sp>
+      <p:sp>
+        <p:nvSpPr>
+          <p:cNvPr id="3" name="Subtitle 2"/>
+          <p:cNvSpPr>
+            <a:spLocks noGrp="1"/>
+          </p:cNvSpPr>
+          <p:nvPr>
+            <p:ph type="subTitle" idx="1"/>
+          </p:nvPr>
+        </p:nvSpPr>
+        <p:spPr/>
+        <p:txBody>
+          <a:bodyPr/>
+          <a:lstStyle/>
+          <a:p>
+            <a:r>
+              <a:rPr lang="en-US" dirty="0"/>
+              <a:t>2053 - Deploying Windows 10 With MDT (Part 1</a:t>
+            </a:r>
+            <a:r>
+              <a:rPr lang="en-US" dirty="0" smtClean="0"/>
+              <a:t>)</a:t>
+            </a:r>
+          </a:p>
+          <a:p>
+            <a:r>
+              <a:rPr lang="en-US" sz="2000" dirty="0" smtClean="0"/>
+              <a:t>Section 2</a:t>
+            </a:r>
+            <a:endParaRPr lang="en-US" sz="2000" dirty="0"/>
+          </a:p>
+        </p:txBody>
+      </p:sp>
+    </p:spTree>
+    <p:extLst>
+      <p:ext uri="{BB962C8B-B14F-4D97-AF65-F5344CB8AC3E}">
+        <p14:creationId xmlns:p14="http://schemas.microsoft.com/office/powerpoint/2010/main" val="523614782"/>
+      </p:ext>
+    </p:extLst>
+  </p:cSld>
+  <p:clrMapOvr>
+    <a:masterClrMapping/>
+  </p:clrMapOvr>
+</p:sld>
+</file>
+
+<file path=ppt/slides/slide10.xml><?xml version="1.0" encoding="utf-8"?>
+<p:sld xmlns:a="http://schemas.openxmlformats.org/drawingml/2006/main" xmlns:r="http://schemas.openxmlformats.org/officeDocument/2006/relationships" xmlns:p="http://schemas.openxmlformats.org/presentationml/2006/main">
+  <p:cSld>
+    <p:spTree>
+      <p:nvGrpSpPr>
+        <p:cNvPr id="1" name=""/>
+        <p:cNvGrpSpPr/>
+        <p:nvPr/>
+      </p:nvGrpSpPr>
+      <p:grpSpPr>
+        <a:xfrm>
+          <a:off x="0" y="0"/>
+          <a:ext cx="0" cy="0"/>
+          <a:chOff x="0" y="0"/>
+          <a:chExt cx="0" cy="0"/>
+        </a:xfrm>
+      </p:grpSpPr>
+      <p:sp>
+        <p:nvSpPr>
+          <p:cNvPr id="2" name="Title 1"/>
+          <p:cNvSpPr>
+            <a:spLocks noGrp="1"/>
+          </p:cNvSpPr>
+          <p:nvPr>
+            <p:ph type="title"/>
+          </p:nvPr>
+        </p:nvSpPr>
+        <p:spPr>
+          <a:xfrm>
+            <a:off x="838200" y="365125"/>
+            <a:ext cx="10515600" cy="5461934"/>
+          </a:xfrm>
+        </p:spPr>
+        <p:txBody>
+          <a:bodyPr>
+            <a:normAutofit/>
+          </a:bodyPr>
+          <a:lstStyle/>
+          <a:p>
+            <a:pPr algn="ctr"/>
+            <a:r>
+              <a:rPr lang="en-US" sz="16600" dirty="0" smtClean="0"/>
+              <a:t>Demo</a:t>
+            </a:r>
+            <a:endParaRPr lang="en-US" sz="16600" dirty="0"/>
+          </a:p>
+        </p:txBody>
+      </p:sp>
+    </p:spTree>
+    <p:extLst>
+      <p:ext uri="{BB962C8B-B14F-4D97-AF65-F5344CB8AC3E}">
+        <p14:creationId xmlns:p14="http://schemas.microsoft.com/office/powerpoint/2010/main" val="2125388724"/>
+      </p:ext>
+    </p:extLst>
+  </p:cSld>
+  <p:clrMapOvr>
+    <a:masterClrMapping/>
+  </p:clrMapOvr>
+</p:sld>
+</file>
+
+<file path=ppt/slides/slide11.xml><?xml version="1.0" encoding="utf-8"?>
+<p:sld xmlns:a="http://schemas.openxmlformats.org/drawingml/2006/main" xmlns:r="http://schemas.openxmlformats.org/officeDocument/2006/relationships" xmlns:p="http://schemas.openxmlformats.org/presentationml/2006/main">
+  <p:cSld>
+    <p:spTree>
+      <p:nvGrpSpPr>
+        <p:cNvPr id="1" name=""/>
+        <p:cNvGrpSpPr/>
+        <p:nvPr/>
+      </p:nvGrpSpPr>
+      <p:grpSpPr>
+        <a:xfrm>
+          <a:off x="0" y="0"/>
+          <a:ext cx="0" cy="0"/>
+          <a:chOff x="0" y="0"/>
+          <a:chExt cx="0" cy="0"/>
+        </a:xfrm>
+      </p:grpSpPr>
+      <p:sp>
+        <p:nvSpPr>
+          <p:cNvPr id="2" name="Title 1"/>
+          <p:cNvSpPr>
+            <a:spLocks noGrp="1"/>
+          </p:cNvSpPr>
+          <p:nvPr>
+            <p:ph type="title"/>
+          </p:nvPr>
+        </p:nvSpPr>
+        <p:spPr>
+          <a:xfrm>
+            <a:off x="838200" y="365125"/>
+            <a:ext cx="10515600" cy="5641228"/>
+          </a:xfrm>
+        </p:spPr>
+        <p:txBody>
+          <a:bodyPr>
+            <a:normAutofit/>
+          </a:bodyPr>
+          <a:lstStyle/>
+          <a:p>
+            <a:pPr algn="ctr"/>
+            <a:r>
+              <a:rPr lang="en-US" sz="13800" dirty="0" smtClean="0"/>
+              <a:t>Questions</a:t>
+            </a:r>
+            <a:endParaRPr lang="en-US" sz="13800" dirty="0"/>
+          </a:p>
+        </p:txBody>
+      </p:sp>
+    </p:spTree>
+    <p:extLst>
+      <p:ext uri="{BB962C8B-B14F-4D97-AF65-F5344CB8AC3E}">
+        <p14:creationId xmlns:p14="http://schemas.microsoft.com/office/powerpoint/2010/main" val="3010964313"/>
+      </p:ext>
+    </p:extLst>
+  </p:cSld>
+  <p:clrMapOvr>
+    <a:masterClrMapping/>
+  </p:clrMapOvr>
+</p:sld>
+</file>
+
+<file path=ppt/slides/slide12.xml><?xml version="1.0" encoding="utf-8"?>
+<p:sld xmlns:a="http://schemas.openxmlformats.org/drawingml/2006/main" xmlns:r="http://schemas.openxmlformats.org/officeDocument/2006/relationships" xmlns:p="http://schemas.openxmlformats.org/presentationml/2006/main">
+  <p:cSld>
+    <p:spTree>
+      <p:nvGrpSpPr>
+        <p:cNvPr id="1" name=""/>
+        <p:cNvGrpSpPr/>
+        <p:nvPr/>
+      </p:nvGrpSpPr>
+      <p:grpSpPr>
+        <a:xfrm>
+          <a:off x="0" y="0"/>
+          <a:ext cx="0" cy="0"/>
+          <a:chOff x="0" y="0"/>
+          <a:chExt cx="0" cy="0"/>
+        </a:xfrm>
+      </p:grpSpPr>
+      <p:sp>
+        <p:nvSpPr>
+          <p:cNvPr id="2" name="Title 1"/>
+          <p:cNvSpPr>
+            <a:spLocks noGrp="1"/>
+          </p:cNvSpPr>
+          <p:nvPr>
+            <p:ph type="title"/>
+          </p:nvPr>
+        </p:nvSpPr>
+        <p:spPr>
+          <a:xfrm>
+            <a:off x="838200" y="365125"/>
+            <a:ext cx="10515600" cy="5730875"/>
+          </a:xfrm>
+        </p:spPr>
+        <p:txBody>
+          <a:bodyPr/>
+          <a:lstStyle/>
+          <a:p>
+            <a:pPr algn="ctr"/>
+            <a:r>
+              <a:rPr lang="en-US" sz="13800" dirty="0" smtClean="0"/>
+              <a:t>Break</a:t>
+            </a:r>
+            <a:br>
+              <a:rPr lang="en-US" sz="13800" dirty="0" smtClean="0"/>
+            </a:br>
+            <a:r>
+              <a:rPr lang="en-US" sz="3200" dirty="0" smtClean="0"/>
+              <a:t>10 Minutes</a:t>
+            </a:r>
+            <a:endParaRPr lang="en-US" dirty="0"/>
+          </a:p>
+        </p:txBody>
+      </p:sp>
+    </p:spTree>
+    <p:extLst>
+      <p:ext uri="{BB962C8B-B14F-4D97-AF65-F5344CB8AC3E}">
+        <p14:creationId xmlns:p14="http://schemas.microsoft.com/office/powerpoint/2010/main" val="3913060118"/>
+      </p:ext>
+    </p:extLst>
+  </p:cSld>
+  <p:clrMapOvr>
+    <a:masterClrMapping/>
+  </p:clrMapOvr>
+</p:sld>
+</file>
+
+<file path=ppt/slides/slide2.xml><?xml version="1.0" encoding="utf-8"?>
+<p:sld xmlns:a="http://schemas.openxmlformats.org/drawingml/2006/main" xmlns:r="http://schemas.openxmlformats.org/officeDocument/2006/relationships" xmlns:p="http://schemas.openxmlformats.org/presentationml/2006/main">
+  <p:cSld>
+    <p:spTree>
+      <p:nvGrpSpPr>
+        <p:cNvPr id="1" name=""/>
+        <p:cNvGrpSpPr/>
+        <p:nvPr/>
+      </p:nvGrpSpPr>
+      <p:grpSpPr>
+        <a:xfrm>
+          <a:off x="0" y="0"/>
+          <a:ext cx="0" cy="0"/>
+          <a:chOff x="0" y="0"/>
+          <a:chExt cx="0" cy="0"/>
+        </a:xfrm>
+      </p:grpSpPr>
+      <p:sp>
+        <p:nvSpPr>
+          <p:cNvPr id="2" name="Title 1"/>
+          <p:cNvSpPr>
+            <a:spLocks noGrp="1"/>
+          </p:cNvSpPr>
+          <p:nvPr>
+            <p:ph type="title"/>
+          </p:nvPr>
+        </p:nvSpPr>
+        <p:spPr>
+          <a:xfrm>
+            <a:off x="838200" y="365125"/>
+            <a:ext cx="10515600" cy="999651"/>
+          </a:xfrm>
+        </p:spPr>
+        <p:txBody>
+          <a:bodyPr/>
+          <a:lstStyle/>
+          <a:p>
+            <a:r>
+              <a:rPr lang="en-US" dirty="0" smtClean="0"/>
+              <a:t>Agenda</a:t>
+            </a:r>
+            <a:endParaRPr lang="en-US" dirty="0"/>
+          </a:p>
+        </p:txBody>
+      </p:sp>
+      <p:sp>
+        <p:nvSpPr>
+          <p:cNvPr id="3" name="Content Placeholder 2"/>
+          <p:cNvSpPr>
+            <a:spLocks noGrp="1"/>
+          </p:cNvSpPr>
+          <p:nvPr>
+            <p:ph idx="1"/>
+          </p:nvPr>
+        </p:nvSpPr>
+        <p:spPr>
+          <a:xfrm>
+            <a:off x="838200" y="1380698"/>
+            <a:ext cx="4634552" cy="4921369"/>
+          </a:xfrm>
+        </p:spPr>
+        <p:txBody>
+          <a:bodyPr>
+            <a:normAutofit/>
+          </a:bodyPr>
+          <a:lstStyle/>
+          <a:p>
+            <a:r>
+              <a:rPr lang="en-US" dirty="0" smtClean="0"/>
+              <a:t>Customize</a:t>
+            </a:r>
+            <a:endParaRPr lang="en-US" dirty="0" smtClean="0"/>
+          </a:p>
+          <a:p>
+            <a:pPr lvl="1"/>
+            <a:r>
+              <a:rPr lang="en-US" dirty="0" smtClean="0"/>
+              <a:t>Add Applications</a:t>
+            </a:r>
+            <a:endParaRPr lang="en-US" dirty="0"/>
+          </a:p>
+          <a:p>
+            <a:pPr lvl="2"/>
+            <a:r>
+              <a:rPr lang="en-US" dirty="0" smtClean="0"/>
+              <a:t>Office 2016</a:t>
+            </a:r>
+          </a:p>
+          <a:p>
+            <a:pPr lvl="2"/>
+            <a:r>
+              <a:rPr lang="en-US" dirty="0" smtClean="0"/>
+              <a:t>Office 365 Pro Plus</a:t>
+            </a:r>
+          </a:p>
+          <a:p>
+            <a:pPr lvl="2"/>
+            <a:r>
+              <a:rPr lang="en-US" dirty="0" smtClean="0"/>
+              <a:t>Visual C++ run times</a:t>
+            </a:r>
+          </a:p>
+          <a:p>
+            <a:pPr lvl="2"/>
+            <a:r>
+              <a:rPr lang="en-US" dirty="0" smtClean="0"/>
+              <a:t>Other Apps</a:t>
+            </a:r>
+          </a:p>
+          <a:p>
+            <a:pPr lvl="1"/>
+            <a:r>
+              <a:rPr lang="en-US" dirty="0" smtClean="0"/>
+              <a:t>Import OS to MDT</a:t>
+            </a:r>
+          </a:p>
+          <a:p>
+            <a:pPr lvl="1"/>
+            <a:r>
+              <a:rPr lang="en-US" dirty="0" smtClean="0"/>
+              <a:t>Customizing/Tweaking OS</a:t>
+            </a:r>
+          </a:p>
+          <a:p>
+            <a:pPr lvl="2"/>
+            <a:r>
+              <a:rPr lang="en-US" dirty="0" smtClean="0"/>
+              <a:t>OEM Info</a:t>
+            </a:r>
+          </a:p>
+          <a:p>
+            <a:pPr lvl="2"/>
+            <a:r>
+              <a:rPr lang="en-US" dirty="0" smtClean="0"/>
+              <a:t>Set Default Applications</a:t>
+            </a:r>
+          </a:p>
+          <a:p>
+            <a:pPr lvl="2"/>
+            <a:r>
+              <a:rPr lang="en-US" dirty="0" smtClean="0"/>
+              <a:t>Background Changes</a:t>
+            </a:r>
+          </a:p>
+          <a:p>
+            <a:pPr lvl="2"/>
+            <a:r>
+              <a:rPr lang="en-US" dirty="0" smtClean="0"/>
+              <a:t>Lock Screen Changes</a:t>
+            </a:r>
+          </a:p>
+          <a:p>
+            <a:pPr lvl="2"/>
+            <a:r>
+              <a:rPr lang="en-US" dirty="0" smtClean="0"/>
+              <a:t>Start Menu Layout</a:t>
+            </a:r>
+          </a:p>
+        </p:txBody>
+      </p:sp>
+      <p:sp>
+        <p:nvSpPr>
+          <p:cNvPr id="4" name="Content Placeholder 2"/>
+          <p:cNvSpPr txBox="1">
+            <a:spLocks/>
+          </p:cNvSpPr>
+          <p:nvPr/>
+        </p:nvSpPr>
+        <p:spPr>
+          <a:xfrm>
+            <a:off x="5944750" y="1380698"/>
+            <a:ext cx="4634552" cy="4921369"/>
+          </a:xfrm>
+          <a:prstGeom prst="rect">
+            <a:avLst/>
+          </a:prstGeom>
+        </p:spPr>
+        <p:txBody>
+          <a:bodyPr vert="horz" lIns="91440" tIns="45720" rIns="91440" bIns="45720" rtlCol="0">
+            <a:normAutofit/>
+          </a:bodyPr>
+          <a:lstStyle>
+            <a:lvl1pPr marL="228600" indent="-228600" algn="l" defTabSz="914400" rtl="0" eaLnBrk="1" latinLnBrk="0" hangingPunct="1">
+              <a:lnSpc>
+                <a:spcPct val="90000"/>
+              </a:lnSpc>
+              <a:spcBef>
+                <a:spcPts val="1000"/>
+              </a:spcBef>
+              <a:buFont typeface="Arial" panose="020B0604020202020204" pitchFamily="34" charset="0"/>
+              <a:buChar char="•"/>
+              <a:defRPr sz="2800" kern="1200">
+                <a:solidFill>
+                  <a:schemeClr val="tx1"/>
+                </a:solidFill>
+                <a:latin typeface="+mn-lt"/>
+                <a:ea typeface="+mn-ea"/>
+                <a:cs typeface="+mn-cs"/>
+              </a:defRPr>
+            </a:lvl1pPr>
+            <a:lvl2pPr marL="685800" indent="-228600" algn="l" defTabSz="914400" rtl="0" eaLnBrk="1" latinLnBrk="0" hangingPunct="1">
+              <a:lnSpc>
+                <a:spcPct val="90000"/>
+              </a:lnSpc>
+              <a:spcBef>
+                <a:spcPts val="500"/>
+              </a:spcBef>
+              <a:buFont typeface="Arial" panose="020B0604020202020204" pitchFamily="34" charset="0"/>
+              <a:buChar char="•"/>
+              <a:defRPr sz="2400" kern="1200">
+                <a:solidFill>
+                  <a:schemeClr val="tx1"/>
+                </a:solidFill>
+                <a:latin typeface="+mn-lt"/>
+                <a:ea typeface="+mn-ea"/>
+                <a:cs typeface="+mn-cs"/>
+              </a:defRPr>
+            </a:lvl2pPr>
+            <a:lvl3pPr marL="1143000" indent="-228600" algn="l" defTabSz="914400" rtl="0" eaLnBrk="1" latinLnBrk="0" hangingPunct="1">
+              <a:lnSpc>
+                <a:spcPct val="90000"/>
+              </a:lnSpc>
+              <a:spcBef>
+                <a:spcPts val="500"/>
+              </a:spcBef>
+              <a:buFont typeface="Arial" panose="020B0604020202020204" pitchFamily="34" charset="0"/>
+              <a:buChar char="•"/>
+              <a:defRPr sz="2000" kern="1200">
+                <a:solidFill>
+                  <a:schemeClr val="tx1"/>
+                </a:solidFill>
+                <a:latin typeface="+mn-lt"/>
+                <a:ea typeface="+mn-ea"/>
+                <a:cs typeface="+mn-cs"/>
+              </a:defRPr>
+            </a:lvl3pPr>
+            <a:lvl4pPr marL="1600200" indent="-228600" algn="l" defTabSz="914400" rtl="0" eaLnBrk="1" latinLnBrk="0" hangingPunct="1">
+              <a:lnSpc>
+                <a:spcPct val="90000"/>
+              </a:lnSpc>
+              <a:spcBef>
+                <a:spcPts val="500"/>
+              </a:spcBef>
+              <a:buFont typeface="Arial" panose="020B0604020202020204" pitchFamily="34" charset="0"/>
+              <a:buChar char="•"/>
+              <a:defRPr sz="1800" kern="1200">
+                <a:solidFill>
+                  <a:schemeClr val="tx1"/>
+                </a:solidFill>
+                <a:latin typeface="+mn-lt"/>
+                <a:ea typeface="+mn-ea"/>
+                <a:cs typeface="+mn-cs"/>
+              </a:defRPr>
+            </a:lvl4pPr>
+            <a:lvl5pPr marL="2057400" indent="-228600" algn="l" defTabSz="914400" rtl="0" eaLnBrk="1" latinLnBrk="0" hangingPunct="1">
+              <a:lnSpc>
+                <a:spcPct val="90000"/>
+              </a:lnSpc>
+              <a:spcBef>
+                <a:spcPts val="500"/>
+              </a:spcBef>
+              <a:buFont typeface="Arial" panose="020B0604020202020204" pitchFamily="34" charset="0"/>
+              <a:buChar char="•"/>
+              <a:defRPr sz="1800" kern="1200">
+                <a:solidFill>
+                  <a:schemeClr val="tx1"/>
+                </a:solidFill>
+                <a:latin typeface="+mn-lt"/>
+                <a:ea typeface="+mn-ea"/>
+                <a:cs typeface="+mn-cs"/>
+              </a:defRPr>
+            </a:lvl5pPr>
+            <a:lvl6pPr marL="2514600" indent="-228600" algn="l" defTabSz="914400" rtl="0" eaLnBrk="1" latinLnBrk="0" hangingPunct="1">
+              <a:lnSpc>
+                <a:spcPct val="90000"/>
+              </a:lnSpc>
+              <a:spcBef>
+                <a:spcPts val="500"/>
+              </a:spcBef>
+              <a:buFont typeface="Arial" panose="020B0604020202020204" pitchFamily="34" charset="0"/>
+              <a:buChar char="•"/>
+              <a:defRPr sz="1800" kern="1200">
+                <a:solidFill>
+                  <a:schemeClr val="tx1"/>
+                </a:solidFill>
+                <a:latin typeface="+mn-lt"/>
+                <a:ea typeface="+mn-ea"/>
+                <a:cs typeface="+mn-cs"/>
+              </a:defRPr>
+            </a:lvl6pPr>
+            <a:lvl7pPr marL="2971800" indent="-228600" algn="l" defTabSz="914400" rtl="0" eaLnBrk="1" latinLnBrk="0" hangingPunct="1">
+              <a:lnSpc>
+                <a:spcPct val="90000"/>
+              </a:lnSpc>
+              <a:spcBef>
+                <a:spcPts val="500"/>
+              </a:spcBef>
+              <a:buFont typeface="Arial" panose="020B0604020202020204" pitchFamily="34" charset="0"/>
+              <a:buChar char="•"/>
+              <a:defRPr sz="1800" kern="1200">
+                <a:solidFill>
+                  <a:schemeClr val="tx1"/>
+                </a:solidFill>
+                <a:latin typeface="+mn-lt"/>
+                <a:ea typeface="+mn-ea"/>
+                <a:cs typeface="+mn-cs"/>
+              </a:defRPr>
+            </a:lvl7pPr>
+            <a:lvl8pPr marL="3429000" indent="-228600" algn="l" defTabSz="914400" rtl="0" eaLnBrk="1" latinLnBrk="0" hangingPunct="1">
+              <a:lnSpc>
+                <a:spcPct val="90000"/>
+              </a:lnSpc>
+              <a:spcBef>
+                <a:spcPts val="500"/>
+              </a:spcBef>
+              <a:buFont typeface="Arial" panose="020B0604020202020204" pitchFamily="34" charset="0"/>
+              <a:buChar char="•"/>
+              <a:defRPr sz="1800" kern="1200">
+                <a:solidFill>
+                  <a:schemeClr val="tx1"/>
+                </a:solidFill>
+                <a:latin typeface="+mn-lt"/>
+                <a:ea typeface="+mn-ea"/>
+                <a:cs typeface="+mn-cs"/>
+              </a:defRPr>
+            </a:lvl8pPr>
+            <a:lvl9pPr marL="3886200" indent="-228600" algn="l" defTabSz="914400" rtl="0" eaLnBrk="1" latinLnBrk="0" hangingPunct="1">
+              <a:lnSpc>
+                <a:spcPct val="90000"/>
+              </a:lnSpc>
+              <a:spcBef>
+                <a:spcPts val="500"/>
+              </a:spcBef>
+              <a:buFont typeface="Arial" panose="020B0604020202020204" pitchFamily="34" charset="0"/>
+              <a:buChar char="•"/>
+              <a:defRPr sz="1800" kern="1200">
+                <a:solidFill>
+                  <a:schemeClr val="tx1"/>
+                </a:solidFill>
+                <a:latin typeface="+mn-lt"/>
+                <a:ea typeface="+mn-ea"/>
+                <a:cs typeface="+mn-cs"/>
+              </a:defRPr>
+            </a:lvl9pPr>
+          </a:lstStyle>
+          <a:p>
+            <a:r>
+              <a:rPr lang="en-US" dirty="0" smtClean="0"/>
+              <a:t>Customize</a:t>
+            </a:r>
+          </a:p>
+          <a:p>
+            <a:pPr lvl="1"/>
+            <a:r>
+              <a:rPr lang="en-US" dirty="0" smtClean="0"/>
+              <a:t>Create Task Sequence</a:t>
+            </a:r>
+          </a:p>
+          <a:p>
+            <a:pPr lvl="2"/>
+            <a:r>
+              <a:rPr lang="en-US" dirty="0" smtClean="0"/>
+              <a:t>Adjust Power plan</a:t>
+            </a:r>
+          </a:p>
+          <a:p>
+            <a:pPr lvl="2"/>
+            <a:r>
+              <a:rPr lang="en-US" dirty="0" smtClean="0"/>
+              <a:t>Disable/Enable Windows Store Update Scripts</a:t>
+            </a:r>
+          </a:p>
+          <a:p>
+            <a:pPr lvl="2"/>
+            <a:r>
+              <a:rPr lang="en-US" dirty="0" smtClean="0"/>
+              <a:t>Clear WSUS Script</a:t>
+            </a:r>
+          </a:p>
+          <a:p>
+            <a:pPr lvl="2"/>
+            <a:r>
+              <a:rPr lang="en-US" dirty="0" smtClean="0"/>
+              <a:t>Cleanup Image Script</a:t>
+            </a:r>
+          </a:p>
+          <a:p>
+            <a:pPr lvl="1"/>
+            <a:r>
+              <a:rPr lang="en-US" dirty="0" smtClean="0"/>
+              <a:t>Demo</a:t>
+            </a:r>
+          </a:p>
+          <a:p>
+            <a:pPr lvl="1"/>
+            <a:r>
+              <a:rPr lang="en-US" dirty="0" smtClean="0"/>
+              <a:t>Questions</a:t>
+            </a:r>
+            <a:endParaRPr lang="en-US" dirty="0"/>
+          </a:p>
+        </p:txBody>
+      </p:sp>
+    </p:spTree>
+    <p:extLst>
+      <p:ext uri="{BB962C8B-B14F-4D97-AF65-F5344CB8AC3E}">
+        <p14:creationId xmlns:p14="http://schemas.microsoft.com/office/powerpoint/2010/main" val="3918893704"/>
+      </p:ext>
+    </p:extLst>
+  </p:cSld>
+  <p:clrMapOvr>
+    <a:masterClrMapping/>
+  </p:clrMapOvr>
+  <p:timing>
+    <p:tnLst>
+      <p:par>
+        <p:cTn id="1" dur="indefinite" restart="never" nodeType="tmRoot"/>
+      </p:par>
+    </p:tnLst>
+  </p:timing>
+</p:sld>
+</file>
+
+<file path=ppt/slides/slide3.xml><?xml version="1.0" encoding="utf-8"?>
+<p:sld xmlns:a="http://schemas.openxmlformats.org/drawingml/2006/main" xmlns:r="http://schemas.openxmlformats.org/officeDocument/2006/relationships" xmlns:p="http://schemas.openxmlformats.org/presentationml/2006/main">
+  <p:cSld>
+    <p:spTree>
+      <p:nvGrpSpPr>
+        <p:cNvPr id="1" name=""/>
+        <p:cNvGrpSpPr/>
+        <p:nvPr/>
+      </p:nvGrpSpPr>
+      <p:grpSpPr>
+        <a:xfrm>
+          <a:off x="0" y="0"/>
+          <a:ext cx="0" cy="0"/>
+          <a:chOff x="0" y="0"/>
+          <a:chExt cx="0" cy="0"/>
+        </a:xfrm>
+      </p:grpSpPr>
+      <p:sp>
+        <p:nvSpPr>
+          <p:cNvPr id="2" name="Title 1"/>
+          <p:cNvSpPr>
+            <a:spLocks noGrp="1"/>
+          </p:cNvSpPr>
+          <p:nvPr>
+            <p:ph type="title"/>
+          </p:nvPr>
+        </p:nvSpPr>
+        <p:spPr/>
+        <p:txBody>
+          <a:bodyPr/>
+          <a:lstStyle/>
+          <a:p>
+            <a:r>
+              <a:rPr lang="en-US" dirty="0" smtClean="0"/>
+              <a:t>Things you will need</a:t>
+            </a:r>
+            <a:endParaRPr lang="en-US" dirty="0"/>
+          </a:p>
+        </p:txBody>
+      </p:sp>
+      <p:sp>
+        <p:nvSpPr>
+          <p:cNvPr id="3" name="Content Placeholder 2"/>
+          <p:cNvSpPr>
+            <a:spLocks noGrp="1"/>
+          </p:cNvSpPr>
+          <p:nvPr>
+            <p:ph idx="1"/>
+          </p:nvPr>
+        </p:nvSpPr>
+        <p:spPr/>
+        <p:txBody>
+          <a:bodyPr/>
+          <a:lstStyle/>
+          <a:p>
+            <a:r>
+              <a:rPr lang="en-US" dirty="0" smtClean="0"/>
+              <a:t>Computer to build images on (Laptop or Server)</a:t>
+            </a:r>
+          </a:p>
+          <a:p>
+            <a:r>
+              <a:rPr lang="en-US" dirty="0" smtClean="0"/>
+              <a:t>Windows 10 Education iso (</a:t>
+            </a:r>
+            <a:r>
+              <a:rPr lang="en-US" b="1" dirty="0" smtClean="0"/>
+              <a:t>1809</a:t>
+            </a:r>
+            <a:r>
+              <a:rPr lang="en-US" dirty="0" smtClean="0"/>
+              <a:t>, 1803, or 1709)</a:t>
+            </a:r>
+          </a:p>
+          <a:p>
+            <a:r>
+              <a:rPr lang="en-US" dirty="0" smtClean="0"/>
+              <a:t>Windows 10 ADK 10 v 1809</a:t>
+            </a:r>
+          </a:p>
+          <a:p>
+            <a:r>
+              <a:rPr lang="en-US" dirty="0" smtClean="0"/>
+              <a:t>WinPE addon for Windows 10 ADK v1809</a:t>
+            </a:r>
+          </a:p>
+          <a:p>
+            <a:r>
+              <a:rPr lang="en-US" dirty="0" smtClean="0"/>
+              <a:t>Microsoft Deployment Toolkit (MDT) 8450</a:t>
+            </a:r>
+          </a:p>
+          <a:p>
+            <a:r>
+              <a:rPr lang="en-US" dirty="0" smtClean="0"/>
+              <a:t>Script to relax deployment share permissions</a:t>
+            </a:r>
+          </a:p>
+        </p:txBody>
+      </p:sp>
+    </p:spTree>
+    <p:extLst>
+      <p:ext uri="{BB962C8B-B14F-4D97-AF65-F5344CB8AC3E}">
+        <p14:creationId xmlns:p14="http://schemas.microsoft.com/office/powerpoint/2010/main" val="633198053"/>
+      </p:ext>
+    </p:extLst>
+  </p:cSld>
+  <p:clrMapOvr>
+    <a:masterClrMapping/>
+  </p:clrMapOvr>
+</p:sld>
+</file>
+
+<file path=ppt/slides/slide4.xml><?xml version="1.0" encoding="utf-8"?>
+<p:sld xmlns:a="http://schemas.openxmlformats.org/drawingml/2006/main" xmlns:r="http://schemas.openxmlformats.org/officeDocument/2006/relationships" xmlns:p="http://schemas.openxmlformats.org/presentationml/2006/main">
+  <p:cSld>
+    <p:spTree>
+      <p:nvGrpSpPr>
+        <p:cNvPr id="1" name=""/>
+        <p:cNvGrpSpPr/>
+        <p:nvPr/>
+      </p:nvGrpSpPr>
+      <p:grpSpPr>
+        <a:xfrm>
+          <a:off x="0" y="0"/>
+          <a:ext cx="0" cy="0"/>
+          <a:chOff x="0" y="0"/>
+          <a:chExt cx="0" cy="0"/>
+        </a:xfrm>
+      </p:grpSpPr>
+      <p:sp>
+        <p:nvSpPr>
+          <p:cNvPr id="2" name="Title 1"/>
+          <p:cNvSpPr>
+            <a:spLocks noGrp="1"/>
+          </p:cNvSpPr>
+          <p:nvPr>
+            <p:ph type="title"/>
+          </p:nvPr>
+        </p:nvSpPr>
+        <p:spPr/>
+        <p:txBody>
+          <a:bodyPr/>
+          <a:lstStyle/>
+          <a:p>
+            <a:r>
+              <a:rPr lang="en-US" dirty="0" smtClean="0"/>
+              <a:t>Add Applications</a:t>
+            </a:r>
+            <a:br>
+              <a:rPr lang="en-US" dirty="0" smtClean="0"/>
+            </a:br>
+            <a:r>
+              <a:rPr lang="en-US" sz="2800" dirty="0" smtClean="0"/>
+              <a:t>Office 2016</a:t>
+            </a:r>
+            <a:endParaRPr lang="en-US" sz="4000" dirty="0"/>
+          </a:p>
+        </p:txBody>
+      </p:sp>
+      <p:sp>
+        <p:nvSpPr>
+          <p:cNvPr id="3" name="Content Placeholder 2"/>
+          <p:cNvSpPr>
+            <a:spLocks noGrp="1"/>
+          </p:cNvSpPr>
+          <p:nvPr>
+            <p:ph idx="1"/>
+          </p:nvPr>
+        </p:nvSpPr>
+        <p:spPr/>
+        <p:txBody>
+          <a:bodyPr/>
+          <a:lstStyle/>
+          <a:p>
+            <a:endParaRPr lang="en-US"/>
+          </a:p>
+        </p:txBody>
+      </p:sp>
+    </p:spTree>
+    <p:extLst>
+      <p:ext uri="{BB962C8B-B14F-4D97-AF65-F5344CB8AC3E}">
+        <p14:creationId xmlns:p14="http://schemas.microsoft.com/office/powerpoint/2010/main" val="1849670683"/>
+      </p:ext>
+    </p:extLst>
+  </p:cSld>
+  <p:clrMapOvr>
+    <a:masterClrMapping/>
+  </p:clrMapOvr>
+</p:sld>
+</file>
+
+<file path=ppt/slides/slide5.xml><?xml version="1.0" encoding="utf-8"?>
+<p:sld xmlns:a="http://schemas.openxmlformats.org/drawingml/2006/main" xmlns:r="http://schemas.openxmlformats.org/officeDocument/2006/relationships" xmlns:p="http://schemas.openxmlformats.org/presentationml/2006/main">
+  <p:cSld>
+    <p:spTree>
+      <p:nvGrpSpPr>
+        <p:cNvPr id="1" name=""/>
+        <p:cNvGrpSpPr/>
+        <p:nvPr/>
+      </p:nvGrpSpPr>
+      <p:grpSpPr>
+        <a:xfrm>
+          <a:off x="0" y="0"/>
+          <a:ext cx="0" cy="0"/>
+          <a:chOff x="0" y="0"/>
+          <a:chExt cx="0" cy="0"/>
+        </a:xfrm>
+      </p:grpSpPr>
+      <p:sp>
+        <p:nvSpPr>
+          <p:cNvPr id="2" name="Title 1"/>
+          <p:cNvSpPr>
+            <a:spLocks noGrp="1"/>
+          </p:cNvSpPr>
+          <p:nvPr>
+            <p:ph type="title"/>
+          </p:nvPr>
+        </p:nvSpPr>
+        <p:spPr/>
+        <p:txBody>
+          <a:bodyPr/>
+          <a:lstStyle/>
+          <a:p>
+            <a:r>
+              <a:rPr lang="en-US" dirty="0" smtClean="0"/>
+              <a:t>Add Applications</a:t>
+            </a:r>
+            <a:br>
+              <a:rPr lang="en-US" dirty="0" smtClean="0"/>
+            </a:br>
+            <a:r>
+              <a:rPr lang="en-US" sz="2800" dirty="0" smtClean="0"/>
+              <a:t>Office 365 Pro Plus</a:t>
+            </a:r>
+            <a:endParaRPr lang="en-US" sz="4000" dirty="0"/>
+          </a:p>
+        </p:txBody>
+      </p:sp>
+      <p:sp>
+        <p:nvSpPr>
+          <p:cNvPr id="3" name="Content Placeholder 2"/>
+          <p:cNvSpPr>
+            <a:spLocks noGrp="1"/>
+          </p:cNvSpPr>
+          <p:nvPr>
+            <p:ph idx="1"/>
+          </p:nvPr>
+        </p:nvSpPr>
+        <p:spPr/>
+        <p:txBody>
+          <a:bodyPr/>
+          <a:lstStyle/>
+          <a:p>
+            <a:endParaRPr lang="en-US"/>
+          </a:p>
+        </p:txBody>
+      </p:sp>
+    </p:spTree>
+    <p:extLst>
+      <p:ext uri="{BB962C8B-B14F-4D97-AF65-F5344CB8AC3E}">
+        <p14:creationId xmlns:p14="http://schemas.microsoft.com/office/powerpoint/2010/main" val="12183987"/>
+      </p:ext>
+    </p:extLst>
+  </p:cSld>
+  <p:clrMapOvr>
+    <a:masterClrMapping/>
+  </p:clrMapOvr>
+</p:sld>
+</file>
+
+<file path=ppt/slides/slide6.xml><?xml version="1.0" encoding="utf-8"?>
+<p:sld xmlns:a="http://schemas.openxmlformats.org/drawingml/2006/main" xmlns:r="http://schemas.openxmlformats.org/officeDocument/2006/relationships" xmlns:p="http://schemas.openxmlformats.org/presentationml/2006/main">
+  <p:cSld>
+    <p:spTree>
+      <p:nvGrpSpPr>
+        <p:cNvPr id="1" name=""/>
+        <p:cNvGrpSpPr/>
+        <p:nvPr/>
+      </p:nvGrpSpPr>
+      <p:grpSpPr>
+        <a:xfrm>
+          <a:off x="0" y="0"/>
+          <a:ext cx="0" cy="0"/>
+          <a:chOff x="0" y="0"/>
+          <a:chExt cx="0" cy="0"/>
+        </a:xfrm>
+      </p:grpSpPr>
+      <p:sp>
+        <p:nvSpPr>
+          <p:cNvPr id="2" name="Title 1"/>
+          <p:cNvSpPr>
+            <a:spLocks noGrp="1"/>
+          </p:cNvSpPr>
+          <p:nvPr>
+            <p:ph type="title"/>
+          </p:nvPr>
+        </p:nvSpPr>
+        <p:spPr/>
+        <p:txBody>
+          <a:bodyPr/>
+          <a:lstStyle/>
+          <a:p>
+            <a:r>
+              <a:rPr lang="en-US" dirty="0" smtClean="0"/>
+              <a:t>Add Applications</a:t>
+            </a:r>
+            <a:br>
+              <a:rPr lang="en-US" dirty="0" smtClean="0"/>
+            </a:br>
+            <a:r>
+              <a:rPr lang="en-US" sz="2800" dirty="0" smtClean="0"/>
+              <a:t>Visual C++ run times</a:t>
+            </a:r>
+            <a:endParaRPr lang="en-US" sz="4000" dirty="0"/>
+          </a:p>
+        </p:txBody>
+      </p:sp>
+      <p:sp>
+        <p:nvSpPr>
+          <p:cNvPr id="3" name="Content Placeholder 2"/>
+          <p:cNvSpPr>
+            <a:spLocks noGrp="1"/>
+          </p:cNvSpPr>
+          <p:nvPr>
+            <p:ph idx="1"/>
+          </p:nvPr>
+        </p:nvSpPr>
+        <p:spPr/>
+        <p:txBody>
+          <a:bodyPr/>
+          <a:lstStyle/>
+          <a:p>
+            <a:endParaRPr lang="en-US"/>
+          </a:p>
+        </p:txBody>
+      </p:sp>
+    </p:spTree>
+    <p:extLst>
+      <p:ext uri="{BB962C8B-B14F-4D97-AF65-F5344CB8AC3E}">
+        <p14:creationId xmlns:p14="http://schemas.microsoft.com/office/powerpoint/2010/main" val="2673691324"/>
+      </p:ext>
+    </p:extLst>
+  </p:cSld>
+  <p:clrMapOvr>
+    <a:masterClrMapping/>
+  </p:clrMapOvr>
+</p:sld>
+</file>
+
+<file path=ppt/slides/slide7.xml><?xml version="1.0" encoding="utf-8"?>
+<p:sld xmlns:a="http://schemas.openxmlformats.org/drawingml/2006/main" xmlns:r="http://schemas.openxmlformats.org/officeDocument/2006/relationships" xmlns:p="http://schemas.openxmlformats.org/presentationml/2006/main">
+  <p:cSld>
+    <p:spTree>
+      <p:nvGrpSpPr>
+        <p:cNvPr id="1" name=""/>
+        <p:cNvGrpSpPr/>
+        <p:nvPr/>
+      </p:nvGrpSpPr>
+      <p:grpSpPr>
+        <a:xfrm>
+          <a:off x="0" y="0"/>
+          <a:ext cx="0" cy="0"/>
+          <a:chOff x="0" y="0"/>
+          <a:chExt cx="0" cy="0"/>
+        </a:xfrm>
+      </p:grpSpPr>
+      <p:sp>
+        <p:nvSpPr>
+          <p:cNvPr id="2" name="Title 1"/>
+          <p:cNvSpPr>
+            <a:spLocks noGrp="1"/>
+          </p:cNvSpPr>
+          <p:nvPr>
+            <p:ph type="title"/>
+          </p:nvPr>
+        </p:nvSpPr>
+        <p:spPr/>
+        <p:txBody>
+          <a:bodyPr/>
+          <a:lstStyle/>
+          <a:p>
+            <a:r>
+              <a:rPr lang="en-US" dirty="0" smtClean="0"/>
+              <a:t>Add Applications</a:t>
+            </a:r>
+            <a:br>
+              <a:rPr lang="en-US" dirty="0" smtClean="0"/>
+            </a:br>
+            <a:r>
+              <a:rPr lang="en-US" sz="2800" dirty="0" smtClean="0"/>
+              <a:t>Other Apps</a:t>
+            </a:r>
+            <a:endParaRPr lang="en-US" sz="4000" dirty="0"/>
+          </a:p>
+        </p:txBody>
+      </p:sp>
+      <p:sp>
+        <p:nvSpPr>
+          <p:cNvPr id="3" name="Content Placeholder 2"/>
+          <p:cNvSpPr>
+            <a:spLocks noGrp="1"/>
+          </p:cNvSpPr>
+          <p:nvPr>
+            <p:ph idx="1"/>
+          </p:nvPr>
+        </p:nvSpPr>
+        <p:spPr/>
+        <p:txBody>
+          <a:bodyPr/>
+          <a:lstStyle/>
+          <a:p>
+            <a:endParaRPr lang="en-US"/>
+          </a:p>
+        </p:txBody>
+      </p:sp>
+    </p:spTree>
+    <p:extLst>
+      <p:ext uri="{BB962C8B-B14F-4D97-AF65-F5344CB8AC3E}">
+        <p14:creationId xmlns:p14="http://schemas.microsoft.com/office/powerpoint/2010/main" val="709126113"/>
+      </p:ext>
+    </p:extLst>
+  </p:cSld>
+  <p:clrMapOvr>
+    <a:masterClrMapping/>
+  </p:clrMapOvr>
+</p:sld>
+</file>
+
+<file path=ppt/slides/slide8.xml><?xml version="1.0" encoding="utf-8"?>
+<p:sld xmlns:a="http://schemas.openxmlformats.org/drawingml/2006/main" xmlns:r="http://schemas.openxmlformats.org/officeDocument/2006/relationships" xmlns:p="http://schemas.openxmlformats.org/presentationml/2006/main">
+  <p:cSld>
+    <p:spTree>
+      <p:nvGrpSpPr>
+        <p:cNvPr id="1" name=""/>
+        <p:cNvGrpSpPr/>
+        <p:nvPr/>
+      </p:nvGrpSpPr>
+      <p:grpSpPr>
+        <a:xfrm>
+          <a:off x="0" y="0"/>
+          <a:ext cx="0" cy="0"/>
+          <a:chOff x="0" y="0"/>
+          <a:chExt cx="0" cy="0"/>
+        </a:xfrm>
+      </p:grpSpPr>
+      <p:sp>
+        <p:nvSpPr>
+          <p:cNvPr id="2" name="Title 1"/>
+          <p:cNvSpPr>
+            <a:spLocks noGrp="1"/>
+          </p:cNvSpPr>
+          <p:nvPr>
+            <p:ph type="title"/>
+          </p:nvPr>
+        </p:nvSpPr>
+        <p:spPr/>
+        <p:txBody>
+          <a:bodyPr/>
+          <a:lstStyle/>
+          <a:p>
+            <a:r>
+              <a:rPr lang="en-US" dirty="0" smtClean="0"/>
+              <a:t>Import OS to MDT</a:t>
+            </a:r>
+            <a:endParaRPr lang="en-US" dirty="0"/>
+          </a:p>
+        </p:txBody>
+      </p:sp>
+      <p:sp>
+        <p:nvSpPr>
+          <p:cNvPr id="3" name="Content Placeholder 2"/>
+          <p:cNvSpPr>
+            <a:spLocks noGrp="1"/>
+          </p:cNvSpPr>
+          <p:nvPr>
+            <p:ph idx="1"/>
+          </p:nvPr>
+        </p:nvSpPr>
+        <p:spPr/>
+        <p:txBody>
+          <a:bodyPr/>
+          <a:lstStyle/>
+          <a:p>
+            <a:endParaRPr lang="en-US"/>
+          </a:p>
+        </p:txBody>
+      </p:sp>
+    </p:spTree>
+    <p:extLst>
+      <p:ext uri="{BB962C8B-B14F-4D97-AF65-F5344CB8AC3E}">
+        <p14:creationId xmlns:p14="http://schemas.microsoft.com/office/powerpoint/2010/main" val="194228008"/>
+      </p:ext>
+    </p:extLst>
+  </p:cSld>
+  <p:clrMapOvr>
+    <a:masterClrMapping/>
+  </p:clrMapOvr>
+</p:sld>
+</file>
+
+<file path=ppt/slides/slide9.xml><?xml version="1.0" encoding="utf-8"?>
+<p:sld xmlns:a="http://schemas.openxmlformats.org/drawingml/2006/main" xmlns:r="http://schemas.openxmlformats.org/officeDocument/2006/relationships" xmlns:p="http://schemas.openxmlformats.org/presentationml/2006/main">
+  <p:cSld>
+    <p:spTree>
+      <p:nvGrpSpPr>
+        <p:cNvPr id="1" name=""/>
+        <p:cNvGrpSpPr/>
+        <p:nvPr/>
+      </p:nvGrpSpPr>
+      <p:grpSpPr>
+        <a:xfrm>
+          <a:off x="0" y="0"/>
+          <a:ext cx="0" cy="0"/>
+          <a:chOff x="0" y="0"/>
+          <a:chExt cx="0" cy="0"/>
+        </a:xfrm>
+      </p:grpSpPr>
+      <p:sp>
+        <p:nvSpPr>
+          <p:cNvPr id="2" name="Title 1"/>
+          <p:cNvSpPr>
+            <a:spLocks noGrp="1"/>
+          </p:cNvSpPr>
+          <p:nvPr>
+            <p:ph type="title"/>
+          </p:nvPr>
+        </p:nvSpPr>
+        <p:spPr/>
+        <p:txBody>
+          <a:bodyPr/>
+          <a:lstStyle/>
+          <a:p>
+            <a:r>
+              <a:rPr lang="en-US" dirty="0" smtClean="0"/>
+              <a:t>Customizing/Tweaking OS</a:t>
+            </a:r>
+            <a:br>
+              <a:rPr lang="en-US" dirty="0" smtClean="0"/>
+            </a:br>
+            <a:r>
+              <a:rPr lang="en-US" sz="2800" dirty="0" smtClean="0"/>
+              <a:t>OEM Info</a:t>
+            </a:r>
+            <a:endParaRPr lang="en-US" sz="4800" dirty="0"/>
+          </a:p>
+        </p:txBody>
+      </p:sp>
+      <p:sp>
+        <p:nvSpPr>
+          <p:cNvPr id="3" name="Content Placeholder 2"/>
+          <p:cNvSpPr>
+            <a:spLocks noGrp="1"/>
+          </p:cNvSpPr>
+          <p:nvPr>
+            <p:ph idx="1"/>
+          </p:nvPr>
+        </p:nvSpPr>
+        <p:spPr/>
+        <p:txBody>
+          <a:bodyPr/>
+          <a:lstStyle/>
+          <a:p>
+            <a:endParaRPr lang="en-US"/>
+          </a:p>
+        </p:txBody>
+      </p:sp>
+    </p:spTree>
+    <p:extLst>
+      <p:ext uri="{BB962C8B-B14F-4D97-AF65-F5344CB8AC3E}">
+        <p14:creationId xmlns:p14="http://schemas.microsoft.com/office/powerpoint/2010/main" val="3199165030"/>
+      </p:ext>
+    </p:extLst>
+  </p:cSld>
+  <p:clrMapOvr>
+    <a:masterClrMapping/>
+  </p:clrMapOvr>
+</p:sld>
+</file>
+
 <file path=ppt/theme/theme1.xml><?xml version="1.0" encoding="utf-8"?>
 <a:theme xmlns:a="http://schemas.openxmlformats.org/drawingml/2006/main" name="Office Theme">
   <a:themeElements>

--- a/Part_01/Section02.pptx
+++ b/Part_01/Section02.pptx
@@ -265,7 +265,7 @@
           <a:p>
             <a:fld id="{3D626D60-E8ED-4541-BE33-B3C1FAE5292A}" type="datetimeFigureOut">
               <a:rPr lang="en-US" smtClean="0"/>
-              <a:t>10/29/2018</a:t>
+              <a:t>10/30/2018</a:t>
             </a:fld>
             <a:endParaRPr lang="en-US"/>
           </a:p>
@@ -435,7 +435,7 @@
           <a:p>
             <a:fld id="{3D626D60-E8ED-4541-BE33-B3C1FAE5292A}" type="datetimeFigureOut">
               <a:rPr lang="en-US" smtClean="0"/>
-              <a:t>10/29/2018</a:t>
+              <a:t>10/30/2018</a:t>
             </a:fld>
             <a:endParaRPr lang="en-US"/>
           </a:p>
@@ -615,7 +615,7 @@
           <a:p>
             <a:fld id="{3D626D60-E8ED-4541-BE33-B3C1FAE5292A}" type="datetimeFigureOut">
               <a:rPr lang="en-US" smtClean="0"/>
-              <a:t>10/29/2018</a:t>
+              <a:t>10/30/2018</a:t>
             </a:fld>
             <a:endParaRPr lang="en-US"/>
           </a:p>
@@ -785,7 +785,7 @@
           <a:p>
             <a:fld id="{3D626D60-E8ED-4541-BE33-B3C1FAE5292A}" type="datetimeFigureOut">
               <a:rPr lang="en-US" smtClean="0"/>
-              <a:t>10/29/2018</a:t>
+              <a:t>10/30/2018</a:t>
             </a:fld>
             <a:endParaRPr lang="en-US"/>
           </a:p>
@@ -1031,7 +1031,7 @@
           <a:p>
             <a:fld id="{3D626D60-E8ED-4541-BE33-B3C1FAE5292A}" type="datetimeFigureOut">
               <a:rPr lang="en-US" smtClean="0"/>
-              <a:t>10/29/2018</a:t>
+              <a:t>10/30/2018</a:t>
             </a:fld>
             <a:endParaRPr lang="en-US"/>
           </a:p>
@@ -1263,7 +1263,7 @@
           <a:p>
             <a:fld id="{3D626D60-E8ED-4541-BE33-B3C1FAE5292A}" type="datetimeFigureOut">
               <a:rPr lang="en-US" smtClean="0"/>
-              <a:t>10/29/2018</a:t>
+              <a:t>10/30/2018</a:t>
             </a:fld>
             <a:endParaRPr lang="en-US"/>
           </a:p>
@@ -1630,7 +1630,7 @@
           <a:p>
             <a:fld id="{3D626D60-E8ED-4541-BE33-B3C1FAE5292A}" type="datetimeFigureOut">
               <a:rPr lang="en-US" smtClean="0"/>
-              <a:t>10/29/2018</a:t>
+              <a:t>10/30/2018</a:t>
             </a:fld>
             <a:endParaRPr lang="en-US"/>
           </a:p>
@@ -1748,7 +1748,7 @@
           <a:p>
             <a:fld id="{3D626D60-E8ED-4541-BE33-B3C1FAE5292A}" type="datetimeFigureOut">
               <a:rPr lang="en-US" smtClean="0"/>
-              <a:t>10/29/2018</a:t>
+              <a:t>10/30/2018</a:t>
             </a:fld>
             <a:endParaRPr lang="en-US"/>
           </a:p>
@@ -1843,7 +1843,7 @@
           <a:p>
             <a:fld id="{3D626D60-E8ED-4541-BE33-B3C1FAE5292A}" type="datetimeFigureOut">
               <a:rPr lang="en-US" smtClean="0"/>
-              <a:t>10/29/2018</a:t>
+              <a:t>10/30/2018</a:t>
             </a:fld>
             <a:endParaRPr lang="en-US"/>
           </a:p>
@@ -2120,7 +2120,7 @@
           <a:p>
             <a:fld id="{3D626D60-E8ED-4541-BE33-B3C1FAE5292A}" type="datetimeFigureOut">
               <a:rPr lang="en-US" smtClean="0"/>
-              <a:t>10/29/2018</a:t>
+              <a:t>10/30/2018</a:t>
             </a:fld>
             <a:endParaRPr lang="en-US"/>
           </a:p>
@@ -2373,7 +2373,7 @@
           <a:p>
             <a:fld id="{3D626D60-E8ED-4541-BE33-B3C1FAE5292A}" type="datetimeFigureOut">
               <a:rPr lang="en-US" smtClean="0"/>
-              <a:t>10/29/2018</a:t>
+              <a:t>10/30/2018</a:t>
             </a:fld>
             <a:endParaRPr lang="en-US"/>
           </a:p>
@@ -2586,7 +2586,7 @@
           <a:p>
             <a:fld id="{3D626D60-E8ED-4541-BE33-B3C1FAE5292A}" type="datetimeFigureOut">
               <a:rPr lang="en-US" smtClean="0"/>
-              <a:t>10/29/2018</a:t>
+              <a:t>10/30/2018</a:t>
             </a:fld>
             <a:endParaRPr lang="en-US"/>
           </a:p>
@@ -3319,7 +3319,6 @@
               <a:rPr lang="en-US" dirty="0" smtClean="0"/>
               <a:t>Customize</a:t>
             </a:r>
-            <a:endParaRPr lang="en-US" dirty="0" smtClean="0"/>
           </a:p>
           <a:p>
             <a:pPr lvl="1"/>
@@ -3846,7 +3845,17 @@
           <a:bodyPr/>
           <a:lstStyle/>
           <a:p>
-            <a:endParaRPr lang="en-US"/>
+            <a:r>
+              <a:rPr lang="en-US" dirty="0" smtClean="0"/>
+              <a:t>Need Office 2016 install media</a:t>
+            </a:r>
+          </a:p>
+          <a:p>
+            <a:r>
+              <a:rPr lang="en-US" dirty="0" smtClean="0"/>
+              <a:t>Create MSP file by running setup.exe /admin</a:t>
+            </a:r>
+            <a:endParaRPr lang="en-US" dirty="0"/>
           </a:p>
         </p:txBody>
       </p:sp>

--- a/Part_01/Section02.pptx
+++ b/Part_01/Section02.pptx
@@ -4,19 +4,23 @@
   <p:sldMasterIdLst>
     <p:sldMasterId id="2147483648" r:id="rId1"/>
   </p:sldMasterIdLst>
+  <p:notesMasterIdLst>
+    <p:notesMasterId r:id="rId15"/>
+  </p:notesMasterIdLst>
   <p:sldIdLst>
     <p:sldId id="256" r:id="rId2"/>
     <p:sldId id="257" r:id="rId3"/>
     <p:sldId id="258" r:id="rId4"/>
     <p:sldId id="262" r:id="rId5"/>
-    <p:sldId id="263" r:id="rId6"/>
-    <p:sldId id="264" r:id="rId7"/>
-    <p:sldId id="265" r:id="rId8"/>
-    <p:sldId id="266" r:id="rId9"/>
-    <p:sldId id="267" r:id="rId10"/>
-    <p:sldId id="259" r:id="rId11"/>
-    <p:sldId id="260" r:id="rId12"/>
-    <p:sldId id="261" r:id="rId13"/>
+    <p:sldId id="268" r:id="rId6"/>
+    <p:sldId id="263" r:id="rId7"/>
+    <p:sldId id="264" r:id="rId8"/>
+    <p:sldId id="265" r:id="rId9"/>
+    <p:sldId id="266" r:id="rId10"/>
+    <p:sldId id="267" r:id="rId11"/>
+    <p:sldId id="259" r:id="rId12"/>
+    <p:sldId id="260" r:id="rId13"/>
+    <p:sldId id="261" r:id="rId14"/>
   </p:sldIdLst>
   <p:sldSz cx="12192000" cy="6858000"/>
   <p:notesSz cx="6858000" cy="9144000"/>
@@ -134,6 +138,638 @@
 </p:presentation>
 </file>
 
+<file path=ppt/notesMasters/notesMaster1.xml><?xml version="1.0" encoding="utf-8"?>
+<p:notesMaster xmlns:a="http://schemas.openxmlformats.org/drawingml/2006/main" xmlns:r="http://schemas.openxmlformats.org/officeDocument/2006/relationships" xmlns:p="http://schemas.openxmlformats.org/presentationml/2006/main">
+  <p:cSld>
+    <p:bg>
+      <p:bgRef idx="1001">
+        <a:schemeClr val="bg1"/>
+      </p:bgRef>
+    </p:bg>
+    <p:spTree>
+      <p:nvGrpSpPr>
+        <p:cNvPr id="1" name=""/>
+        <p:cNvGrpSpPr/>
+        <p:nvPr/>
+      </p:nvGrpSpPr>
+      <p:grpSpPr>
+        <a:xfrm>
+          <a:off x="0" y="0"/>
+          <a:ext cx="0" cy="0"/>
+          <a:chOff x="0" y="0"/>
+          <a:chExt cx="0" cy="0"/>
+        </a:xfrm>
+      </p:grpSpPr>
+      <p:sp>
+        <p:nvSpPr>
+          <p:cNvPr id="2" name="Header Placeholder 1"/>
+          <p:cNvSpPr>
+            <a:spLocks noGrp="1"/>
+          </p:cNvSpPr>
+          <p:nvPr>
+            <p:ph type="hdr" sz="quarter"/>
+          </p:nvPr>
+        </p:nvSpPr>
+        <p:spPr>
+          <a:xfrm>
+            <a:off x="0" y="0"/>
+            <a:ext cx="2971800" cy="458788"/>
+          </a:xfrm>
+          <a:prstGeom prst="rect">
+            <a:avLst/>
+          </a:prstGeom>
+        </p:spPr>
+        <p:txBody>
+          <a:bodyPr vert="horz" lIns="91440" tIns="45720" rIns="91440" bIns="45720" rtlCol="0"/>
+          <a:lstStyle>
+            <a:lvl1pPr algn="l">
+              <a:defRPr sz="1200"/>
+            </a:lvl1pPr>
+          </a:lstStyle>
+          <a:p>
+            <a:endParaRPr lang="en-US"/>
+          </a:p>
+        </p:txBody>
+      </p:sp>
+      <p:sp>
+        <p:nvSpPr>
+          <p:cNvPr id="3" name="Date Placeholder 2"/>
+          <p:cNvSpPr>
+            <a:spLocks noGrp="1"/>
+          </p:cNvSpPr>
+          <p:nvPr>
+            <p:ph type="dt" idx="1"/>
+          </p:nvPr>
+        </p:nvSpPr>
+        <p:spPr>
+          <a:xfrm>
+            <a:off x="3884613" y="0"/>
+            <a:ext cx="2971800" cy="458788"/>
+          </a:xfrm>
+          <a:prstGeom prst="rect">
+            <a:avLst/>
+          </a:prstGeom>
+        </p:spPr>
+        <p:txBody>
+          <a:bodyPr vert="horz" lIns="91440" tIns="45720" rIns="91440" bIns="45720" rtlCol="0"/>
+          <a:lstStyle>
+            <a:lvl1pPr algn="r">
+              <a:defRPr sz="1200"/>
+            </a:lvl1pPr>
+          </a:lstStyle>
+          <a:p>
+            <a:fld id="{D805EED1-1D2E-4B06-9E17-B726C2B49F43}" type="datetimeFigureOut">
+              <a:rPr lang="en-US" smtClean="0"/>
+              <a:t>11/1/2018</a:t>
+            </a:fld>
+            <a:endParaRPr lang="en-US"/>
+          </a:p>
+        </p:txBody>
+      </p:sp>
+      <p:sp>
+        <p:nvSpPr>
+          <p:cNvPr id="4" name="Slide Image Placeholder 3"/>
+          <p:cNvSpPr>
+            <a:spLocks noGrp="1" noRot="1" noChangeAspect="1"/>
+          </p:cNvSpPr>
+          <p:nvPr>
+            <p:ph type="sldImg" idx="2"/>
+          </p:nvPr>
+        </p:nvSpPr>
+        <p:spPr>
+          <a:xfrm>
+            <a:off x="685800" y="1143000"/>
+            <a:ext cx="5486400" cy="3086100"/>
+          </a:xfrm>
+          <a:prstGeom prst="rect">
+            <a:avLst/>
+          </a:prstGeom>
+          <a:noFill/>
+          <a:ln w="12700">
+            <a:solidFill>
+              <a:prstClr val="black"/>
+            </a:solidFill>
+          </a:ln>
+        </p:spPr>
+        <p:txBody>
+          <a:bodyPr vert="horz" lIns="91440" tIns="45720" rIns="91440" bIns="45720" rtlCol="0" anchor="ctr"/>
+          <a:lstStyle/>
+          <a:p>
+            <a:endParaRPr lang="en-US"/>
+          </a:p>
+        </p:txBody>
+      </p:sp>
+      <p:sp>
+        <p:nvSpPr>
+          <p:cNvPr id="5" name="Notes Placeholder 4"/>
+          <p:cNvSpPr>
+            <a:spLocks noGrp="1"/>
+          </p:cNvSpPr>
+          <p:nvPr>
+            <p:ph type="body" sz="quarter" idx="3"/>
+          </p:nvPr>
+        </p:nvSpPr>
+        <p:spPr>
+          <a:xfrm>
+            <a:off x="685800" y="4400550"/>
+            <a:ext cx="5486400" cy="3600450"/>
+          </a:xfrm>
+          <a:prstGeom prst="rect">
+            <a:avLst/>
+          </a:prstGeom>
+        </p:spPr>
+        <p:txBody>
+          <a:bodyPr vert="horz" lIns="91440" tIns="45720" rIns="91440" bIns="45720" rtlCol="0"/>
+          <a:lstStyle/>
+          <a:p>
+            <a:pPr lvl="0"/>
+            <a:r>
+              <a:rPr lang="en-US" smtClean="0"/>
+              <a:t>Edit Master text styles</a:t>
+            </a:r>
+          </a:p>
+          <a:p>
+            <a:pPr lvl="1"/>
+            <a:r>
+              <a:rPr lang="en-US" smtClean="0"/>
+              <a:t>Second level</a:t>
+            </a:r>
+          </a:p>
+          <a:p>
+            <a:pPr lvl="2"/>
+            <a:r>
+              <a:rPr lang="en-US" smtClean="0"/>
+              <a:t>Third level</a:t>
+            </a:r>
+          </a:p>
+          <a:p>
+            <a:pPr lvl="3"/>
+            <a:r>
+              <a:rPr lang="en-US" smtClean="0"/>
+              <a:t>Fourth level</a:t>
+            </a:r>
+          </a:p>
+          <a:p>
+            <a:pPr lvl="4"/>
+            <a:r>
+              <a:rPr lang="en-US" smtClean="0"/>
+              <a:t>Fifth level</a:t>
+            </a:r>
+            <a:endParaRPr lang="en-US"/>
+          </a:p>
+        </p:txBody>
+      </p:sp>
+      <p:sp>
+        <p:nvSpPr>
+          <p:cNvPr id="6" name="Footer Placeholder 5"/>
+          <p:cNvSpPr>
+            <a:spLocks noGrp="1"/>
+          </p:cNvSpPr>
+          <p:nvPr>
+            <p:ph type="ftr" sz="quarter" idx="4"/>
+          </p:nvPr>
+        </p:nvSpPr>
+        <p:spPr>
+          <a:xfrm>
+            <a:off x="0" y="8685213"/>
+            <a:ext cx="2971800" cy="458787"/>
+          </a:xfrm>
+          <a:prstGeom prst="rect">
+            <a:avLst/>
+          </a:prstGeom>
+        </p:spPr>
+        <p:txBody>
+          <a:bodyPr vert="horz" lIns="91440" tIns="45720" rIns="91440" bIns="45720" rtlCol="0" anchor="b"/>
+          <a:lstStyle>
+            <a:lvl1pPr algn="l">
+              <a:defRPr sz="1200"/>
+            </a:lvl1pPr>
+          </a:lstStyle>
+          <a:p>
+            <a:endParaRPr lang="en-US"/>
+          </a:p>
+        </p:txBody>
+      </p:sp>
+      <p:sp>
+        <p:nvSpPr>
+          <p:cNvPr id="7" name="Slide Number Placeholder 6"/>
+          <p:cNvSpPr>
+            <a:spLocks noGrp="1"/>
+          </p:cNvSpPr>
+          <p:nvPr>
+            <p:ph type="sldNum" sz="quarter" idx="5"/>
+          </p:nvPr>
+        </p:nvSpPr>
+        <p:spPr>
+          <a:xfrm>
+            <a:off x="3884613" y="8685213"/>
+            <a:ext cx="2971800" cy="458787"/>
+          </a:xfrm>
+          <a:prstGeom prst="rect">
+            <a:avLst/>
+          </a:prstGeom>
+        </p:spPr>
+        <p:txBody>
+          <a:bodyPr vert="horz" lIns="91440" tIns="45720" rIns="91440" bIns="45720" rtlCol="0" anchor="b"/>
+          <a:lstStyle>
+            <a:lvl1pPr algn="r">
+              <a:defRPr sz="1200"/>
+            </a:lvl1pPr>
+          </a:lstStyle>
+          <a:p>
+            <a:fld id="{D5AC405E-8311-4FE5-B406-016298D19D5B}" type="slidenum">
+              <a:rPr lang="en-US" smtClean="0"/>
+              <a:t>‹#›</a:t>
+            </a:fld>
+            <a:endParaRPr lang="en-US"/>
+          </a:p>
+        </p:txBody>
+      </p:sp>
+    </p:spTree>
+    <p:extLst>
+      <p:ext uri="{BB962C8B-B14F-4D97-AF65-F5344CB8AC3E}">
+        <p14:creationId xmlns:p14="http://schemas.microsoft.com/office/powerpoint/2010/main" val="3516344973"/>
+      </p:ext>
+    </p:extLst>
+  </p:cSld>
+  <p:clrMap bg1="lt1" tx1="dk1" bg2="lt2" tx2="dk2" accent1="accent1" accent2="accent2" accent3="accent3" accent4="accent4" accent5="accent5" accent6="accent6" hlink="hlink" folHlink="folHlink"/>
+  <p:notesStyle>
+    <a:lvl1pPr marL="0" algn="l" defTabSz="914400" rtl="0" eaLnBrk="1" latinLnBrk="0" hangingPunct="1">
+      <a:defRPr sz="1200" kern="1200">
+        <a:solidFill>
+          <a:schemeClr val="tx1"/>
+        </a:solidFill>
+        <a:latin typeface="+mn-lt"/>
+        <a:ea typeface="+mn-ea"/>
+        <a:cs typeface="+mn-cs"/>
+      </a:defRPr>
+    </a:lvl1pPr>
+    <a:lvl2pPr marL="457200" algn="l" defTabSz="914400" rtl="0" eaLnBrk="1" latinLnBrk="0" hangingPunct="1">
+      <a:defRPr sz="1200" kern="1200">
+        <a:solidFill>
+          <a:schemeClr val="tx1"/>
+        </a:solidFill>
+        <a:latin typeface="+mn-lt"/>
+        <a:ea typeface="+mn-ea"/>
+        <a:cs typeface="+mn-cs"/>
+      </a:defRPr>
+    </a:lvl2pPr>
+    <a:lvl3pPr marL="914400" algn="l" defTabSz="914400" rtl="0" eaLnBrk="1" latinLnBrk="0" hangingPunct="1">
+      <a:defRPr sz="1200" kern="1200">
+        <a:solidFill>
+          <a:schemeClr val="tx1"/>
+        </a:solidFill>
+        <a:latin typeface="+mn-lt"/>
+        <a:ea typeface="+mn-ea"/>
+        <a:cs typeface="+mn-cs"/>
+      </a:defRPr>
+    </a:lvl3pPr>
+    <a:lvl4pPr marL="1371600" algn="l" defTabSz="914400" rtl="0" eaLnBrk="1" latinLnBrk="0" hangingPunct="1">
+      <a:defRPr sz="1200" kern="1200">
+        <a:solidFill>
+          <a:schemeClr val="tx1"/>
+        </a:solidFill>
+        <a:latin typeface="+mn-lt"/>
+        <a:ea typeface="+mn-ea"/>
+        <a:cs typeface="+mn-cs"/>
+      </a:defRPr>
+    </a:lvl4pPr>
+    <a:lvl5pPr marL="1828800" algn="l" defTabSz="914400" rtl="0" eaLnBrk="1" latinLnBrk="0" hangingPunct="1">
+      <a:defRPr sz="1200" kern="1200">
+        <a:solidFill>
+          <a:schemeClr val="tx1"/>
+        </a:solidFill>
+        <a:latin typeface="+mn-lt"/>
+        <a:ea typeface="+mn-ea"/>
+        <a:cs typeface="+mn-cs"/>
+      </a:defRPr>
+    </a:lvl5pPr>
+    <a:lvl6pPr marL="2286000" algn="l" defTabSz="914400" rtl="0" eaLnBrk="1" latinLnBrk="0" hangingPunct="1">
+      <a:defRPr sz="1200" kern="1200">
+        <a:solidFill>
+          <a:schemeClr val="tx1"/>
+        </a:solidFill>
+        <a:latin typeface="+mn-lt"/>
+        <a:ea typeface="+mn-ea"/>
+        <a:cs typeface="+mn-cs"/>
+      </a:defRPr>
+    </a:lvl6pPr>
+    <a:lvl7pPr marL="2743200" algn="l" defTabSz="914400" rtl="0" eaLnBrk="1" latinLnBrk="0" hangingPunct="1">
+      <a:defRPr sz="1200" kern="1200">
+        <a:solidFill>
+          <a:schemeClr val="tx1"/>
+        </a:solidFill>
+        <a:latin typeface="+mn-lt"/>
+        <a:ea typeface="+mn-ea"/>
+        <a:cs typeface="+mn-cs"/>
+      </a:defRPr>
+    </a:lvl7pPr>
+    <a:lvl8pPr marL="3200400" algn="l" defTabSz="914400" rtl="0" eaLnBrk="1" latinLnBrk="0" hangingPunct="1">
+      <a:defRPr sz="1200" kern="1200">
+        <a:solidFill>
+          <a:schemeClr val="tx1"/>
+        </a:solidFill>
+        <a:latin typeface="+mn-lt"/>
+        <a:ea typeface="+mn-ea"/>
+        <a:cs typeface="+mn-cs"/>
+      </a:defRPr>
+    </a:lvl8pPr>
+    <a:lvl9pPr marL="3657600" algn="l" defTabSz="914400" rtl="0" eaLnBrk="1" latinLnBrk="0" hangingPunct="1">
+      <a:defRPr sz="1200" kern="1200">
+        <a:solidFill>
+          <a:schemeClr val="tx1"/>
+        </a:solidFill>
+        <a:latin typeface="+mn-lt"/>
+        <a:ea typeface="+mn-ea"/>
+        <a:cs typeface="+mn-cs"/>
+      </a:defRPr>
+    </a:lvl9pPr>
+  </p:notesStyle>
+</p:notesMaster>
+</file>
+
+<file path=ppt/notesSlides/notesSlide1.xml><?xml version="1.0" encoding="utf-8"?>
+<p:notes xmlns:a="http://schemas.openxmlformats.org/drawingml/2006/main" xmlns:r="http://schemas.openxmlformats.org/officeDocument/2006/relationships" xmlns:p="http://schemas.openxmlformats.org/presentationml/2006/main">
+  <p:cSld>
+    <p:spTree>
+      <p:nvGrpSpPr>
+        <p:cNvPr id="1" name=""/>
+        <p:cNvGrpSpPr/>
+        <p:nvPr/>
+      </p:nvGrpSpPr>
+      <p:grpSpPr>
+        <a:xfrm>
+          <a:off x="0" y="0"/>
+          <a:ext cx="0" cy="0"/>
+          <a:chOff x="0" y="0"/>
+          <a:chExt cx="0" cy="0"/>
+        </a:xfrm>
+      </p:grpSpPr>
+      <p:sp>
+        <p:nvSpPr>
+          <p:cNvPr id="2" name="Slide Image Placeholder 1"/>
+          <p:cNvSpPr>
+            <a:spLocks noGrp="1" noRot="1" noChangeAspect="1"/>
+          </p:cNvSpPr>
+          <p:nvPr>
+            <p:ph type="sldImg"/>
+          </p:nvPr>
+        </p:nvSpPr>
+        <p:spPr/>
+      </p:sp>
+      <p:sp>
+        <p:nvSpPr>
+          <p:cNvPr id="3" name="Notes Placeholder 2"/>
+          <p:cNvSpPr>
+            <a:spLocks noGrp="1"/>
+          </p:cNvSpPr>
+          <p:nvPr>
+            <p:ph type="body" idx="1"/>
+          </p:nvPr>
+        </p:nvSpPr>
+        <p:spPr/>
+        <p:txBody>
+          <a:bodyPr/>
+          <a:lstStyle/>
+          <a:p>
+            <a:r>
+              <a:rPr lang="en-US" dirty="0" smtClean="0"/>
+              <a:t>Walk through</a:t>
+            </a:r>
+          </a:p>
+          <a:p>
+            <a:r>
+              <a:rPr lang="en-US" dirty="0" smtClean="0"/>
+              <a:t>https://web.sas.upenn.edu/jasonrw/2015/11/03/automate-the-install-of-microsoft-office-2016-with-an-msp-file/</a:t>
+            </a:r>
+          </a:p>
+          <a:p>
+            <a:endParaRPr lang="en-US" dirty="0" smtClean="0"/>
+          </a:p>
+          <a:p>
+            <a:endParaRPr lang="en-US" dirty="0" smtClean="0"/>
+          </a:p>
+          <a:p>
+            <a:r>
+              <a:rPr lang="en-US" dirty="0" smtClean="0"/>
+              <a:t>PowerShell</a:t>
+            </a:r>
+          </a:p>
+          <a:p>
+            <a:r>
+              <a:rPr lang="en-US" dirty="0" smtClean="0"/>
+              <a:t>Import-Module "C:\Program Files\Microsoft Deployment Toolkit\bin\MicrosoftDeploymentToolkit.psd1"</a:t>
+            </a:r>
+          </a:p>
+          <a:p>
+            <a:r>
+              <a:rPr lang="en-US" dirty="0" smtClean="0"/>
+              <a:t>New-</a:t>
+            </a:r>
+            <a:r>
+              <a:rPr lang="en-US" dirty="0" err="1" smtClean="0"/>
+              <a:t>PSDrive</a:t>
+            </a:r>
+            <a:r>
+              <a:rPr lang="en-US" dirty="0" smtClean="0"/>
+              <a:t> -Name "DS001" -</a:t>
+            </a:r>
+            <a:r>
+              <a:rPr lang="en-US" dirty="0" err="1" smtClean="0"/>
+              <a:t>PSProvider</a:t>
+            </a:r>
+            <a:r>
+              <a:rPr lang="en-US" dirty="0" smtClean="0"/>
+              <a:t> </a:t>
+            </a:r>
+            <a:r>
+              <a:rPr lang="en-US" dirty="0" err="1" smtClean="0"/>
+              <a:t>MDTProvider</a:t>
+            </a:r>
+            <a:r>
+              <a:rPr lang="en-US" dirty="0" smtClean="0"/>
+              <a:t> -Root "C:\HECCMDTBuildLab"</a:t>
+            </a:r>
+          </a:p>
+          <a:p>
+            <a:r>
+              <a:rPr lang="en-US" dirty="0" smtClean="0"/>
+              <a:t>import-</a:t>
+            </a:r>
+            <a:r>
+              <a:rPr lang="en-US" dirty="0" err="1" smtClean="0"/>
+              <a:t>MDTApplication</a:t>
+            </a:r>
+            <a:r>
+              <a:rPr lang="en-US" dirty="0" smtClean="0"/>
+              <a:t> -path "DS001:\Applications" -enable "True" -Name "Install - Microsoft Office 2016 x86" -</a:t>
+            </a:r>
+            <a:r>
+              <a:rPr lang="en-US" dirty="0" err="1" smtClean="0"/>
+              <a:t>ShortName</a:t>
+            </a:r>
+            <a:r>
+              <a:rPr lang="en-US" dirty="0" smtClean="0"/>
+              <a:t> "Install - Microsoft Office 2016 x86" -Version "" -Publisher "" -Language "" -</a:t>
+            </a:r>
+            <a:r>
+              <a:rPr lang="en-US" dirty="0" err="1" smtClean="0"/>
+              <a:t>CommandLine</a:t>
+            </a:r>
+            <a:r>
+              <a:rPr lang="en-US" dirty="0" smtClean="0"/>
+              <a:t> "setup.exe" -</a:t>
+            </a:r>
+            <a:r>
+              <a:rPr lang="en-US" dirty="0" err="1" smtClean="0"/>
+              <a:t>WorkingDirectory</a:t>
+            </a:r>
+            <a:r>
+              <a:rPr lang="en-US" dirty="0" smtClean="0"/>
+              <a:t> ".\Applications\Install - Microsoft Office 2016 x86" -</a:t>
+            </a:r>
+            <a:r>
+              <a:rPr lang="en-US" dirty="0" err="1" smtClean="0"/>
+              <a:t>ApplicationSourcePath</a:t>
+            </a:r>
+            <a:r>
+              <a:rPr lang="en-US" dirty="0" smtClean="0"/>
+              <a:t> "C:\_Setup\_AppInstallFiles\Microsoft Office 2016" -</a:t>
+            </a:r>
+            <a:r>
+              <a:rPr lang="en-US" dirty="0" err="1" smtClean="0"/>
+              <a:t>DestinationFolder</a:t>
+            </a:r>
+            <a:r>
+              <a:rPr lang="en-US" dirty="0" smtClean="0"/>
+              <a:t> "Install - Microsoft Office 2016 x86" -Verbose</a:t>
+            </a:r>
+          </a:p>
+          <a:p>
+            <a:endParaRPr lang="en-US" dirty="0"/>
+          </a:p>
+        </p:txBody>
+      </p:sp>
+      <p:sp>
+        <p:nvSpPr>
+          <p:cNvPr id="4" name="Slide Number Placeholder 3"/>
+          <p:cNvSpPr>
+            <a:spLocks noGrp="1"/>
+          </p:cNvSpPr>
+          <p:nvPr>
+            <p:ph type="sldNum" sz="quarter" idx="10"/>
+          </p:nvPr>
+        </p:nvSpPr>
+        <p:spPr/>
+        <p:txBody>
+          <a:bodyPr/>
+          <a:lstStyle/>
+          <a:p>
+            <a:fld id="{D5AC405E-8311-4FE5-B406-016298D19D5B}" type="slidenum">
+              <a:rPr lang="en-US" smtClean="0"/>
+              <a:t>4</a:t>
+            </a:fld>
+            <a:endParaRPr lang="en-US"/>
+          </a:p>
+        </p:txBody>
+      </p:sp>
+    </p:spTree>
+    <p:extLst>
+      <p:ext uri="{BB962C8B-B14F-4D97-AF65-F5344CB8AC3E}">
+        <p14:creationId xmlns:p14="http://schemas.microsoft.com/office/powerpoint/2010/main" val="3130330731"/>
+      </p:ext>
+    </p:extLst>
+  </p:cSld>
+  <p:clrMapOvr>
+    <a:masterClrMapping/>
+  </p:clrMapOvr>
+</p:notes>
+</file>
+
+<file path=ppt/notesSlides/notesSlide2.xml><?xml version="1.0" encoding="utf-8"?>
+<p:notes xmlns:a="http://schemas.openxmlformats.org/drawingml/2006/main" xmlns:r="http://schemas.openxmlformats.org/officeDocument/2006/relationships" xmlns:p="http://schemas.openxmlformats.org/presentationml/2006/main">
+  <p:cSld>
+    <p:spTree>
+      <p:nvGrpSpPr>
+        <p:cNvPr id="1" name=""/>
+        <p:cNvGrpSpPr/>
+        <p:nvPr/>
+      </p:nvGrpSpPr>
+      <p:grpSpPr>
+        <a:xfrm>
+          <a:off x="0" y="0"/>
+          <a:ext cx="0" cy="0"/>
+          <a:chOff x="0" y="0"/>
+          <a:chExt cx="0" cy="0"/>
+        </a:xfrm>
+      </p:grpSpPr>
+      <p:sp>
+        <p:nvSpPr>
+          <p:cNvPr id="2" name="Slide Image Placeholder 1"/>
+          <p:cNvSpPr>
+            <a:spLocks noGrp="1" noRot="1" noChangeAspect="1"/>
+          </p:cNvSpPr>
+          <p:nvPr>
+            <p:ph type="sldImg"/>
+          </p:nvPr>
+        </p:nvSpPr>
+        <p:spPr/>
+      </p:sp>
+      <p:sp>
+        <p:nvSpPr>
+          <p:cNvPr id="3" name="Notes Placeholder 2"/>
+          <p:cNvSpPr>
+            <a:spLocks noGrp="1"/>
+          </p:cNvSpPr>
+          <p:nvPr>
+            <p:ph type="body" idx="1"/>
+          </p:nvPr>
+        </p:nvSpPr>
+        <p:spPr/>
+        <p:txBody>
+          <a:bodyPr/>
+          <a:lstStyle/>
+          <a:p>
+            <a:endParaRPr lang="en-US" dirty="0"/>
+          </a:p>
+        </p:txBody>
+      </p:sp>
+      <p:sp>
+        <p:nvSpPr>
+          <p:cNvPr id="4" name="Slide Number Placeholder 3"/>
+          <p:cNvSpPr>
+            <a:spLocks noGrp="1"/>
+          </p:cNvSpPr>
+          <p:nvPr>
+            <p:ph type="sldNum" sz="quarter" idx="10"/>
+          </p:nvPr>
+        </p:nvSpPr>
+        <p:spPr/>
+        <p:txBody>
+          <a:bodyPr/>
+          <a:lstStyle/>
+          <a:p>
+            <a:fld id="{D5AC405E-8311-4FE5-B406-016298D19D5B}" type="slidenum">
+              <a:rPr lang="en-US" smtClean="0"/>
+              <a:t>5</a:t>
+            </a:fld>
+            <a:endParaRPr lang="en-US"/>
+          </a:p>
+        </p:txBody>
+      </p:sp>
+    </p:spTree>
+    <p:extLst>
+      <p:ext uri="{BB962C8B-B14F-4D97-AF65-F5344CB8AC3E}">
+        <p14:creationId xmlns:p14="http://schemas.microsoft.com/office/powerpoint/2010/main" val="3533491366"/>
+      </p:ext>
+    </p:extLst>
+  </p:cSld>
+  <p:clrMapOvr>
+    <a:masterClrMapping/>
+  </p:clrMapOvr>
+</p:notes>
+</file>
+
 <file path=ppt/slideLayouts/slideLayout1.xml><?xml version="1.0" encoding="utf-8"?>
 <p:sldLayout xmlns:a="http://schemas.openxmlformats.org/drawingml/2006/main" xmlns:r="http://schemas.openxmlformats.org/officeDocument/2006/relationships" xmlns:p="http://schemas.openxmlformats.org/presentationml/2006/main" type="title" preserve="1">
   <p:cSld name="Title Slide">
@@ -265,7 +901,7 @@
           <a:p>
             <a:fld id="{3D626D60-E8ED-4541-BE33-B3C1FAE5292A}" type="datetimeFigureOut">
               <a:rPr lang="en-US" smtClean="0"/>
-              <a:t>10/30/2018</a:t>
+              <a:t>11/1/2018</a:t>
             </a:fld>
             <a:endParaRPr lang="en-US"/>
           </a:p>
@@ -435,7 +1071,7 @@
           <a:p>
             <a:fld id="{3D626D60-E8ED-4541-BE33-B3C1FAE5292A}" type="datetimeFigureOut">
               <a:rPr lang="en-US" smtClean="0"/>
-              <a:t>10/30/2018</a:t>
+              <a:t>11/1/2018</a:t>
             </a:fld>
             <a:endParaRPr lang="en-US"/>
           </a:p>
@@ -615,7 +1251,7 @@
           <a:p>
             <a:fld id="{3D626D60-E8ED-4541-BE33-B3C1FAE5292A}" type="datetimeFigureOut">
               <a:rPr lang="en-US" smtClean="0"/>
-              <a:t>10/30/2018</a:t>
+              <a:t>11/1/2018</a:t>
             </a:fld>
             <a:endParaRPr lang="en-US"/>
           </a:p>
@@ -785,7 +1421,7 @@
           <a:p>
             <a:fld id="{3D626D60-E8ED-4541-BE33-B3C1FAE5292A}" type="datetimeFigureOut">
               <a:rPr lang="en-US" smtClean="0"/>
-              <a:t>10/30/2018</a:t>
+              <a:t>11/1/2018</a:t>
             </a:fld>
             <a:endParaRPr lang="en-US"/>
           </a:p>
@@ -1031,7 +1667,7 @@
           <a:p>
             <a:fld id="{3D626D60-E8ED-4541-BE33-B3C1FAE5292A}" type="datetimeFigureOut">
               <a:rPr lang="en-US" smtClean="0"/>
-              <a:t>10/30/2018</a:t>
+              <a:t>11/1/2018</a:t>
             </a:fld>
             <a:endParaRPr lang="en-US"/>
           </a:p>
@@ -1263,7 +1899,7 @@
           <a:p>
             <a:fld id="{3D626D60-E8ED-4541-BE33-B3C1FAE5292A}" type="datetimeFigureOut">
               <a:rPr lang="en-US" smtClean="0"/>
-              <a:t>10/30/2018</a:t>
+              <a:t>11/1/2018</a:t>
             </a:fld>
             <a:endParaRPr lang="en-US"/>
           </a:p>
@@ -1630,7 +2266,7 @@
           <a:p>
             <a:fld id="{3D626D60-E8ED-4541-BE33-B3C1FAE5292A}" type="datetimeFigureOut">
               <a:rPr lang="en-US" smtClean="0"/>
-              <a:t>10/30/2018</a:t>
+              <a:t>11/1/2018</a:t>
             </a:fld>
             <a:endParaRPr lang="en-US"/>
           </a:p>
@@ -1748,7 +2384,7 @@
           <a:p>
             <a:fld id="{3D626D60-E8ED-4541-BE33-B3C1FAE5292A}" type="datetimeFigureOut">
               <a:rPr lang="en-US" smtClean="0"/>
-              <a:t>10/30/2018</a:t>
+              <a:t>11/1/2018</a:t>
             </a:fld>
             <a:endParaRPr lang="en-US"/>
           </a:p>
@@ -1843,7 +2479,7 @@
           <a:p>
             <a:fld id="{3D626D60-E8ED-4541-BE33-B3C1FAE5292A}" type="datetimeFigureOut">
               <a:rPr lang="en-US" smtClean="0"/>
-              <a:t>10/30/2018</a:t>
+              <a:t>11/1/2018</a:t>
             </a:fld>
             <a:endParaRPr lang="en-US"/>
           </a:p>
@@ -2120,7 +2756,7 @@
           <a:p>
             <a:fld id="{3D626D60-E8ED-4541-BE33-B3C1FAE5292A}" type="datetimeFigureOut">
               <a:rPr lang="en-US" smtClean="0"/>
-              <a:t>10/30/2018</a:t>
+              <a:t>11/1/2018</a:t>
             </a:fld>
             <a:endParaRPr lang="en-US"/>
           </a:p>
@@ -2373,7 +3009,7 @@
           <a:p>
             <a:fld id="{3D626D60-E8ED-4541-BE33-B3C1FAE5292A}" type="datetimeFigureOut">
               <a:rPr lang="en-US" smtClean="0"/>
-              <a:t>10/30/2018</a:t>
+              <a:t>11/1/2018</a:t>
             </a:fld>
             <a:endParaRPr lang="en-US"/>
           </a:p>
@@ -2586,7 +3222,7 @@
           <a:p>
             <a:fld id="{3D626D60-E8ED-4541-BE33-B3C1FAE5292A}" type="datetimeFigureOut">
               <a:rPr lang="en-US" smtClean="0"/>
-              <a:t>10/30/2018</a:t>
+              <a:t>11/1/2018</a:t>
             </a:fld>
             <a:endParaRPr lang="en-US"/>
           </a:p>
@@ -3057,6 +3693,13 @@
   <p:clrMapOvr>
     <a:masterClrMapping/>
   </p:clrMapOvr>
+  <p:timing>
+    <p:tnLst>
+      <p:par>
+        <p:cTn id="1" dur="indefinite" restart="never" nodeType="tmRoot"/>
+      </p:par>
+    </p:tnLst>
+  </p:timing>
 </p:sld>
 </file>
 
@@ -3087,31 +3730,49 @@
             <p:ph type="title"/>
           </p:nvPr>
         </p:nvSpPr>
-        <p:spPr>
-          <a:xfrm>
-            <a:off x="838200" y="365125"/>
-            <a:ext cx="10515600" cy="5461934"/>
-          </a:xfrm>
-        </p:spPr>
-        <p:txBody>
-          <a:bodyPr>
-            <a:normAutofit/>
-          </a:bodyPr>
-          <a:lstStyle/>
-          <a:p>
-            <a:pPr algn="ctr"/>
-            <a:r>
-              <a:rPr lang="en-US" sz="16600" dirty="0" smtClean="0"/>
-              <a:t>Demo</a:t>
-            </a:r>
-            <a:endParaRPr lang="en-US" sz="16600" dirty="0"/>
+        <p:spPr/>
+        <p:txBody>
+          <a:bodyPr/>
+          <a:lstStyle/>
+          <a:p>
+            <a:r>
+              <a:rPr lang="en-US" dirty="0" smtClean="0"/>
+              <a:t>Customizing/Tweaking OS</a:t>
+            </a:r>
+            <a:br>
+              <a:rPr lang="en-US" dirty="0" smtClean="0"/>
+            </a:br>
+            <a:r>
+              <a:rPr lang="en-US" sz="2800" dirty="0" smtClean="0"/>
+              <a:t>OEM Info</a:t>
+            </a:r>
+            <a:endParaRPr lang="en-US" sz="4800" dirty="0"/>
+          </a:p>
+        </p:txBody>
+      </p:sp>
+      <p:sp>
+        <p:nvSpPr>
+          <p:cNvPr id="3" name="Content Placeholder 2"/>
+          <p:cNvSpPr>
+            <a:spLocks noGrp="1"/>
+          </p:cNvSpPr>
+          <p:nvPr>
+            <p:ph idx="1"/>
+          </p:nvPr>
+        </p:nvSpPr>
+        <p:spPr/>
+        <p:txBody>
+          <a:bodyPr/>
+          <a:lstStyle/>
+          <a:p>
+            <a:endParaRPr lang="en-US"/>
           </a:p>
         </p:txBody>
       </p:sp>
     </p:spTree>
     <p:extLst>
       <p:ext uri="{BB962C8B-B14F-4D97-AF65-F5344CB8AC3E}">
-        <p14:creationId xmlns:p14="http://schemas.microsoft.com/office/powerpoint/2010/main" val="2125388724"/>
+        <p14:creationId xmlns:p14="http://schemas.microsoft.com/office/powerpoint/2010/main" val="3199165030"/>
       </p:ext>
     </p:extLst>
   </p:cSld>
@@ -3151,6 +3812,67 @@
         <p:spPr>
           <a:xfrm>
             <a:off x="838200" y="365125"/>
+            <a:ext cx="10515600" cy="5461934"/>
+          </a:xfrm>
+        </p:spPr>
+        <p:txBody>
+          <a:bodyPr>
+            <a:normAutofit/>
+          </a:bodyPr>
+          <a:lstStyle/>
+          <a:p>
+            <a:pPr algn="ctr"/>
+            <a:r>
+              <a:rPr lang="en-US" sz="16600" dirty="0" smtClean="0"/>
+              <a:t>Demo</a:t>
+            </a:r>
+            <a:endParaRPr lang="en-US" sz="16600" dirty="0"/>
+          </a:p>
+        </p:txBody>
+      </p:sp>
+    </p:spTree>
+    <p:extLst>
+      <p:ext uri="{BB962C8B-B14F-4D97-AF65-F5344CB8AC3E}">
+        <p14:creationId xmlns:p14="http://schemas.microsoft.com/office/powerpoint/2010/main" val="2125388724"/>
+      </p:ext>
+    </p:extLst>
+  </p:cSld>
+  <p:clrMapOvr>
+    <a:masterClrMapping/>
+  </p:clrMapOvr>
+</p:sld>
+</file>
+
+<file path=ppt/slides/slide12.xml><?xml version="1.0" encoding="utf-8"?>
+<p:sld xmlns:a="http://schemas.openxmlformats.org/drawingml/2006/main" xmlns:r="http://schemas.openxmlformats.org/officeDocument/2006/relationships" xmlns:p="http://schemas.openxmlformats.org/presentationml/2006/main">
+  <p:cSld>
+    <p:spTree>
+      <p:nvGrpSpPr>
+        <p:cNvPr id="1" name=""/>
+        <p:cNvGrpSpPr/>
+        <p:nvPr/>
+      </p:nvGrpSpPr>
+      <p:grpSpPr>
+        <a:xfrm>
+          <a:off x="0" y="0"/>
+          <a:ext cx="0" cy="0"/>
+          <a:chOff x="0" y="0"/>
+          <a:chExt cx="0" cy="0"/>
+        </a:xfrm>
+      </p:grpSpPr>
+      <p:sp>
+        <p:nvSpPr>
+          <p:cNvPr id="2" name="Title 1"/>
+          <p:cNvSpPr>
+            <a:spLocks noGrp="1"/>
+          </p:cNvSpPr>
+          <p:nvPr>
+            <p:ph type="title"/>
+          </p:nvPr>
+        </p:nvSpPr>
+        <p:spPr>
+          <a:xfrm>
+            <a:off x="838200" y="365125"/>
             <a:ext cx="10515600" cy="5641228"/>
           </a:xfrm>
         </p:spPr>
@@ -3182,7 +3904,7 @@
 </p:sld>
 </file>
 
-<file path=ppt/slides/slide12.xml><?xml version="1.0" encoding="utf-8"?>
+<file path=ppt/slides/slide13.xml><?xml version="1.0" encoding="utf-8"?>
 <p:sld xmlns:a="http://schemas.openxmlformats.org/drawingml/2006/main" xmlns:r="http://schemas.openxmlformats.org/officeDocument/2006/relationships" xmlns:p="http://schemas.openxmlformats.org/presentationml/2006/main">
   <p:cSld>
     <p:spTree>
@@ -3727,46 +4449,32 @@
           <a:p>
             <a:r>
               <a:rPr lang="en-US" dirty="0" smtClean="0"/>
-              <a:t>Computer to build images on (Laptop or Server)</a:t>
-            </a:r>
-          </a:p>
-          <a:p>
-            <a:r>
-              <a:rPr lang="en-US" dirty="0" smtClean="0"/>
-              <a:t>Windows 10 Education iso (</a:t>
-            </a:r>
-            <a:r>
-              <a:rPr lang="en-US" b="1" dirty="0" smtClean="0"/>
-              <a:t>1809</a:t>
-            </a:r>
-            <a:r>
-              <a:rPr lang="en-US" dirty="0" smtClean="0"/>
-              <a:t>, 1803, or 1709)</a:t>
-            </a:r>
-          </a:p>
-          <a:p>
-            <a:r>
-              <a:rPr lang="en-US" dirty="0" smtClean="0"/>
-              <a:t>Windows 10 ADK 10 v 1809</a:t>
-            </a:r>
-          </a:p>
-          <a:p>
-            <a:r>
-              <a:rPr lang="en-US" dirty="0" smtClean="0"/>
-              <a:t>WinPE addon for Windows 10 ADK v1809</a:t>
-            </a:r>
-          </a:p>
-          <a:p>
-            <a:r>
-              <a:rPr lang="en-US" dirty="0" smtClean="0"/>
-              <a:t>Microsoft Deployment Toolkit (MDT) 8450</a:t>
-            </a:r>
-          </a:p>
-          <a:p>
-            <a:r>
-              <a:rPr lang="en-US" dirty="0" smtClean="0"/>
-              <a:t>Script to relax deployment share permissions</a:t>
-            </a:r>
+              <a:t>Software you want to install</a:t>
+            </a:r>
+          </a:p>
+          <a:p>
+            <a:r>
+              <a:rPr lang="en-US" dirty="0" smtClean="0"/>
+              <a:t>Understanding of what you want to customize</a:t>
+            </a:r>
+          </a:p>
+          <a:p>
+            <a:r>
+              <a:rPr lang="en-US" dirty="0" smtClean="0"/>
+              <a:t>Good lab setup to test</a:t>
+            </a:r>
+          </a:p>
+          <a:p>
+            <a:r>
+              <a:rPr lang="en-US" dirty="0" smtClean="0"/>
+              <a:t>Time to test and tweak</a:t>
+            </a:r>
+          </a:p>
+          <a:p>
+            <a:pPr marL="0" indent="0">
+              <a:buNone/>
+            </a:pPr>
+            <a:endParaRPr lang="en-US" dirty="0" smtClean="0"/>
           </a:p>
         </p:txBody>
       </p:sp>
@@ -3780,6 +4488,13 @@
   <p:clrMapOvr>
     <a:masterClrMapping/>
   </p:clrMapOvr>
+  <p:timing>
+    <p:tnLst>
+      <p:par>
+        <p:cTn id="1" dur="indefinite" restart="never" nodeType="tmRoot"/>
+      </p:par>
+    </p:tnLst>
+  </p:timing>
 </p:sld>
 </file>
 
@@ -3853,7 +4568,17 @@
           <a:p>
             <a:r>
               <a:rPr lang="en-US" dirty="0" smtClean="0"/>
-              <a:t>Create MSP file by running setup.exe /admin</a:t>
+              <a:t>Create MSP file by running setup.exe /</a:t>
+            </a:r>
+            <a:r>
+              <a:rPr lang="en-US" dirty="0" smtClean="0"/>
+              <a:t>admin</a:t>
+            </a:r>
+          </a:p>
+          <a:p>
+            <a:r>
+              <a:rPr lang="en-US" dirty="0" smtClean="0"/>
+              <a:t>Add installer to MDT</a:t>
             </a:r>
             <a:endParaRPr lang="en-US" dirty="0"/>
           </a:p>
@@ -3869,6 +4594,13 @@
   <p:clrMapOvr>
     <a:masterClrMapping/>
   </p:clrMapOvr>
+  <p:timing>
+    <p:tnLst>
+      <p:par>
+        <p:cTn id="1" dur="indefinite" restart="never" nodeType="tmRoot"/>
+      </p:par>
+    </p:tnLst>
+  </p:timing>
 </p:sld>
 </file>
 
@@ -3889,6 +4621,30 @@
           <a:chExt cx="0" cy="0"/>
         </a:xfrm>
       </p:grpSpPr>
+      <p:pic>
+        <p:nvPicPr>
+          <p:cNvPr id="11" name="Picture 10"/>
+          <p:cNvPicPr>
+            <a:picLocks noChangeAspect="1"/>
+          </p:cNvPicPr>
+          <p:nvPr/>
+        </p:nvPicPr>
+        <p:blipFill>
+          <a:blip r:embed="rId3"/>
+          <a:stretch>
+            <a:fillRect/>
+          </a:stretch>
+        </p:blipFill>
+        <p:spPr>
+          <a:xfrm>
+            <a:off x="3358752" y="1322470"/>
+            <a:ext cx="6181045" cy="5159385"/>
+          </a:xfrm>
+          <a:prstGeom prst="rect">
+            <a:avLst/>
+          </a:prstGeom>
+        </p:spPr>
+      </p:pic>
       <p:sp>
         <p:nvSpPr>
           <p:cNvPr id="2" name="Title 1"/>
@@ -3913,41 +4669,397 @@
             </a:br>
             <a:r>
               <a:rPr lang="en-US" sz="2800" dirty="0" smtClean="0"/>
-              <a:t>Office 365 Pro Plus</a:t>
+              <a:t>Office 2016</a:t>
             </a:r>
             <a:endParaRPr lang="en-US" sz="4000" dirty="0"/>
           </a:p>
         </p:txBody>
       </p:sp>
-      <p:sp>
-        <p:nvSpPr>
-          <p:cNvPr id="3" name="Content Placeholder 2"/>
-          <p:cNvSpPr>
-            <a:spLocks noGrp="1"/>
-          </p:cNvSpPr>
-          <p:nvPr>
-            <p:ph idx="1"/>
-          </p:nvPr>
-        </p:nvSpPr>
-        <p:spPr/>
-        <p:txBody>
-          <a:bodyPr/>
-          <a:lstStyle/>
-          <a:p>
-            <a:endParaRPr lang="en-US"/>
-          </a:p>
-        </p:txBody>
-      </p:sp>
+      <p:pic>
+        <p:nvPicPr>
+          <p:cNvPr id="4" name="Picture 3"/>
+          <p:cNvPicPr>
+            <a:picLocks noChangeAspect="1"/>
+          </p:cNvPicPr>
+          <p:nvPr/>
+        </p:nvPicPr>
+        <p:blipFill>
+          <a:blip r:embed="rId4"/>
+          <a:stretch>
+            <a:fillRect/>
+          </a:stretch>
+        </p:blipFill>
+        <p:spPr>
+          <a:xfrm>
+            <a:off x="3388769" y="1322470"/>
+            <a:ext cx="6121011" cy="5109274"/>
+          </a:xfrm>
+          <a:prstGeom prst="rect">
+            <a:avLst/>
+          </a:prstGeom>
+        </p:spPr>
+      </p:pic>
+      <p:pic>
+        <p:nvPicPr>
+          <p:cNvPr id="6" name="Picture 5"/>
+          <p:cNvPicPr>
+            <a:picLocks noChangeAspect="1"/>
+          </p:cNvPicPr>
+          <p:nvPr/>
+        </p:nvPicPr>
+        <p:blipFill>
+          <a:blip r:embed="rId5"/>
+          <a:stretch>
+            <a:fillRect/>
+          </a:stretch>
+        </p:blipFill>
+        <p:spPr>
+          <a:xfrm>
+            <a:off x="3388768" y="1322470"/>
+            <a:ext cx="6121012" cy="5109275"/>
+          </a:xfrm>
+          <a:prstGeom prst="rect">
+            <a:avLst/>
+          </a:prstGeom>
+        </p:spPr>
+      </p:pic>
+      <p:pic>
+        <p:nvPicPr>
+          <p:cNvPr id="7" name="Picture 6"/>
+          <p:cNvPicPr>
+            <a:picLocks noChangeAspect="1"/>
+          </p:cNvPicPr>
+          <p:nvPr/>
+        </p:nvPicPr>
+        <p:blipFill>
+          <a:blip r:embed="rId6"/>
+          <a:stretch>
+            <a:fillRect/>
+          </a:stretch>
+        </p:blipFill>
+        <p:spPr>
+          <a:xfrm>
+            <a:off x="3381265" y="1322470"/>
+            <a:ext cx="6136019" cy="5121801"/>
+          </a:xfrm>
+          <a:prstGeom prst="rect">
+            <a:avLst/>
+          </a:prstGeom>
+        </p:spPr>
+      </p:pic>
+      <p:pic>
+        <p:nvPicPr>
+          <p:cNvPr id="9" name="Picture 8"/>
+          <p:cNvPicPr>
+            <a:picLocks noChangeAspect="1"/>
+          </p:cNvPicPr>
+          <p:nvPr/>
+        </p:nvPicPr>
+        <p:blipFill>
+          <a:blip r:embed="rId7"/>
+          <a:stretch>
+            <a:fillRect/>
+          </a:stretch>
+        </p:blipFill>
+        <p:spPr>
+          <a:xfrm>
+            <a:off x="3373762" y="1322470"/>
+            <a:ext cx="6151025" cy="5134327"/>
+          </a:xfrm>
+          <a:prstGeom prst="rect">
+            <a:avLst/>
+          </a:prstGeom>
+        </p:spPr>
+      </p:pic>
+      <p:pic>
+        <p:nvPicPr>
+          <p:cNvPr id="10" name="Picture 9"/>
+          <p:cNvPicPr>
+            <a:picLocks noChangeAspect="1"/>
+          </p:cNvPicPr>
+          <p:nvPr/>
+        </p:nvPicPr>
+        <p:blipFill>
+          <a:blip r:embed="rId8"/>
+          <a:stretch>
+            <a:fillRect/>
+          </a:stretch>
+        </p:blipFill>
+        <p:spPr>
+          <a:xfrm>
+            <a:off x="3361234" y="1322469"/>
+            <a:ext cx="6181045" cy="5159385"/>
+          </a:xfrm>
+          <a:prstGeom prst="rect">
+            <a:avLst/>
+          </a:prstGeom>
+        </p:spPr>
+      </p:pic>
     </p:spTree>
     <p:extLst>
       <p:ext uri="{BB962C8B-B14F-4D97-AF65-F5344CB8AC3E}">
-        <p14:creationId xmlns:p14="http://schemas.microsoft.com/office/powerpoint/2010/main" val="12183987"/>
+        <p14:creationId xmlns:p14="http://schemas.microsoft.com/office/powerpoint/2010/main" val="1521000643"/>
       </p:ext>
     </p:extLst>
   </p:cSld>
   <p:clrMapOvr>
     <a:masterClrMapping/>
   </p:clrMapOvr>
+  <p:timing>
+    <p:tnLst>
+      <p:par>
+        <p:cTn id="1" dur="indefinite" restart="never" nodeType="tmRoot">
+          <p:childTnLst>
+            <p:seq concurrent="1" nextAc="seek">
+              <p:cTn id="2" dur="indefinite" nodeType="mainSeq">
+                <p:childTnLst>
+                  <p:par>
+                    <p:cTn id="3" fill="hold">
+                      <p:stCondLst>
+                        <p:cond delay="indefinite"/>
+                      </p:stCondLst>
+                      <p:childTnLst>
+                        <p:par>
+                          <p:cTn id="4" fill="hold">
+                            <p:stCondLst>
+                              <p:cond delay="0"/>
+                            </p:stCondLst>
+                            <p:childTnLst>
+                              <p:par>
+                                <p:cTn id="5" presetID="1" presetClass="entr" presetSubtype="0" fill="hold" nodeType="clickEffect">
+                                  <p:stCondLst>
+                                    <p:cond delay="0"/>
+                                  </p:stCondLst>
+                                  <p:childTnLst>
+                                    <p:set>
+                                      <p:cBhvr>
+                                        <p:cTn id="6" dur="1" fill="hold">
+                                          <p:stCondLst>
+                                            <p:cond delay="0"/>
+                                          </p:stCondLst>
+                                        </p:cTn>
+                                        <p:tgtEl>
+                                          <p:spTgt spid="4"/>
+                                        </p:tgtEl>
+                                        <p:attrNameLst>
+                                          <p:attrName>style.visibility</p:attrName>
+                                        </p:attrNameLst>
+                                      </p:cBhvr>
+                                      <p:to>
+                                        <p:strVal val="visible"/>
+                                      </p:to>
+                                    </p:set>
+                                  </p:childTnLst>
+                                </p:cTn>
+                              </p:par>
+                            </p:childTnLst>
+                          </p:cTn>
+                        </p:par>
+                      </p:childTnLst>
+                    </p:cTn>
+                  </p:par>
+                  <p:par>
+                    <p:cTn id="7" fill="hold">
+                      <p:stCondLst>
+                        <p:cond delay="indefinite"/>
+                      </p:stCondLst>
+                      <p:childTnLst>
+                        <p:par>
+                          <p:cTn id="8" fill="hold">
+                            <p:stCondLst>
+                              <p:cond delay="0"/>
+                            </p:stCondLst>
+                            <p:childTnLst>
+                              <p:par>
+                                <p:cTn id="9" presetID="1" presetClass="entr" presetSubtype="0" fill="hold" nodeType="clickEffect">
+                                  <p:stCondLst>
+                                    <p:cond delay="0"/>
+                                  </p:stCondLst>
+                                  <p:childTnLst>
+                                    <p:set>
+                                      <p:cBhvr>
+                                        <p:cTn id="10" dur="1" fill="hold">
+                                          <p:stCondLst>
+                                            <p:cond delay="0"/>
+                                          </p:stCondLst>
+                                        </p:cTn>
+                                        <p:tgtEl>
+                                          <p:spTgt spid="6"/>
+                                        </p:tgtEl>
+                                        <p:attrNameLst>
+                                          <p:attrName>style.visibility</p:attrName>
+                                        </p:attrNameLst>
+                                      </p:cBhvr>
+                                      <p:to>
+                                        <p:strVal val="visible"/>
+                                      </p:to>
+                                    </p:set>
+                                  </p:childTnLst>
+                                </p:cTn>
+                              </p:par>
+                            </p:childTnLst>
+                          </p:cTn>
+                        </p:par>
+                      </p:childTnLst>
+                    </p:cTn>
+                  </p:par>
+                  <p:par>
+                    <p:cTn id="11" fill="hold">
+                      <p:stCondLst>
+                        <p:cond delay="indefinite"/>
+                      </p:stCondLst>
+                      <p:childTnLst>
+                        <p:par>
+                          <p:cTn id="12" fill="hold">
+                            <p:stCondLst>
+                              <p:cond delay="0"/>
+                            </p:stCondLst>
+                            <p:childTnLst>
+                              <p:par>
+                                <p:cTn id="13" presetID="1" presetClass="entr" presetSubtype="0" fill="hold" nodeType="clickEffect">
+                                  <p:stCondLst>
+                                    <p:cond delay="0"/>
+                                  </p:stCondLst>
+                                  <p:childTnLst>
+                                    <p:set>
+                                      <p:cBhvr>
+                                        <p:cTn id="14" dur="1" fill="hold">
+                                          <p:stCondLst>
+                                            <p:cond delay="0"/>
+                                          </p:stCondLst>
+                                        </p:cTn>
+                                        <p:tgtEl>
+                                          <p:spTgt spid="7"/>
+                                        </p:tgtEl>
+                                        <p:attrNameLst>
+                                          <p:attrName>style.visibility</p:attrName>
+                                        </p:attrNameLst>
+                                      </p:cBhvr>
+                                      <p:to>
+                                        <p:strVal val="visible"/>
+                                      </p:to>
+                                    </p:set>
+                                  </p:childTnLst>
+                                </p:cTn>
+                              </p:par>
+                            </p:childTnLst>
+                          </p:cTn>
+                        </p:par>
+                      </p:childTnLst>
+                    </p:cTn>
+                  </p:par>
+                  <p:par>
+                    <p:cTn id="15" fill="hold">
+                      <p:stCondLst>
+                        <p:cond delay="indefinite"/>
+                      </p:stCondLst>
+                      <p:childTnLst>
+                        <p:par>
+                          <p:cTn id="16" fill="hold">
+                            <p:stCondLst>
+                              <p:cond delay="0"/>
+                            </p:stCondLst>
+                            <p:childTnLst>
+                              <p:par>
+                                <p:cTn id="17" presetID="1" presetClass="entr" presetSubtype="0" fill="hold" nodeType="clickEffect">
+                                  <p:stCondLst>
+                                    <p:cond delay="0"/>
+                                  </p:stCondLst>
+                                  <p:childTnLst>
+                                    <p:set>
+                                      <p:cBhvr>
+                                        <p:cTn id="18" dur="1" fill="hold">
+                                          <p:stCondLst>
+                                            <p:cond delay="0"/>
+                                          </p:stCondLst>
+                                        </p:cTn>
+                                        <p:tgtEl>
+                                          <p:spTgt spid="9"/>
+                                        </p:tgtEl>
+                                        <p:attrNameLst>
+                                          <p:attrName>style.visibility</p:attrName>
+                                        </p:attrNameLst>
+                                      </p:cBhvr>
+                                      <p:to>
+                                        <p:strVal val="visible"/>
+                                      </p:to>
+                                    </p:set>
+                                  </p:childTnLst>
+                                </p:cTn>
+                              </p:par>
+                            </p:childTnLst>
+                          </p:cTn>
+                        </p:par>
+                      </p:childTnLst>
+                    </p:cTn>
+                  </p:par>
+                  <p:par>
+                    <p:cTn id="19" fill="hold">
+                      <p:stCondLst>
+                        <p:cond delay="indefinite"/>
+                      </p:stCondLst>
+                      <p:childTnLst>
+                        <p:par>
+                          <p:cTn id="20" fill="hold">
+                            <p:stCondLst>
+                              <p:cond delay="0"/>
+                            </p:stCondLst>
+                            <p:childTnLst>
+                              <p:par>
+                                <p:cTn id="21" presetID="1" presetClass="entr" presetSubtype="0" fill="hold" nodeType="clickEffect">
+                                  <p:stCondLst>
+                                    <p:cond delay="0"/>
+                                  </p:stCondLst>
+                                  <p:childTnLst>
+                                    <p:set>
+                                      <p:cBhvr>
+                                        <p:cTn id="22" dur="1" fill="hold">
+                                          <p:stCondLst>
+                                            <p:cond delay="0"/>
+                                          </p:stCondLst>
+                                        </p:cTn>
+                                        <p:tgtEl>
+                                          <p:spTgt spid="10"/>
+                                        </p:tgtEl>
+                                        <p:attrNameLst>
+                                          <p:attrName>style.visibility</p:attrName>
+                                        </p:attrNameLst>
+                                      </p:cBhvr>
+                                      <p:to>
+                                        <p:strVal val="visible"/>
+                                      </p:to>
+                                    </p:set>
+                                  </p:childTnLst>
+                                </p:cTn>
+                              </p:par>
+                            </p:childTnLst>
+                          </p:cTn>
+                        </p:par>
+                      </p:childTnLst>
+                    </p:cTn>
+                  </p:par>
+                </p:childTnLst>
+              </p:cTn>
+              <p:prevCondLst>
+                <p:cond evt="onPrev" delay="0">
+                  <p:tgtEl>
+                    <p:sldTgt/>
+                  </p:tgtEl>
+                </p:cond>
+              </p:prevCondLst>
+              <p:nextCondLst>
+                <p:cond evt="onNext" delay="0">
+                  <p:tgtEl>
+                    <p:sldTgt/>
+                  </p:tgtEl>
+                </p:cond>
+              </p:nextCondLst>
+            </p:seq>
+          </p:childTnLst>
+        </p:cTn>
+      </p:par>
+    </p:tnLst>
+  </p:timing>
 </p:sld>
 </file>
 
@@ -3992,7 +5104,7 @@
             </a:br>
             <a:r>
               <a:rPr lang="en-US" sz="2800" dirty="0" smtClean="0"/>
-              <a:t>Visual C++ run times</a:t>
+              <a:t>Office 365 Pro Plus</a:t>
             </a:r>
             <a:endParaRPr lang="en-US" sz="4000" dirty="0"/>
           </a:p>
@@ -4013,20 +5125,72 @@
           <a:bodyPr/>
           <a:lstStyle/>
           <a:p>
-            <a:endParaRPr lang="en-US"/>
+            <a:r>
+              <a:rPr lang="en-US" dirty="0" smtClean="0"/>
+              <a:t>A work in progress</a:t>
+            </a:r>
+          </a:p>
+          <a:p>
+            <a:endParaRPr lang="en-US" dirty="0"/>
+          </a:p>
+          <a:p>
+            <a:r>
+              <a:rPr lang="en-US" dirty="0" smtClean="0"/>
+              <a:t>Informational links</a:t>
+            </a:r>
+          </a:p>
+          <a:p>
+            <a:r>
+              <a:rPr lang="en-US" sz="2000" dirty="0">
+                <a:hlinkClick r:id="rId2"/>
+              </a:rPr>
+              <a:t>https://sysadminedu.wordpress.com/2017/01/07/step-by-step-guide-to-deploying-office-365-pro-plus-with-device-based-activation-with-sccm</a:t>
+            </a:r>
+            <a:r>
+              <a:rPr lang="en-US" sz="2000" dirty="0" smtClean="0">
+                <a:hlinkClick r:id="rId2"/>
+              </a:rPr>
+              <a:t>/</a:t>
+            </a:r>
+            <a:endParaRPr lang="en-US" sz="2000" dirty="0" smtClean="0"/>
+          </a:p>
+          <a:p>
+            <a:r>
+              <a:rPr lang="en-US" sz="2000" dirty="0">
+                <a:hlinkClick r:id="rId3"/>
+              </a:rPr>
+              <a:t>http://www.scconfigmgr.com/2018/05/29/include-office-365-proplus-in-your-windows-10-reference-image</a:t>
+            </a:r>
+            <a:r>
+              <a:rPr lang="en-US" sz="2000" dirty="0" smtClean="0">
+                <a:hlinkClick r:id="rId3"/>
+              </a:rPr>
+              <a:t>/</a:t>
+            </a:r>
+            <a:endParaRPr lang="en-US" sz="2000" dirty="0" smtClean="0"/>
+          </a:p>
+          <a:p>
+            <a:endParaRPr lang="en-US" dirty="0"/>
           </a:p>
         </p:txBody>
       </p:sp>
     </p:spTree>
     <p:extLst>
       <p:ext uri="{BB962C8B-B14F-4D97-AF65-F5344CB8AC3E}">
-        <p14:creationId xmlns:p14="http://schemas.microsoft.com/office/powerpoint/2010/main" val="2673691324"/>
+        <p14:creationId xmlns:p14="http://schemas.microsoft.com/office/powerpoint/2010/main" val="12183987"/>
       </p:ext>
     </p:extLst>
   </p:cSld>
   <p:clrMapOvr>
     <a:masterClrMapping/>
   </p:clrMapOvr>
+  <p:timing>
+    <p:tnLst>
+      <p:par>
+        <p:cTn id="1" dur="indefinite" restart="never" nodeType="tmRoot"/>
+      </p:par>
+    </p:tnLst>
+  </p:timing>
 </p:sld>
 </file>
 
@@ -4071,7 +5235,11 @@
             </a:br>
             <a:r>
               <a:rPr lang="en-US" sz="2800" dirty="0" smtClean="0"/>
-              <a:t>Other Apps</a:t>
+              <a:t>Visual C++ </a:t>
+            </a:r>
+            <a:r>
+              <a:rPr lang="en-US" sz="2800" dirty="0" smtClean="0"/>
+              <a:t>runtimes</a:t>
             </a:r>
             <a:endParaRPr lang="en-US" sz="4000" dirty="0"/>
           </a:p>
@@ -4092,20 +5260,53 @@
           <a:bodyPr/>
           <a:lstStyle/>
           <a:p>
-            <a:endParaRPr lang="en-US"/>
+            <a:r>
+              <a:rPr lang="en-US" dirty="0" smtClean="0"/>
+              <a:t>C++ runtimes ar</a:t>
+            </a:r>
+            <a:r>
+              <a:rPr lang="en-US" dirty="0" smtClean="0"/>
+              <a:t>e used by a lot of applications</a:t>
+            </a:r>
+          </a:p>
+          <a:p>
+            <a:r>
+              <a:rPr lang="en-US" dirty="0" smtClean="0"/>
+              <a:t>If you install x64 OS you will need both x86 and x64 C++ runtimes</a:t>
+            </a:r>
+          </a:p>
+          <a:p>
+            <a:r>
+              <a:rPr lang="en-US" dirty="0"/>
+              <a:t>Visual C++ runtimes (2010,2012,2013 and 2017) available on Microsoft Download Center.</a:t>
+            </a:r>
+          </a:p>
+          <a:p>
+            <a:r>
+              <a:rPr lang="en-US" dirty="0"/>
+              <a:t>Visual C++ runtimes install wrapper: https://github.com/DeploymentResearch/DRFiles/blob/master/Scripts/Install-MicrosoftVisualC%2B%2Bx86x64.wsf</a:t>
+            </a:r>
+            <a:endParaRPr lang="en-US" dirty="0"/>
           </a:p>
         </p:txBody>
       </p:sp>
     </p:spTree>
     <p:extLst>
       <p:ext uri="{BB962C8B-B14F-4D97-AF65-F5344CB8AC3E}">
-        <p14:creationId xmlns:p14="http://schemas.microsoft.com/office/powerpoint/2010/main" val="709126113"/>
+        <p14:creationId xmlns:p14="http://schemas.microsoft.com/office/powerpoint/2010/main" val="2673691324"/>
       </p:ext>
     </p:extLst>
   </p:cSld>
   <p:clrMapOvr>
     <a:masterClrMapping/>
   </p:clrMapOvr>
+  <p:timing>
+    <p:tnLst>
+      <p:par>
+        <p:cTn id="1" dur="indefinite" restart="never" nodeType="tmRoot"/>
+      </p:par>
+    </p:tnLst>
+  </p:timing>
 </p:sld>
 </file>
 
@@ -4143,41 +5344,106 @@
           <a:p>
             <a:r>
               <a:rPr lang="en-US" dirty="0" smtClean="0"/>
-              <a:t>Import OS to MDT</a:t>
-            </a:r>
+              <a:t>Add Applications</a:t>
+            </a:r>
+            <a:br>
+              <a:rPr lang="en-US" dirty="0" smtClean="0"/>
+            </a:br>
+            <a:r>
+              <a:rPr lang="en-US" sz="2800" dirty="0" smtClean="0"/>
+              <a:t>Other Apps</a:t>
+            </a:r>
+            <a:endParaRPr lang="en-US" sz="4000" dirty="0"/>
+          </a:p>
+        </p:txBody>
+      </p:sp>
+      <p:sp>
+        <p:nvSpPr>
+          <p:cNvPr id="3" name="Content Placeholder 2"/>
+          <p:cNvSpPr>
+            <a:spLocks noGrp="1"/>
+          </p:cNvSpPr>
+          <p:nvPr>
+            <p:ph idx="1"/>
+          </p:nvPr>
+        </p:nvSpPr>
+        <p:spPr/>
+        <p:txBody>
+          <a:bodyPr/>
+          <a:lstStyle/>
+          <a:p>
+            <a:r>
+              <a:rPr lang="en-US" dirty="0" smtClean="0"/>
+              <a:t>Microsoft </a:t>
+            </a:r>
+            <a:r>
+              <a:rPr lang="en-US" dirty="0" err="1" smtClean="0"/>
+              <a:t>Sysinternals</a:t>
+            </a:r>
+            <a:r>
+              <a:rPr lang="en-US" dirty="0" smtClean="0"/>
+              <a:t> Tools</a:t>
+            </a:r>
+          </a:p>
+          <a:p>
+            <a:r>
+              <a:rPr lang="en-US" dirty="0" smtClean="0"/>
+              <a:t>Line of Business Apps</a:t>
+            </a:r>
+          </a:p>
+          <a:p>
+            <a:r>
+              <a:rPr lang="en-US" dirty="0" smtClean="0"/>
+              <a:t>PLTW Apps</a:t>
+            </a:r>
+          </a:p>
+          <a:p>
+            <a:pPr lvl="1"/>
+            <a:r>
+              <a:rPr lang="en-US" dirty="0" err="1" smtClean="0"/>
+              <a:t>LoggerPro</a:t>
+            </a:r>
+            <a:endParaRPr lang="en-US" dirty="0" smtClean="0"/>
+          </a:p>
+          <a:p>
+            <a:pPr lvl="1"/>
+            <a:r>
+              <a:rPr lang="en-US" dirty="0" err="1" smtClean="0"/>
+              <a:t>MDSolids</a:t>
+            </a:r>
+            <a:r>
+              <a:rPr lang="en-US" dirty="0" smtClean="0"/>
+              <a:t> …</a:t>
+            </a:r>
+          </a:p>
+          <a:p>
+            <a:r>
+              <a:rPr lang="en-US" dirty="0" smtClean="0"/>
+              <a:t>VLC</a:t>
+            </a:r>
+          </a:p>
+          <a:p>
             <a:endParaRPr lang="en-US" dirty="0"/>
-          </a:p>
-        </p:txBody>
-      </p:sp>
-      <p:sp>
-        <p:nvSpPr>
-          <p:cNvPr id="3" name="Content Placeholder 2"/>
-          <p:cNvSpPr>
-            <a:spLocks noGrp="1"/>
-          </p:cNvSpPr>
-          <p:nvPr>
-            <p:ph idx="1"/>
-          </p:nvPr>
-        </p:nvSpPr>
-        <p:spPr/>
-        <p:txBody>
-          <a:bodyPr/>
-          <a:lstStyle/>
-          <a:p>
-            <a:endParaRPr lang="en-US"/>
           </a:p>
         </p:txBody>
       </p:sp>
     </p:spTree>
     <p:extLst>
       <p:ext uri="{BB962C8B-B14F-4D97-AF65-F5344CB8AC3E}">
-        <p14:creationId xmlns:p14="http://schemas.microsoft.com/office/powerpoint/2010/main" val="194228008"/>
+        <p14:creationId xmlns:p14="http://schemas.microsoft.com/office/powerpoint/2010/main" val="709126113"/>
       </p:ext>
     </p:extLst>
   </p:cSld>
   <p:clrMapOvr>
     <a:masterClrMapping/>
   </p:clrMapOvr>
+  <p:timing>
+    <p:tnLst>
+      <p:par>
+        <p:cTn id="1" dur="indefinite" restart="never" nodeType="tmRoot"/>
+      </p:par>
+    </p:tnLst>
+  </p:timing>
 </p:sld>
 </file>
 
@@ -4215,16 +5481,9 @@
           <a:p>
             <a:r>
               <a:rPr lang="en-US" dirty="0" smtClean="0"/>
-              <a:t>Customizing/Tweaking OS</a:t>
-            </a:r>
-            <a:br>
-              <a:rPr lang="en-US" dirty="0" smtClean="0"/>
-            </a:br>
-            <a:r>
-              <a:rPr lang="en-US" sz="2800" dirty="0" smtClean="0"/>
-              <a:t>OEM Info</a:t>
-            </a:r>
-            <a:endParaRPr lang="en-US" sz="4800" dirty="0"/>
+              <a:t>Import OS to MDT</a:t>
+            </a:r>
+            <a:endParaRPr lang="en-US" dirty="0"/>
           </a:p>
         </p:txBody>
       </p:sp>
@@ -4250,13 +5509,20 @@
     </p:spTree>
     <p:extLst>
       <p:ext uri="{BB962C8B-B14F-4D97-AF65-F5344CB8AC3E}">
-        <p14:creationId xmlns:p14="http://schemas.microsoft.com/office/powerpoint/2010/main" val="3199165030"/>
+        <p14:creationId xmlns:p14="http://schemas.microsoft.com/office/powerpoint/2010/main" val="194228008"/>
       </p:ext>
     </p:extLst>
   </p:cSld>
   <p:clrMapOvr>
     <a:masterClrMapping/>
   </p:clrMapOvr>
+  <p:timing>
+    <p:tnLst>
+      <p:par>
+        <p:cTn id="1" dur="indefinite" restart="never" nodeType="tmRoot"/>
+      </p:par>
+    </p:tnLst>
+  </p:timing>
 </p:sld>
 </file>
 
@@ -4519,4 +5785,265 @@
     </a:ext>
   </a:extLst>
 </a:theme>
+</file>
+
+<file path=ppt/theme/theme2.xml><?xml version="1.0" encoding="utf-8"?>
+<a:theme xmlns:a="http://schemas.openxmlformats.org/drawingml/2006/main" name="Office Theme">
+  <a:themeElements>
+    <a:clrScheme name="Office">
+      <a:dk1>
+        <a:sysClr val="windowText" lastClr="000000"/>
+      </a:dk1>
+      <a:lt1>
+        <a:sysClr val="window" lastClr="FFFFFF"/>
+      </a:lt1>
+      <a:dk2>
+        <a:srgbClr val="44546A"/>
+      </a:dk2>
+      <a:lt2>
+        <a:srgbClr val="E7E6E6"/>
+      </a:lt2>
+      <a:accent1>
+        <a:srgbClr val="5B9BD5"/>
+      </a:accent1>
+      <a:accent2>
+        <a:srgbClr val="ED7D31"/>
+      </a:accent2>
+      <a:accent3>
+        <a:srgbClr val="A5A5A5"/>
+      </a:accent3>
+      <a:accent4>
+        <a:srgbClr val="FFC000"/>
+      </a:accent4>
+      <a:accent5>
+        <a:srgbClr val="4472C4"/>
+      </a:accent5>
+      <a:accent6>
+        <a:srgbClr val="70AD47"/>
+      </a:accent6>
+      <a:hlink>
+        <a:srgbClr val="0563C1"/>
+      </a:hlink>
+      <a:folHlink>
+        <a:srgbClr val="954F72"/>
+      </a:folHlink>
+    </a:clrScheme>
+    <a:fontScheme name="Office">
+      <a:majorFont>
+        <a:latin typeface="Calibri Light" panose="020F0302020204030204"/>
+        <a:ea typeface=""/>
+        <a:cs typeface=""/>
+        <a:font script="Jpan" typeface="游ゴシック Light"/>
+        <a:font script="Hang" typeface="맑은 고딕"/>
+        <a:font script="Hans" typeface="等线 Light"/>
+        <a:font script="Hant" typeface="新細明體"/>
+        <a:font script="Arab" typeface="Times New Roman"/>
+        <a:font script="Hebr" typeface="Times New Roman"/>
+        <a:font script="Thai" typeface="Angsana New"/>
+        <a:font script="Ethi" typeface="Nyala"/>
+        <a:font script="Beng" typeface="Vrinda"/>
+        <a:font script="Gujr" typeface="Shruti"/>
+        <a:font script="Khmr" typeface="MoolBoran"/>
+        <a:font script="Knda" typeface="Tunga"/>
+        <a:font script="Guru" typeface="Raavi"/>
+        <a:font script="Cans" typeface="Euphemia"/>
+        <a:font script="Cher" typeface="Plantagenet Cherokee"/>
+        <a:font script="Yiii" typeface="Microsoft Yi Baiti"/>
+        <a:font script="Tibt" typeface="Microsoft Himalaya"/>
+        <a:font script="Thaa" typeface="MV Boli"/>
+        <a:font script="Deva" typeface="Mangal"/>
+        <a:font script="Telu" typeface="Gautami"/>
+        <a:font script="Taml" typeface="Latha"/>
+        <a:font script="Syrc" typeface="Estrangelo Edessa"/>
+        <a:font script="Orya" typeface="Kalinga"/>
+        <a:font script="Mlym" typeface="Kartika"/>
+        <a:font script="Laoo" typeface="DokChampa"/>
+        <a:font script="Sinh" typeface="Iskoola Pota"/>
+        <a:font script="Mong" typeface="Mongolian Baiti"/>
+        <a:font script="Viet" typeface="Times New Roman"/>
+        <a:font script="Uigh" typeface="Microsoft Uighur"/>
+        <a:font script="Geor" typeface="Sylfaen"/>
+      </a:majorFont>
+      <a:minorFont>
+        <a:latin typeface="Calibri" panose="020F0502020204030204"/>
+        <a:ea typeface=""/>
+        <a:cs typeface=""/>
+        <a:font script="Jpan" typeface="游ゴシック"/>
+        <a:font script="Hang" typeface="맑은 고딕"/>
+        <a:font script="Hans" typeface="等线"/>
+        <a:font script="Hant" typeface="新細明體"/>
+        <a:font script="Arab" typeface="Arial"/>
+        <a:font script="Hebr" typeface="Arial"/>
+        <a:font script="Thai" typeface="Cordia New"/>
+        <a:font script="Ethi" typeface="Nyala"/>
+        <a:font script="Beng" typeface="Vrinda"/>
+        <a:font script="Gujr" typeface="Shruti"/>
+        <a:font script="Khmr" typeface="DaunPenh"/>
+        <a:font script="Knda" typeface="Tunga"/>
+        <a:font script="Guru" typeface="Raavi"/>
+        <a:font script="Cans" typeface="Euphemia"/>
+        <a:font script="Cher" typeface="Plantagenet Cherokee"/>
+        <a:font script="Yiii" typeface="Microsoft Yi Baiti"/>
+        <a:font script="Tibt" typeface="Microsoft Himalaya"/>
+        <a:font script="Thaa" typeface="MV Boli"/>
+        <a:font script="Deva" typeface="Mangal"/>
+        <a:font script="Telu" typeface="Gautami"/>
+        <a:font script="Taml" typeface="Latha"/>
+        <a:font script="Syrc" typeface="Estrangelo Edessa"/>
+        <a:font script="Orya" typeface="Kalinga"/>
+        <a:font script="Mlym" typeface="Kartika"/>
+        <a:font script="Laoo" typeface="DokChampa"/>
+        <a:font script="Sinh" typeface="Iskoola Pota"/>
+        <a:font script="Mong" typeface="Mongolian Baiti"/>
+        <a:font script="Viet" typeface="Arial"/>
+        <a:font script="Uigh" typeface="Microsoft Uighur"/>
+        <a:font script="Geor" typeface="Sylfaen"/>
+      </a:minorFont>
+    </a:fontScheme>
+    <a:fmtScheme name="Office">
+      <a:fillStyleLst>
+        <a:solidFill>
+          <a:schemeClr val="phClr"/>
+        </a:solidFill>
+        <a:gradFill rotWithShape="1">
+          <a:gsLst>
+            <a:gs pos="0">
+              <a:schemeClr val="phClr">
+                <a:lumMod val="110000"/>
+                <a:satMod val="105000"/>
+                <a:tint val="67000"/>
+              </a:schemeClr>
+            </a:gs>
+            <a:gs pos="50000">
+              <a:schemeClr val="phClr">
+                <a:lumMod val="105000"/>
+                <a:satMod val="103000"/>
+                <a:tint val="73000"/>
+              </a:schemeClr>
+            </a:gs>
+            <a:gs pos="100000">
+              <a:schemeClr val="phClr">
+                <a:lumMod val="105000"/>
+                <a:satMod val="109000"/>
+                <a:tint val="81000"/>
+              </a:schemeClr>
+            </a:gs>
+          </a:gsLst>
+          <a:lin ang="5400000" scaled="0"/>
+        </a:gradFill>
+        <a:gradFill rotWithShape="1">
+          <a:gsLst>
+            <a:gs pos="0">
+              <a:schemeClr val="phClr">
+                <a:satMod val="103000"/>
+                <a:lumMod val="102000"/>
+                <a:tint val="94000"/>
+              </a:schemeClr>
+            </a:gs>
+            <a:gs pos="50000">
+              <a:schemeClr val="phClr">
+                <a:satMod val="110000"/>
+                <a:lumMod val="100000"/>
+                <a:shade val="100000"/>
+              </a:schemeClr>
+            </a:gs>
+            <a:gs pos="100000">
+              <a:schemeClr val="phClr">
+                <a:lumMod val="99000"/>
+                <a:satMod val="120000"/>
+                <a:shade val="78000"/>
+              </a:schemeClr>
+            </a:gs>
+          </a:gsLst>
+          <a:lin ang="5400000" scaled="0"/>
+        </a:gradFill>
+      </a:fillStyleLst>
+      <a:lnStyleLst>
+        <a:ln w="6350" cap="flat" cmpd="sng" algn="ctr">
+          <a:solidFill>
+            <a:schemeClr val="phClr"/>
+          </a:solidFill>
+          <a:prstDash val="solid"/>
+          <a:miter lim="800000"/>
+        </a:ln>
+        <a:ln w="12700" cap="flat" cmpd="sng" algn="ctr">
+          <a:solidFill>
+            <a:schemeClr val="phClr"/>
+          </a:solidFill>
+          <a:prstDash val="solid"/>
+          <a:miter lim="800000"/>
+        </a:ln>
+        <a:ln w="19050" cap="flat" cmpd="sng" algn="ctr">
+          <a:solidFill>
+            <a:schemeClr val="phClr"/>
+          </a:solidFill>
+          <a:prstDash val="solid"/>
+          <a:miter lim="800000"/>
+        </a:ln>
+      </a:lnStyleLst>
+      <a:effectStyleLst>
+        <a:effectStyle>
+          <a:effectLst/>
+        </a:effectStyle>
+        <a:effectStyle>
+          <a:effectLst/>
+        </a:effectStyle>
+        <a:effectStyle>
+          <a:effectLst>
+            <a:outerShdw blurRad="57150" dist="19050" dir="5400000" algn="ctr" rotWithShape="0">
+              <a:srgbClr val="000000">
+                <a:alpha val="63000"/>
+              </a:srgbClr>
+            </a:outerShdw>
+          </a:effectLst>
+        </a:effectStyle>
+      </a:effectStyleLst>
+      <a:bgFillStyleLst>
+        <a:solidFill>
+          <a:schemeClr val="phClr"/>
+        </a:solidFill>
+        <a:solidFill>
+          <a:schemeClr val="phClr">
+            <a:tint val="95000"/>
+            <a:satMod val="170000"/>
+          </a:schemeClr>
+        </a:solidFill>
+        <a:gradFill rotWithShape="1">
+          <a:gsLst>
+            <a:gs pos="0">
+              <a:schemeClr val="phClr">
+                <a:tint val="93000"/>
+                <a:satMod val="150000"/>
+                <a:shade val="98000"/>
+                <a:lumMod val="102000"/>
+              </a:schemeClr>
+            </a:gs>
+            <a:gs pos="50000">
+              <a:schemeClr val="phClr">
+                <a:tint val="98000"/>
+                <a:satMod val="130000"/>
+                <a:shade val="90000"/>
+                <a:lumMod val="103000"/>
+              </a:schemeClr>
+            </a:gs>
+            <a:gs pos="100000">
+              <a:schemeClr val="phClr">
+                <a:shade val="63000"/>
+                <a:satMod val="120000"/>
+              </a:schemeClr>
+            </a:gs>
+          </a:gsLst>
+          <a:lin ang="5400000" scaled="0"/>
+        </a:gradFill>
+      </a:bgFillStyleLst>
+    </a:fmtScheme>
+  </a:themeElements>
+  <a:objectDefaults/>
+  <a:extraClrSchemeLst/>
+  <a:extLst>
+    <a:ext uri="{05A4C25C-085E-4340-85A3-A5531E510DB2}">
+      <thm15:themeFamily xmlns:thm15="http://schemas.microsoft.com/office/thememl/2012/main" name="Office Theme" id="{62F939B6-93AF-4DB8-9C6B-D6C7DFDC589F}" vid="{4A3C46E8-61CC-4603-A589-7422A47A8E4A}"/>
+    </a:ext>
+  </a:extLst>
+</a:theme>
 </file>
--- a/Part_01/Section02.pptx
+++ b/Part_01/Section02.pptx
@@ -5,7 +5,7 @@
     <p:sldMasterId id="2147483648" r:id="rId1"/>
   </p:sldMasterIdLst>
   <p:notesMasterIdLst>
-    <p:notesMasterId r:id="rId15"/>
+    <p:notesMasterId r:id="rId29"/>
   </p:notesMasterIdLst>
   <p:sldIdLst>
     <p:sldId id="256" r:id="rId2"/>
@@ -17,10 +17,24 @@
     <p:sldId id="264" r:id="rId8"/>
     <p:sldId id="265" r:id="rId9"/>
     <p:sldId id="266" r:id="rId10"/>
-    <p:sldId id="267" r:id="rId11"/>
-    <p:sldId id="259" r:id="rId12"/>
-    <p:sldId id="260" r:id="rId13"/>
-    <p:sldId id="261" r:id="rId14"/>
+    <p:sldId id="269" r:id="rId11"/>
+    <p:sldId id="270" r:id="rId12"/>
+    <p:sldId id="271" r:id="rId13"/>
+    <p:sldId id="272" r:id="rId14"/>
+    <p:sldId id="273" r:id="rId15"/>
+    <p:sldId id="274" r:id="rId16"/>
+    <p:sldId id="267" r:id="rId17"/>
+    <p:sldId id="276" r:id="rId18"/>
+    <p:sldId id="277" r:id="rId19"/>
+    <p:sldId id="278" r:id="rId20"/>
+    <p:sldId id="279" r:id="rId21"/>
+    <p:sldId id="280" r:id="rId22"/>
+    <p:sldId id="281" r:id="rId23"/>
+    <p:sldId id="282" r:id="rId24"/>
+    <p:sldId id="259" r:id="rId25"/>
+    <p:sldId id="275" r:id="rId26"/>
+    <p:sldId id="260" r:id="rId27"/>
+    <p:sldId id="261" r:id="rId28"/>
   </p:sldIdLst>
   <p:sldSz cx="12192000" cy="6858000"/>
   <p:notesSz cx="6858000" cy="9144000"/>
@@ -220,7 +234,7 @@
           <a:p>
             <a:fld id="{D805EED1-1D2E-4B06-9E17-B726C2B49F43}" type="datetimeFigureOut">
               <a:rPr lang="en-US" smtClean="0"/>
-              <a:t>11/1/2018</a:t>
+              <a:t>11/3/2018</a:t>
             </a:fld>
             <a:endParaRPr lang="en-US"/>
           </a:p>
@@ -770,6 +784,1127 @@
 </p:notes>
 </file>
 
+<file path=ppt/notesSlides/notesSlide3.xml><?xml version="1.0" encoding="utf-8"?>
+<p:notes xmlns:a="http://schemas.openxmlformats.org/drawingml/2006/main" xmlns:r="http://schemas.openxmlformats.org/officeDocument/2006/relationships" xmlns:p="http://schemas.openxmlformats.org/presentationml/2006/main">
+  <p:cSld>
+    <p:spTree>
+      <p:nvGrpSpPr>
+        <p:cNvPr id="1" name=""/>
+        <p:cNvGrpSpPr/>
+        <p:nvPr/>
+      </p:nvGrpSpPr>
+      <p:grpSpPr>
+        <a:xfrm>
+          <a:off x="0" y="0"/>
+          <a:ext cx="0" cy="0"/>
+          <a:chOff x="0" y="0"/>
+          <a:chExt cx="0" cy="0"/>
+        </a:xfrm>
+      </p:grpSpPr>
+      <p:sp>
+        <p:nvSpPr>
+          <p:cNvPr id="2" name="Slide Image Placeholder 1"/>
+          <p:cNvSpPr>
+            <a:spLocks noGrp="1" noRot="1" noChangeAspect="1"/>
+          </p:cNvSpPr>
+          <p:nvPr>
+            <p:ph type="sldImg"/>
+          </p:nvPr>
+        </p:nvSpPr>
+        <p:spPr/>
+      </p:sp>
+      <p:sp>
+        <p:nvSpPr>
+          <p:cNvPr id="3" name="Notes Placeholder 2"/>
+          <p:cNvSpPr>
+            <a:spLocks noGrp="1"/>
+          </p:cNvSpPr>
+          <p:nvPr>
+            <p:ph type="body" idx="1"/>
+          </p:nvPr>
+        </p:nvSpPr>
+        <p:spPr/>
+        <p:txBody>
+          <a:bodyPr/>
+          <a:lstStyle/>
+          <a:p>
+            <a:endParaRPr lang="en-US" dirty="0"/>
+          </a:p>
+        </p:txBody>
+      </p:sp>
+      <p:sp>
+        <p:nvSpPr>
+          <p:cNvPr id="4" name="Slide Number Placeholder 3"/>
+          <p:cNvSpPr>
+            <a:spLocks noGrp="1"/>
+          </p:cNvSpPr>
+          <p:nvPr>
+            <p:ph type="sldNum" sz="quarter" idx="10"/>
+          </p:nvPr>
+        </p:nvSpPr>
+        <p:spPr/>
+        <p:txBody>
+          <a:bodyPr/>
+          <a:lstStyle/>
+          <a:p>
+            <a:fld id="{D5AC405E-8311-4FE5-B406-016298D19D5B}" type="slidenum">
+              <a:rPr lang="en-US" smtClean="0"/>
+              <a:t>7</a:t>
+            </a:fld>
+            <a:endParaRPr lang="en-US"/>
+          </a:p>
+        </p:txBody>
+      </p:sp>
+    </p:spTree>
+    <p:extLst>
+      <p:ext uri="{BB962C8B-B14F-4D97-AF65-F5344CB8AC3E}">
+        <p14:creationId xmlns:p14="http://schemas.microsoft.com/office/powerpoint/2010/main" val="580550675"/>
+      </p:ext>
+    </p:extLst>
+  </p:cSld>
+  <p:clrMapOvr>
+    <a:masterClrMapping/>
+  </p:clrMapOvr>
+</p:notes>
+</file>
+
+<file path=ppt/notesSlides/notesSlide4.xml><?xml version="1.0" encoding="utf-8"?>
+<p:notes xmlns:a="http://schemas.openxmlformats.org/drawingml/2006/main" xmlns:r="http://schemas.openxmlformats.org/officeDocument/2006/relationships" xmlns:p="http://schemas.openxmlformats.org/presentationml/2006/main">
+  <p:cSld>
+    <p:spTree>
+      <p:nvGrpSpPr>
+        <p:cNvPr id="1" name=""/>
+        <p:cNvGrpSpPr/>
+        <p:nvPr/>
+      </p:nvGrpSpPr>
+      <p:grpSpPr>
+        <a:xfrm>
+          <a:off x="0" y="0"/>
+          <a:ext cx="0" cy="0"/>
+          <a:chOff x="0" y="0"/>
+          <a:chExt cx="0" cy="0"/>
+        </a:xfrm>
+      </p:grpSpPr>
+      <p:sp>
+        <p:nvSpPr>
+          <p:cNvPr id="2" name="Slide Image Placeholder 1"/>
+          <p:cNvSpPr>
+            <a:spLocks noGrp="1" noRot="1" noChangeAspect="1"/>
+          </p:cNvSpPr>
+          <p:nvPr>
+            <p:ph type="sldImg"/>
+          </p:nvPr>
+        </p:nvSpPr>
+        <p:spPr/>
+      </p:sp>
+      <p:sp>
+        <p:nvSpPr>
+          <p:cNvPr id="3" name="Notes Placeholder 2"/>
+          <p:cNvSpPr>
+            <a:spLocks noGrp="1"/>
+          </p:cNvSpPr>
+          <p:nvPr>
+            <p:ph type="body" idx="1"/>
+          </p:nvPr>
+        </p:nvSpPr>
+        <p:spPr/>
+        <p:txBody>
+          <a:bodyPr/>
+          <a:lstStyle/>
+          <a:p>
+            <a:r>
+              <a:rPr lang="en-US" dirty="0" smtClean="0"/>
+              <a:t>PowerShell Script</a:t>
+            </a:r>
+          </a:p>
+          <a:p>
+            <a:endParaRPr lang="en-US" dirty="0" smtClean="0"/>
+          </a:p>
+          <a:p>
+            <a:r>
+              <a:rPr lang="en-US" dirty="0" smtClean="0"/>
+              <a:t>Import-Module "C:\Program Files\Microsoft Deployment Toolkit\bin\MicrosoftDeploymentToolkit.psd1"</a:t>
+            </a:r>
+          </a:p>
+          <a:p>
+            <a:r>
+              <a:rPr lang="en-US" dirty="0" smtClean="0"/>
+              <a:t>New-</a:t>
+            </a:r>
+            <a:r>
+              <a:rPr lang="en-US" dirty="0" err="1" smtClean="0"/>
+              <a:t>PSDrive</a:t>
+            </a:r>
+            <a:r>
+              <a:rPr lang="en-US" dirty="0" smtClean="0"/>
+              <a:t> -Name "DS001" -</a:t>
+            </a:r>
+            <a:r>
+              <a:rPr lang="en-US" dirty="0" err="1" smtClean="0"/>
+              <a:t>PSProvider</a:t>
+            </a:r>
+            <a:r>
+              <a:rPr lang="en-US" dirty="0" smtClean="0"/>
+              <a:t> </a:t>
+            </a:r>
+            <a:r>
+              <a:rPr lang="en-US" dirty="0" err="1" smtClean="0"/>
+              <a:t>MDTProvider</a:t>
+            </a:r>
+            <a:r>
+              <a:rPr lang="en-US" dirty="0" smtClean="0"/>
+              <a:t> -Root "C:\HECCMDTBuildLab"</a:t>
+            </a:r>
+          </a:p>
+          <a:p>
+            <a:r>
+              <a:rPr lang="en-US" dirty="0" smtClean="0"/>
+              <a:t>import-</a:t>
+            </a:r>
+            <a:r>
+              <a:rPr lang="en-US" dirty="0" err="1" smtClean="0"/>
+              <a:t>MDTApplication</a:t>
+            </a:r>
+            <a:r>
+              <a:rPr lang="en-US" dirty="0" smtClean="0"/>
+              <a:t> -path "DS001:\Applications" -enable "True" -Name "Install - IE Short Cut (Win 10)" -</a:t>
+            </a:r>
+            <a:r>
+              <a:rPr lang="en-US" dirty="0" err="1" smtClean="0"/>
+              <a:t>ShortName</a:t>
+            </a:r>
+            <a:r>
+              <a:rPr lang="en-US" dirty="0" smtClean="0"/>
+              <a:t> "Install - IE Short Cut (Win 10)" -Version "" -Publisher "" -Language "EN" -</a:t>
+            </a:r>
+            <a:r>
+              <a:rPr lang="en-US" dirty="0" err="1" smtClean="0"/>
+              <a:t>CommandLine</a:t>
+            </a:r>
+            <a:r>
+              <a:rPr lang="en-US" dirty="0" smtClean="0"/>
+              <a:t> "powershell.exe -Command `"Set-</a:t>
+            </a:r>
+            <a:r>
+              <a:rPr lang="en-US" dirty="0" err="1" smtClean="0"/>
+              <a:t>ExecutionPolicy</a:t>
+            </a:r>
+            <a:r>
+              <a:rPr lang="en-US" dirty="0" smtClean="0"/>
+              <a:t> Unrestricted -Force; Copy-Item -Path 'Z:\Applications\Install - IE Short Cut (Win 10)\Internet </a:t>
+            </a:r>
+            <a:r>
+              <a:rPr lang="en-US" dirty="0" err="1" smtClean="0"/>
+              <a:t>Explorer.lnk</a:t>
+            </a:r>
+            <a:r>
+              <a:rPr lang="en-US" dirty="0" smtClean="0"/>
+              <a:t>' -Destination 'C:\</a:t>
+            </a:r>
+            <a:r>
+              <a:rPr lang="en-US" dirty="0" err="1" smtClean="0"/>
+              <a:t>ProgramData</a:t>
+            </a:r>
+            <a:r>
+              <a:rPr lang="en-US" dirty="0" smtClean="0"/>
+              <a:t>\Microsoft\Windows\Start Menu\Programs\Accessories' -Force; set-</a:t>
+            </a:r>
+            <a:r>
+              <a:rPr lang="en-US" dirty="0" err="1" smtClean="0"/>
+              <a:t>ExecutionPolicy</a:t>
+            </a:r>
+            <a:r>
+              <a:rPr lang="en-US" dirty="0" smtClean="0"/>
+              <a:t> Restricted -Force`"" -</a:t>
+            </a:r>
+            <a:r>
+              <a:rPr lang="en-US" dirty="0" err="1" smtClean="0"/>
+              <a:t>WorkingDirectory</a:t>
+            </a:r>
+            <a:r>
+              <a:rPr lang="en-US" dirty="0" smtClean="0"/>
+              <a:t> ".\Applications\Install - IE Short Cut (Win 10)" -</a:t>
+            </a:r>
+            <a:r>
+              <a:rPr lang="en-US" dirty="0" err="1" smtClean="0"/>
+              <a:t>ApplicationSourcePath</a:t>
+            </a:r>
+            <a:r>
+              <a:rPr lang="en-US" dirty="0" smtClean="0"/>
+              <a:t> "C:\_Setup\_AppInstallFiles\Install - IE Short Cut (Win 10)" -</a:t>
+            </a:r>
+            <a:r>
+              <a:rPr lang="en-US" dirty="0" err="1" smtClean="0"/>
+              <a:t>DestinationFolder</a:t>
+            </a:r>
+            <a:r>
+              <a:rPr lang="en-US" dirty="0" smtClean="0"/>
+              <a:t> "Install - IE Short Cut (Win 10)" -Verbose</a:t>
+            </a:r>
+          </a:p>
+          <a:p>
+            <a:endParaRPr lang="en-US" dirty="0"/>
+          </a:p>
+        </p:txBody>
+      </p:sp>
+      <p:sp>
+        <p:nvSpPr>
+          <p:cNvPr id="4" name="Slide Number Placeholder 3"/>
+          <p:cNvSpPr>
+            <a:spLocks noGrp="1"/>
+          </p:cNvSpPr>
+          <p:nvPr>
+            <p:ph type="sldNum" sz="quarter" idx="10"/>
+          </p:nvPr>
+        </p:nvSpPr>
+        <p:spPr/>
+        <p:txBody>
+          <a:bodyPr/>
+          <a:lstStyle/>
+          <a:p>
+            <a:fld id="{D5AC405E-8311-4FE5-B406-016298D19D5B}" type="slidenum">
+              <a:rPr lang="en-US" smtClean="0"/>
+              <a:t>8</a:t>
+            </a:fld>
+            <a:endParaRPr lang="en-US"/>
+          </a:p>
+        </p:txBody>
+      </p:sp>
+    </p:spTree>
+    <p:extLst>
+      <p:ext uri="{BB962C8B-B14F-4D97-AF65-F5344CB8AC3E}">
+        <p14:creationId xmlns:p14="http://schemas.microsoft.com/office/powerpoint/2010/main" val="75637435"/>
+      </p:ext>
+    </p:extLst>
+  </p:cSld>
+  <p:clrMapOvr>
+    <a:masterClrMapping/>
+  </p:clrMapOvr>
+</p:notes>
+</file>
+
+<file path=ppt/notesSlides/notesSlide5.xml><?xml version="1.0" encoding="utf-8"?>
+<p:notes xmlns:a="http://schemas.openxmlformats.org/drawingml/2006/main" xmlns:r="http://schemas.openxmlformats.org/officeDocument/2006/relationships" xmlns:p="http://schemas.openxmlformats.org/presentationml/2006/main">
+  <p:cSld>
+    <p:spTree>
+      <p:nvGrpSpPr>
+        <p:cNvPr id="1" name=""/>
+        <p:cNvGrpSpPr/>
+        <p:nvPr/>
+      </p:nvGrpSpPr>
+      <p:grpSpPr>
+        <a:xfrm>
+          <a:off x="0" y="0"/>
+          <a:ext cx="0" cy="0"/>
+          <a:chOff x="0" y="0"/>
+          <a:chExt cx="0" cy="0"/>
+        </a:xfrm>
+      </p:grpSpPr>
+      <p:sp>
+        <p:nvSpPr>
+          <p:cNvPr id="2" name="Slide Image Placeholder 1"/>
+          <p:cNvSpPr>
+            <a:spLocks noGrp="1" noRot="1" noChangeAspect="1"/>
+          </p:cNvSpPr>
+          <p:nvPr>
+            <p:ph type="sldImg"/>
+          </p:nvPr>
+        </p:nvSpPr>
+        <p:spPr/>
+      </p:sp>
+      <p:sp>
+        <p:nvSpPr>
+          <p:cNvPr id="3" name="Notes Placeholder 2"/>
+          <p:cNvSpPr>
+            <a:spLocks noGrp="1"/>
+          </p:cNvSpPr>
+          <p:nvPr>
+            <p:ph type="body" idx="1"/>
+          </p:nvPr>
+        </p:nvSpPr>
+        <p:spPr/>
+        <p:txBody>
+          <a:bodyPr/>
+          <a:lstStyle/>
+          <a:p>
+            <a:r>
+              <a:rPr lang="en-US" dirty="0" smtClean="0"/>
+              <a:t>PowerShell Script</a:t>
+            </a:r>
+          </a:p>
+          <a:p>
+            <a:endParaRPr lang="en-US" dirty="0" smtClean="0"/>
+          </a:p>
+          <a:p>
+            <a:r>
+              <a:rPr lang="en-US" dirty="0" smtClean="0"/>
+              <a:t>Import-Module "C:\Program Files\Microsoft Deployment Toolkit\bin\MicrosoftDeploymentToolkit.psd1"</a:t>
+            </a:r>
+          </a:p>
+          <a:p>
+            <a:r>
+              <a:rPr lang="en-US" dirty="0" smtClean="0"/>
+              <a:t>New-</a:t>
+            </a:r>
+            <a:r>
+              <a:rPr lang="en-US" dirty="0" err="1" smtClean="0"/>
+              <a:t>PSDrive</a:t>
+            </a:r>
+            <a:r>
+              <a:rPr lang="en-US" dirty="0" smtClean="0"/>
+              <a:t> -Name "DS001" -</a:t>
+            </a:r>
+            <a:r>
+              <a:rPr lang="en-US" dirty="0" err="1" smtClean="0"/>
+              <a:t>PSProvider</a:t>
+            </a:r>
+            <a:r>
+              <a:rPr lang="en-US" dirty="0" smtClean="0"/>
+              <a:t> </a:t>
+            </a:r>
+            <a:r>
+              <a:rPr lang="en-US" dirty="0" err="1" smtClean="0"/>
+              <a:t>MDTProvider</a:t>
+            </a:r>
+            <a:r>
+              <a:rPr lang="en-US" dirty="0" smtClean="0"/>
+              <a:t> -Root "C:\HECCMDTBuildLab"</a:t>
+            </a:r>
+          </a:p>
+          <a:p>
+            <a:r>
+              <a:rPr lang="en-US" dirty="0" smtClean="0"/>
+              <a:t>import-</a:t>
+            </a:r>
+            <a:r>
+              <a:rPr lang="en-US" dirty="0" err="1" smtClean="0"/>
+              <a:t>mdtoperatingsystem</a:t>
+            </a:r>
+            <a:r>
+              <a:rPr lang="en-US" dirty="0" smtClean="0"/>
+              <a:t> -path "DS001:\Operating Systems\Windows 10" -</a:t>
+            </a:r>
+            <a:r>
+              <a:rPr lang="en-US" dirty="0" err="1" smtClean="0"/>
+              <a:t>SourcePath</a:t>
+            </a:r>
+            <a:r>
+              <a:rPr lang="en-US" dirty="0" smtClean="0"/>
+              <a:t> "D:\" -</a:t>
+            </a:r>
+            <a:r>
+              <a:rPr lang="en-US" dirty="0" err="1" smtClean="0"/>
+              <a:t>DestinationFolder</a:t>
+            </a:r>
+            <a:r>
+              <a:rPr lang="en-US" dirty="0" smtClean="0"/>
+              <a:t> "Win10Edux64" -Verbose</a:t>
+            </a:r>
+          </a:p>
+          <a:p>
+            <a:endParaRPr lang="en-US" dirty="0"/>
+          </a:p>
+        </p:txBody>
+      </p:sp>
+      <p:sp>
+        <p:nvSpPr>
+          <p:cNvPr id="4" name="Slide Number Placeholder 3"/>
+          <p:cNvSpPr>
+            <a:spLocks noGrp="1"/>
+          </p:cNvSpPr>
+          <p:nvPr>
+            <p:ph type="sldNum" sz="quarter" idx="10"/>
+          </p:nvPr>
+        </p:nvSpPr>
+        <p:spPr/>
+        <p:txBody>
+          <a:bodyPr/>
+          <a:lstStyle/>
+          <a:p>
+            <a:fld id="{D5AC405E-8311-4FE5-B406-016298D19D5B}" type="slidenum">
+              <a:rPr lang="en-US" smtClean="0"/>
+              <a:t>11</a:t>
+            </a:fld>
+            <a:endParaRPr lang="en-US"/>
+          </a:p>
+        </p:txBody>
+      </p:sp>
+    </p:spTree>
+    <p:extLst>
+      <p:ext uri="{BB962C8B-B14F-4D97-AF65-F5344CB8AC3E}">
+        <p14:creationId xmlns:p14="http://schemas.microsoft.com/office/powerpoint/2010/main" val="189967423"/>
+      </p:ext>
+    </p:extLst>
+  </p:cSld>
+  <p:clrMapOvr>
+    <a:masterClrMapping/>
+  </p:clrMapOvr>
+</p:notes>
+</file>
+
+<file path=ppt/notesSlides/notesSlide6.xml><?xml version="1.0" encoding="utf-8"?>
+<p:notes xmlns:a="http://schemas.openxmlformats.org/drawingml/2006/main" xmlns:r="http://schemas.openxmlformats.org/officeDocument/2006/relationships" xmlns:p="http://schemas.openxmlformats.org/presentationml/2006/main">
+  <p:cSld>
+    <p:spTree>
+      <p:nvGrpSpPr>
+        <p:cNvPr id="1" name=""/>
+        <p:cNvGrpSpPr/>
+        <p:nvPr/>
+      </p:nvGrpSpPr>
+      <p:grpSpPr>
+        <a:xfrm>
+          <a:off x="0" y="0"/>
+          <a:ext cx="0" cy="0"/>
+          <a:chOff x="0" y="0"/>
+          <a:chExt cx="0" cy="0"/>
+        </a:xfrm>
+      </p:grpSpPr>
+      <p:sp>
+        <p:nvSpPr>
+          <p:cNvPr id="2" name="Slide Image Placeholder 1"/>
+          <p:cNvSpPr>
+            <a:spLocks noGrp="1" noRot="1" noChangeAspect="1"/>
+          </p:cNvSpPr>
+          <p:nvPr>
+            <p:ph type="sldImg"/>
+          </p:nvPr>
+        </p:nvSpPr>
+        <p:spPr/>
+      </p:sp>
+      <p:sp>
+        <p:nvSpPr>
+          <p:cNvPr id="3" name="Notes Placeholder 2"/>
+          <p:cNvSpPr>
+            <a:spLocks noGrp="1"/>
+          </p:cNvSpPr>
+          <p:nvPr>
+            <p:ph type="body" idx="1"/>
+          </p:nvPr>
+        </p:nvSpPr>
+        <p:spPr/>
+        <p:txBody>
+          <a:bodyPr/>
+          <a:lstStyle/>
+          <a:p>
+            <a:r>
+              <a:rPr lang="en-US" dirty="0" smtClean="0"/>
+              <a:t>PowerShell Script</a:t>
+            </a:r>
+          </a:p>
+          <a:p>
+            <a:endParaRPr lang="en-US" dirty="0" smtClean="0"/>
+          </a:p>
+          <a:p>
+            <a:r>
+              <a:rPr lang="en-US" dirty="0" smtClean="0"/>
+              <a:t>Import-Module "C:\Program Files\Microsoft Deployment Toolkit\bin\MicrosoftDeploymentToolkit.psd1"</a:t>
+            </a:r>
+          </a:p>
+          <a:p>
+            <a:r>
+              <a:rPr lang="en-US" dirty="0" smtClean="0"/>
+              <a:t>New-</a:t>
+            </a:r>
+            <a:r>
+              <a:rPr lang="en-US" dirty="0" err="1" smtClean="0"/>
+              <a:t>PSDrive</a:t>
+            </a:r>
+            <a:r>
+              <a:rPr lang="en-US" dirty="0" smtClean="0"/>
+              <a:t> -Name "DS001" -</a:t>
+            </a:r>
+            <a:r>
+              <a:rPr lang="en-US" dirty="0" err="1" smtClean="0"/>
+              <a:t>PSProvider</a:t>
+            </a:r>
+            <a:r>
+              <a:rPr lang="en-US" dirty="0" smtClean="0"/>
+              <a:t> </a:t>
+            </a:r>
+            <a:r>
+              <a:rPr lang="en-US" dirty="0" err="1" smtClean="0"/>
+              <a:t>MDTProvider</a:t>
+            </a:r>
+            <a:r>
+              <a:rPr lang="en-US" dirty="0" smtClean="0"/>
+              <a:t> -Root "C:\HECCMDTBuildLab"</a:t>
+            </a:r>
+          </a:p>
+          <a:p>
+            <a:r>
+              <a:rPr lang="en-US" dirty="0" smtClean="0"/>
+              <a:t>import-</a:t>
+            </a:r>
+            <a:r>
+              <a:rPr lang="en-US" dirty="0" err="1" smtClean="0"/>
+              <a:t>mdttasksequence</a:t>
+            </a:r>
+            <a:r>
+              <a:rPr lang="en-US" dirty="0" smtClean="0"/>
+              <a:t> -path "DS001:\Task Sequences\Windows 10" -Name "Windows 10 Education x64 build 1803 (Nov 2018)" -Template "Client.xml" -Comments "Windows 10 Education build 1803 (November 2018)</a:t>
+            </a:r>
+          </a:p>
+          <a:p>
+            <a:r>
+              <a:rPr lang="en-US" dirty="0" smtClean="0"/>
+              <a:t>Designed for HECC" -ID "Win10Edu1803-001" -Version "1.0" -</a:t>
+            </a:r>
+            <a:r>
+              <a:rPr lang="en-US" dirty="0" err="1" smtClean="0"/>
+              <a:t>OperatingSystemPath</a:t>
+            </a:r>
+            <a:r>
+              <a:rPr lang="en-US" dirty="0" smtClean="0"/>
+              <a:t> "DS001:\Operating Systems\Windows 10\Windows 10 Education x64 (1803)" -</a:t>
+            </a:r>
+            <a:r>
+              <a:rPr lang="en-US" dirty="0" err="1" smtClean="0"/>
+              <a:t>FullName</a:t>
+            </a:r>
+            <a:r>
+              <a:rPr lang="en-US" dirty="0" smtClean="0"/>
+              <a:t> "HECC" -</a:t>
+            </a:r>
+            <a:r>
+              <a:rPr lang="en-US" dirty="0" err="1" smtClean="0"/>
+              <a:t>OrgName</a:t>
+            </a:r>
+            <a:r>
+              <a:rPr lang="en-US" dirty="0" smtClean="0"/>
+              <a:t> "Hoosier Educational Computer Coordinators" -</a:t>
+            </a:r>
+            <a:r>
+              <a:rPr lang="en-US" dirty="0" err="1" smtClean="0"/>
+              <a:t>HomePage</a:t>
+            </a:r>
+            <a:r>
+              <a:rPr lang="en-US" dirty="0" smtClean="0"/>
+              <a:t> "https://hecc.k12.in.us/" -Verbose</a:t>
+            </a:r>
+          </a:p>
+          <a:p>
+            <a:endParaRPr lang="en-US" dirty="0" smtClean="0"/>
+          </a:p>
+          <a:p>
+            <a:endParaRPr lang="en-US" dirty="0" smtClean="0"/>
+          </a:p>
+          <a:p>
+            <a:endParaRPr lang="en-US" dirty="0"/>
+          </a:p>
+        </p:txBody>
+      </p:sp>
+      <p:sp>
+        <p:nvSpPr>
+          <p:cNvPr id="4" name="Slide Number Placeholder 3"/>
+          <p:cNvSpPr>
+            <a:spLocks noGrp="1"/>
+          </p:cNvSpPr>
+          <p:nvPr>
+            <p:ph type="sldNum" sz="quarter" idx="10"/>
+          </p:nvPr>
+        </p:nvSpPr>
+        <p:spPr/>
+        <p:txBody>
+          <a:bodyPr/>
+          <a:lstStyle/>
+          <a:p>
+            <a:fld id="{D5AC405E-8311-4FE5-B406-016298D19D5B}" type="slidenum">
+              <a:rPr lang="en-US" smtClean="0"/>
+              <a:t>20</a:t>
+            </a:fld>
+            <a:endParaRPr lang="en-US"/>
+          </a:p>
+        </p:txBody>
+      </p:sp>
+    </p:spTree>
+    <p:extLst>
+      <p:ext uri="{BB962C8B-B14F-4D97-AF65-F5344CB8AC3E}">
+        <p14:creationId xmlns:p14="http://schemas.microsoft.com/office/powerpoint/2010/main" val="3847224749"/>
+      </p:ext>
+    </p:extLst>
+  </p:cSld>
+  <p:clrMapOvr>
+    <a:masterClrMapping/>
+  </p:clrMapOvr>
+</p:notes>
+</file>
+
+<file path=ppt/notesSlides/notesSlide7.xml><?xml version="1.0" encoding="utf-8"?>
+<p:notes xmlns:a="http://schemas.openxmlformats.org/drawingml/2006/main" xmlns:r="http://schemas.openxmlformats.org/officeDocument/2006/relationships" xmlns:p="http://schemas.openxmlformats.org/presentationml/2006/main">
+  <p:cSld>
+    <p:spTree>
+      <p:nvGrpSpPr>
+        <p:cNvPr id="1" name=""/>
+        <p:cNvGrpSpPr/>
+        <p:nvPr/>
+      </p:nvGrpSpPr>
+      <p:grpSpPr>
+        <a:xfrm>
+          <a:off x="0" y="0"/>
+          <a:ext cx="0" cy="0"/>
+          <a:chOff x="0" y="0"/>
+          <a:chExt cx="0" cy="0"/>
+        </a:xfrm>
+      </p:grpSpPr>
+      <p:sp>
+        <p:nvSpPr>
+          <p:cNvPr id="2" name="Slide Image Placeholder 1"/>
+          <p:cNvSpPr>
+            <a:spLocks noGrp="1" noRot="1" noChangeAspect="1"/>
+          </p:cNvSpPr>
+          <p:nvPr>
+            <p:ph type="sldImg"/>
+          </p:nvPr>
+        </p:nvSpPr>
+        <p:spPr/>
+      </p:sp>
+      <p:sp>
+        <p:nvSpPr>
+          <p:cNvPr id="3" name="Notes Placeholder 2"/>
+          <p:cNvSpPr>
+            <a:spLocks noGrp="1"/>
+          </p:cNvSpPr>
+          <p:nvPr>
+            <p:ph type="body" idx="1"/>
+          </p:nvPr>
+        </p:nvSpPr>
+        <p:spPr/>
+        <p:txBody>
+          <a:bodyPr/>
+          <a:lstStyle/>
+          <a:p>
+            <a:r>
+              <a:rPr lang="en-US" dirty="0" smtClean="0"/>
+              <a:t>PowerShell Script</a:t>
+            </a:r>
+          </a:p>
+          <a:p>
+            <a:endParaRPr lang="en-US" dirty="0" smtClean="0"/>
+          </a:p>
+          <a:p>
+            <a:r>
+              <a:rPr lang="en-US" dirty="0" smtClean="0"/>
+              <a:t>Import-Module "C:\Program Files\Microsoft Deployment Toolkit\bin\MicrosoftDeploymentToolkit.psd1"</a:t>
+            </a:r>
+          </a:p>
+          <a:p>
+            <a:r>
+              <a:rPr lang="en-US" dirty="0" smtClean="0"/>
+              <a:t>New-</a:t>
+            </a:r>
+            <a:r>
+              <a:rPr lang="en-US" dirty="0" err="1" smtClean="0"/>
+              <a:t>PSDrive</a:t>
+            </a:r>
+            <a:r>
+              <a:rPr lang="en-US" dirty="0" smtClean="0"/>
+              <a:t> -Name "DS001" -</a:t>
+            </a:r>
+            <a:r>
+              <a:rPr lang="en-US" dirty="0" err="1" smtClean="0"/>
+              <a:t>PSProvider</a:t>
+            </a:r>
+            <a:r>
+              <a:rPr lang="en-US" dirty="0" smtClean="0"/>
+              <a:t> </a:t>
+            </a:r>
+            <a:r>
+              <a:rPr lang="en-US" dirty="0" err="1" smtClean="0"/>
+              <a:t>MDTProvider</a:t>
+            </a:r>
+            <a:r>
+              <a:rPr lang="en-US" dirty="0" smtClean="0"/>
+              <a:t> -Root "C:\HECCMDTBuildLab"</a:t>
+            </a:r>
+          </a:p>
+          <a:p>
+            <a:r>
+              <a:rPr lang="en-US" dirty="0" smtClean="0"/>
+              <a:t>import-</a:t>
+            </a:r>
+            <a:r>
+              <a:rPr lang="en-US" dirty="0" err="1" smtClean="0"/>
+              <a:t>mdttasksequence</a:t>
+            </a:r>
+            <a:r>
+              <a:rPr lang="en-US" dirty="0" smtClean="0"/>
+              <a:t> -path "DS001:\Task Sequences\Windows 10" -Name "Windows 10 Education x64 build 1803 (Nov 2018)" -Template "Client.xml" -Comments "Windows 10 Education build 1803 (November 2018)</a:t>
+            </a:r>
+          </a:p>
+          <a:p>
+            <a:r>
+              <a:rPr lang="en-US" dirty="0" smtClean="0"/>
+              <a:t>Designed for HECC" -ID "Win10Edu1803-001" -Version "1.0" -</a:t>
+            </a:r>
+            <a:r>
+              <a:rPr lang="en-US" dirty="0" err="1" smtClean="0"/>
+              <a:t>OperatingSystemPath</a:t>
+            </a:r>
+            <a:r>
+              <a:rPr lang="en-US" dirty="0" smtClean="0"/>
+              <a:t> "DS001:\Operating Systems\Windows 10\Windows 10 Education x64 (1803)" -</a:t>
+            </a:r>
+            <a:r>
+              <a:rPr lang="en-US" dirty="0" err="1" smtClean="0"/>
+              <a:t>FullName</a:t>
+            </a:r>
+            <a:r>
+              <a:rPr lang="en-US" dirty="0" smtClean="0"/>
+              <a:t> "HECC" -</a:t>
+            </a:r>
+            <a:r>
+              <a:rPr lang="en-US" dirty="0" err="1" smtClean="0"/>
+              <a:t>OrgName</a:t>
+            </a:r>
+            <a:r>
+              <a:rPr lang="en-US" dirty="0" smtClean="0"/>
+              <a:t> "Hoosier Educational Computer Coordinators" -</a:t>
+            </a:r>
+            <a:r>
+              <a:rPr lang="en-US" dirty="0" err="1" smtClean="0"/>
+              <a:t>HomePage</a:t>
+            </a:r>
+            <a:r>
+              <a:rPr lang="en-US" dirty="0" smtClean="0"/>
+              <a:t> "https://hecc.k12.in.us/" -Verbose</a:t>
+            </a:r>
+          </a:p>
+          <a:p>
+            <a:endParaRPr lang="en-US" dirty="0" smtClean="0"/>
+          </a:p>
+          <a:p>
+            <a:endParaRPr lang="en-US" dirty="0" smtClean="0"/>
+          </a:p>
+          <a:p>
+            <a:endParaRPr lang="en-US" dirty="0"/>
+          </a:p>
+        </p:txBody>
+      </p:sp>
+      <p:sp>
+        <p:nvSpPr>
+          <p:cNvPr id="4" name="Slide Number Placeholder 3"/>
+          <p:cNvSpPr>
+            <a:spLocks noGrp="1"/>
+          </p:cNvSpPr>
+          <p:nvPr>
+            <p:ph type="sldNum" sz="quarter" idx="10"/>
+          </p:nvPr>
+        </p:nvSpPr>
+        <p:spPr/>
+        <p:txBody>
+          <a:bodyPr/>
+          <a:lstStyle/>
+          <a:p>
+            <a:fld id="{D5AC405E-8311-4FE5-B406-016298D19D5B}" type="slidenum">
+              <a:rPr lang="en-US" smtClean="0"/>
+              <a:t>21</a:t>
+            </a:fld>
+            <a:endParaRPr lang="en-US"/>
+          </a:p>
+        </p:txBody>
+      </p:sp>
+    </p:spTree>
+    <p:extLst>
+      <p:ext uri="{BB962C8B-B14F-4D97-AF65-F5344CB8AC3E}">
+        <p14:creationId xmlns:p14="http://schemas.microsoft.com/office/powerpoint/2010/main" val="273887788"/>
+      </p:ext>
+    </p:extLst>
+  </p:cSld>
+  <p:clrMapOvr>
+    <a:masterClrMapping/>
+  </p:clrMapOvr>
+</p:notes>
+</file>
+
+<file path=ppt/notesSlides/notesSlide8.xml><?xml version="1.0" encoding="utf-8"?>
+<p:notes xmlns:a="http://schemas.openxmlformats.org/drawingml/2006/main" xmlns:r="http://schemas.openxmlformats.org/officeDocument/2006/relationships" xmlns:p="http://schemas.openxmlformats.org/presentationml/2006/main">
+  <p:cSld>
+    <p:spTree>
+      <p:nvGrpSpPr>
+        <p:cNvPr id="1" name=""/>
+        <p:cNvGrpSpPr/>
+        <p:nvPr/>
+      </p:nvGrpSpPr>
+      <p:grpSpPr>
+        <a:xfrm>
+          <a:off x="0" y="0"/>
+          <a:ext cx="0" cy="0"/>
+          <a:chOff x="0" y="0"/>
+          <a:chExt cx="0" cy="0"/>
+        </a:xfrm>
+      </p:grpSpPr>
+      <p:sp>
+        <p:nvSpPr>
+          <p:cNvPr id="2" name="Slide Image Placeholder 1"/>
+          <p:cNvSpPr>
+            <a:spLocks noGrp="1" noRot="1" noChangeAspect="1"/>
+          </p:cNvSpPr>
+          <p:nvPr>
+            <p:ph type="sldImg"/>
+          </p:nvPr>
+        </p:nvSpPr>
+        <p:spPr/>
+      </p:sp>
+      <p:sp>
+        <p:nvSpPr>
+          <p:cNvPr id="3" name="Notes Placeholder 2"/>
+          <p:cNvSpPr>
+            <a:spLocks noGrp="1"/>
+          </p:cNvSpPr>
+          <p:nvPr>
+            <p:ph type="body" idx="1"/>
+          </p:nvPr>
+        </p:nvSpPr>
+        <p:spPr/>
+        <p:txBody>
+          <a:bodyPr/>
+          <a:lstStyle/>
+          <a:p>
+            <a:endParaRPr lang="en-US" dirty="0"/>
+          </a:p>
+        </p:txBody>
+      </p:sp>
+      <p:sp>
+        <p:nvSpPr>
+          <p:cNvPr id="4" name="Slide Number Placeholder 3"/>
+          <p:cNvSpPr>
+            <a:spLocks noGrp="1"/>
+          </p:cNvSpPr>
+          <p:nvPr>
+            <p:ph type="sldNum" sz="quarter" idx="10"/>
+          </p:nvPr>
+        </p:nvSpPr>
+        <p:spPr/>
+        <p:txBody>
+          <a:bodyPr/>
+          <a:lstStyle/>
+          <a:p>
+            <a:fld id="{D5AC405E-8311-4FE5-B406-016298D19D5B}" type="slidenum">
+              <a:rPr lang="en-US" smtClean="0"/>
+              <a:t>22</a:t>
+            </a:fld>
+            <a:endParaRPr lang="en-US"/>
+          </a:p>
+        </p:txBody>
+      </p:sp>
+    </p:spTree>
+    <p:extLst>
+      <p:ext uri="{BB962C8B-B14F-4D97-AF65-F5344CB8AC3E}">
+        <p14:creationId xmlns:p14="http://schemas.microsoft.com/office/powerpoint/2010/main" val="3935530085"/>
+      </p:ext>
+    </p:extLst>
+  </p:cSld>
+  <p:clrMapOvr>
+    <a:masterClrMapping/>
+  </p:clrMapOvr>
+</p:notes>
+</file>
+
+<file path=ppt/notesSlides/notesSlide9.xml><?xml version="1.0" encoding="utf-8"?>
+<p:notes xmlns:a="http://schemas.openxmlformats.org/drawingml/2006/main" xmlns:r="http://schemas.openxmlformats.org/officeDocument/2006/relationships" xmlns:p="http://schemas.openxmlformats.org/presentationml/2006/main">
+  <p:cSld>
+    <p:spTree>
+      <p:nvGrpSpPr>
+        <p:cNvPr id="1" name=""/>
+        <p:cNvGrpSpPr/>
+        <p:nvPr/>
+      </p:nvGrpSpPr>
+      <p:grpSpPr>
+        <a:xfrm>
+          <a:off x="0" y="0"/>
+          <a:ext cx="0" cy="0"/>
+          <a:chOff x="0" y="0"/>
+          <a:chExt cx="0" cy="0"/>
+        </a:xfrm>
+      </p:grpSpPr>
+      <p:sp>
+        <p:nvSpPr>
+          <p:cNvPr id="2" name="Slide Image Placeholder 1"/>
+          <p:cNvSpPr>
+            <a:spLocks noGrp="1" noRot="1" noChangeAspect="1"/>
+          </p:cNvSpPr>
+          <p:nvPr>
+            <p:ph type="sldImg"/>
+          </p:nvPr>
+        </p:nvSpPr>
+        <p:spPr/>
+      </p:sp>
+      <p:sp>
+        <p:nvSpPr>
+          <p:cNvPr id="3" name="Notes Placeholder 2"/>
+          <p:cNvSpPr>
+            <a:spLocks noGrp="1"/>
+          </p:cNvSpPr>
+          <p:nvPr>
+            <p:ph type="body" idx="1"/>
+          </p:nvPr>
+        </p:nvSpPr>
+        <p:spPr/>
+        <p:txBody>
+          <a:bodyPr/>
+          <a:lstStyle/>
+          <a:p>
+            <a:r>
+              <a:rPr lang="en-US" dirty="0" smtClean="0"/>
+              <a:t>PowerShell Script</a:t>
+            </a:r>
+          </a:p>
+          <a:p>
+            <a:endParaRPr lang="en-US" dirty="0" smtClean="0"/>
+          </a:p>
+          <a:p>
+            <a:r>
+              <a:rPr lang="en-US" dirty="0" smtClean="0"/>
+              <a:t>Import-Module "C:\Program Files\Microsoft Deployment Toolkit\bin\MicrosoftDeploymentToolkit.psd1"</a:t>
+            </a:r>
+          </a:p>
+          <a:p>
+            <a:r>
+              <a:rPr lang="en-US" dirty="0" smtClean="0"/>
+              <a:t>New-</a:t>
+            </a:r>
+            <a:r>
+              <a:rPr lang="en-US" dirty="0" err="1" smtClean="0"/>
+              <a:t>PSDrive</a:t>
+            </a:r>
+            <a:r>
+              <a:rPr lang="en-US" dirty="0" smtClean="0"/>
+              <a:t> -Name "DS001" -</a:t>
+            </a:r>
+            <a:r>
+              <a:rPr lang="en-US" dirty="0" err="1" smtClean="0"/>
+              <a:t>PSProvider</a:t>
+            </a:r>
+            <a:r>
+              <a:rPr lang="en-US" dirty="0" smtClean="0"/>
+              <a:t> </a:t>
+            </a:r>
+            <a:r>
+              <a:rPr lang="en-US" dirty="0" err="1" smtClean="0"/>
+              <a:t>MDTProvider</a:t>
+            </a:r>
+            <a:r>
+              <a:rPr lang="en-US" dirty="0" smtClean="0"/>
+              <a:t> -Root "C:\HECCMDTBuildLab"</a:t>
+            </a:r>
+          </a:p>
+          <a:p>
+            <a:r>
+              <a:rPr lang="en-US" dirty="0" smtClean="0"/>
+              <a:t>import-</a:t>
+            </a:r>
+            <a:r>
+              <a:rPr lang="en-US" dirty="0" err="1" smtClean="0"/>
+              <a:t>MDTApplication</a:t>
+            </a:r>
+            <a:r>
+              <a:rPr lang="en-US" dirty="0" smtClean="0"/>
+              <a:t> -path "DS001:\Applications" -enable "True" -Name "Configure - Enable RDP" -</a:t>
+            </a:r>
+            <a:r>
+              <a:rPr lang="en-US" dirty="0" err="1" smtClean="0"/>
+              <a:t>ShortName</a:t>
+            </a:r>
+            <a:r>
+              <a:rPr lang="en-US" dirty="0" smtClean="0"/>
+              <a:t> "Configure - Enable RDP" -Version "" -Publisher "" -Language "EN" -</a:t>
+            </a:r>
+            <a:r>
+              <a:rPr lang="en-US" dirty="0" err="1" smtClean="0"/>
+              <a:t>CommandLine</a:t>
+            </a:r>
+            <a:r>
+              <a:rPr lang="en-US" dirty="0" smtClean="0"/>
+              <a:t> "powershell.exe -Command `"Set-</a:t>
+            </a:r>
+            <a:r>
+              <a:rPr lang="en-US" dirty="0" err="1" smtClean="0"/>
+              <a:t>ExecutionPolicy</a:t>
+            </a:r>
+            <a:r>
+              <a:rPr lang="en-US" dirty="0" smtClean="0"/>
+              <a:t> Unrestricted -Force; Copy-Item 'Z:\Applications\Configure - Enable RDP\Configure - Enable RDP.ps1' -destination c:\; c:\Configure - Enable RDP.ps1; Remove-Item c:\*.ps1 -Force; set-</a:t>
+            </a:r>
+            <a:r>
+              <a:rPr lang="en-US" dirty="0" err="1" smtClean="0"/>
+              <a:t>ExecutionPolicy</a:t>
+            </a:r>
+            <a:r>
+              <a:rPr lang="en-US" dirty="0" smtClean="0"/>
+              <a:t> Restricted -Force`"" -</a:t>
+            </a:r>
+            <a:r>
+              <a:rPr lang="en-US" dirty="0" err="1" smtClean="0"/>
+              <a:t>WorkingDirectory</a:t>
+            </a:r>
+            <a:r>
+              <a:rPr lang="en-US" dirty="0" smtClean="0"/>
+              <a:t> ".\Applications\Configure - Enable RDP" -</a:t>
+            </a:r>
+            <a:r>
+              <a:rPr lang="en-US" dirty="0" err="1" smtClean="0"/>
+              <a:t>ApplicationSourcePath</a:t>
+            </a:r>
+            <a:r>
+              <a:rPr lang="en-US" dirty="0" smtClean="0"/>
+              <a:t> "C:\_Setup\_AppInstallFiles\Configure - Enable RDP" -</a:t>
+            </a:r>
+            <a:r>
+              <a:rPr lang="en-US" dirty="0" err="1" smtClean="0"/>
+              <a:t>DestinationFolder</a:t>
+            </a:r>
+            <a:r>
+              <a:rPr lang="en-US" dirty="0" smtClean="0"/>
+              <a:t> "Configure - Enable RDP" -Verbose</a:t>
+            </a:r>
+          </a:p>
+          <a:p>
+            <a:endParaRPr lang="en-US" dirty="0" smtClean="0"/>
+          </a:p>
+          <a:p>
+            <a:endParaRPr lang="en-US" dirty="0" smtClean="0"/>
+          </a:p>
+          <a:p>
+            <a:endParaRPr lang="en-US" dirty="0"/>
+          </a:p>
+        </p:txBody>
+      </p:sp>
+      <p:sp>
+        <p:nvSpPr>
+          <p:cNvPr id="4" name="Slide Number Placeholder 3"/>
+          <p:cNvSpPr>
+            <a:spLocks noGrp="1"/>
+          </p:cNvSpPr>
+          <p:nvPr>
+            <p:ph type="sldNum" sz="quarter" idx="10"/>
+          </p:nvPr>
+        </p:nvSpPr>
+        <p:spPr/>
+        <p:txBody>
+          <a:bodyPr/>
+          <a:lstStyle/>
+          <a:p>
+            <a:fld id="{D5AC405E-8311-4FE5-B406-016298D19D5B}" type="slidenum">
+              <a:rPr lang="en-US" smtClean="0"/>
+              <a:t>23</a:t>
+            </a:fld>
+            <a:endParaRPr lang="en-US"/>
+          </a:p>
+        </p:txBody>
+      </p:sp>
+    </p:spTree>
+    <p:extLst>
+      <p:ext uri="{BB962C8B-B14F-4D97-AF65-F5344CB8AC3E}">
+        <p14:creationId xmlns:p14="http://schemas.microsoft.com/office/powerpoint/2010/main" val="2691005800"/>
+      </p:ext>
+    </p:extLst>
+  </p:cSld>
+  <p:clrMapOvr>
+    <a:masterClrMapping/>
+  </p:clrMapOvr>
+</p:notes>
+</file>
+
 <file path=ppt/slideLayouts/slideLayout1.xml><?xml version="1.0" encoding="utf-8"?>
 <p:sldLayout xmlns:a="http://schemas.openxmlformats.org/drawingml/2006/main" xmlns:r="http://schemas.openxmlformats.org/officeDocument/2006/relationships" xmlns:p="http://schemas.openxmlformats.org/presentationml/2006/main" type="title" preserve="1">
   <p:cSld name="Title Slide">
@@ -901,7 +2036,7 @@
           <a:p>
             <a:fld id="{3D626D60-E8ED-4541-BE33-B3C1FAE5292A}" type="datetimeFigureOut">
               <a:rPr lang="en-US" smtClean="0"/>
-              <a:t>11/1/2018</a:t>
+              <a:t>11/3/2018</a:t>
             </a:fld>
             <a:endParaRPr lang="en-US"/>
           </a:p>
@@ -1071,7 +2206,7 @@
           <a:p>
             <a:fld id="{3D626D60-E8ED-4541-BE33-B3C1FAE5292A}" type="datetimeFigureOut">
               <a:rPr lang="en-US" smtClean="0"/>
-              <a:t>11/1/2018</a:t>
+              <a:t>11/3/2018</a:t>
             </a:fld>
             <a:endParaRPr lang="en-US"/>
           </a:p>
@@ -1251,7 +2386,7 @@
           <a:p>
             <a:fld id="{3D626D60-E8ED-4541-BE33-B3C1FAE5292A}" type="datetimeFigureOut">
               <a:rPr lang="en-US" smtClean="0"/>
-              <a:t>11/1/2018</a:t>
+              <a:t>11/3/2018</a:t>
             </a:fld>
             <a:endParaRPr lang="en-US"/>
           </a:p>
@@ -1421,7 +2556,7 @@
           <a:p>
             <a:fld id="{3D626D60-E8ED-4541-BE33-B3C1FAE5292A}" type="datetimeFigureOut">
               <a:rPr lang="en-US" smtClean="0"/>
-              <a:t>11/1/2018</a:t>
+              <a:t>11/3/2018</a:t>
             </a:fld>
             <a:endParaRPr lang="en-US"/>
           </a:p>
@@ -1667,7 +2802,7 @@
           <a:p>
             <a:fld id="{3D626D60-E8ED-4541-BE33-B3C1FAE5292A}" type="datetimeFigureOut">
               <a:rPr lang="en-US" smtClean="0"/>
-              <a:t>11/1/2018</a:t>
+              <a:t>11/3/2018</a:t>
             </a:fld>
             <a:endParaRPr lang="en-US"/>
           </a:p>
@@ -1899,7 +3034,7 @@
           <a:p>
             <a:fld id="{3D626D60-E8ED-4541-BE33-B3C1FAE5292A}" type="datetimeFigureOut">
               <a:rPr lang="en-US" smtClean="0"/>
-              <a:t>11/1/2018</a:t>
+              <a:t>11/3/2018</a:t>
             </a:fld>
             <a:endParaRPr lang="en-US"/>
           </a:p>
@@ -2266,7 +3401,7 @@
           <a:p>
             <a:fld id="{3D626D60-E8ED-4541-BE33-B3C1FAE5292A}" type="datetimeFigureOut">
               <a:rPr lang="en-US" smtClean="0"/>
-              <a:t>11/1/2018</a:t>
+              <a:t>11/3/2018</a:t>
             </a:fld>
             <a:endParaRPr lang="en-US"/>
           </a:p>
@@ -2384,7 +3519,7 @@
           <a:p>
             <a:fld id="{3D626D60-E8ED-4541-BE33-B3C1FAE5292A}" type="datetimeFigureOut">
               <a:rPr lang="en-US" smtClean="0"/>
-              <a:t>11/1/2018</a:t>
+              <a:t>11/3/2018</a:t>
             </a:fld>
             <a:endParaRPr lang="en-US"/>
           </a:p>
@@ -2479,7 +3614,7 @@
           <a:p>
             <a:fld id="{3D626D60-E8ED-4541-BE33-B3C1FAE5292A}" type="datetimeFigureOut">
               <a:rPr lang="en-US" smtClean="0"/>
-              <a:t>11/1/2018</a:t>
+              <a:t>11/3/2018</a:t>
             </a:fld>
             <a:endParaRPr lang="en-US"/>
           </a:p>
@@ -2756,7 +3891,7 @@
           <a:p>
             <a:fld id="{3D626D60-E8ED-4541-BE33-B3C1FAE5292A}" type="datetimeFigureOut">
               <a:rPr lang="en-US" smtClean="0"/>
-              <a:t>11/1/2018</a:t>
+              <a:t>11/3/2018</a:t>
             </a:fld>
             <a:endParaRPr lang="en-US"/>
           </a:p>
@@ -3009,7 +4144,7 @@
           <a:p>
             <a:fld id="{3D626D60-E8ED-4541-BE33-B3C1FAE5292A}" type="datetimeFigureOut">
               <a:rPr lang="en-US" smtClean="0"/>
-              <a:t>11/1/2018</a:t>
+              <a:t>11/3/2018</a:t>
             </a:fld>
             <a:endParaRPr lang="en-US"/>
           </a:p>
@@ -3222,7 +4357,7 @@
           <a:p>
             <a:fld id="{3D626D60-E8ED-4541-BE33-B3C1FAE5292A}" type="datetimeFigureOut">
               <a:rPr lang="en-US" smtClean="0"/>
-              <a:t>11/1/2018</a:t>
+              <a:t>11/3/2018</a:t>
             </a:fld>
             <a:endParaRPr lang="en-US"/>
           </a:p>
@@ -3737,16 +4872,9 @@
           <a:p>
             <a:r>
               <a:rPr lang="en-US" dirty="0" smtClean="0"/>
-              <a:t>Customizing/Tweaking OS</a:t>
-            </a:r>
-            <a:br>
-              <a:rPr lang="en-US" dirty="0" smtClean="0"/>
-            </a:br>
-            <a:r>
-              <a:rPr lang="en-US" sz="2800" dirty="0" smtClean="0"/>
-              <a:t>OEM Info</a:t>
-            </a:r>
-            <a:endParaRPr lang="en-US" sz="4800" dirty="0"/>
+              <a:t>Import OS to MDT</a:t>
+            </a:r>
+            <a:endParaRPr lang="en-US" dirty="0"/>
           </a:p>
         </p:txBody>
       </p:sp>
@@ -3765,20 +4893,159 @@
           <a:bodyPr/>
           <a:lstStyle/>
           <a:p>
-            <a:endParaRPr lang="en-US"/>
-          </a:p>
-        </p:txBody>
-      </p:sp>
+            <a:r>
+              <a:rPr lang="en-US" dirty="0" smtClean="0"/>
+              <a:t>Mount the downloaded ISO</a:t>
+            </a:r>
+          </a:p>
+          <a:p>
+            <a:r>
+              <a:rPr lang="en-US" dirty="0" smtClean="0"/>
+              <a:t>Right click on Win 10 folder</a:t>
+            </a:r>
+          </a:p>
+          <a:p>
+            <a:r>
+              <a:rPr lang="en-US" dirty="0" smtClean="0"/>
+              <a:t>Select Import Operating System</a:t>
+            </a:r>
+            <a:endParaRPr lang="en-US" dirty="0"/>
+          </a:p>
+        </p:txBody>
+      </p:sp>
+      <p:pic>
+        <p:nvPicPr>
+          <p:cNvPr id="5" name="Picture 4"/>
+          <p:cNvPicPr>
+            <a:picLocks noChangeAspect="1"/>
+          </p:cNvPicPr>
+          <p:nvPr/>
+        </p:nvPicPr>
+        <p:blipFill>
+          <a:blip r:embed="rId2"/>
+          <a:stretch>
+            <a:fillRect/>
+          </a:stretch>
+        </p:blipFill>
+        <p:spPr>
+          <a:xfrm>
+            <a:off x="5361140" y="3635543"/>
+            <a:ext cx="6482993" cy="2710608"/>
+          </a:xfrm>
+          <a:prstGeom prst="rect">
+            <a:avLst/>
+          </a:prstGeom>
+        </p:spPr>
+      </p:pic>
+      <p:pic>
+        <p:nvPicPr>
+          <p:cNvPr id="6" name="Picture 5"/>
+          <p:cNvPicPr>
+            <a:picLocks noChangeAspect="1"/>
+          </p:cNvPicPr>
+          <p:nvPr/>
+        </p:nvPicPr>
+        <p:blipFill>
+          <a:blip r:embed="rId3"/>
+          <a:stretch>
+            <a:fillRect/>
+          </a:stretch>
+        </p:blipFill>
+        <p:spPr>
+          <a:xfrm>
+            <a:off x="5187453" y="3613340"/>
+            <a:ext cx="6712856" cy="2713935"/>
+          </a:xfrm>
+          <a:prstGeom prst="rect">
+            <a:avLst/>
+          </a:prstGeom>
+        </p:spPr>
+      </p:pic>
     </p:spTree>
     <p:extLst>
       <p:ext uri="{BB962C8B-B14F-4D97-AF65-F5344CB8AC3E}">
-        <p14:creationId xmlns:p14="http://schemas.microsoft.com/office/powerpoint/2010/main" val="3199165030"/>
+        <p14:creationId xmlns:p14="http://schemas.microsoft.com/office/powerpoint/2010/main" val="322078725"/>
       </p:ext>
     </p:extLst>
   </p:cSld>
   <p:clrMapOvr>
     <a:masterClrMapping/>
   </p:clrMapOvr>
+  <p:timing>
+    <p:tnLst>
+      <p:par>
+        <p:cTn id="1" dur="indefinite" restart="never" nodeType="tmRoot">
+          <p:childTnLst>
+            <p:seq concurrent="1" nextAc="seek">
+              <p:cTn id="2" dur="indefinite" nodeType="mainSeq">
+                <p:childTnLst>
+                  <p:par>
+                    <p:cTn id="3" fill="hold">
+                      <p:stCondLst>
+                        <p:cond delay="indefinite"/>
+                      </p:stCondLst>
+                      <p:childTnLst>
+                        <p:par>
+                          <p:cTn id="4" fill="hold">
+                            <p:stCondLst>
+                              <p:cond delay="0"/>
+                            </p:stCondLst>
+                            <p:childTnLst>
+                              <p:par>
+                                <p:cTn id="5" presetID="1" presetClass="entr" presetSubtype="0" fill="hold" nodeType="clickEffect">
+                                  <p:stCondLst>
+                                    <p:cond delay="0"/>
+                                  </p:stCondLst>
+                                  <p:childTnLst>
+                                    <p:set>
+                                      <p:cBhvr>
+                                        <p:cTn id="6" dur="1" fill="hold">
+                                          <p:stCondLst>
+                                            <p:cond delay="0"/>
+                                          </p:stCondLst>
+                                        </p:cTn>
+                                        <p:tgtEl>
+                                          <p:spTgt spid="6"/>
+                                        </p:tgtEl>
+                                        <p:attrNameLst>
+                                          <p:attrName>style.visibility</p:attrName>
+                                        </p:attrNameLst>
+                                      </p:cBhvr>
+                                      <p:to>
+                                        <p:strVal val="visible"/>
+                                      </p:to>
+                                    </p:set>
+                                  </p:childTnLst>
+                                </p:cTn>
+                              </p:par>
+                            </p:childTnLst>
+                          </p:cTn>
+                        </p:par>
+                      </p:childTnLst>
+                    </p:cTn>
+                  </p:par>
+                </p:childTnLst>
+              </p:cTn>
+              <p:prevCondLst>
+                <p:cond evt="onPrev" delay="0">
+                  <p:tgtEl>
+                    <p:sldTgt/>
+                  </p:tgtEl>
+                </p:cond>
+              </p:prevCondLst>
+              <p:nextCondLst>
+                <p:cond evt="onNext" delay="0">
+                  <p:tgtEl>
+                    <p:sldTgt/>
+                  </p:tgtEl>
+                </p:cond>
+              </p:nextCondLst>
+            </p:seq>
+          </p:childTnLst>
+        </p:cTn>
+      </p:par>
+    </p:tnLst>
+  </p:timing>
 </p:sld>
 </file>
 
@@ -3809,37 +5076,497 @@
             <p:ph type="title"/>
           </p:nvPr>
         </p:nvSpPr>
+        <p:spPr/>
+        <p:txBody>
+          <a:bodyPr/>
+          <a:lstStyle/>
+          <a:p>
+            <a:r>
+              <a:rPr lang="en-US" dirty="0" smtClean="0"/>
+              <a:t>Import OS to MDT</a:t>
+            </a:r>
+            <a:endParaRPr lang="en-US" dirty="0"/>
+          </a:p>
+        </p:txBody>
+      </p:sp>
+      <p:pic>
+        <p:nvPicPr>
+          <p:cNvPr id="7" name="Picture 6"/>
+          <p:cNvPicPr>
+            <a:picLocks noChangeAspect="1"/>
+          </p:cNvPicPr>
+          <p:nvPr/>
+        </p:nvPicPr>
+        <p:blipFill>
+          <a:blip r:embed="rId3"/>
+          <a:stretch>
+            <a:fillRect/>
+          </a:stretch>
+        </p:blipFill>
         <p:spPr>
           <a:xfrm>
-            <a:off x="838200" y="365125"/>
-            <a:ext cx="10515600" cy="5461934"/>
+            <a:off x="2798041" y="1395054"/>
+            <a:ext cx="6222857" cy="5194286"/>
           </a:xfrm>
+          <a:prstGeom prst="rect">
+            <a:avLst/>
+          </a:prstGeom>
         </p:spPr>
-        <p:txBody>
-          <a:bodyPr>
-            <a:normAutofit/>
-          </a:bodyPr>
-          <a:lstStyle/>
-          <a:p>
-            <a:pPr algn="ctr"/>
-            <a:r>
-              <a:rPr lang="en-US" sz="16600" dirty="0" smtClean="0"/>
-              <a:t>Demo</a:t>
-            </a:r>
-            <a:endParaRPr lang="en-US" sz="16600" dirty="0"/>
-          </a:p>
-        </p:txBody>
-      </p:sp>
+      </p:pic>
+      <p:pic>
+        <p:nvPicPr>
+          <p:cNvPr id="8" name="Picture 7"/>
+          <p:cNvPicPr>
+            <a:picLocks noChangeAspect="1"/>
+          </p:cNvPicPr>
+          <p:nvPr/>
+        </p:nvPicPr>
+        <p:blipFill>
+          <a:blip r:embed="rId4"/>
+          <a:stretch>
+            <a:fillRect/>
+          </a:stretch>
+        </p:blipFill>
+        <p:spPr>
+          <a:xfrm>
+            <a:off x="4385660" y="2468388"/>
+            <a:ext cx="3047619" cy="3047619"/>
+          </a:xfrm>
+          <a:prstGeom prst="rect">
+            <a:avLst/>
+          </a:prstGeom>
+        </p:spPr>
+      </p:pic>
+      <p:pic>
+        <p:nvPicPr>
+          <p:cNvPr id="11" name="Picture 10"/>
+          <p:cNvPicPr>
+            <a:picLocks noChangeAspect="1"/>
+          </p:cNvPicPr>
+          <p:nvPr/>
+        </p:nvPicPr>
+        <p:blipFill>
+          <a:blip r:embed="rId5"/>
+          <a:stretch>
+            <a:fillRect/>
+          </a:stretch>
+        </p:blipFill>
+        <p:spPr>
+          <a:xfrm>
+            <a:off x="2798041" y="1395054"/>
+            <a:ext cx="6222857" cy="5194286"/>
+          </a:xfrm>
+          <a:prstGeom prst="rect">
+            <a:avLst/>
+          </a:prstGeom>
+        </p:spPr>
+      </p:pic>
+      <p:pic>
+        <p:nvPicPr>
+          <p:cNvPr id="12" name="Picture 11"/>
+          <p:cNvPicPr>
+            <a:picLocks noChangeAspect="1"/>
+          </p:cNvPicPr>
+          <p:nvPr/>
+        </p:nvPicPr>
+        <p:blipFill>
+          <a:blip r:embed="rId6"/>
+          <a:stretch>
+            <a:fillRect/>
+          </a:stretch>
+        </p:blipFill>
+        <p:spPr>
+          <a:xfrm>
+            <a:off x="2798041" y="1395054"/>
+            <a:ext cx="6222857" cy="5194286"/>
+          </a:xfrm>
+          <a:prstGeom prst="rect">
+            <a:avLst/>
+          </a:prstGeom>
+        </p:spPr>
+      </p:pic>
+      <p:pic>
+        <p:nvPicPr>
+          <p:cNvPr id="13" name="Picture 12"/>
+          <p:cNvPicPr>
+            <a:picLocks noChangeAspect="1"/>
+          </p:cNvPicPr>
+          <p:nvPr/>
+        </p:nvPicPr>
+        <p:blipFill>
+          <a:blip r:embed="rId7"/>
+          <a:stretch>
+            <a:fillRect/>
+          </a:stretch>
+        </p:blipFill>
+        <p:spPr>
+          <a:xfrm>
+            <a:off x="2798041" y="1395054"/>
+            <a:ext cx="6222857" cy="5194286"/>
+          </a:xfrm>
+          <a:prstGeom prst="rect">
+            <a:avLst/>
+          </a:prstGeom>
+        </p:spPr>
+      </p:pic>
+      <p:pic>
+        <p:nvPicPr>
+          <p:cNvPr id="14" name="Picture 13"/>
+          <p:cNvPicPr>
+            <a:picLocks noChangeAspect="1"/>
+          </p:cNvPicPr>
+          <p:nvPr/>
+        </p:nvPicPr>
+        <p:blipFill>
+          <a:blip r:embed="rId8"/>
+          <a:stretch>
+            <a:fillRect/>
+          </a:stretch>
+        </p:blipFill>
+        <p:spPr>
+          <a:xfrm>
+            <a:off x="2798041" y="1395054"/>
+            <a:ext cx="6222857" cy="5194286"/>
+          </a:xfrm>
+          <a:prstGeom prst="rect">
+            <a:avLst/>
+          </a:prstGeom>
+        </p:spPr>
+      </p:pic>
+      <p:pic>
+        <p:nvPicPr>
+          <p:cNvPr id="15" name="Picture 14"/>
+          <p:cNvPicPr>
+            <a:picLocks noChangeAspect="1"/>
+          </p:cNvPicPr>
+          <p:nvPr/>
+        </p:nvPicPr>
+        <p:blipFill>
+          <a:blip r:embed="rId9"/>
+          <a:stretch>
+            <a:fillRect/>
+          </a:stretch>
+        </p:blipFill>
+        <p:spPr>
+          <a:xfrm>
+            <a:off x="2798040" y="1395054"/>
+            <a:ext cx="6222857" cy="5194286"/>
+          </a:xfrm>
+          <a:prstGeom prst="rect">
+            <a:avLst/>
+          </a:prstGeom>
+        </p:spPr>
+      </p:pic>
     </p:spTree>
     <p:extLst>
       <p:ext uri="{BB962C8B-B14F-4D97-AF65-F5344CB8AC3E}">
-        <p14:creationId xmlns:p14="http://schemas.microsoft.com/office/powerpoint/2010/main" val="2125388724"/>
+        <p14:creationId xmlns:p14="http://schemas.microsoft.com/office/powerpoint/2010/main" val="2059705916"/>
       </p:ext>
     </p:extLst>
   </p:cSld>
   <p:clrMapOvr>
     <a:masterClrMapping/>
   </p:clrMapOvr>
+  <p:timing>
+    <p:tnLst>
+      <p:par>
+        <p:cTn id="1" dur="indefinite" restart="never" nodeType="tmRoot">
+          <p:childTnLst>
+            <p:seq concurrent="1" nextAc="seek">
+              <p:cTn id="2" dur="indefinite" nodeType="mainSeq">
+                <p:childTnLst>
+                  <p:par>
+                    <p:cTn id="3" fill="hold">
+                      <p:stCondLst>
+                        <p:cond delay="indefinite"/>
+                      </p:stCondLst>
+                      <p:childTnLst>
+                        <p:par>
+                          <p:cTn id="4" fill="hold">
+                            <p:stCondLst>
+                              <p:cond delay="0"/>
+                            </p:stCondLst>
+                            <p:childTnLst>
+                              <p:par>
+                                <p:cTn id="5" presetID="1" presetClass="entr" presetSubtype="0" fill="hold" nodeType="clickEffect">
+                                  <p:stCondLst>
+                                    <p:cond delay="0"/>
+                                  </p:stCondLst>
+                                  <p:childTnLst>
+                                    <p:set>
+                                      <p:cBhvr>
+                                        <p:cTn id="6" dur="1" fill="hold">
+                                          <p:stCondLst>
+                                            <p:cond delay="0"/>
+                                          </p:stCondLst>
+                                        </p:cTn>
+                                        <p:tgtEl>
+                                          <p:spTgt spid="8"/>
+                                        </p:tgtEl>
+                                        <p:attrNameLst>
+                                          <p:attrName>style.visibility</p:attrName>
+                                        </p:attrNameLst>
+                                      </p:cBhvr>
+                                      <p:to>
+                                        <p:strVal val="visible"/>
+                                      </p:to>
+                                    </p:set>
+                                  </p:childTnLst>
+                                </p:cTn>
+                              </p:par>
+                            </p:childTnLst>
+                          </p:cTn>
+                        </p:par>
+                      </p:childTnLst>
+                    </p:cTn>
+                  </p:par>
+                  <p:par>
+                    <p:cTn id="7" fill="hold">
+                      <p:stCondLst>
+                        <p:cond delay="indefinite"/>
+                      </p:stCondLst>
+                      <p:childTnLst>
+                        <p:par>
+                          <p:cTn id="8" fill="hold">
+                            <p:stCondLst>
+                              <p:cond delay="0"/>
+                            </p:stCondLst>
+                            <p:childTnLst>
+                              <p:par>
+                                <p:cTn id="9" presetID="1" presetClass="entr" presetSubtype="0" fill="hold" nodeType="clickEffect">
+                                  <p:stCondLst>
+                                    <p:cond delay="0"/>
+                                  </p:stCondLst>
+                                  <p:childTnLst>
+                                    <p:set>
+                                      <p:cBhvr>
+                                        <p:cTn id="10" dur="1" fill="hold">
+                                          <p:stCondLst>
+                                            <p:cond delay="0"/>
+                                          </p:stCondLst>
+                                        </p:cTn>
+                                        <p:tgtEl>
+                                          <p:spTgt spid="11"/>
+                                        </p:tgtEl>
+                                        <p:attrNameLst>
+                                          <p:attrName>style.visibility</p:attrName>
+                                        </p:attrNameLst>
+                                      </p:cBhvr>
+                                      <p:to>
+                                        <p:strVal val="visible"/>
+                                      </p:to>
+                                    </p:set>
+                                  </p:childTnLst>
+                                </p:cTn>
+                              </p:par>
+                            </p:childTnLst>
+                          </p:cTn>
+                        </p:par>
+                      </p:childTnLst>
+                    </p:cTn>
+                  </p:par>
+                  <p:par>
+                    <p:cTn id="11" fill="hold">
+                      <p:stCondLst>
+                        <p:cond delay="indefinite"/>
+                      </p:stCondLst>
+                      <p:childTnLst>
+                        <p:par>
+                          <p:cTn id="12" fill="hold">
+                            <p:stCondLst>
+                              <p:cond delay="0"/>
+                            </p:stCondLst>
+                            <p:childTnLst>
+                              <p:par>
+                                <p:cTn id="13" presetID="1" presetClass="entr" presetSubtype="0" fill="hold" nodeType="clickEffect">
+                                  <p:stCondLst>
+                                    <p:cond delay="0"/>
+                                  </p:stCondLst>
+                                  <p:childTnLst>
+                                    <p:set>
+                                      <p:cBhvr>
+                                        <p:cTn id="14" dur="1" fill="hold">
+                                          <p:stCondLst>
+                                            <p:cond delay="0"/>
+                                          </p:stCondLst>
+                                        </p:cTn>
+                                        <p:tgtEl>
+                                          <p:spTgt spid="12"/>
+                                        </p:tgtEl>
+                                        <p:attrNameLst>
+                                          <p:attrName>style.visibility</p:attrName>
+                                        </p:attrNameLst>
+                                      </p:cBhvr>
+                                      <p:to>
+                                        <p:strVal val="visible"/>
+                                      </p:to>
+                                    </p:set>
+                                  </p:childTnLst>
+                                </p:cTn>
+                              </p:par>
+                            </p:childTnLst>
+                          </p:cTn>
+                        </p:par>
+                      </p:childTnLst>
+                    </p:cTn>
+                  </p:par>
+                  <p:par>
+                    <p:cTn id="15" fill="hold">
+                      <p:stCondLst>
+                        <p:cond delay="indefinite"/>
+                      </p:stCondLst>
+                      <p:childTnLst>
+                        <p:par>
+                          <p:cTn id="16" fill="hold">
+                            <p:stCondLst>
+                              <p:cond delay="0"/>
+                            </p:stCondLst>
+                            <p:childTnLst>
+                              <p:par>
+                                <p:cTn id="17" presetID="1" presetClass="entr" presetSubtype="0" fill="hold" nodeType="clickEffect">
+                                  <p:stCondLst>
+                                    <p:cond delay="0"/>
+                                  </p:stCondLst>
+                                  <p:childTnLst>
+                                    <p:set>
+                                      <p:cBhvr>
+                                        <p:cTn id="18" dur="1" fill="hold">
+                                          <p:stCondLst>
+                                            <p:cond delay="0"/>
+                                          </p:stCondLst>
+                                        </p:cTn>
+                                        <p:tgtEl>
+                                          <p:spTgt spid="13"/>
+                                        </p:tgtEl>
+                                        <p:attrNameLst>
+                                          <p:attrName>style.visibility</p:attrName>
+                                        </p:attrNameLst>
+                                      </p:cBhvr>
+                                      <p:to>
+                                        <p:strVal val="visible"/>
+                                      </p:to>
+                                    </p:set>
+                                  </p:childTnLst>
+                                </p:cTn>
+                              </p:par>
+                            </p:childTnLst>
+                          </p:cTn>
+                        </p:par>
+                      </p:childTnLst>
+                    </p:cTn>
+                  </p:par>
+                  <p:par>
+                    <p:cTn id="19" fill="hold">
+                      <p:stCondLst>
+                        <p:cond delay="indefinite"/>
+                      </p:stCondLst>
+                      <p:childTnLst>
+                        <p:par>
+                          <p:cTn id="20" fill="hold">
+                            <p:stCondLst>
+                              <p:cond delay="0"/>
+                            </p:stCondLst>
+                            <p:childTnLst>
+                              <p:par>
+                                <p:cTn id="21" presetID="1" presetClass="entr" presetSubtype="0" fill="hold" nodeType="clickEffect">
+                                  <p:stCondLst>
+                                    <p:cond delay="0"/>
+                                  </p:stCondLst>
+                                  <p:childTnLst>
+                                    <p:set>
+                                      <p:cBhvr>
+                                        <p:cTn id="22" dur="1" fill="hold">
+                                          <p:stCondLst>
+                                            <p:cond delay="0"/>
+                                          </p:stCondLst>
+                                        </p:cTn>
+                                        <p:tgtEl>
+                                          <p:spTgt spid="14"/>
+                                        </p:tgtEl>
+                                        <p:attrNameLst>
+                                          <p:attrName>style.visibility</p:attrName>
+                                        </p:attrNameLst>
+                                      </p:cBhvr>
+                                      <p:to>
+                                        <p:strVal val="visible"/>
+                                      </p:to>
+                                    </p:set>
+                                  </p:childTnLst>
+                                </p:cTn>
+                              </p:par>
+                            </p:childTnLst>
+                          </p:cTn>
+                        </p:par>
+                      </p:childTnLst>
+                    </p:cTn>
+                  </p:par>
+                  <p:par>
+                    <p:cTn id="23" fill="hold">
+                      <p:stCondLst>
+                        <p:cond delay="indefinite"/>
+                      </p:stCondLst>
+                      <p:childTnLst>
+                        <p:par>
+                          <p:cTn id="24" fill="hold">
+                            <p:stCondLst>
+                              <p:cond delay="0"/>
+                            </p:stCondLst>
+                            <p:childTnLst>
+                              <p:par>
+                                <p:cTn id="25" presetID="1" presetClass="entr" presetSubtype="0" fill="hold" nodeType="clickEffect">
+                                  <p:stCondLst>
+                                    <p:cond delay="0"/>
+                                  </p:stCondLst>
+                                  <p:childTnLst>
+                                    <p:set>
+                                      <p:cBhvr>
+                                        <p:cTn id="26" dur="1" fill="hold">
+                                          <p:stCondLst>
+                                            <p:cond delay="0"/>
+                                          </p:stCondLst>
+                                        </p:cTn>
+                                        <p:tgtEl>
+                                          <p:spTgt spid="15"/>
+                                        </p:tgtEl>
+                                        <p:attrNameLst>
+                                          <p:attrName>style.visibility</p:attrName>
+                                        </p:attrNameLst>
+                                      </p:cBhvr>
+                                      <p:to>
+                                        <p:strVal val="visible"/>
+                                      </p:to>
+                                    </p:set>
+                                  </p:childTnLst>
+                                </p:cTn>
+                              </p:par>
+                            </p:childTnLst>
+                          </p:cTn>
+                        </p:par>
+                      </p:childTnLst>
+                    </p:cTn>
+                  </p:par>
+                </p:childTnLst>
+              </p:cTn>
+              <p:prevCondLst>
+                <p:cond evt="onPrev" delay="0">
+                  <p:tgtEl>
+                    <p:sldTgt/>
+                  </p:tgtEl>
+                </p:cond>
+              </p:prevCondLst>
+              <p:nextCondLst>
+                <p:cond evt="onNext" delay="0">
+                  <p:tgtEl>
+                    <p:sldTgt/>
+                  </p:tgtEl>
+                </p:cond>
+              </p:nextCondLst>
+            </p:seq>
+          </p:childTnLst>
+        </p:cTn>
+      </p:par>
+    </p:tnLst>
+  </p:timing>
 </p:sld>
 </file>
 
@@ -3870,37 +5597,181 @@
             <p:ph type="title"/>
           </p:nvPr>
         </p:nvSpPr>
+        <p:spPr/>
+        <p:txBody>
+          <a:bodyPr/>
+          <a:lstStyle/>
+          <a:p>
+            <a:r>
+              <a:rPr lang="en-US" dirty="0" smtClean="0"/>
+              <a:t>Import OS to MDT</a:t>
+            </a:r>
+            <a:endParaRPr lang="en-US" dirty="0"/>
+          </a:p>
+        </p:txBody>
+      </p:sp>
+      <p:sp>
+        <p:nvSpPr>
+          <p:cNvPr id="3" name="Content Placeholder 2"/>
+          <p:cNvSpPr>
+            <a:spLocks noGrp="1"/>
+          </p:cNvSpPr>
+          <p:nvPr>
+            <p:ph idx="1"/>
+          </p:nvPr>
+        </p:nvSpPr>
+        <p:spPr/>
+        <p:txBody>
+          <a:bodyPr/>
+          <a:lstStyle/>
+          <a:p>
+            <a:r>
+              <a:rPr lang="en-US" dirty="0" smtClean="0"/>
+              <a:t>After import you will have extra versions of the OS</a:t>
+            </a:r>
+          </a:p>
+          <a:p>
+            <a:r>
+              <a:rPr lang="en-US" dirty="0" smtClean="0"/>
+              <a:t>Highlight what you don’t want and delete them</a:t>
+            </a:r>
+            <a:endParaRPr lang="en-US" dirty="0"/>
+          </a:p>
+        </p:txBody>
+      </p:sp>
+      <p:pic>
+        <p:nvPicPr>
+          <p:cNvPr id="4" name="Picture 3"/>
+          <p:cNvPicPr>
+            <a:picLocks/>
+          </p:cNvPicPr>
+          <p:nvPr/>
+        </p:nvPicPr>
+        <p:blipFill>
+          <a:blip r:embed="rId2"/>
+          <a:stretch>
+            <a:fillRect/>
+          </a:stretch>
+        </p:blipFill>
         <p:spPr>
           <a:xfrm>
-            <a:off x="838200" y="365125"/>
-            <a:ext cx="10515600" cy="5641228"/>
+            <a:off x="2579072" y="3403286"/>
+            <a:ext cx="7396000" cy="3127248"/>
           </a:xfrm>
+          <a:prstGeom prst="rect">
+            <a:avLst/>
+          </a:prstGeom>
         </p:spPr>
-        <p:txBody>
-          <a:bodyPr>
-            <a:normAutofit/>
-          </a:bodyPr>
-          <a:lstStyle/>
-          <a:p>
-            <a:pPr algn="ctr"/>
-            <a:r>
-              <a:rPr lang="en-US" sz="13800" dirty="0" smtClean="0"/>
-              <a:t>Questions</a:t>
-            </a:r>
-            <a:endParaRPr lang="en-US" sz="13800" dirty="0"/>
-          </a:p>
-        </p:txBody>
-      </p:sp>
+      </p:pic>
+      <p:pic>
+        <p:nvPicPr>
+          <p:cNvPr id="7" name="Picture 6"/>
+          <p:cNvPicPr>
+            <a:picLocks noChangeAspect="1"/>
+          </p:cNvPicPr>
+          <p:nvPr/>
+        </p:nvPicPr>
+        <p:blipFill>
+          <a:blip r:embed="rId3"/>
+          <a:stretch>
+            <a:fillRect/>
+          </a:stretch>
+        </p:blipFill>
+        <p:spPr>
+          <a:xfrm>
+            <a:off x="2578324" y="3361907"/>
+            <a:ext cx="7397496" cy="3210006"/>
+          </a:xfrm>
+          <a:prstGeom prst="rect">
+            <a:avLst/>
+          </a:prstGeom>
+        </p:spPr>
+      </p:pic>
     </p:spTree>
     <p:extLst>
       <p:ext uri="{BB962C8B-B14F-4D97-AF65-F5344CB8AC3E}">
-        <p14:creationId xmlns:p14="http://schemas.microsoft.com/office/powerpoint/2010/main" val="3010964313"/>
+        <p14:creationId xmlns:p14="http://schemas.microsoft.com/office/powerpoint/2010/main" val="2159756587"/>
       </p:ext>
     </p:extLst>
   </p:cSld>
   <p:clrMapOvr>
     <a:masterClrMapping/>
   </p:clrMapOvr>
+  <p:timing>
+    <p:tnLst>
+      <p:par>
+        <p:cTn id="1" dur="indefinite" restart="never" nodeType="tmRoot">
+          <p:childTnLst>
+            <p:seq concurrent="1" nextAc="seek">
+              <p:cTn id="2" dur="indefinite" nodeType="mainSeq">
+                <p:childTnLst>
+                  <p:par>
+                    <p:cTn id="3" fill="hold">
+                      <p:stCondLst>
+                        <p:cond delay="indefinite"/>
+                      </p:stCondLst>
+                      <p:childTnLst>
+                        <p:par>
+                          <p:cTn id="4" fill="hold">
+                            <p:stCondLst>
+                              <p:cond delay="0"/>
+                            </p:stCondLst>
+                            <p:childTnLst>
+                              <p:par>
+                                <p:cTn id="5" presetID="1" presetClass="entr" presetSubtype="0" fill="hold" nodeType="clickEffect">
+                                  <p:stCondLst>
+                                    <p:cond delay="0"/>
+                                  </p:stCondLst>
+                                  <p:childTnLst>
+                                    <p:set>
+                                      <p:cBhvr>
+                                        <p:cTn id="6" dur="1" fill="hold">
+                                          <p:stCondLst>
+                                            <p:cond delay="0"/>
+                                          </p:stCondLst>
+                                        </p:cTn>
+                                        <p:tgtEl>
+                                          <p:spTgt spid="7"/>
+                                        </p:tgtEl>
+                                        <p:attrNameLst>
+                                          <p:attrName>style.visibility</p:attrName>
+                                        </p:attrNameLst>
+                                      </p:cBhvr>
+                                      <p:to>
+                                        <p:strVal val="visible"/>
+                                      </p:to>
+                                    </p:set>
+                                  </p:childTnLst>
+                                </p:cTn>
+                              </p:par>
+                            </p:childTnLst>
+                          </p:cTn>
+                        </p:par>
+                      </p:childTnLst>
+                    </p:cTn>
+                  </p:par>
+                </p:childTnLst>
+              </p:cTn>
+              <p:prevCondLst>
+                <p:cond evt="onPrev" delay="0">
+                  <p:tgtEl>
+                    <p:sldTgt/>
+                  </p:tgtEl>
+                </p:cond>
+              </p:prevCondLst>
+              <p:nextCondLst>
+                <p:cond evt="onNext" delay="0">
+                  <p:tgtEl>
+                    <p:sldTgt/>
+                  </p:tgtEl>
+                </p:cond>
+              </p:nextCondLst>
+            </p:seq>
+          </p:childTnLst>
+        </p:cTn>
+      </p:par>
+    </p:tnLst>
+  </p:timing>
 </p:sld>
 </file>
 
@@ -3931,42 +5802,1281 @@
             <p:ph type="title"/>
           </p:nvPr>
         </p:nvSpPr>
+        <p:spPr/>
+        <p:txBody>
+          <a:bodyPr/>
+          <a:lstStyle/>
+          <a:p>
+            <a:r>
+              <a:rPr lang="en-US" dirty="0" smtClean="0"/>
+              <a:t>Import OS to MDT</a:t>
+            </a:r>
+            <a:endParaRPr lang="en-US" dirty="0"/>
+          </a:p>
+        </p:txBody>
+      </p:sp>
+      <p:sp>
+        <p:nvSpPr>
+          <p:cNvPr id="3" name="Content Placeholder 2"/>
+          <p:cNvSpPr>
+            <a:spLocks noGrp="1"/>
+          </p:cNvSpPr>
+          <p:nvPr>
+            <p:ph idx="1"/>
+          </p:nvPr>
+        </p:nvSpPr>
+        <p:spPr/>
+        <p:txBody>
+          <a:bodyPr/>
+          <a:lstStyle/>
+          <a:p>
+            <a:r>
+              <a:rPr lang="en-US" dirty="0" smtClean="0"/>
+              <a:t>Need to download Windows 10 v1803 updates (Optional)</a:t>
+            </a:r>
+          </a:p>
+          <a:p>
+            <a:r>
+              <a:rPr lang="en-US" dirty="0">
+                <a:hlinkClick r:id="rId2"/>
+              </a:rPr>
+              <a:t>https://</a:t>
+            </a:r>
+            <a:r>
+              <a:rPr lang="en-US" dirty="0" smtClean="0">
+                <a:hlinkClick r:id="rId2"/>
+              </a:rPr>
+              <a:t>support.microsoft.com/en-us/help/4099479</a:t>
+            </a:r>
+            <a:endParaRPr lang="en-US" dirty="0" smtClean="0"/>
+          </a:p>
+          <a:p>
+            <a:r>
+              <a:rPr lang="en-US" dirty="0" smtClean="0"/>
+              <a:t>Or use PowerShell Script to find updates</a:t>
+            </a:r>
+          </a:p>
+          <a:p>
+            <a:r>
+              <a:rPr lang="en-US" dirty="0" smtClean="0"/>
+              <a:t>Under Packages</a:t>
+            </a:r>
+          </a:p>
+          <a:p>
+            <a:r>
+              <a:rPr lang="en-US" dirty="0" smtClean="0"/>
+              <a:t>Create a Windows 10 folder and then under that a Windows 10 – 1803 folder</a:t>
+            </a:r>
+            <a:endParaRPr lang="en-US" dirty="0" smtClean="0"/>
+          </a:p>
+          <a:p>
+            <a:endParaRPr lang="en-US" dirty="0"/>
+          </a:p>
+        </p:txBody>
+      </p:sp>
+      <p:pic>
+        <p:nvPicPr>
+          <p:cNvPr id="5" name="Picture 4"/>
+          <p:cNvPicPr>
+            <a:picLocks noChangeAspect="1"/>
+          </p:cNvPicPr>
+          <p:nvPr/>
+        </p:nvPicPr>
+        <p:blipFill>
+          <a:blip r:embed="rId3"/>
+          <a:stretch>
+            <a:fillRect/>
+          </a:stretch>
+        </p:blipFill>
         <p:spPr>
           <a:xfrm>
-            <a:off x="838200" y="365125"/>
-            <a:ext cx="10515600" cy="5730875"/>
+            <a:off x="6743593" y="4261932"/>
+            <a:ext cx="4154051" cy="1917254"/>
           </a:xfrm>
+          <a:prstGeom prst="rect">
+            <a:avLst/>
+          </a:prstGeom>
         </p:spPr>
-        <p:txBody>
-          <a:bodyPr/>
-          <a:lstStyle/>
-          <a:p>
-            <a:pPr algn="ctr"/>
-            <a:r>
-              <a:rPr lang="en-US" sz="13800" dirty="0" smtClean="0"/>
-              <a:t>Break</a:t>
-            </a:r>
-            <a:br>
-              <a:rPr lang="en-US" sz="13800" dirty="0" smtClean="0"/>
-            </a:br>
-            <a:r>
-              <a:rPr lang="en-US" sz="3200" dirty="0" smtClean="0"/>
-              <a:t>10 Minutes</a:t>
-            </a:r>
-            <a:endParaRPr lang="en-US" dirty="0"/>
-          </a:p>
-        </p:txBody>
-      </p:sp>
+      </p:pic>
     </p:spTree>
     <p:extLst>
       <p:ext uri="{BB962C8B-B14F-4D97-AF65-F5344CB8AC3E}">
-        <p14:creationId xmlns:p14="http://schemas.microsoft.com/office/powerpoint/2010/main" val="3913060118"/>
+        <p14:creationId xmlns:p14="http://schemas.microsoft.com/office/powerpoint/2010/main" val="888993346"/>
       </p:ext>
     </p:extLst>
   </p:cSld>
   <p:clrMapOvr>
     <a:masterClrMapping/>
   </p:clrMapOvr>
+  <p:timing>
+    <p:tnLst>
+      <p:par>
+        <p:cTn id="1" dur="indefinite" restart="never" nodeType="tmRoot"/>
+      </p:par>
+    </p:tnLst>
+  </p:timing>
+</p:sld>
+</file>
+
+<file path=ppt/slides/slide14.xml><?xml version="1.0" encoding="utf-8"?>
+<p:sld xmlns:a="http://schemas.openxmlformats.org/drawingml/2006/main" xmlns:r="http://schemas.openxmlformats.org/officeDocument/2006/relationships" xmlns:p="http://schemas.openxmlformats.org/presentationml/2006/main">
+  <p:cSld>
+    <p:spTree>
+      <p:nvGrpSpPr>
+        <p:cNvPr id="1" name=""/>
+        <p:cNvGrpSpPr/>
+        <p:nvPr/>
+      </p:nvGrpSpPr>
+      <p:grpSpPr>
+        <a:xfrm>
+          <a:off x="0" y="0"/>
+          <a:ext cx="0" cy="0"/>
+          <a:chOff x="0" y="0"/>
+          <a:chExt cx="0" cy="0"/>
+        </a:xfrm>
+      </p:grpSpPr>
+      <p:sp>
+        <p:nvSpPr>
+          <p:cNvPr id="2" name="Title 1"/>
+          <p:cNvSpPr>
+            <a:spLocks noGrp="1"/>
+          </p:cNvSpPr>
+          <p:nvPr>
+            <p:ph type="title"/>
+          </p:nvPr>
+        </p:nvSpPr>
+        <p:spPr/>
+        <p:txBody>
+          <a:bodyPr/>
+          <a:lstStyle/>
+          <a:p>
+            <a:r>
+              <a:rPr lang="en-US" dirty="0" smtClean="0"/>
+              <a:t>Import OS to MDT</a:t>
+            </a:r>
+            <a:endParaRPr lang="en-US" dirty="0"/>
+          </a:p>
+        </p:txBody>
+      </p:sp>
+      <p:sp>
+        <p:nvSpPr>
+          <p:cNvPr id="3" name="Content Placeholder 2"/>
+          <p:cNvSpPr>
+            <a:spLocks noGrp="1"/>
+          </p:cNvSpPr>
+          <p:nvPr>
+            <p:ph idx="1"/>
+          </p:nvPr>
+        </p:nvSpPr>
+        <p:spPr>
+          <a:xfrm>
+            <a:off x="838200" y="1825625"/>
+            <a:ext cx="3808956" cy="4351338"/>
+          </a:xfrm>
+        </p:spPr>
+        <p:txBody>
+          <a:bodyPr/>
+          <a:lstStyle/>
+          <a:p>
+            <a:r>
+              <a:rPr lang="en-US" dirty="0" smtClean="0"/>
+              <a:t>Import OS Packages</a:t>
+            </a:r>
+            <a:endParaRPr lang="en-US" dirty="0"/>
+          </a:p>
+        </p:txBody>
+      </p:sp>
+      <p:pic>
+        <p:nvPicPr>
+          <p:cNvPr id="4" name="Picture 3"/>
+          <p:cNvPicPr>
+            <a:picLocks noChangeAspect="1"/>
+          </p:cNvPicPr>
+          <p:nvPr/>
+        </p:nvPicPr>
+        <p:blipFill>
+          <a:blip r:embed="rId2"/>
+          <a:stretch>
+            <a:fillRect/>
+          </a:stretch>
+        </p:blipFill>
+        <p:spPr>
+          <a:xfrm>
+            <a:off x="6491782" y="1951983"/>
+            <a:ext cx="4293127" cy="3790624"/>
+          </a:xfrm>
+          <a:prstGeom prst="rect">
+            <a:avLst/>
+          </a:prstGeom>
+        </p:spPr>
+      </p:pic>
+      <p:pic>
+        <p:nvPicPr>
+          <p:cNvPr id="6" name="Picture 5"/>
+          <p:cNvPicPr>
+            <a:picLocks noChangeAspect="1"/>
+          </p:cNvPicPr>
+          <p:nvPr/>
+        </p:nvPicPr>
+        <p:blipFill>
+          <a:blip r:embed="rId3"/>
+          <a:stretch>
+            <a:fillRect/>
+          </a:stretch>
+        </p:blipFill>
+        <p:spPr>
+          <a:xfrm>
+            <a:off x="5271585" y="1340285"/>
+            <a:ext cx="6222857" cy="5194286"/>
+          </a:xfrm>
+          <a:prstGeom prst="rect">
+            <a:avLst/>
+          </a:prstGeom>
+        </p:spPr>
+      </p:pic>
+      <p:pic>
+        <p:nvPicPr>
+          <p:cNvPr id="7" name="Picture 6"/>
+          <p:cNvPicPr>
+            <a:picLocks noChangeAspect="1"/>
+          </p:cNvPicPr>
+          <p:nvPr/>
+        </p:nvPicPr>
+        <p:blipFill>
+          <a:blip r:embed="rId4"/>
+          <a:stretch>
+            <a:fillRect/>
+          </a:stretch>
+        </p:blipFill>
+        <p:spPr>
+          <a:xfrm>
+            <a:off x="5271585" y="1340285"/>
+            <a:ext cx="6222857" cy="5194286"/>
+          </a:xfrm>
+          <a:prstGeom prst="rect">
+            <a:avLst/>
+          </a:prstGeom>
+        </p:spPr>
+      </p:pic>
+      <p:pic>
+        <p:nvPicPr>
+          <p:cNvPr id="8" name="Picture 7"/>
+          <p:cNvPicPr>
+            <a:picLocks noChangeAspect="1"/>
+          </p:cNvPicPr>
+          <p:nvPr/>
+        </p:nvPicPr>
+        <p:blipFill>
+          <a:blip r:embed="rId5"/>
+          <a:stretch>
+            <a:fillRect/>
+          </a:stretch>
+        </p:blipFill>
+        <p:spPr>
+          <a:xfrm>
+            <a:off x="5277719" y="1340286"/>
+            <a:ext cx="6222857" cy="5194286"/>
+          </a:xfrm>
+          <a:prstGeom prst="rect">
+            <a:avLst/>
+          </a:prstGeom>
+        </p:spPr>
+      </p:pic>
+      <p:pic>
+        <p:nvPicPr>
+          <p:cNvPr id="9" name="Picture 8"/>
+          <p:cNvPicPr>
+            <a:picLocks noChangeAspect="1"/>
+          </p:cNvPicPr>
+          <p:nvPr/>
+        </p:nvPicPr>
+        <p:blipFill>
+          <a:blip r:embed="rId6"/>
+          <a:stretch>
+            <a:fillRect/>
+          </a:stretch>
+        </p:blipFill>
+        <p:spPr>
+          <a:xfrm>
+            <a:off x="5277724" y="1340285"/>
+            <a:ext cx="6222857" cy="5194286"/>
+          </a:xfrm>
+          <a:prstGeom prst="rect">
+            <a:avLst/>
+          </a:prstGeom>
+        </p:spPr>
+      </p:pic>
+    </p:spTree>
+    <p:extLst>
+      <p:ext uri="{BB962C8B-B14F-4D97-AF65-F5344CB8AC3E}">
+        <p14:creationId xmlns:p14="http://schemas.microsoft.com/office/powerpoint/2010/main" val="234741034"/>
+      </p:ext>
+    </p:extLst>
+  </p:cSld>
+  <p:clrMapOvr>
+    <a:masterClrMapping/>
+  </p:clrMapOvr>
+  <p:timing>
+    <p:tnLst>
+      <p:par>
+        <p:cTn id="1" dur="indefinite" restart="never" nodeType="tmRoot">
+          <p:childTnLst>
+            <p:seq concurrent="1" nextAc="seek">
+              <p:cTn id="2" dur="indefinite" nodeType="mainSeq">
+                <p:childTnLst>
+                  <p:par>
+                    <p:cTn id="3" fill="hold">
+                      <p:stCondLst>
+                        <p:cond delay="indefinite"/>
+                      </p:stCondLst>
+                      <p:childTnLst>
+                        <p:par>
+                          <p:cTn id="4" fill="hold">
+                            <p:stCondLst>
+                              <p:cond delay="0"/>
+                            </p:stCondLst>
+                            <p:childTnLst>
+                              <p:par>
+                                <p:cTn id="5" presetID="1" presetClass="entr" presetSubtype="0" fill="hold" nodeType="clickEffect">
+                                  <p:stCondLst>
+                                    <p:cond delay="0"/>
+                                  </p:stCondLst>
+                                  <p:childTnLst>
+                                    <p:set>
+                                      <p:cBhvr>
+                                        <p:cTn id="6" dur="1" fill="hold">
+                                          <p:stCondLst>
+                                            <p:cond delay="0"/>
+                                          </p:stCondLst>
+                                        </p:cTn>
+                                        <p:tgtEl>
+                                          <p:spTgt spid="6"/>
+                                        </p:tgtEl>
+                                        <p:attrNameLst>
+                                          <p:attrName>style.visibility</p:attrName>
+                                        </p:attrNameLst>
+                                      </p:cBhvr>
+                                      <p:to>
+                                        <p:strVal val="visible"/>
+                                      </p:to>
+                                    </p:set>
+                                  </p:childTnLst>
+                                </p:cTn>
+                              </p:par>
+                            </p:childTnLst>
+                          </p:cTn>
+                        </p:par>
+                      </p:childTnLst>
+                    </p:cTn>
+                  </p:par>
+                  <p:par>
+                    <p:cTn id="7" fill="hold">
+                      <p:stCondLst>
+                        <p:cond delay="indefinite"/>
+                      </p:stCondLst>
+                      <p:childTnLst>
+                        <p:par>
+                          <p:cTn id="8" fill="hold">
+                            <p:stCondLst>
+                              <p:cond delay="0"/>
+                            </p:stCondLst>
+                            <p:childTnLst>
+                              <p:par>
+                                <p:cTn id="9" presetID="1" presetClass="entr" presetSubtype="0" fill="hold" nodeType="clickEffect">
+                                  <p:stCondLst>
+                                    <p:cond delay="0"/>
+                                  </p:stCondLst>
+                                  <p:childTnLst>
+                                    <p:set>
+                                      <p:cBhvr>
+                                        <p:cTn id="10" dur="1" fill="hold">
+                                          <p:stCondLst>
+                                            <p:cond delay="0"/>
+                                          </p:stCondLst>
+                                        </p:cTn>
+                                        <p:tgtEl>
+                                          <p:spTgt spid="7"/>
+                                        </p:tgtEl>
+                                        <p:attrNameLst>
+                                          <p:attrName>style.visibility</p:attrName>
+                                        </p:attrNameLst>
+                                      </p:cBhvr>
+                                      <p:to>
+                                        <p:strVal val="visible"/>
+                                      </p:to>
+                                    </p:set>
+                                  </p:childTnLst>
+                                </p:cTn>
+                              </p:par>
+                            </p:childTnLst>
+                          </p:cTn>
+                        </p:par>
+                      </p:childTnLst>
+                    </p:cTn>
+                  </p:par>
+                  <p:par>
+                    <p:cTn id="11" fill="hold">
+                      <p:stCondLst>
+                        <p:cond delay="indefinite"/>
+                      </p:stCondLst>
+                      <p:childTnLst>
+                        <p:par>
+                          <p:cTn id="12" fill="hold">
+                            <p:stCondLst>
+                              <p:cond delay="0"/>
+                            </p:stCondLst>
+                            <p:childTnLst>
+                              <p:par>
+                                <p:cTn id="13" presetID="1" presetClass="entr" presetSubtype="0" fill="hold" nodeType="clickEffect">
+                                  <p:stCondLst>
+                                    <p:cond delay="0"/>
+                                  </p:stCondLst>
+                                  <p:childTnLst>
+                                    <p:set>
+                                      <p:cBhvr>
+                                        <p:cTn id="14" dur="1" fill="hold">
+                                          <p:stCondLst>
+                                            <p:cond delay="0"/>
+                                          </p:stCondLst>
+                                        </p:cTn>
+                                        <p:tgtEl>
+                                          <p:spTgt spid="8"/>
+                                        </p:tgtEl>
+                                        <p:attrNameLst>
+                                          <p:attrName>style.visibility</p:attrName>
+                                        </p:attrNameLst>
+                                      </p:cBhvr>
+                                      <p:to>
+                                        <p:strVal val="visible"/>
+                                      </p:to>
+                                    </p:set>
+                                  </p:childTnLst>
+                                </p:cTn>
+                              </p:par>
+                            </p:childTnLst>
+                          </p:cTn>
+                        </p:par>
+                      </p:childTnLst>
+                    </p:cTn>
+                  </p:par>
+                  <p:par>
+                    <p:cTn id="15" fill="hold">
+                      <p:stCondLst>
+                        <p:cond delay="indefinite"/>
+                      </p:stCondLst>
+                      <p:childTnLst>
+                        <p:par>
+                          <p:cTn id="16" fill="hold">
+                            <p:stCondLst>
+                              <p:cond delay="0"/>
+                            </p:stCondLst>
+                            <p:childTnLst>
+                              <p:par>
+                                <p:cTn id="17" presetID="1" presetClass="entr" presetSubtype="0" fill="hold" nodeType="clickEffect">
+                                  <p:stCondLst>
+                                    <p:cond delay="0"/>
+                                  </p:stCondLst>
+                                  <p:childTnLst>
+                                    <p:set>
+                                      <p:cBhvr>
+                                        <p:cTn id="18" dur="1" fill="hold">
+                                          <p:stCondLst>
+                                            <p:cond delay="0"/>
+                                          </p:stCondLst>
+                                        </p:cTn>
+                                        <p:tgtEl>
+                                          <p:spTgt spid="9"/>
+                                        </p:tgtEl>
+                                        <p:attrNameLst>
+                                          <p:attrName>style.visibility</p:attrName>
+                                        </p:attrNameLst>
+                                      </p:cBhvr>
+                                      <p:to>
+                                        <p:strVal val="visible"/>
+                                      </p:to>
+                                    </p:set>
+                                  </p:childTnLst>
+                                </p:cTn>
+                              </p:par>
+                            </p:childTnLst>
+                          </p:cTn>
+                        </p:par>
+                      </p:childTnLst>
+                    </p:cTn>
+                  </p:par>
+                </p:childTnLst>
+              </p:cTn>
+              <p:prevCondLst>
+                <p:cond evt="onPrev" delay="0">
+                  <p:tgtEl>
+                    <p:sldTgt/>
+                  </p:tgtEl>
+                </p:cond>
+              </p:prevCondLst>
+              <p:nextCondLst>
+                <p:cond evt="onNext" delay="0">
+                  <p:tgtEl>
+                    <p:sldTgt/>
+                  </p:tgtEl>
+                </p:cond>
+              </p:nextCondLst>
+            </p:seq>
+          </p:childTnLst>
+        </p:cTn>
+      </p:par>
+    </p:tnLst>
+  </p:timing>
+</p:sld>
+</file>
+
+<file path=ppt/slides/slide15.xml><?xml version="1.0" encoding="utf-8"?>
+<p:sld xmlns:a="http://schemas.openxmlformats.org/drawingml/2006/main" xmlns:r="http://schemas.openxmlformats.org/officeDocument/2006/relationships" xmlns:p="http://schemas.openxmlformats.org/presentationml/2006/main">
+  <p:cSld>
+    <p:spTree>
+      <p:nvGrpSpPr>
+        <p:cNvPr id="1" name=""/>
+        <p:cNvGrpSpPr/>
+        <p:nvPr/>
+      </p:nvGrpSpPr>
+      <p:grpSpPr>
+        <a:xfrm>
+          <a:off x="0" y="0"/>
+          <a:ext cx="0" cy="0"/>
+          <a:chOff x="0" y="0"/>
+          <a:chExt cx="0" cy="0"/>
+        </a:xfrm>
+      </p:grpSpPr>
+      <p:sp>
+        <p:nvSpPr>
+          <p:cNvPr id="2" name="Title 1"/>
+          <p:cNvSpPr>
+            <a:spLocks noGrp="1"/>
+          </p:cNvSpPr>
+          <p:nvPr>
+            <p:ph type="title"/>
+          </p:nvPr>
+        </p:nvSpPr>
+        <p:spPr/>
+        <p:txBody>
+          <a:bodyPr/>
+          <a:lstStyle/>
+          <a:p>
+            <a:r>
+              <a:rPr lang="en-US" dirty="0" smtClean="0"/>
+              <a:t>Import OS to MDT</a:t>
+            </a:r>
+            <a:endParaRPr lang="en-US" dirty="0"/>
+          </a:p>
+        </p:txBody>
+      </p:sp>
+      <p:sp>
+        <p:nvSpPr>
+          <p:cNvPr id="3" name="Content Placeholder 2"/>
+          <p:cNvSpPr>
+            <a:spLocks noGrp="1"/>
+          </p:cNvSpPr>
+          <p:nvPr>
+            <p:ph idx="1"/>
+          </p:nvPr>
+        </p:nvSpPr>
+        <p:spPr>
+          <a:xfrm>
+            <a:off x="838200" y="1825625"/>
+            <a:ext cx="3808956" cy="4351338"/>
+          </a:xfrm>
+        </p:spPr>
+        <p:txBody>
+          <a:bodyPr/>
+          <a:lstStyle/>
+          <a:p>
+            <a:r>
+              <a:rPr lang="en-US" dirty="0" smtClean="0"/>
+              <a:t>Create Selection Profile</a:t>
+            </a:r>
+            <a:endParaRPr lang="en-US" dirty="0"/>
+          </a:p>
+        </p:txBody>
+      </p:sp>
+      <p:pic>
+        <p:nvPicPr>
+          <p:cNvPr id="5" name="Picture 4"/>
+          <p:cNvPicPr>
+            <a:picLocks noChangeAspect="1"/>
+          </p:cNvPicPr>
+          <p:nvPr/>
+        </p:nvPicPr>
+        <p:blipFill>
+          <a:blip r:embed="rId2"/>
+          <a:stretch>
+            <a:fillRect/>
+          </a:stretch>
+        </p:blipFill>
+        <p:spPr>
+          <a:xfrm>
+            <a:off x="6310413" y="2589573"/>
+            <a:ext cx="4903210" cy="2823442"/>
+          </a:xfrm>
+          <a:prstGeom prst="rect">
+            <a:avLst/>
+          </a:prstGeom>
+        </p:spPr>
+      </p:pic>
+      <p:pic>
+        <p:nvPicPr>
+          <p:cNvPr id="10" name="Picture 9"/>
+          <p:cNvPicPr>
+            <a:picLocks noChangeAspect="1"/>
+          </p:cNvPicPr>
+          <p:nvPr/>
+        </p:nvPicPr>
+        <p:blipFill>
+          <a:blip r:embed="rId3"/>
+          <a:stretch>
+            <a:fillRect/>
+          </a:stretch>
+        </p:blipFill>
+        <p:spPr>
+          <a:xfrm>
+            <a:off x="5319431" y="1307374"/>
+            <a:ext cx="6222857" cy="5194286"/>
+          </a:xfrm>
+          <a:prstGeom prst="rect">
+            <a:avLst/>
+          </a:prstGeom>
+        </p:spPr>
+      </p:pic>
+      <p:pic>
+        <p:nvPicPr>
+          <p:cNvPr id="11" name="Picture 10"/>
+          <p:cNvPicPr>
+            <a:picLocks noChangeAspect="1"/>
+          </p:cNvPicPr>
+          <p:nvPr/>
+        </p:nvPicPr>
+        <p:blipFill>
+          <a:blip r:embed="rId4"/>
+          <a:stretch>
+            <a:fillRect/>
+          </a:stretch>
+        </p:blipFill>
+        <p:spPr>
+          <a:xfrm>
+            <a:off x="5319436" y="1307375"/>
+            <a:ext cx="6222857" cy="5194286"/>
+          </a:xfrm>
+          <a:prstGeom prst="rect">
+            <a:avLst/>
+          </a:prstGeom>
+        </p:spPr>
+      </p:pic>
+      <p:pic>
+        <p:nvPicPr>
+          <p:cNvPr id="12" name="Picture 11"/>
+          <p:cNvPicPr>
+            <a:picLocks noChangeAspect="1"/>
+          </p:cNvPicPr>
+          <p:nvPr/>
+        </p:nvPicPr>
+        <p:blipFill>
+          <a:blip r:embed="rId5"/>
+          <a:stretch>
+            <a:fillRect/>
+          </a:stretch>
+        </p:blipFill>
+        <p:spPr>
+          <a:xfrm>
+            <a:off x="5319436" y="1307374"/>
+            <a:ext cx="6222857" cy="5194286"/>
+          </a:xfrm>
+          <a:prstGeom prst="rect">
+            <a:avLst/>
+          </a:prstGeom>
+        </p:spPr>
+      </p:pic>
+      <p:pic>
+        <p:nvPicPr>
+          <p:cNvPr id="13" name="Picture 12"/>
+          <p:cNvPicPr>
+            <a:picLocks noChangeAspect="1"/>
+          </p:cNvPicPr>
+          <p:nvPr/>
+        </p:nvPicPr>
+        <p:blipFill>
+          <a:blip r:embed="rId6"/>
+          <a:stretch>
+            <a:fillRect/>
+          </a:stretch>
+        </p:blipFill>
+        <p:spPr>
+          <a:xfrm>
+            <a:off x="5319436" y="1307374"/>
+            <a:ext cx="6222857" cy="5194286"/>
+          </a:xfrm>
+          <a:prstGeom prst="rect">
+            <a:avLst/>
+          </a:prstGeom>
+        </p:spPr>
+      </p:pic>
+    </p:spTree>
+    <p:extLst>
+      <p:ext uri="{BB962C8B-B14F-4D97-AF65-F5344CB8AC3E}">
+        <p14:creationId xmlns:p14="http://schemas.microsoft.com/office/powerpoint/2010/main" val="41415815"/>
+      </p:ext>
+    </p:extLst>
+  </p:cSld>
+  <p:clrMapOvr>
+    <a:masterClrMapping/>
+  </p:clrMapOvr>
+  <p:timing>
+    <p:tnLst>
+      <p:par>
+        <p:cTn id="1" dur="indefinite" restart="never" nodeType="tmRoot">
+          <p:childTnLst>
+            <p:seq concurrent="1" nextAc="seek">
+              <p:cTn id="2" dur="indefinite" nodeType="mainSeq">
+                <p:childTnLst>
+                  <p:par>
+                    <p:cTn id="3" fill="hold">
+                      <p:stCondLst>
+                        <p:cond delay="indefinite"/>
+                      </p:stCondLst>
+                      <p:childTnLst>
+                        <p:par>
+                          <p:cTn id="4" fill="hold">
+                            <p:stCondLst>
+                              <p:cond delay="0"/>
+                            </p:stCondLst>
+                            <p:childTnLst>
+                              <p:par>
+                                <p:cTn id="5" presetID="1" presetClass="entr" presetSubtype="0" fill="hold" nodeType="clickEffect">
+                                  <p:stCondLst>
+                                    <p:cond delay="0"/>
+                                  </p:stCondLst>
+                                  <p:childTnLst>
+                                    <p:set>
+                                      <p:cBhvr>
+                                        <p:cTn id="6" dur="1" fill="hold">
+                                          <p:stCondLst>
+                                            <p:cond delay="0"/>
+                                          </p:stCondLst>
+                                        </p:cTn>
+                                        <p:tgtEl>
+                                          <p:spTgt spid="10"/>
+                                        </p:tgtEl>
+                                        <p:attrNameLst>
+                                          <p:attrName>style.visibility</p:attrName>
+                                        </p:attrNameLst>
+                                      </p:cBhvr>
+                                      <p:to>
+                                        <p:strVal val="visible"/>
+                                      </p:to>
+                                    </p:set>
+                                  </p:childTnLst>
+                                </p:cTn>
+                              </p:par>
+                            </p:childTnLst>
+                          </p:cTn>
+                        </p:par>
+                      </p:childTnLst>
+                    </p:cTn>
+                  </p:par>
+                  <p:par>
+                    <p:cTn id="7" fill="hold">
+                      <p:stCondLst>
+                        <p:cond delay="indefinite"/>
+                      </p:stCondLst>
+                      <p:childTnLst>
+                        <p:par>
+                          <p:cTn id="8" fill="hold">
+                            <p:stCondLst>
+                              <p:cond delay="0"/>
+                            </p:stCondLst>
+                            <p:childTnLst>
+                              <p:par>
+                                <p:cTn id="9" presetID="1" presetClass="entr" presetSubtype="0" fill="hold" nodeType="clickEffect">
+                                  <p:stCondLst>
+                                    <p:cond delay="0"/>
+                                  </p:stCondLst>
+                                  <p:childTnLst>
+                                    <p:set>
+                                      <p:cBhvr>
+                                        <p:cTn id="10" dur="1" fill="hold">
+                                          <p:stCondLst>
+                                            <p:cond delay="0"/>
+                                          </p:stCondLst>
+                                        </p:cTn>
+                                        <p:tgtEl>
+                                          <p:spTgt spid="11"/>
+                                        </p:tgtEl>
+                                        <p:attrNameLst>
+                                          <p:attrName>style.visibility</p:attrName>
+                                        </p:attrNameLst>
+                                      </p:cBhvr>
+                                      <p:to>
+                                        <p:strVal val="visible"/>
+                                      </p:to>
+                                    </p:set>
+                                  </p:childTnLst>
+                                </p:cTn>
+                              </p:par>
+                            </p:childTnLst>
+                          </p:cTn>
+                        </p:par>
+                      </p:childTnLst>
+                    </p:cTn>
+                  </p:par>
+                  <p:par>
+                    <p:cTn id="11" fill="hold">
+                      <p:stCondLst>
+                        <p:cond delay="indefinite"/>
+                      </p:stCondLst>
+                      <p:childTnLst>
+                        <p:par>
+                          <p:cTn id="12" fill="hold">
+                            <p:stCondLst>
+                              <p:cond delay="0"/>
+                            </p:stCondLst>
+                            <p:childTnLst>
+                              <p:par>
+                                <p:cTn id="13" presetID="1" presetClass="entr" presetSubtype="0" fill="hold" nodeType="clickEffect">
+                                  <p:stCondLst>
+                                    <p:cond delay="0"/>
+                                  </p:stCondLst>
+                                  <p:childTnLst>
+                                    <p:set>
+                                      <p:cBhvr>
+                                        <p:cTn id="14" dur="1" fill="hold">
+                                          <p:stCondLst>
+                                            <p:cond delay="0"/>
+                                          </p:stCondLst>
+                                        </p:cTn>
+                                        <p:tgtEl>
+                                          <p:spTgt spid="12"/>
+                                        </p:tgtEl>
+                                        <p:attrNameLst>
+                                          <p:attrName>style.visibility</p:attrName>
+                                        </p:attrNameLst>
+                                      </p:cBhvr>
+                                      <p:to>
+                                        <p:strVal val="visible"/>
+                                      </p:to>
+                                    </p:set>
+                                  </p:childTnLst>
+                                </p:cTn>
+                              </p:par>
+                            </p:childTnLst>
+                          </p:cTn>
+                        </p:par>
+                      </p:childTnLst>
+                    </p:cTn>
+                  </p:par>
+                  <p:par>
+                    <p:cTn id="15" fill="hold">
+                      <p:stCondLst>
+                        <p:cond delay="indefinite"/>
+                      </p:stCondLst>
+                      <p:childTnLst>
+                        <p:par>
+                          <p:cTn id="16" fill="hold">
+                            <p:stCondLst>
+                              <p:cond delay="0"/>
+                            </p:stCondLst>
+                            <p:childTnLst>
+                              <p:par>
+                                <p:cTn id="17" presetID="1" presetClass="entr" presetSubtype="0" fill="hold" nodeType="clickEffect">
+                                  <p:stCondLst>
+                                    <p:cond delay="0"/>
+                                  </p:stCondLst>
+                                  <p:childTnLst>
+                                    <p:set>
+                                      <p:cBhvr>
+                                        <p:cTn id="18" dur="1" fill="hold">
+                                          <p:stCondLst>
+                                            <p:cond delay="0"/>
+                                          </p:stCondLst>
+                                        </p:cTn>
+                                        <p:tgtEl>
+                                          <p:spTgt spid="13"/>
+                                        </p:tgtEl>
+                                        <p:attrNameLst>
+                                          <p:attrName>style.visibility</p:attrName>
+                                        </p:attrNameLst>
+                                      </p:cBhvr>
+                                      <p:to>
+                                        <p:strVal val="visible"/>
+                                      </p:to>
+                                    </p:set>
+                                  </p:childTnLst>
+                                </p:cTn>
+                              </p:par>
+                            </p:childTnLst>
+                          </p:cTn>
+                        </p:par>
+                      </p:childTnLst>
+                    </p:cTn>
+                  </p:par>
+                </p:childTnLst>
+              </p:cTn>
+              <p:prevCondLst>
+                <p:cond evt="onPrev" delay="0">
+                  <p:tgtEl>
+                    <p:sldTgt/>
+                  </p:tgtEl>
+                </p:cond>
+              </p:prevCondLst>
+              <p:nextCondLst>
+                <p:cond evt="onNext" delay="0">
+                  <p:tgtEl>
+                    <p:sldTgt/>
+                  </p:tgtEl>
+                </p:cond>
+              </p:nextCondLst>
+            </p:seq>
+          </p:childTnLst>
+        </p:cTn>
+      </p:par>
+    </p:tnLst>
+  </p:timing>
+</p:sld>
+</file>
+
+<file path=ppt/slides/slide16.xml><?xml version="1.0" encoding="utf-8"?>
+<p:sld xmlns:a="http://schemas.openxmlformats.org/drawingml/2006/main" xmlns:r="http://schemas.openxmlformats.org/officeDocument/2006/relationships" xmlns:p="http://schemas.openxmlformats.org/presentationml/2006/main">
+  <p:cSld>
+    <p:spTree>
+      <p:nvGrpSpPr>
+        <p:cNvPr id="1" name=""/>
+        <p:cNvGrpSpPr/>
+        <p:nvPr/>
+      </p:nvGrpSpPr>
+      <p:grpSpPr>
+        <a:xfrm>
+          <a:off x="0" y="0"/>
+          <a:ext cx="0" cy="0"/>
+          <a:chOff x="0" y="0"/>
+          <a:chExt cx="0" cy="0"/>
+        </a:xfrm>
+      </p:grpSpPr>
+      <p:sp>
+        <p:nvSpPr>
+          <p:cNvPr id="2" name="Title 1"/>
+          <p:cNvSpPr>
+            <a:spLocks noGrp="1"/>
+          </p:cNvSpPr>
+          <p:nvPr>
+            <p:ph type="title"/>
+          </p:nvPr>
+        </p:nvSpPr>
+        <p:spPr/>
+        <p:txBody>
+          <a:bodyPr/>
+          <a:lstStyle/>
+          <a:p>
+            <a:r>
+              <a:rPr lang="en-US" dirty="0" smtClean="0"/>
+              <a:t>Customizing/Tweaking OS</a:t>
+            </a:r>
+            <a:br>
+              <a:rPr lang="en-US" dirty="0" smtClean="0"/>
+            </a:br>
+            <a:r>
+              <a:rPr lang="en-US" sz="2800" dirty="0"/>
+              <a:t>Set Default Applications</a:t>
+            </a:r>
+          </a:p>
+        </p:txBody>
+      </p:sp>
+      <p:sp>
+        <p:nvSpPr>
+          <p:cNvPr id="3" name="Content Placeholder 2"/>
+          <p:cNvSpPr>
+            <a:spLocks noGrp="1"/>
+          </p:cNvSpPr>
+          <p:nvPr>
+            <p:ph idx="1"/>
+          </p:nvPr>
+        </p:nvSpPr>
+        <p:spPr/>
+        <p:txBody>
+          <a:bodyPr/>
+          <a:lstStyle/>
+          <a:p>
+            <a:endParaRPr lang="en-US"/>
+          </a:p>
+        </p:txBody>
+      </p:sp>
+    </p:spTree>
+    <p:extLst>
+      <p:ext uri="{BB962C8B-B14F-4D97-AF65-F5344CB8AC3E}">
+        <p14:creationId xmlns:p14="http://schemas.microsoft.com/office/powerpoint/2010/main" val="3199165030"/>
+      </p:ext>
+    </p:extLst>
+  </p:cSld>
+  <p:clrMapOvr>
+    <a:masterClrMapping/>
+  </p:clrMapOvr>
+  <p:timing>
+    <p:tnLst>
+      <p:par>
+        <p:cTn id="1" dur="indefinite" restart="never" nodeType="tmRoot"/>
+      </p:par>
+    </p:tnLst>
+  </p:timing>
+</p:sld>
+</file>
+
+<file path=ppt/slides/slide17.xml><?xml version="1.0" encoding="utf-8"?>
+<p:sld xmlns:a="http://schemas.openxmlformats.org/drawingml/2006/main" xmlns:r="http://schemas.openxmlformats.org/officeDocument/2006/relationships" xmlns:p="http://schemas.openxmlformats.org/presentationml/2006/main">
+  <p:cSld>
+    <p:spTree>
+      <p:nvGrpSpPr>
+        <p:cNvPr id="1" name=""/>
+        <p:cNvGrpSpPr/>
+        <p:nvPr/>
+      </p:nvGrpSpPr>
+      <p:grpSpPr>
+        <a:xfrm>
+          <a:off x="0" y="0"/>
+          <a:ext cx="0" cy="0"/>
+          <a:chOff x="0" y="0"/>
+          <a:chExt cx="0" cy="0"/>
+        </a:xfrm>
+      </p:grpSpPr>
+      <p:sp>
+        <p:nvSpPr>
+          <p:cNvPr id="2" name="Title 1"/>
+          <p:cNvSpPr>
+            <a:spLocks noGrp="1"/>
+          </p:cNvSpPr>
+          <p:nvPr>
+            <p:ph type="title"/>
+          </p:nvPr>
+        </p:nvSpPr>
+        <p:spPr/>
+        <p:txBody>
+          <a:bodyPr/>
+          <a:lstStyle/>
+          <a:p>
+            <a:r>
+              <a:rPr lang="en-US" dirty="0" smtClean="0"/>
+              <a:t>Customizing/Tweaking OS</a:t>
+            </a:r>
+            <a:br>
+              <a:rPr lang="en-US" dirty="0" smtClean="0"/>
+            </a:br>
+            <a:r>
+              <a:rPr lang="en-US" sz="2800" dirty="0"/>
+              <a:t>Background Changes</a:t>
+            </a:r>
+          </a:p>
+        </p:txBody>
+      </p:sp>
+      <p:sp>
+        <p:nvSpPr>
+          <p:cNvPr id="3" name="Content Placeholder 2"/>
+          <p:cNvSpPr>
+            <a:spLocks noGrp="1"/>
+          </p:cNvSpPr>
+          <p:nvPr>
+            <p:ph idx="1"/>
+          </p:nvPr>
+        </p:nvSpPr>
+        <p:spPr/>
+        <p:txBody>
+          <a:bodyPr/>
+          <a:lstStyle/>
+          <a:p>
+            <a:endParaRPr lang="en-US"/>
+          </a:p>
+        </p:txBody>
+      </p:sp>
+    </p:spTree>
+    <p:extLst>
+      <p:ext uri="{BB962C8B-B14F-4D97-AF65-F5344CB8AC3E}">
+        <p14:creationId xmlns:p14="http://schemas.microsoft.com/office/powerpoint/2010/main" val="285779686"/>
+      </p:ext>
+    </p:extLst>
+  </p:cSld>
+  <p:clrMapOvr>
+    <a:masterClrMapping/>
+  </p:clrMapOvr>
+  <p:timing>
+    <p:tnLst>
+      <p:par>
+        <p:cTn id="1" dur="indefinite" restart="never" nodeType="tmRoot"/>
+      </p:par>
+    </p:tnLst>
+  </p:timing>
+</p:sld>
+</file>
+
+<file path=ppt/slides/slide18.xml><?xml version="1.0" encoding="utf-8"?>
+<p:sld xmlns:a="http://schemas.openxmlformats.org/drawingml/2006/main" xmlns:r="http://schemas.openxmlformats.org/officeDocument/2006/relationships" xmlns:p="http://schemas.openxmlformats.org/presentationml/2006/main">
+  <p:cSld>
+    <p:spTree>
+      <p:nvGrpSpPr>
+        <p:cNvPr id="1" name=""/>
+        <p:cNvGrpSpPr/>
+        <p:nvPr/>
+      </p:nvGrpSpPr>
+      <p:grpSpPr>
+        <a:xfrm>
+          <a:off x="0" y="0"/>
+          <a:ext cx="0" cy="0"/>
+          <a:chOff x="0" y="0"/>
+          <a:chExt cx="0" cy="0"/>
+        </a:xfrm>
+      </p:grpSpPr>
+      <p:sp>
+        <p:nvSpPr>
+          <p:cNvPr id="2" name="Title 1"/>
+          <p:cNvSpPr>
+            <a:spLocks noGrp="1"/>
+          </p:cNvSpPr>
+          <p:nvPr>
+            <p:ph type="title"/>
+          </p:nvPr>
+        </p:nvSpPr>
+        <p:spPr/>
+        <p:txBody>
+          <a:bodyPr/>
+          <a:lstStyle/>
+          <a:p>
+            <a:r>
+              <a:rPr lang="en-US" dirty="0" smtClean="0"/>
+              <a:t>Customizing/Tweaking OS</a:t>
+            </a:r>
+            <a:br>
+              <a:rPr lang="en-US" dirty="0" smtClean="0"/>
+            </a:br>
+            <a:r>
+              <a:rPr lang="en-US" sz="2800" dirty="0"/>
+              <a:t>Lock Screen Changes</a:t>
+            </a:r>
+          </a:p>
+        </p:txBody>
+      </p:sp>
+      <p:sp>
+        <p:nvSpPr>
+          <p:cNvPr id="3" name="Content Placeholder 2"/>
+          <p:cNvSpPr>
+            <a:spLocks noGrp="1"/>
+          </p:cNvSpPr>
+          <p:nvPr>
+            <p:ph idx="1"/>
+          </p:nvPr>
+        </p:nvSpPr>
+        <p:spPr/>
+        <p:txBody>
+          <a:bodyPr/>
+          <a:lstStyle/>
+          <a:p>
+            <a:endParaRPr lang="en-US"/>
+          </a:p>
+        </p:txBody>
+      </p:sp>
+    </p:spTree>
+    <p:extLst>
+      <p:ext uri="{BB962C8B-B14F-4D97-AF65-F5344CB8AC3E}">
+        <p14:creationId xmlns:p14="http://schemas.microsoft.com/office/powerpoint/2010/main" val="2407432173"/>
+      </p:ext>
+    </p:extLst>
+  </p:cSld>
+  <p:clrMapOvr>
+    <a:masterClrMapping/>
+  </p:clrMapOvr>
+  <p:timing>
+    <p:tnLst>
+      <p:par>
+        <p:cTn id="1" dur="indefinite" restart="never" nodeType="tmRoot"/>
+      </p:par>
+    </p:tnLst>
+  </p:timing>
+</p:sld>
+</file>
+
+<file path=ppt/slides/slide19.xml><?xml version="1.0" encoding="utf-8"?>
+<p:sld xmlns:a="http://schemas.openxmlformats.org/drawingml/2006/main" xmlns:r="http://schemas.openxmlformats.org/officeDocument/2006/relationships" xmlns:p="http://schemas.openxmlformats.org/presentationml/2006/main">
+  <p:cSld>
+    <p:spTree>
+      <p:nvGrpSpPr>
+        <p:cNvPr id="1" name=""/>
+        <p:cNvGrpSpPr/>
+        <p:nvPr/>
+      </p:nvGrpSpPr>
+      <p:grpSpPr>
+        <a:xfrm>
+          <a:off x="0" y="0"/>
+          <a:ext cx="0" cy="0"/>
+          <a:chOff x="0" y="0"/>
+          <a:chExt cx="0" cy="0"/>
+        </a:xfrm>
+      </p:grpSpPr>
+      <p:sp>
+        <p:nvSpPr>
+          <p:cNvPr id="2" name="Title 1"/>
+          <p:cNvSpPr>
+            <a:spLocks noGrp="1"/>
+          </p:cNvSpPr>
+          <p:nvPr>
+            <p:ph type="title"/>
+          </p:nvPr>
+        </p:nvSpPr>
+        <p:spPr/>
+        <p:txBody>
+          <a:bodyPr/>
+          <a:lstStyle/>
+          <a:p>
+            <a:r>
+              <a:rPr lang="en-US" dirty="0" smtClean="0"/>
+              <a:t>Customizing/Tweaking OS</a:t>
+            </a:r>
+            <a:br>
+              <a:rPr lang="en-US" dirty="0" smtClean="0"/>
+            </a:br>
+            <a:r>
+              <a:rPr lang="en-US" sz="2800" dirty="0"/>
+              <a:t>Start Menu Layout</a:t>
+            </a:r>
+          </a:p>
+        </p:txBody>
+      </p:sp>
+      <p:sp>
+        <p:nvSpPr>
+          <p:cNvPr id="3" name="Content Placeholder 2"/>
+          <p:cNvSpPr>
+            <a:spLocks noGrp="1"/>
+          </p:cNvSpPr>
+          <p:nvPr>
+            <p:ph idx="1"/>
+          </p:nvPr>
+        </p:nvSpPr>
+        <p:spPr/>
+        <p:txBody>
+          <a:bodyPr/>
+          <a:lstStyle/>
+          <a:p>
+            <a:endParaRPr lang="en-US"/>
+          </a:p>
+        </p:txBody>
+      </p:sp>
+    </p:spTree>
+    <p:extLst>
+      <p:ext uri="{BB962C8B-B14F-4D97-AF65-F5344CB8AC3E}">
+        <p14:creationId xmlns:p14="http://schemas.microsoft.com/office/powerpoint/2010/main" val="4085667234"/>
+      </p:ext>
+    </p:extLst>
+  </p:cSld>
+  <p:clrMapOvr>
+    <a:masterClrMapping/>
+  </p:clrMapOvr>
+  <p:timing>
+    <p:tnLst>
+      <p:par>
+        <p:cTn id="1" dur="indefinite" restart="never" nodeType="tmRoot"/>
+      </p:par>
+    </p:tnLst>
+  </p:timing>
 </p:sld>
 </file>
 
@@ -4096,14 +7206,11 @@
             <a:pPr lvl="2"/>
             <a:r>
               <a:rPr lang="en-US" dirty="0" smtClean="0"/>
-              <a:t>OEM Info</a:t>
-            </a:r>
-          </a:p>
-          <a:p>
-            <a:pPr lvl="2"/>
-            <a:r>
-              <a:rPr lang="en-US" dirty="0" smtClean="0"/>
-              <a:t>Set Default Applications</a:t>
+              <a:t>Set </a:t>
+            </a:r>
+            <a:r>
+              <a:rPr lang="en-US" dirty="0" smtClean="0"/>
+              <a:t>Default Applications</a:t>
             </a:r>
           </a:p>
           <a:p>
@@ -4317,8 +7424,9 @@
           <a:p>
             <a:r>
               <a:rPr lang="en-US" dirty="0" smtClean="0"/>
-              <a:t>Customize</a:t>
-            </a:r>
+              <a:t>Task Sequence</a:t>
+            </a:r>
+            <a:endParaRPr lang="en-US" dirty="0" smtClean="0"/>
           </a:p>
           <a:p>
             <a:pPr lvl="1"/>
@@ -4338,13 +7446,25 @@
             <a:pPr lvl="2"/>
             <a:r>
               <a:rPr lang="en-US" dirty="0" smtClean="0"/>
-              <a:t>Disable/Enable Windows Store Update Scripts</a:t>
+              <a:t>Disable/Enable Windows Store Update </a:t>
+            </a:r>
+            <a:r>
+              <a:rPr lang="en-US" dirty="0" smtClean="0"/>
+              <a:t>Scripts</a:t>
             </a:r>
           </a:p>
           <a:p>
             <a:pPr lvl="2"/>
             <a:r>
               <a:rPr lang="en-US" dirty="0" smtClean="0"/>
+              <a:t>Enable RDP</a:t>
+            </a:r>
+            <a:endParaRPr lang="en-US" dirty="0" smtClean="0"/>
+          </a:p>
+          <a:p>
+            <a:pPr lvl="2"/>
+            <a:r>
+              <a:rPr lang="en-US" dirty="0" smtClean="0"/>
               <a:t>Clear WSUS Script</a:t>
             </a:r>
           </a:p>
@@ -4361,6 +7481,14 @@
               <a:rPr lang="en-US" dirty="0" smtClean="0"/>
               <a:t>Demo</a:t>
             </a:r>
+          </a:p>
+          <a:p>
+            <a:pPr lvl="1"/>
+            <a:r>
+              <a:rPr lang="en-US" dirty="0" smtClean="0"/>
+              <a:t>Helpful Info</a:t>
+            </a:r>
+            <a:endParaRPr lang="en-US" dirty="0" smtClean="0"/>
           </a:p>
           <a:p>
             <a:pPr lvl="1"/>
@@ -4376,6 +7504,1775 @@
     <p:extLst>
       <p:ext uri="{BB962C8B-B14F-4D97-AF65-F5344CB8AC3E}">
         <p14:creationId xmlns:p14="http://schemas.microsoft.com/office/powerpoint/2010/main" val="3918893704"/>
+      </p:ext>
+    </p:extLst>
+  </p:cSld>
+  <p:clrMapOvr>
+    <a:masterClrMapping/>
+  </p:clrMapOvr>
+  <p:timing>
+    <p:tnLst>
+      <p:par>
+        <p:cTn id="1" dur="indefinite" restart="never" nodeType="tmRoot"/>
+      </p:par>
+    </p:tnLst>
+  </p:timing>
+</p:sld>
+</file>
+
+<file path=ppt/slides/slide20.xml><?xml version="1.0" encoding="utf-8"?>
+<p:sld xmlns:a="http://schemas.openxmlformats.org/drawingml/2006/main" xmlns:r="http://schemas.openxmlformats.org/officeDocument/2006/relationships" xmlns:p="http://schemas.openxmlformats.org/presentationml/2006/main">
+  <p:cSld>
+    <p:spTree>
+      <p:nvGrpSpPr>
+        <p:cNvPr id="1" name=""/>
+        <p:cNvGrpSpPr/>
+        <p:nvPr/>
+      </p:nvGrpSpPr>
+      <p:grpSpPr>
+        <a:xfrm>
+          <a:off x="0" y="0"/>
+          <a:ext cx="0" cy="0"/>
+          <a:chOff x="0" y="0"/>
+          <a:chExt cx="0" cy="0"/>
+        </a:xfrm>
+      </p:grpSpPr>
+      <p:sp>
+        <p:nvSpPr>
+          <p:cNvPr id="2" name="Title 1"/>
+          <p:cNvSpPr>
+            <a:spLocks noGrp="1"/>
+          </p:cNvSpPr>
+          <p:nvPr>
+            <p:ph type="title"/>
+          </p:nvPr>
+        </p:nvSpPr>
+        <p:spPr/>
+        <p:txBody>
+          <a:bodyPr/>
+          <a:lstStyle/>
+          <a:p>
+            <a:r>
+              <a:rPr lang="en-US" dirty="0" smtClean="0"/>
+              <a:t>Task Sequence</a:t>
+            </a:r>
+            <a:r>
+              <a:rPr lang="en-US" dirty="0" smtClean="0"/>
+              <a:t/>
+            </a:r>
+            <a:br>
+              <a:rPr lang="en-US" dirty="0" smtClean="0"/>
+            </a:br>
+            <a:r>
+              <a:rPr lang="en-US" sz="2800" dirty="0" smtClean="0"/>
+              <a:t>Create Task Sequence</a:t>
+            </a:r>
+            <a:endParaRPr lang="en-US" sz="2800" dirty="0"/>
+          </a:p>
+        </p:txBody>
+      </p:sp>
+      <p:sp>
+        <p:nvSpPr>
+          <p:cNvPr id="3" name="Content Placeholder 2"/>
+          <p:cNvSpPr>
+            <a:spLocks noGrp="1"/>
+          </p:cNvSpPr>
+          <p:nvPr>
+            <p:ph idx="1"/>
+          </p:nvPr>
+        </p:nvSpPr>
+        <p:spPr/>
+        <p:txBody>
+          <a:bodyPr>
+            <a:normAutofit lnSpcReduction="10000"/>
+          </a:bodyPr>
+          <a:lstStyle/>
+          <a:p>
+            <a:r>
+              <a:rPr lang="en-US" dirty="0" smtClean="0"/>
+              <a:t>Create Folder under Task Sequences for Windows 10</a:t>
+            </a:r>
+          </a:p>
+          <a:p>
+            <a:r>
+              <a:rPr lang="en-US" dirty="0"/>
+              <a:t>Create Windows 10 Education x64 build 1803 (Nov 2018</a:t>
+            </a:r>
+            <a:r>
+              <a:rPr lang="en-US" dirty="0" smtClean="0"/>
+              <a:t>) Task Sequence</a:t>
+            </a:r>
+          </a:p>
+          <a:p>
+            <a:r>
+              <a:rPr lang="en-US" dirty="0" smtClean="0"/>
+              <a:t>Input a unique Task sequence ID</a:t>
+            </a:r>
+          </a:p>
+          <a:p>
+            <a:r>
+              <a:rPr lang="en-US" dirty="0" smtClean="0"/>
+              <a:t>Input a Task sequence name</a:t>
+            </a:r>
+          </a:p>
+          <a:p>
+            <a:r>
+              <a:rPr lang="en-US" dirty="0" smtClean="0"/>
+              <a:t>Use the Standard Client Task Sequence</a:t>
+            </a:r>
+          </a:p>
+          <a:p>
+            <a:r>
+              <a:rPr lang="en-US" dirty="0" smtClean="0"/>
+              <a:t>Select Windows 10 Education x64 1803 OS</a:t>
+            </a:r>
+          </a:p>
+          <a:p>
+            <a:r>
+              <a:rPr lang="en-US" dirty="0" smtClean="0"/>
+              <a:t>Add OS Settings</a:t>
+            </a:r>
+          </a:p>
+          <a:p>
+            <a:r>
+              <a:rPr lang="en-US" dirty="0" smtClean="0"/>
+              <a:t>Do not specify an Administrator password</a:t>
+            </a:r>
+          </a:p>
+          <a:p>
+            <a:endParaRPr lang="en-US" dirty="0" smtClean="0"/>
+          </a:p>
+          <a:p>
+            <a:endParaRPr lang="en-US" dirty="0" smtClean="0"/>
+          </a:p>
+        </p:txBody>
+      </p:sp>
+    </p:spTree>
+    <p:extLst>
+      <p:ext uri="{BB962C8B-B14F-4D97-AF65-F5344CB8AC3E}">
+        <p14:creationId xmlns:p14="http://schemas.microsoft.com/office/powerpoint/2010/main" val="1125976405"/>
+      </p:ext>
+    </p:extLst>
+  </p:cSld>
+  <p:clrMapOvr>
+    <a:masterClrMapping/>
+  </p:clrMapOvr>
+  <p:timing>
+    <p:tnLst>
+      <p:par>
+        <p:cTn id="1" dur="indefinite" restart="never" nodeType="tmRoot"/>
+      </p:par>
+    </p:tnLst>
+  </p:timing>
+</p:sld>
+</file>
+
+<file path=ppt/slides/slide21.xml><?xml version="1.0" encoding="utf-8"?>
+<p:sld xmlns:a="http://schemas.openxmlformats.org/drawingml/2006/main" xmlns:r="http://schemas.openxmlformats.org/officeDocument/2006/relationships" xmlns:p="http://schemas.openxmlformats.org/presentationml/2006/main">
+  <p:cSld>
+    <p:spTree>
+      <p:nvGrpSpPr>
+        <p:cNvPr id="1" name=""/>
+        <p:cNvGrpSpPr/>
+        <p:nvPr/>
+      </p:nvGrpSpPr>
+      <p:grpSpPr>
+        <a:xfrm>
+          <a:off x="0" y="0"/>
+          <a:ext cx="0" cy="0"/>
+          <a:chOff x="0" y="0"/>
+          <a:chExt cx="0" cy="0"/>
+        </a:xfrm>
+      </p:grpSpPr>
+      <p:sp>
+        <p:nvSpPr>
+          <p:cNvPr id="2" name="Title 1"/>
+          <p:cNvSpPr>
+            <a:spLocks noGrp="1"/>
+          </p:cNvSpPr>
+          <p:nvPr>
+            <p:ph type="title"/>
+          </p:nvPr>
+        </p:nvSpPr>
+        <p:spPr/>
+        <p:txBody>
+          <a:bodyPr/>
+          <a:lstStyle/>
+          <a:p>
+            <a:r>
+              <a:rPr lang="en-US" dirty="0" smtClean="0"/>
+              <a:t>Task Sequence</a:t>
+            </a:r>
+            <a:r>
+              <a:rPr lang="en-US" dirty="0" smtClean="0"/>
+              <a:t/>
+            </a:r>
+            <a:br>
+              <a:rPr lang="en-US" dirty="0" smtClean="0"/>
+            </a:br>
+            <a:r>
+              <a:rPr lang="en-US" sz="2800" dirty="0" smtClean="0"/>
+              <a:t>Create Task Sequence</a:t>
+            </a:r>
+            <a:endParaRPr lang="en-US" sz="2800" dirty="0"/>
+          </a:p>
+        </p:txBody>
+      </p:sp>
+      <p:pic>
+        <p:nvPicPr>
+          <p:cNvPr id="5" name="Picture 4"/>
+          <p:cNvPicPr>
+            <a:picLocks noChangeAspect="1"/>
+          </p:cNvPicPr>
+          <p:nvPr/>
+        </p:nvPicPr>
+        <p:blipFill>
+          <a:blip r:embed="rId3"/>
+          <a:stretch>
+            <a:fillRect/>
+          </a:stretch>
+        </p:blipFill>
+        <p:spPr>
+          <a:xfrm>
+            <a:off x="3919134" y="2200408"/>
+            <a:ext cx="4536733" cy="3929454"/>
+          </a:xfrm>
+          <a:prstGeom prst="rect">
+            <a:avLst/>
+          </a:prstGeom>
+        </p:spPr>
+      </p:pic>
+      <p:pic>
+        <p:nvPicPr>
+          <p:cNvPr id="6" name="Picture 5"/>
+          <p:cNvPicPr>
+            <a:picLocks noChangeAspect="1"/>
+          </p:cNvPicPr>
+          <p:nvPr/>
+        </p:nvPicPr>
+        <p:blipFill>
+          <a:blip r:embed="rId4"/>
+          <a:stretch>
+            <a:fillRect/>
+          </a:stretch>
+        </p:blipFill>
+        <p:spPr>
+          <a:xfrm>
+            <a:off x="3076072" y="1567992"/>
+            <a:ext cx="6222857" cy="5194286"/>
+          </a:xfrm>
+          <a:prstGeom prst="rect">
+            <a:avLst/>
+          </a:prstGeom>
+        </p:spPr>
+      </p:pic>
+      <p:pic>
+        <p:nvPicPr>
+          <p:cNvPr id="7" name="Picture 6"/>
+          <p:cNvPicPr>
+            <a:picLocks noChangeAspect="1"/>
+          </p:cNvPicPr>
+          <p:nvPr/>
+        </p:nvPicPr>
+        <p:blipFill>
+          <a:blip r:embed="rId5"/>
+          <a:stretch>
+            <a:fillRect/>
+          </a:stretch>
+        </p:blipFill>
+        <p:spPr>
+          <a:xfrm>
+            <a:off x="3076072" y="1567992"/>
+            <a:ext cx="6222857" cy="5194286"/>
+          </a:xfrm>
+          <a:prstGeom prst="rect">
+            <a:avLst/>
+          </a:prstGeom>
+        </p:spPr>
+      </p:pic>
+      <p:pic>
+        <p:nvPicPr>
+          <p:cNvPr id="8" name="Picture 7"/>
+          <p:cNvPicPr>
+            <a:picLocks noChangeAspect="1"/>
+          </p:cNvPicPr>
+          <p:nvPr/>
+        </p:nvPicPr>
+        <p:blipFill>
+          <a:blip r:embed="rId6"/>
+          <a:stretch>
+            <a:fillRect/>
+          </a:stretch>
+        </p:blipFill>
+        <p:spPr>
+          <a:xfrm>
+            <a:off x="3076072" y="1567992"/>
+            <a:ext cx="6222857" cy="5194286"/>
+          </a:xfrm>
+          <a:prstGeom prst="rect">
+            <a:avLst/>
+          </a:prstGeom>
+        </p:spPr>
+      </p:pic>
+      <p:pic>
+        <p:nvPicPr>
+          <p:cNvPr id="9" name="Picture 8"/>
+          <p:cNvPicPr>
+            <a:picLocks noChangeAspect="1"/>
+          </p:cNvPicPr>
+          <p:nvPr/>
+        </p:nvPicPr>
+        <p:blipFill>
+          <a:blip r:embed="rId7"/>
+          <a:stretch>
+            <a:fillRect/>
+          </a:stretch>
+        </p:blipFill>
+        <p:spPr>
+          <a:xfrm>
+            <a:off x="3076072" y="1567992"/>
+            <a:ext cx="6222857" cy="5194286"/>
+          </a:xfrm>
+          <a:prstGeom prst="rect">
+            <a:avLst/>
+          </a:prstGeom>
+        </p:spPr>
+      </p:pic>
+      <p:pic>
+        <p:nvPicPr>
+          <p:cNvPr id="11" name="Picture 10"/>
+          <p:cNvPicPr>
+            <a:picLocks noChangeAspect="1"/>
+          </p:cNvPicPr>
+          <p:nvPr/>
+        </p:nvPicPr>
+        <p:blipFill>
+          <a:blip r:embed="rId8"/>
+          <a:stretch>
+            <a:fillRect/>
+          </a:stretch>
+        </p:blipFill>
+        <p:spPr>
+          <a:xfrm>
+            <a:off x="3076072" y="1567992"/>
+            <a:ext cx="6222857" cy="5194286"/>
+          </a:xfrm>
+          <a:prstGeom prst="rect">
+            <a:avLst/>
+          </a:prstGeom>
+        </p:spPr>
+      </p:pic>
+      <p:pic>
+        <p:nvPicPr>
+          <p:cNvPr id="12" name="Picture 11"/>
+          <p:cNvPicPr>
+            <a:picLocks noChangeAspect="1"/>
+          </p:cNvPicPr>
+          <p:nvPr/>
+        </p:nvPicPr>
+        <p:blipFill>
+          <a:blip r:embed="rId9"/>
+          <a:stretch>
+            <a:fillRect/>
+          </a:stretch>
+        </p:blipFill>
+        <p:spPr>
+          <a:xfrm>
+            <a:off x="3076072" y="1567992"/>
+            <a:ext cx="6222857" cy="5194286"/>
+          </a:xfrm>
+          <a:prstGeom prst="rect">
+            <a:avLst/>
+          </a:prstGeom>
+        </p:spPr>
+      </p:pic>
+      <p:pic>
+        <p:nvPicPr>
+          <p:cNvPr id="13" name="Picture 12"/>
+          <p:cNvPicPr>
+            <a:picLocks noChangeAspect="1"/>
+          </p:cNvPicPr>
+          <p:nvPr/>
+        </p:nvPicPr>
+        <p:blipFill>
+          <a:blip r:embed="rId10"/>
+          <a:stretch>
+            <a:fillRect/>
+          </a:stretch>
+        </p:blipFill>
+        <p:spPr>
+          <a:xfrm>
+            <a:off x="3076072" y="1567992"/>
+            <a:ext cx="6222857" cy="5194286"/>
+          </a:xfrm>
+          <a:prstGeom prst="rect">
+            <a:avLst/>
+          </a:prstGeom>
+        </p:spPr>
+      </p:pic>
+      <p:pic>
+        <p:nvPicPr>
+          <p:cNvPr id="14" name="Picture 13"/>
+          <p:cNvPicPr>
+            <a:picLocks noChangeAspect="1"/>
+          </p:cNvPicPr>
+          <p:nvPr/>
+        </p:nvPicPr>
+        <p:blipFill>
+          <a:blip r:embed="rId11"/>
+          <a:stretch>
+            <a:fillRect/>
+          </a:stretch>
+        </p:blipFill>
+        <p:spPr>
+          <a:xfrm>
+            <a:off x="3076072" y="1567992"/>
+            <a:ext cx="6222857" cy="5194286"/>
+          </a:xfrm>
+          <a:prstGeom prst="rect">
+            <a:avLst/>
+          </a:prstGeom>
+        </p:spPr>
+      </p:pic>
+    </p:spTree>
+    <p:extLst>
+      <p:ext uri="{BB962C8B-B14F-4D97-AF65-F5344CB8AC3E}">
+        <p14:creationId xmlns:p14="http://schemas.microsoft.com/office/powerpoint/2010/main" val="668039217"/>
+      </p:ext>
+    </p:extLst>
+  </p:cSld>
+  <p:clrMapOvr>
+    <a:masterClrMapping/>
+  </p:clrMapOvr>
+  <p:timing>
+    <p:tnLst>
+      <p:par>
+        <p:cTn id="1" dur="indefinite" restart="never" nodeType="tmRoot">
+          <p:childTnLst>
+            <p:seq concurrent="1" nextAc="seek">
+              <p:cTn id="2" dur="indefinite" nodeType="mainSeq">
+                <p:childTnLst>
+                  <p:par>
+                    <p:cTn id="3" fill="hold">
+                      <p:stCondLst>
+                        <p:cond delay="indefinite"/>
+                      </p:stCondLst>
+                      <p:childTnLst>
+                        <p:par>
+                          <p:cTn id="4" fill="hold">
+                            <p:stCondLst>
+                              <p:cond delay="0"/>
+                            </p:stCondLst>
+                            <p:childTnLst>
+                              <p:par>
+                                <p:cTn id="5" presetID="1" presetClass="entr" presetSubtype="0" fill="hold" nodeType="clickEffect">
+                                  <p:stCondLst>
+                                    <p:cond delay="0"/>
+                                  </p:stCondLst>
+                                  <p:childTnLst>
+                                    <p:set>
+                                      <p:cBhvr>
+                                        <p:cTn id="6" dur="1" fill="hold">
+                                          <p:stCondLst>
+                                            <p:cond delay="0"/>
+                                          </p:stCondLst>
+                                        </p:cTn>
+                                        <p:tgtEl>
+                                          <p:spTgt spid="6"/>
+                                        </p:tgtEl>
+                                        <p:attrNameLst>
+                                          <p:attrName>style.visibility</p:attrName>
+                                        </p:attrNameLst>
+                                      </p:cBhvr>
+                                      <p:to>
+                                        <p:strVal val="visible"/>
+                                      </p:to>
+                                    </p:set>
+                                  </p:childTnLst>
+                                </p:cTn>
+                              </p:par>
+                            </p:childTnLst>
+                          </p:cTn>
+                        </p:par>
+                      </p:childTnLst>
+                    </p:cTn>
+                  </p:par>
+                  <p:par>
+                    <p:cTn id="7" fill="hold">
+                      <p:stCondLst>
+                        <p:cond delay="indefinite"/>
+                      </p:stCondLst>
+                      <p:childTnLst>
+                        <p:par>
+                          <p:cTn id="8" fill="hold">
+                            <p:stCondLst>
+                              <p:cond delay="0"/>
+                            </p:stCondLst>
+                            <p:childTnLst>
+                              <p:par>
+                                <p:cTn id="9" presetID="1" presetClass="entr" presetSubtype="0" fill="hold" nodeType="clickEffect">
+                                  <p:stCondLst>
+                                    <p:cond delay="0"/>
+                                  </p:stCondLst>
+                                  <p:childTnLst>
+                                    <p:set>
+                                      <p:cBhvr>
+                                        <p:cTn id="10" dur="1" fill="hold">
+                                          <p:stCondLst>
+                                            <p:cond delay="0"/>
+                                          </p:stCondLst>
+                                        </p:cTn>
+                                        <p:tgtEl>
+                                          <p:spTgt spid="7"/>
+                                        </p:tgtEl>
+                                        <p:attrNameLst>
+                                          <p:attrName>style.visibility</p:attrName>
+                                        </p:attrNameLst>
+                                      </p:cBhvr>
+                                      <p:to>
+                                        <p:strVal val="visible"/>
+                                      </p:to>
+                                    </p:set>
+                                  </p:childTnLst>
+                                </p:cTn>
+                              </p:par>
+                            </p:childTnLst>
+                          </p:cTn>
+                        </p:par>
+                      </p:childTnLst>
+                    </p:cTn>
+                  </p:par>
+                  <p:par>
+                    <p:cTn id="11" fill="hold">
+                      <p:stCondLst>
+                        <p:cond delay="indefinite"/>
+                      </p:stCondLst>
+                      <p:childTnLst>
+                        <p:par>
+                          <p:cTn id="12" fill="hold">
+                            <p:stCondLst>
+                              <p:cond delay="0"/>
+                            </p:stCondLst>
+                            <p:childTnLst>
+                              <p:par>
+                                <p:cTn id="13" presetID="1" presetClass="entr" presetSubtype="0" fill="hold" nodeType="clickEffect">
+                                  <p:stCondLst>
+                                    <p:cond delay="0"/>
+                                  </p:stCondLst>
+                                  <p:childTnLst>
+                                    <p:set>
+                                      <p:cBhvr>
+                                        <p:cTn id="14" dur="1" fill="hold">
+                                          <p:stCondLst>
+                                            <p:cond delay="0"/>
+                                          </p:stCondLst>
+                                        </p:cTn>
+                                        <p:tgtEl>
+                                          <p:spTgt spid="8"/>
+                                        </p:tgtEl>
+                                        <p:attrNameLst>
+                                          <p:attrName>style.visibility</p:attrName>
+                                        </p:attrNameLst>
+                                      </p:cBhvr>
+                                      <p:to>
+                                        <p:strVal val="visible"/>
+                                      </p:to>
+                                    </p:set>
+                                  </p:childTnLst>
+                                </p:cTn>
+                              </p:par>
+                            </p:childTnLst>
+                          </p:cTn>
+                        </p:par>
+                      </p:childTnLst>
+                    </p:cTn>
+                  </p:par>
+                  <p:par>
+                    <p:cTn id="15" fill="hold">
+                      <p:stCondLst>
+                        <p:cond delay="indefinite"/>
+                      </p:stCondLst>
+                      <p:childTnLst>
+                        <p:par>
+                          <p:cTn id="16" fill="hold">
+                            <p:stCondLst>
+                              <p:cond delay="0"/>
+                            </p:stCondLst>
+                            <p:childTnLst>
+                              <p:par>
+                                <p:cTn id="17" presetID="1" presetClass="entr" presetSubtype="0" fill="hold" nodeType="clickEffect">
+                                  <p:stCondLst>
+                                    <p:cond delay="0"/>
+                                  </p:stCondLst>
+                                  <p:childTnLst>
+                                    <p:set>
+                                      <p:cBhvr>
+                                        <p:cTn id="18" dur="1" fill="hold">
+                                          <p:stCondLst>
+                                            <p:cond delay="0"/>
+                                          </p:stCondLst>
+                                        </p:cTn>
+                                        <p:tgtEl>
+                                          <p:spTgt spid="9"/>
+                                        </p:tgtEl>
+                                        <p:attrNameLst>
+                                          <p:attrName>style.visibility</p:attrName>
+                                        </p:attrNameLst>
+                                      </p:cBhvr>
+                                      <p:to>
+                                        <p:strVal val="visible"/>
+                                      </p:to>
+                                    </p:set>
+                                  </p:childTnLst>
+                                </p:cTn>
+                              </p:par>
+                            </p:childTnLst>
+                          </p:cTn>
+                        </p:par>
+                      </p:childTnLst>
+                    </p:cTn>
+                  </p:par>
+                  <p:par>
+                    <p:cTn id="19" fill="hold">
+                      <p:stCondLst>
+                        <p:cond delay="indefinite"/>
+                      </p:stCondLst>
+                      <p:childTnLst>
+                        <p:par>
+                          <p:cTn id="20" fill="hold">
+                            <p:stCondLst>
+                              <p:cond delay="0"/>
+                            </p:stCondLst>
+                            <p:childTnLst>
+                              <p:par>
+                                <p:cTn id="21" presetID="1" presetClass="entr" presetSubtype="0" fill="hold" nodeType="clickEffect">
+                                  <p:stCondLst>
+                                    <p:cond delay="0"/>
+                                  </p:stCondLst>
+                                  <p:childTnLst>
+                                    <p:set>
+                                      <p:cBhvr>
+                                        <p:cTn id="22" dur="1" fill="hold">
+                                          <p:stCondLst>
+                                            <p:cond delay="0"/>
+                                          </p:stCondLst>
+                                        </p:cTn>
+                                        <p:tgtEl>
+                                          <p:spTgt spid="11"/>
+                                        </p:tgtEl>
+                                        <p:attrNameLst>
+                                          <p:attrName>style.visibility</p:attrName>
+                                        </p:attrNameLst>
+                                      </p:cBhvr>
+                                      <p:to>
+                                        <p:strVal val="visible"/>
+                                      </p:to>
+                                    </p:set>
+                                  </p:childTnLst>
+                                </p:cTn>
+                              </p:par>
+                            </p:childTnLst>
+                          </p:cTn>
+                        </p:par>
+                      </p:childTnLst>
+                    </p:cTn>
+                  </p:par>
+                  <p:par>
+                    <p:cTn id="23" fill="hold">
+                      <p:stCondLst>
+                        <p:cond delay="indefinite"/>
+                      </p:stCondLst>
+                      <p:childTnLst>
+                        <p:par>
+                          <p:cTn id="24" fill="hold">
+                            <p:stCondLst>
+                              <p:cond delay="0"/>
+                            </p:stCondLst>
+                            <p:childTnLst>
+                              <p:par>
+                                <p:cTn id="25" presetID="1" presetClass="entr" presetSubtype="0" fill="hold" nodeType="clickEffect">
+                                  <p:stCondLst>
+                                    <p:cond delay="0"/>
+                                  </p:stCondLst>
+                                  <p:childTnLst>
+                                    <p:set>
+                                      <p:cBhvr>
+                                        <p:cTn id="26" dur="1" fill="hold">
+                                          <p:stCondLst>
+                                            <p:cond delay="0"/>
+                                          </p:stCondLst>
+                                        </p:cTn>
+                                        <p:tgtEl>
+                                          <p:spTgt spid="12"/>
+                                        </p:tgtEl>
+                                        <p:attrNameLst>
+                                          <p:attrName>style.visibility</p:attrName>
+                                        </p:attrNameLst>
+                                      </p:cBhvr>
+                                      <p:to>
+                                        <p:strVal val="visible"/>
+                                      </p:to>
+                                    </p:set>
+                                  </p:childTnLst>
+                                </p:cTn>
+                              </p:par>
+                            </p:childTnLst>
+                          </p:cTn>
+                        </p:par>
+                      </p:childTnLst>
+                    </p:cTn>
+                  </p:par>
+                  <p:par>
+                    <p:cTn id="27" fill="hold">
+                      <p:stCondLst>
+                        <p:cond delay="indefinite"/>
+                      </p:stCondLst>
+                      <p:childTnLst>
+                        <p:par>
+                          <p:cTn id="28" fill="hold">
+                            <p:stCondLst>
+                              <p:cond delay="0"/>
+                            </p:stCondLst>
+                            <p:childTnLst>
+                              <p:par>
+                                <p:cTn id="29" presetID="1" presetClass="entr" presetSubtype="0" fill="hold" nodeType="clickEffect">
+                                  <p:stCondLst>
+                                    <p:cond delay="0"/>
+                                  </p:stCondLst>
+                                  <p:childTnLst>
+                                    <p:set>
+                                      <p:cBhvr>
+                                        <p:cTn id="30" dur="1" fill="hold">
+                                          <p:stCondLst>
+                                            <p:cond delay="0"/>
+                                          </p:stCondLst>
+                                        </p:cTn>
+                                        <p:tgtEl>
+                                          <p:spTgt spid="13"/>
+                                        </p:tgtEl>
+                                        <p:attrNameLst>
+                                          <p:attrName>style.visibility</p:attrName>
+                                        </p:attrNameLst>
+                                      </p:cBhvr>
+                                      <p:to>
+                                        <p:strVal val="visible"/>
+                                      </p:to>
+                                    </p:set>
+                                  </p:childTnLst>
+                                </p:cTn>
+                              </p:par>
+                            </p:childTnLst>
+                          </p:cTn>
+                        </p:par>
+                      </p:childTnLst>
+                    </p:cTn>
+                  </p:par>
+                  <p:par>
+                    <p:cTn id="31" fill="hold">
+                      <p:stCondLst>
+                        <p:cond delay="indefinite"/>
+                      </p:stCondLst>
+                      <p:childTnLst>
+                        <p:par>
+                          <p:cTn id="32" fill="hold">
+                            <p:stCondLst>
+                              <p:cond delay="0"/>
+                            </p:stCondLst>
+                            <p:childTnLst>
+                              <p:par>
+                                <p:cTn id="33" presetID="1" presetClass="entr" presetSubtype="0" fill="hold" nodeType="clickEffect">
+                                  <p:stCondLst>
+                                    <p:cond delay="0"/>
+                                  </p:stCondLst>
+                                  <p:childTnLst>
+                                    <p:set>
+                                      <p:cBhvr>
+                                        <p:cTn id="34" dur="1" fill="hold">
+                                          <p:stCondLst>
+                                            <p:cond delay="0"/>
+                                          </p:stCondLst>
+                                        </p:cTn>
+                                        <p:tgtEl>
+                                          <p:spTgt spid="14"/>
+                                        </p:tgtEl>
+                                        <p:attrNameLst>
+                                          <p:attrName>style.visibility</p:attrName>
+                                        </p:attrNameLst>
+                                      </p:cBhvr>
+                                      <p:to>
+                                        <p:strVal val="visible"/>
+                                      </p:to>
+                                    </p:set>
+                                  </p:childTnLst>
+                                </p:cTn>
+                              </p:par>
+                            </p:childTnLst>
+                          </p:cTn>
+                        </p:par>
+                      </p:childTnLst>
+                    </p:cTn>
+                  </p:par>
+                </p:childTnLst>
+              </p:cTn>
+              <p:prevCondLst>
+                <p:cond evt="onPrev" delay="0">
+                  <p:tgtEl>
+                    <p:sldTgt/>
+                  </p:tgtEl>
+                </p:cond>
+              </p:prevCondLst>
+              <p:nextCondLst>
+                <p:cond evt="onNext" delay="0">
+                  <p:tgtEl>
+                    <p:sldTgt/>
+                  </p:tgtEl>
+                </p:cond>
+              </p:nextCondLst>
+            </p:seq>
+          </p:childTnLst>
+        </p:cTn>
+      </p:par>
+    </p:tnLst>
+  </p:timing>
+</p:sld>
+</file>
+
+<file path=ppt/slides/slide22.xml><?xml version="1.0" encoding="utf-8"?>
+<p:sld xmlns:a="http://schemas.openxmlformats.org/drawingml/2006/main" xmlns:r="http://schemas.openxmlformats.org/officeDocument/2006/relationships" xmlns:p="http://schemas.openxmlformats.org/presentationml/2006/main">
+  <p:cSld>
+    <p:spTree>
+      <p:nvGrpSpPr>
+        <p:cNvPr id="1" name=""/>
+        <p:cNvGrpSpPr/>
+        <p:nvPr/>
+      </p:nvGrpSpPr>
+      <p:grpSpPr>
+        <a:xfrm>
+          <a:off x="0" y="0"/>
+          <a:ext cx="0" cy="0"/>
+          <a:chOff x="0" y="0"/>
+          <a:chExt cx="0" cy="0"/>
+        </a:xfrm>
+      </p:grpSpPr>
+      <p:sp>
+        <p:nvSpPr>
+          <p:cNvPr id="2" name="Title 1"/>
+          <p:cNvSpPr>
+            <a:spLocks noGrp="1"/>
+          </p:cNvSpPr>
+          <p:nvPr>
+            <p:ph type="title"/>
+          </p:nvPr>
+        </p:nvSpPr>
+        <p:spPr/>
+        <p:txBody>
+          <a:bodyPr/>
+          <a:lstStyle/>
+          <a:p>
+            <a:r>
+              <a:rPr lang="en-US" dirty="0" smtClean="0"/>
+              <a:t>Task Sequence</a:t>
+            </a:r>
+            <a:r>
+              <a:rPr lang="en-US" dirty="0" smtClean="0"/>
+              <a:t/>
+            </a:r>
+            <a:br>
+              <a:rPr lang="en-US" dirty="0" smtClean="0"/>
+            </a:br>
+            <a:r>
+              <a:rPr lang="en-US" sz="2800" dirty="0" smtClean="0"/>
+              <a:t>Adjust Power Plan</a:t>
+            </a:r>
+            <a:endParaRPr lang="en-US" sz="2800" dirty="0"/>
+          </a:p>
+        </p:txBody>
+      </p:sp>
+      <p:sp>
+        <p:nvSpPr>
+          <p:cNvPr id="3" name="Content Placeholder 2"/>
+          <p:cNvSpPr>
+            <a:spLocks noGrp="1"/>
+          </p:cNvSpPr>
+          <p:nvPr>
+            <p:ph idx="1"/>
+          </p:nvPr>
+        </p:nvSpPr>
+        <p:spPr/>
+        <p:txBody>
+          <a:bodyPr>
+            <a:normAutofit/>
+          </a:bodyPr>
+          <a:lstStyle/>
+          <a:p>
+            <a:endParaRPr lang="en-US" dirty="0" smtClean="0"/>
+          </a:p>
+          <a:p>
+            <a:endParaRPr lang="en-US" dirty="0" smtClean="0"/>
+          </a:p>
+        </p:txBody>
+      </p:sp>
+      <p:sp>
+        <p:nvSpPr>
+          <p:cNvPr id="4" name="Content Placeholder 2"/>
+          <p:cNvSpPr txBox="1">
+            <a:spLocks/>
+          </p:cNvSpPr>
+          <p:nvPr/>
+        </p:nvSpPr>
+        <p:spPr>
+          <a:xfrm>
+            <a:off x="838200" y="1825625"/>
+            <a:ext cx="4354724" cy="4351338"/>
+          </a:xfrm>
+          <a:prstGeom prst="rect">
+            <a:avLst/>
+          </a:prstGeom>
+        </p:spPr>
+        <p:txBody>
+          <a:bodyPr vert="horz" lIns="91440" tIns="45720" rIns="91440" bIns="45720" rtlCol="0">
+            <a:normAutofit/>
+          </a:bodyPr>
+          <a:lstStyle>
+            <a:lvl1pPr marL="228600" indent="-228600" algn="l" defTabSz="914400" rtl="0" eaLnBrk="1" latinLnBrk="0" hangingPunct="1">
+              <a:lnSpc>
+                <a:spcPct val="90000"/>
+              </a:lnSpc>
+              <a:spcBef>
+                <a:spcPts val="1000"/>
+              </a:spcBef>
+              <a:buFont typeface="Arial" panose="020B0604020202020204" pitchFamily="34" charset="0"/>
+              <a:buChar char="•"/>
+              <a:defRPr sz="2800" kern="1200">
+                <a:solidFill>
+                  <a:schemeClr val="tx1"/>
+                </a:solidFill>
+                <a:latin typeface="+mn-lt"/>
+                <a:ea typeface="+mn-ea"/>
+                <a:cs typeface="+mn-cs"/>
+              </a:defRPr>
+            </a:lvl1pPr>
+            <a:lvl2pPr marL="685800" indent="-228600" algn="l" defTabSz="914400" rtl="0" eaLnBrk="1" latinLnBrk="0" hangingPunct="1">
+              <a:lnSpc>
+                <a:spcPct val="90000"/>
+              </a:lnSpc>
+              <a:spcBef>
+                <a:spcPts val="500"/>
+              </a:spcBef>
+              <a:buFont typeface="Arial" panose="020B0604020202020204" pitchFamily="34" charset="0"/>
+              <a:buChar char="•"/>
+              <a:defRPr sz="2400" kern="1200">
+                <a:solidFill>
+                  <a:schemeClr val="tx1"/>
+                </a:solidFill>
+                <a:latin typeface="+mn-lt"/>
+                <a:ea typeface="+mn-ea"/>
+                <a:cs typeface="+mn-cs"/>
+              </a:defRPr>
+            </a:lvl2pPr>
+            <a:lvl3pPr marL="1143000" indent="-228600" algn="l" defTabSz="914400" rtl="0" eaLnBrk="1" latinLnBrk="0" hangingPunct="1">
+              <a:lnSpc>
+                <a:spcPct val="90000"/>
+              </a:lnSpc>
+              <a:spcBef>
+                <a:spcPts val="500"/>
+              </a:spcBef>
+              <a:buFont typeface="Arial" panose="020B0604020202020204" pitchFamily="34" charset="0"/>
+              <a:buChar char="•"/>
+              <a:defRPr sz="2000" kern="1200">
+                <a:solidFill>
+                  <a:schemeClr val="tx1"/>
+                </a:solidFill>
+                <a:latin typeface="+mn-lt"/>
+                <a:ea typeface="+mn-ea"/>
+                <a:cs typeface="+mn-cs"/>
+              </a:defRPr>
+            </a:lvl3pPr>
+            <a:lvl4pPr marL="1600200" indent="-228600" algn="l" defTabSz="914400" rtl="0" eaLnBrk="1" latinLnBrk="0" hangingPunct="1">
+              <a:lnSpc>
+                <a:spcPct val="90000"/>
+              </a:lnSpc>
+              <a:spcBef>
+                <a:spcPts val="500"/>
+              </a:spcBef>
+              <a:buFont typeface="Arial" panose="020B0604020202020204" pitchFamily="34" charset="0"/>
+              <a:buChar char="•"/>
+              <a:defRPr sz="1800" kern="1200">
+                <a:solidFill>
+                  <a:schemeClr val="tx1"/>
+                </a:solidFill>
+                <a:latin typeface="+mn-lt"/>
+                <a:ea typeface="+mn-ea"/>
+                <a:cs typeface="+mn-cs"/>
+              </a:defRPr>
+            </a:lvl4pPr>
+            <a:lvl5pPr marL="2057400" indent="-228600" algn="l" defTabSz="914400" rtl="0" eaLnBrk="1" latinLnBrk="0" hangingPunct="1">
+              <a:lnSpc>
+                <a:spcPct val="90000"/>
+              </a:lnSpc>
+              <a:spcBef>
+                <a:spcPts val="500"/>
+              </a:spcBef>
+              <a:buFont typeface="Arial" panose="020B0604020202020204" pitchFamily="34" charset="0"/>
+              <a:buChar char="•"/>
+              <a:defRPr sz="1800" kern="1200">
+                <a:solidFill>
+                  <a:schemeClr val="tx1"/>
+                </a:solidFill>
+                <a:latin typeface="+mn-lt"/>
+                <a:ea typeface="+mn-ea"/>
+                <a:cs typeface="+mn-cs"/>
+              </a:defRPr>
+            </a:lvl5pPr>
+            <a:lvl6pPr marL="2514600" indent="-228600" algn="l" defTabSz="914400" rtl="0" eaLnBrk="1" latinLnBrk="0" hangingPunct="1">
+              <a:lnSpc>
+                <a:spcPct val="90000"/>
+              </a:lnSpc>
+              <a:spcBef>
+                <a:spcPts val="500"/>
+              </a:spcBef>
+              <a:buFont typeface="Arial" panose="020B0604020202020204" pitchFamily="34" charset="0"/>
+              <a:buChar char="•"/>
+              <a:defRPr sz="1800" kern="1200">
+                <a:solidFill>
+                  <a:schemeClr val="tx1"/>
+                </a:solidFill>
+                <a:latin typeface="+mn-lt"/>
+                <a:ea typeface="+mn-ea"/>
+                <a:cs typeface="+mn-cs"/>
+              </a:defRPr>
+            </a:lvl6pPr>
+            <a:lvl7pPr marL="2971800" indent="-228600" algn="l" defTabSz="914400" rtl="0" eaLnBrk="1" latinLnBrk="0" hangingPunct="1">
+              <a:lnSpc>
+                <a:spcPct val="90000"/>
+              </a:lnSpc>
+              <a:spcBef>
+                <a:spcPts val="500"/>
+              </a:spcBef>
+              <a:buFont typeface="Arial" panose="020B0604020202020204" pitchFamily="34" charset="0"/>
+              <a:buChar char="•"/>
+              <a:defRPr sz="1800" kern="1200">
+                <a:solidFill>
+                  <a:schemeClr val="tx1"/>
+                </a:solidFill>
+                <a:latin typeface="+mn-lt"/>
+                <a:ea typeface="+mn-ea"/>
+                <a:cs typeface="+mn-cs"/>
+              </a:defRPr>
+            </a:lvl7pPr>
+            <a:lvl8pPr marL="3429000" indent="-228600" algn="l" defTabSz="914400" rtl="0" eaLnBrk="1" latinLnBrk="0" hangingPunct="1">
+              <a:lnSpc>
+                <a:spcPct val="90000"/>
+              </a:lnSpc>
+              <a:spcBef>
+                <a:spcPts val="500"/>
+              </a:spcBef>
+              <a:buFont typeface="Arial" panose="020B0604020202020204" pitchFamily="34" charset="0"/>
+              <a:buChar char="•"/>
+              <a:defRPr sz="1800" kern="1200">
+                <a:solidFill>
+                  <a:schemeClr val="tx1"/>
+                </a:solidFill>
+                <a:latin typeface="+mn-lt"/>
+                <a:ea typeface="+mn-ea"/>
+                <a:cs typeface="+mn-cs"/>
+              </a:defRPr>
+            </a:lvl8pPr>
+            <a:lvl9pPr marL="3886200" indent="-228600" algn="l" defTabSz="914400" rtl="0" eaLnBrk="1" latinLnBrk="0" hangingPunct="1">
+              <a:lnSpc>
+                <a:spcPct val="90000"/>
+              </a:lnSpc>
+              <a:spcBef>
+                <a:spcPts val="500"/>
+              </a:spcBef>
+              <a:buFont typeface="Arial" panose="020B0604020202020204" pitchFamily="34" charset="0"/>
+              <a:buChar char="•"/>
+              <a:defRPr sz="1800" kern="1200">
+                <a:solidFill>
+                  <a:schemeClr val="tx1"/>
+                </a:solidFill>
+                <a:latin typeface="+mn-lt"/>
+                <a:ea typeface="+mn-ea"/>
+                <a:cs typeface="+mn-cs"/>
+              </a:defRPr>
+            </a:lvl9pPr>
+          </a:lstStyle>
+          <a:p>
+            <a:r>
+              <a:rPr lang="en-US" sz="2400" dirty="0" smtClean="0"/>
+              <a:t>Adjust power plan to reduce deployment time</a:t>
+            </a:r>
+          </a:p>
+          <a:p>
+            <a:pPr lvl="1"/>
+            <a:r>
+              <a:rPr lang="en-US" sz="2000" dirty="0">
+                <a:hlinkClick r:id="rId3"/>
+              </a:rPr>
+              <a:t>https://</a:t>
+            </a:r>
+            <a:r>
+              <a:rPr lang="en-US" sz="2000" dirty="0" smtClean="0">
+                <a:hlinkClick r:id="rId3"/>
+              </a:rPr>
+              <a:t>blogs.technet.microsoft.com/deploymentguys/2015/03/26/reducing-windows-deployment-time-using-power-management</a:t>
+            </a:r>
+            <a:endParaRPr lang="en-US" sz="2000" dirty="0" smtClean="0"/>
+          </a:p>
+          <a:p>
+            <a:r>
+              <a:rPr lang="en-US" sz="2400" dirty="0"/>
+              <a:t>PowerCfg.exe /s </a:t>
+            </a:r>
+            <a:r>
+              <a:rPr lang="en-US" sz="2400" dirty="0" smtClean="0"/>
+              <a:t>8c5e7fda-e8bf-4a96-9a85-a6e23a8c635c</a:t>
+            </a:r>
+          </a:p>
+          <a:p>
+            <a:endParaRPr lang="en-US" dirty="0" smtClean="0"/>
+          </a:p>
+          <a:p>
+            <a:endParaRPr lang="en-US" dirty="0" smtClean="0"/>
+          </a:p>
+          <a:p>
+            <a:endParaRPr lang="en-US" dirty="0" smtClean="0"/>
+          </a:p>
+          <a:p>
+            <a:endParaRPr lang="en-US" dirty="0" smtClean="0"/>
+          </a:p>
+        </p:txBody>
+      </p:sp>
+      <p:pic>
+        <p:nvPicPr>
+          <p:cNvPr id="7" name="Picture 6"/>
+          <p:cNvPicPr>
+            <a:picLocks noChangeAspect="1"/>
+          </p:cNvPicPr>
+          <p:nvPr/>
+        </p:nvPicPr>
+        <p:blipFill>
+          <a:blip r:embed="rId4"/>
+          <a:stretch>
+            <a:fillRect/>
+          </a:stretch>
+        </p:blipFill>
+        <p:spPr>
+          <a:xfrm>
+            <a:off x="5192924" y="402703"/>
+            <a:ext cx="6866667" cy="6190476"/>
+          </a:xfrm>
+          <a:prstGeom prst="rect">
+            <a:avLst/>
+          </a:prstGeom>
+        </p:spPr>
+      </p:pic>
+    </p:spTree>
+    <p:extLst>
+      <p:ext uri="{BB962C8B-B14F-4D97-AF65-F5344CB8AC3E}">
+        <p14:creationId xmlns:p14="http://schemas.microsoft.com/office/powerpoint/2010/main" val="1001015988"/>
+      </p:ext>
+    </p:extLst>
+  </p:cSld>
+  <p:clrMapOvr>
+    <a:masterClrMapping/>
+  </p:clrMapOvr>
+  <p:timing>
+    <p:tnLst>
+      <p:par>
+        <p:cTn id="1" dur="indefinite" restart="never" nodeType="tmRoot"/>
+      </p:par>
+    </p:tnLst>
+  </p:timing>
+</p:sld>
+</file>
+
+<file path=ppt/slides/slide23.xml><?xml version="1.0" encoding="utf-8"?>
+<p:sld xmlns:a="http://schemas.openxmlformats.org/drawingml/2006/main" xmlns:r="http://schemas.openxmlformats.org/officeDocument/2006/relationships" xmlns:p="http://schemas.openxmlformats.org/presentationml/2006/main">
+  <p:cSld>
+    <p:spTree>
+      <p:nvGrpSpPr>
+        <p:cNvPr id="1" name=""/>
+        <p:cNvGrpSpPr/>
+        <p:nvPr/>
+      </p:nvGrpSpPr>
+      <p:grpSpPr>
+        <a:xfrm>
+          <a:off x="0" y="0"/>
+          <a:ext cx="0" cy="0"/>
+          <a:chOff x="0" y="0"/>
+          <a:chExt cx="0" cy="0"/>
+        </a:xfrm>
+      </p:grpSpPr>
+      <p:sp>
+        <p:nvSpPr>
+          <p:cNvPr id="2" name="Title 1"/>
+          <p:cNvSpPr>
+            <a:spLocks noGrp="1"/>
+          </p:cNvSpPr>
+          <p:nvPr>
+            <p:ph type="title"/>
+          </p:nvPr>
+        </p:nvSpPr>
+        <p:spPr/>
+        <p:txBody>
+          <a:bodyPr/>
+          <a:lstStyle/>
+          <a:p>
+            <a:r>
+              <a:rPr lang="en-US" dirty="0" smtClean="0"/>
+              <a:t>Task Sequence</a:t>
+            </a:r>
+            <a:r>
+              <a:rPr lang="en-US" dirty="0" smtClean="0"/>
+              <a:t/>
+            </a:r>
+            <a:br>
+              <a:rPr lang="en-US" dirty="0" smtClean="0"/>
+            </a:br>
+            <a:r>
+              <a:rPr lang="en-US" sz="2800" dirty="0"/>
+              <a:t>Configure - Enable RDP</a:t>
+            </a:r>
+          </a:p>
+        </p:txBody>
+      </p:sp>
+      <p:sp>
+        <p:nvSpPr>
+          <p:cNvPr id="3" name="Content Placeholder 2"/>
+          <p:cNvSpPr>
+            <a:spLocks noGrp="1"/>
+          </p:cNvSpPr>
+          <p:nvPr>
+            <p:ph idx="1"/>
+          </p:nvPr>
+        </p:nvSpPr>
+        <p:spPr/>
+        <p:txBody>
+          <a:bodyPr>
+            <a:normAutofit/>
+          </a:bodyPr>
+          <a:lstStyle/>
+          <a:p>
+            <a:r>
+              <a:rPr lang="en-US" dirty="0" smtClean="0"/>
+              <a:t>Add Application</a:t>
+            </a:r>
+          </a:p>
+          <a:p>
+            <a:r>
+              <a:rPr lang="en-US" dirty="0"/>
+              <a:t>Configure - Enable RDP</a:t>
+            </a:r>
+            <a:endParaRPr lang="en-US" dirty="0" smtClean="0"/>
+          </a:p>
+          <a:p>
+            <a:r>
+              <a:rPr lang="en-US" dirty="0" smtClean="0"/>
+              <a:t>PowerShell Script</a:t>
+            </a:r>
+          </a:p>
+          <a:p>
+            <a:pPr lvl="1"/>
+            <a:r>
+              <a:rPr lang="en-US" sz="1800" dirty="0"/>
+              <a:t>$</a:t>
+            </a:r>
+            <a:r>
+              <a:rPr lang="en-US" sz="1800" dirty="0" err="1"/>
+              <a:t>rdp</a:t>
+            </a:r>
+            <a:r>
+              <a:rPr lang="en-US" sz="1800" dirty="0"/>
+              <a:t> = Get-</a:t>
+            </a:r>
+            <a:r>
+              <a:rPr lang="en-US" sz="1800" dirty="0" err="1"/>
+              <a:t>WmiObject</a:t>
+            </a:r>
+            <a:r>
+              <a:rPr lang="en-US" sz="1800" dirty="0"/>
+              <a:t> -Class Win32_TerminalServiceSetting -Namespace root\CIMV2\</a:t>
+            </a:r>
+            <a:r>
+              <a:rPr lang="en-US" sz="1800" dirty="0" err="1"/>
+              <a:t>TerminalServices</a:t>
+            </a:r>
+            <a:r>
+              <a:rPr lang="en-US" sz="1800" dirty="0"/>
+              <a:t> -Authentication </a:t>
+            </a:r>
+            <a:r>
+              <a:rPr lang="en-US" sz="1800" dirty="0" err="1"/>
+              <a:t>PacketPrivacy</a:t>
+            </a:r>
+            <a:endParaRPr lang="en-US" sz="1800" dirty="0"/>
+          </a:p>
+          <a:p>
+            <a:pPr lvl="1"/>
+            <a:r>
+              <a:rPr lang="en-US" sz="1800" dirty="0"/>
+              <a:t>$</a:t>
+            </a:r>
+            <a:r>
+              <a:rPr lang="en-US" sz="1800" dirty="0" err="1"/>
+              <a:t>tmp_rdp</a:t>
+            </a:r>
+            <a:r>
+              <a:rPr lang="en-US" sz="1800" dirty="0"/>
+              <a:t> = $</a:t>
+            </a:r>
+            <a:r>
+              <a:rPr lang="en-US" sz="1800" dirty="0" err="1"/>
+              <a:t>rdp.SetAllowTSConnections</a:t>
+            </a:r>
+            <a:r>
+              <a:rPr lang="en-US" sz="1800" dirty="0"/>
+              <a:t>(1,1) #first parameter </a:t>
+            </a:r>
+            <a:r>
+              <a:rPr lang="en-US" sz="1800" dirty="0" err="1"/>
+              <a:t>rdp</a:t>
+            </a:r>
+            <a:r>
+              <a:rPr lang="en-US" sz="1800" dirty="0"/>
+              <a:t> enable, second parameter firewall ports </a:t>
+            </a:r>
+            <a:r>
+              <a:rPr lang="en-US" sz="1800" dirty="0" err="1"/>
+              <a:t>config</a:t>
+            </a:r>
+            <a:endParaRPr lang="en-US" sz="1800" dirty="0"/>
+          </a:p>
+          <a:p>
+            <a:pPr lvl="1"/>
+            <a:endParaRPr lang="en-US" dirty="0" smtClean="0"/>
+          </a:p>
+        </p:txBody>
+      </p:sp>
+    </p:spTree>
+    <p:extLst>
+      <p:ext uri="{BB962C8B-B14F-4D97-AF65-F5344CB8AC3E}">
+        <p14:creationId xmlns:p14="http://schemas.microsoft.com/office/powerpoint/2010/main" val="3700688511"/>
+      </p:ext>
+    </p:extLst>
+  </p:cSld>
+  <p:clrMapOvr>
+    <a:masterClrMapping/>
+  </p:clrMapOvr>
+  <p:timing>
+    <p:tnLst>
+      <p:par>
+        <p:cTn id="1" dur="indefinite" restart="never" nodeType="tmRoot"/>
+      </p:par>
+    </p:tnLst>
+  </p:timing>
+</p:sld>
+</file>
+
+<file path=ppt/slides/slide24.xml><?xml version="1.0" encoding="utf-8"?>
+<p:sld xmlns:a="http://schemas.openxmlformats.org/drawingml/2006/main" xmlns:r="http://schemas.openxmlformats.org/officeDocument/2006/relationships" xmlns:p="http://schemas.openxmlformats.org/presentationml/2006/main">
+  <p:cSld>
+    <p:spTree>
+      <p:nvGrpSpPr>
+        <p:cNvPr id="1" name=""/>
+        <p:cNvGrpSpPr/>
+        <p:nvPr/>
+      </p:nvGrpSpPr>
+      <p:grpSpPr>
+        <a:xfrm>
+          <a:off x="0" y="0"/>
+          <a:ext cx="0" cy="0"/>
+          <a:chOff x="0" y="0"/>
+          <a:chExt cx="0" cy="0"/>
+        </a:xfrm>
+      </p:grpSpPr>
+      <p:sp>
+        <p:nvSpPr>
+          <p:cNvPr id="2" name="Title 1"/>
+          <p:cNvSpPr>
+            <a:spLocks noGrp="1"/>
+          </p:cNvSpPr>
+          <p:nvPr>
+            <p:ph type="title"/>
+          </p:nvPr>
+        </p:nvSpPr>
+        <p:spPr>
+          <a:xfrm>
+            <a:off x="838200" y="365125"/>
+            <a:ext cx="10515600" cy="5461934"/>
+          </a:xfrm>
+        </p:spPr>
+        <p:txBody>
+          <a:bodyPr>
+            <a:normAutofit/>
+          </a:bodyPr>
+          <a:lstStyle/>
+          <a:p>
+            <a:pPr algn="ctr"/>
+            <a:r>
+              <a:rPr lang="en-US" sz="16600" dirty="0" smtClean="0"/>
+              <a:t>Demo</a:t>
+            </a:r>
+            <a:endParaRPr lang="en-US" sz="16600" dirty="0"/>
+          </a:p>
+        </p:txBody>
+      </p:sp>
+    </p:spTree>
+    <p:extLst>
+      <p:ext uri="{BB962C8B-B14F-4D97-AF65-F5344CB8AC3E}">
+        <p14:creationId xmlns:p14="http://schemas.microsoft.com/office/powerpoint/2010/main" val="2125388724"/>
+      </p:ext>
+    </p:extLst>
+  </p:cSld>
+  <p:clrMapOvr>
+    <a:masterClrMapping/>
+  </p:clrMapOvr>
+  <p:timing>
+    <p:tnLst>
+      <p:par>
+        <p:cTn id="1" dur="indefinite" restart="never" nodeType="tmRoot"/>
+      </p:par>
+    </p:tnLst>
+  </p:timing>
+</p:sld>
+</file>
+
+<file path=ppt/slides/slide25.xml><?xml version="1.0" encoding="utf-8"?>
+<p:sld xmlns:a="http://schemas.openxmlformats.org/drawingml/2006/main" xmlns:r="http://schemas.openxmlformats.org/officeDocument/2006/relationships" xmlns:p="http://schemas.openxmlformats.org/presentationml/2006/main">
+  <p:cSld>
+    <p:spTree>
+      <p:nvGrpSpPr>
+        <p:cNvPr id="1" name=""/>
+        <p:cNvGrpSpPr/>
+        <p:nvPr/>
+      </p:nvGrpSpPr>
+      <p:grpSpPr>
+        <a:xfrm>
+          <a:off x="0" y="0"/>
+          <a:ext cx="0" cy="0"/>
+          <a:chOff x="0" y="0"/>
+          <a:chExt cx="0" cy="0"/>
+        </a:xfrm>
+      </p:grpSpPr>
+      <p:sp>
+        <p:nvSpPr>
+          <p:cNvPr id="2" name="Title 1"/>
+          <p:cNvSpPr>
+            <a:spLocks noGrp="1"/>
+          </p:cNvSpPr>
+          <p:nvPr>
+            <p:ph type="title"/>
+          </p:nvPr>
+        </p:nvSpPr>
+        <p:spPr>
+          <a:xfrm>
+            <a:off x="838200" y="365125"/>
+            <a:ext cx="10515600" cy="1000211"/>
+          </a:xfrm>
+        </p:spPr>
+        <p:txBody>
+          <a:bodyPr>
+            <a:normAutofit/>
+          </a:bodyPr>
+          <a:lstStyle/>
+          <a:p>
+            <a:r>
+              <a:rPr lang="en-US" dirty="0" smtClean="0"/>
+              <a:t>Helpful Info</a:t>
+            </a:r>
+            <a:endParaRPr lang="en-US" sz="4800" dirty="0"/>
+          </a:p>
+        </p:txBody>
+      </p:sp>
+      <p:sp>
+        <p:nvSpPr>
+          <p:cNvPr id="3" name="Content Placeholder 2"/>
+          <p:cNvSpPr>
+            <a:spLocks noGrp="1"/>
+          </p:cNvSpPr>
+          <p:nvPr>
+            <p:ph idx="1"/>
+          </p:nvPr>
+        </p:nvSpPr>
+        <p:spPr>
+          <a:xfrm>
+            <a:off x="838200" y="1365336"/>
+            <a:ext cx="10515600" cy="5198301"/>
+          </a:xfrm>
+        </p:spPr>
+        <p:txBody>
+          <a:bodyPr/>
+          <a:lstStyle/>
+          <a:p>
+            <a:r>
+              <a:rPr lang="en-US" dirty="0" smtClean="0"/>
+              <a:t>Deployment Research</a:t>
+            </a:r>
+          </a:p>
+          <a:p>
+            <a:pPr lvl="1"/>
+            <a:r>
+              <a:rPr lang="en-US" dirty="0"/>
+              <a:t>Building a Windows 10 v1809 reference image using Microsoft Deployment Toolkit (MDT</a:t>
+            </a:r>
+            <a:r>
+              <a:rPr lang="en-US" dirty="0" smtClean="0"/>
+              <a:t>)</a:t>
+            </a:r>
+          </a:p>
+          <a:p>
+            <a:pPr lvl="2"/>
+            <a:r>
+              <a:rPr lang="en-US" dirty="0">
+                <a:hlinkClick r:id="rId2"/>
+              </a:rPr>
+              <a:t>https://</a:t>
+            </a:r>
+            <a:r>
+              <a:rPr lang="en-US" dirty="0" smtClean="0">
+                <a:hlinkClick r:id="rId2"/>
+              </a:rPr>
+              <a:t>deploymentresearch.com/Research/Post/1676/Building-a-Windows-10-v1809-reference-image-using-Microsoft-Deployment-Toolkit-MDT</a:t>
+            </a:r>
+            <a:endParaRPr lang="en-US" dirty="0" smtClean="0"/>
+          </a:p>
+          <a:p>
+            <a:pPr lvl="1"/>
+            <a:r>
+              <a:rPr lang="en-US" dirty="0" smtClean="0"/>
+              <a:t>Building </a:t>
+            </a:r>
+            <a:r>
+              <a:rPr lang="en-US" dirty="0"/>
+              <a:t>a Windows 10 v1709 reference image using </a:t>
+            </a:r>
+            <a:r>
+              <a:rPr lang="en-US" dirty="0" smtClean="0"/>
+              <a:t>MDT</a:t>
+            </a:r>
+          </a:p>
+          <a:p>
+            <a:pPr lvl="2"/>
+            <a:r>
+              <a:rPr lang="en-US" dirty="0">
+                <a:hlinkClick r:id="rId3"/>
+              </a:rPr>
+              <a:t>https://</a:t>
+            </a:r>
+            <a:r>
+              <a:rPr lang="en-US" dirty="0" smtClean="0">
+                <a:hlinkClick r:id="rId3"/>
+              </a:rPr>
+              <a:t>deploymentresearch.com/Research/Post/654/Building-a-Windows-10-v1709-reference-image-using-MDT</a:t>
+            </a:r>
+            <a:endParaRPr lang="en-US" dirty="0" smtClean="0"/>
+          </a:p>
+          <a:p>
+            <a:pPr lvl="1"/>
+            <a:r>
+              <a:rPr lang="en-US" dirty="0"/>
+              <a:t>Building the perfect Windows Server 2016 reference </a:t>
+            </a:r>
+            <a:r>
+              <a:rPr lang="en-US" dirty="0" smtClean="0"/>
+              <a:t>image</a:t>
+            </a:r>
+          </a:p>
+          <a:p>
+            <a:pPr lvl="2"/>
+            <a:r>
+              <a:rPr lang="en-US" dirty="0">
+                <a:hlinkClick r:id="rId4"/>
+              </a:rPr>
+              <a:t>https://</a:t>
+            </a:r>
+            <a:r>
+              <a:rPr lang="en-US" dirty="0" smtClean="0">
+                <a:hlinkClick r:id="rId4"/>
+              </a:rPr>
+              <a:t>deploymentresearch.com/Research/Post/578/Building-the-perfect-Windows-Server-2016-reference-image</a:t>
+            </a:r>
+            <a:endParaRPr lang="en-US" dirty="0" smtClean="0"/>
+          </a:p>
+          <a:p>
+            <a:pPr lvl="1"/>
+            <a:r>
+              <a:rPr lang="en-US" dirty="0"/>
+              <a:t>Back to Basics - Building a Windows 7 SP1 Reference Image using MDT 2013 Update </a:t>
+            </a:r>
+            <a:r>
+              <a:rPr lang="en-US" dirty="0" smtClean="0"/>
+              <a:t>2</a:t>
+            </a:r>
+          </a:p>
+          <a:p>
+            <a:pPr lvl="2"/>
+            <a:r>
+              <a:rPr lang="en-US" dirty="0">
+                <a:hlinkClick r:id="rId5"/>
+              </a:rPr>
+              <a:t>https://</a:t>
+            </a:r>
+            <a:r>
+              <a:rPr lang="en-US" dirty="0" smtClean="0">
+                <a:hlinkClick r:id="rId5"/>
+              </a:rPr>
+              <a:t>deploymentresearch.com/Research/Post/521/Back-to-Basics-Building-a-Windows-7-SP1-Reference-Image-using-MDT-2013-Update-2</a:t>
+            </a:r>
+            <a:endParaRPr lang="en-US" dirty="0" smtClean="0"/>
+          </a:p>
+          <a:p>
+            <a:pPr lvl="1"/>
+            <a:endParaRPr lang="en-US" dirty="0"/>
+          </a:p>
+        </p:txBody>
+      </p:sp>
+    </p:spTree>
+    <p:extLst>
+      <p:ext uri="{BB962C8B-B14F-4D97-AF65-F5344CB8AC3E}">
+        <p14:creationId xmlns:p14="http://schemas.microsoft.com/office/powerpoint/2010/main" val="523525067"/>
+      </p:ext>
+    </p:extLst>
+  </p:cSld>
+  <p:clrMapOvr>
+    <a:masterClrMapping/>
+  </p:clrMapOvr>
+  <p:timing>
+    <p:tnLst>
+      <p:par>
+        <p:cTn id="1" dur="indefinite" restart="never" nodeType="tmRoot"/>
+      </p:par>
+    </p:tnLst>
+  </p:timing>
+</p:sld>
+</file>
+
+<file path=ppt/slides/slide26.xml><?xml version="1.0" encoding="utf-8"?>
+<p:sld xmlns:a="http://schemas.openxmlformats.org/drawingml/2006/main" xmlns:r="http://schemas.openxmlformats.org/officeDocument/2006/relationships" xmlns:p="http://schemas.openxmlformats.org/presentationml/2006/main">
+  <p:cSld>
+    <p:spTree>
+      <p:nvGrpSpPr>
+        <p:cNvPr id="1" name=""/>
+        <p:cNvGrpSpPr/>
+        <p:nvPr/>
+      </p:nvGrpSpPr>
+      <p:grpSpPr>
+        <a:xfrm>
+          <a:off x="0" y="0"/>
+          <a:ext cx="0" cy="0"/>
+          <a:chOff x="0" y="0"/>
+          <a:chExt cx="0" cy="0"/>
+        </a:xfrm>
+      </p:grpSpPr>
+      <p:sp>
+        <p:nvSpPr>
+          <p:cNvPr id="2" name="Title 1"/>
+          <p:cNvSpPr>
+            <a:spLocks noGrp="1"/>
+          </p:cNvSpPr>
+          <p:nvPr>
+            <p:ph type="title"/>
+          </p:nvPr>
+        </p:nvSpPr>
+        <p:spPr>
+          <a:xfrm>
+            <a:off x="838200" y="365125"/>
+            <a:ext cx="10515600" cy="5641228"/>
+          </a:xfrm>
+        </p:spPr>
+        <p:txBody>
+          <a:bodyPr>
+            <a:normAutofit/>
+          </a:bodyPr>
+          <a:lstStyle/>
+          <a:p>
+            <a:pPr algn="ctr"/>
+            <a:r>
+              <a:rPr lang="en-US" sz="13800" dirty="0" smtClean="0"/>
+              <a:t>Questions</a:t>
+            </a:r>
+            <a:endParaRPr lang="en-US" sz="13800" dirty="0"/>
+          </a:p>
+        </p:txBody>
+      </p:sp>
+    </p:spTree>
+    <p:extLst>
+      <p:ext uri="{BB962C8B-B14F-4D97-AF65-F5344CB8AC3E}">
+        <p14:creationId xmlns:p14="http://schemas.microsoft.com/office/powerpoint/2010/main" val="3010964313"/>
+      </p:ext>
+    </p:extLst>
+  </p:cSld>
+  <p:clrMapOvr>
+    <a:masterClrMapping/>
+  </p:clrMapOvr>
+  <p:timing>
+    <p:tnLst>
+      <p:par>
+        <p:cTn id="1" dur="indefinite" restart="never" nodeType="tmRoot"/>
+      </p:par>
+    </p:tnLst>
+  </p:timing>
+</p:sld>
+</file>
+
+<file path=ppt/slides/slide27.xml><?xml version="1.0" encoding="utf-8"?>
+<p:sld xmlns:a="http://schemas.openxmlformats.org/drawingml/2006/main" xmlns:r="http://schemas.openxmlformats.org/officeDocument/2006/relationships" xmlns:p="http://schemas.openxmlformats.org/presentationml/2006/main">
+  <p:cSld>
+    <p:spTree>
+      <p:nvGrpSpPr>
+        <p:cNvPr id="1" name=""/>
+        <p:cNvGrpSpPr/>
+        <p:nvPr/>
+      </p:nvGrpSpPr>
+      <p:grpSpPr>
+        <a:xfrm>
+          <a:off x="0" y="0"/>
+          <a:ext cx="0" cy="0"/>
+          <a:chOff x="0" y="0"/>
+          <a:chExt cx="0" cy="0"/>
+        </a:xfrm>
+      </p:grpSpPr>
+      <p:sp>
+        <p:nvSpPr>
+          <p:cNvPr id="2" name="Title 1"/>
+          <p:cNvSpPr>
+            <a:spLocks noGrp="1"/>
+          </p:cNvSpPr>
+          <p:nvPr>
+            <p:ph type="title"/>
+          </p:nvPr>
+        </p:nvSpPr>
+        <p:spPr>
+          <a:xfrm>
+            <a:off x="838200" y="365125"/>
+            <a:ext cx="10515600" cy="5730875"/>
+          </a:xfrm>
+        </p:spPr>
+        <p:txBody>
+          <a:bodyPr/>
+          <a:lstStyle/>
+          <a:p>
+            <a:pPr algn="ctr"/>
+            <a:r>
+              <a:rPr lang="en-US" sz="13800" dirty="0" smtClean="0"/>
+              <a:t>Break</a:t>
+            </a:r>
+            <a:br>
+              <a:rPr lang="en-US" sz="13800" dirty="0" smtClean="0"/>
+            </a:br>
+            <a:r>
+              <a:rPr lang="en-US" sz="3200" dirty="0" smtClean="0"/>
+              <a:t>10 Minutes</a:t>
+            </a:r>
+            <a:endParaRPr lang="en-US" dirty="0"/>
+          </a:p>
+        </p:txBody>
+      </p:sp>
+    </p:spTree>
+    <p:extLst>
+      <p:ext uri="{BB962C8B-B14F-4D97-AF65-F5344CB8AC3E}">
+        <p14:creationId xmlns:p14="http://schemas.microsoft.com/office/powerpoint/2010/main" val="3913060118"/>
       </p:ext>
     </p:extLst>
   </p:cSld>
@@ -4568,11 +9465,7 @@
           <a:p>
             <a:r>
               <a:rPr lang="en-US" dirty="0" smtClean="0"/>
-              <a:t>Create MSP file by running setup.exe /</a:t>
-            </a:r>
-            <a:r>
-              <a:rPr lang="en-US" dirty="0" smtClean="0"/>
-              <a:t>admin</a:t>
+              <a:t>Create MSP file by running setup.exe /admin</a:t>
             </a:r>
           </a:p>
           <a:p>
@@ -4637,8 +9530,8 @@
         </p:blipFill>
         <p:spPr>
           <a:xfrm>
-            <a:off x="3358752" y="1322470"/>
-            <a:ext cx="6181045" cy="5159385"/>
+            <a:off x="3375002" y="1334997"/>
+            <a:ext cx="6222857" cy="5194286"/>
           </a:xfrm>
           <a:prstGeom prst="rect">
             <a:avLst/>
@@ -4691,8 +9584,8 @@
         </p:blipFill>
         <p:spPr>
           <a:xfrm>
-            <a:off x="3388769" y="1322470"/>
-            <a:ext cx="6121011" cy="5109274"/>
+            <a:off x="3375002" y="1334997"/>
+            <a:ext cx="6222857" cy="5194286"/>
           </a:xfrm>
           <a:prstGeom prst="rect">
             <a:avLst/>
@@ -4715,8 +9608,8 @@
         </p:blipFill>
         <p:spPr>
           <a:xfrm>
-            <a:off x="3388768" y="1322470"/>
-            <a:ext cx="6121012" cy="5109275"/>
+            <a:off x="3375002" y="1334997"/>
+            <a:ext cx="6222857" cy="5194286"/>
           </a:xfrm>
           <a:prstGeom prst="rect">
             <a:avLst/>
@@ -4739,8 +9632,8 @@
         </p:blipFill>
         <p:spPr>
           <a:xfrm>
-            <a:off x="3381265" y="1322470"/>
-            <a:ext cx="6136019" cy="5121801"/>
+            <a:off x="3375002" y="1334997"/>
+            <a:ext cx="6222857" cy="5194286"/>
           </a:xfrm>
           <a:prstGeom prst="rect">
             <a:avLst/>
@@ -4763,8 +9656,8 @@
         </p:blipFill>
         <p:spPr>
           <a:xfrm>
-            <a:off x="3373762" y="1322470"/>
-            <a:ext cx="6151025" cy="5134327"/>
+            <a:off x="3375002" y="1334997"/>
+            <a:ext cx="6222857" cy="5194286"/>
           </a:xfrm>
           <a:prstGeom prst="rect">
             <a:avLst/>
@@ -4787,8 +9680,8 @@
         </p:blipFill>
         <p:spPr>
           <a:xfrm>
-            <a:off x="3361234" y="1322469"/>
-            <a:ext cx="6181045" cy="5159385"/>
+            <a:off x="3375002" y="1334997"/>
+            <a:ext cx="6222857" cy="5194286"/>
           </a:xfrm>
           <a:prstGeom prst="rect">
             <a:avLst/>
@@ -5235,11 +10128,7 @@
             </a:br>
             <a:r>
               <a:rPr lang="en-US" sz="2800" dirty="0" smtClean="0"/>
-              <a:t>Visual C++ </a:t>
-            </a:r>
-            <a:r>
-              <a:rPr lang="en-US" sz="2800" dirty="0" smtClean="0"/>
-              <a:t>runtimes</a:t>
+              <a:t>Visual C++ runtimes</a:t>
             </a:r>
             <a:endParaRPr lang="en-US" sz="4000" dirty="0"/>
           </a:p>
@@ -5262,11 +10151,7 @@
           <a:p>
             <a:r>
               <a:rPr lang="en-US" dirty="0" smtClean="0"/>
-              <a:t>C++ runtimes ar</a:t>
-            </a:r>
-            <a:r>
-              <a:rPr lang="en-US" dirty="0" smtClean="0"/>
-              <a:t>e used by a lot of applications</a:t>
+              <a:t>C++ runtimes are used by a lot of applications</a:t>
             </a:r>
           </a:p>
           <a:p>
@@ -5284,9 +10169,21 @@
           <a:p>
             <a:r>
               <a:rPr lang="en-US" dirty="0"/>
-              <a:t>Visual C++ runtimes install wrapper: https://github.com/DeploymentResearch/DRFiles/blob/master/Scripts/Install-MicrosoftVisualC%2B%2Bx86x64.wsf</a:t>
-            </a:r>
-            <a:endParaRPr lang="en-US" dirty="0"/>
+              <a:t>Visual C++ runtimes install wrapper: </a:t>
+            </a:r>
+            <a:r>
+              <a:rPr lang="en-US" sz="2400" dirty="0">
+                <a:hlinkClick r:id="rId3"/>
+              </a:rPr>
+              <a:t>https://</a:t>
+            </a:r>
+            <a:r>
+              <a:rPr lang="en-US" sz="2400" dirty="0" smtClean="0">
+                <a:hlinkClick r:id="rId3"/>
+              </a:rPr>
+              <a:t>github.com/DeploymentResearch/DRFiles/blob/master/Scripts/Install-MicrosoftVisualC%2B%2Bx86x64.wsf</a:t>
+            </a:r>
+            <a:endParaRPr lang="en-US" sz="2400" dirty="0" smtClean="0"/>
           </a:p>
         </p:txBody>
       </p:sp>
@@ -5423,6 +10320,19 @@
             </a:r>
           </a:p>
           <a:p>
+            <a:r>
+              <a:rPr lang="en-US" dirty="0" smtClean="0"/>
+              <a:t>IE </a:t>
+            </a:r>
+            <a:r>
+              <a:rPr lang="en-US" dirty="0"/>
+              <a:t>Short Cut</a:t>
+            </a:r>
+          </a:p>
+          <a:p>
+            <a:endParaRPr lang="en-US" dirty="0" smtClean="0"/>
+          </a:p>
+          <a:p>
             <a:endParaRPr lang="en-US" dirty="0"/>
           </a:p>
         </p:txBody>
@@ -5502,10 +10412,46 @@
           <a:bodyPr/>
           <a:lstStyle/>
           <a:p>
-            <a:endParaRPr lang="en-US"/>
-          </a:p>
-        </p:txBody>
-      </p:sp>
+            <a:r>
+              <a:rPr lang="en-US" dirty="0" smtClean="0"/>
+              <a:t>Download Windows 10 ISO from Microsoft VLSC</a:t>
+            </a:r>
+          </a:p>
+          <a:p>
+            <a:r>
+              <a:rPr lang="en-US" dirty="0" smtClean="0"/>
+              <a:t>Create folders for each OS</a:t>
+            </a:r>
+          </a:p>
+          <a:p>
+            <a:endParaRPr lang="en-US" dirty="0"/>
+          </a:p>
+        </p:txBody>
+      </p:sp>
+      <p:pic>
+        <p:nvPicPr>
+          <p:cNvPr id="4" name="Picture 3"/>
+          <p:cNvPicPr>
+            <a:picLocks noChangeAspect="1"/>
+          </p:cNvPicPr>
+          <p:nvPr/>
+        </p:nvPicPr>
+        <p:blipFill>
+          <a:blip r:embed="rId2"/>
+          <a:stretch>
+            <a:fillRect/>
+          </a:stretch>
+        </p:blipFill>
+        <p:spPr>
+          <a:xfrm>
+            <a:off x="3689161" y="3008171"/>
+            <a:ext cx="4813678" cy="2941692"/>
+          </a:xfrm>
+          <a:prstGeom prst="rect">
+            <a:avLst/>
+          </a:prstGeom>
+        </p:spPr>
+      </p:pic>
     </p:spTree>
     <p:extLst>
       <p:ext uri="{BB962C8B-B14F-4D97-AF65-F5344CB8AC3E}">

--- a/Part_01/Section02.pptx
+++ b/Part_01/Section02.pptx
@@ -5,7 +5,7 @@
     <p:sldMasterId id="2147483648" r:id="rId1"/>
   </p:sldMasterIdLst>
   <p:notesMasterIdLst>
-    <p:notesMasterId r:id="rId29"/>
+    <p:notesMasterId r:id="rId32"/>
   </p:notesMasterIdLst>
   <p:sldIdLst>
     <p:sldId id="256" r:id="rId2"/>
@@ -26,15 +26,18 @@
     <p:sldId id="267" r:id="rId17"/>
     <p:sldId id="276" r:id="rId18"/>
     <p:sldId id="277" r:id="rId19"/>
-    <p:sldId id="278" r:id="rId20"/>
-    <p:sldId id="279" r:id="rId21"/>
-    <p:sldId id="280" r:id="rId22"/>
-    <p:sldId id="281" r:id="rId23"/>
-    <p:sldId id="282" r:id="rId24"/>
-    <p:sldId id="259" r:id="rId25"/>
-    <p:sldId id="275" r:id="rId26"/>
-    <p:sldId id="260" r:id="rId27"/>
-    <p:sldId id="261" r:id="rId28"/>
+    <p:sldId id="285" r:id="rId20"/>
+    <p:sldId id="278" r:id="rId21"/>
+    <p:sldId id="279" r:id="rId22"/>
+    <p:sldId id="280" r:id="rId23"/>
+    <p:sldId id="281" r:id="rId24"/>
+    <p:sldId id="283" r:id="rId25"/>
+    <p:sldId id="282" r:id="rId26"/>
+    <p:sldId id="284" r:id="rId27"/>
+    <p:sldId id="259" r:id="rId28"/>
+    <p:sldId id="275" r:id="rId29"/>
+    <p:sldId id="260" r:id="rId30"/>
+    <p:sldId id="261" r:id="rId31"/>
   </p:sldIdLst>
   <p:sldSz cx="12192000" cy="6858000"/>
   <p:notesSz cx="6858000" cy="9144000"/>
@@ -700,6 +703,207 @@
 </p:notes>
 </file>
 
+<file path=ppt/notesSlides/notesSlide10.xml><?xml version="1.0" encoding="utf-8"?>
+<p:notes xmlns:a="http://schemas.openxmlformats.org/drawingml/2006/main" xmlns:r="http://schemas.openxmlformats.org/officeDocument/2006/relationships" xmlns:p="http://schemas.openxmlformats.org/presentationml/2006/main">
+  <p:cSld>
+    <p:spTree>
+      <p:nvGrpSpPr>
+        <p:cNvPr id="1" name=""/>
+        <p:cNvGrpSpPr/>
+        <p:nvPr/>
+      </p:nvGrpSpPr>
+      <p:grpSpPr>
+        <a:xfrm>
+          <a:off x="0" y="0"/>
+          <a:ext cx="0" cy="0"/>
+          <a:chOff x="0" y="0"/>
+          <a:chExt cx="0" cy="0"/>
+        </a:xfrm>
+      </p:grpSpPr>
+      <p:sp>
+        <p:nvSpPr>
+          <p:cNvPr id="2" name="Slide Image Placeholder 1"/>
+          <p:cNvSpPr>
+            <a:spLocks noGrp="1" noRot="1" noChangeAspect="1"/>
+          </p:cNvSpPr>
+          <p:nvPr>
+            <p:ph type="sldImg"/>
+          </p:nvPr>
+        </p:nvSpPr>
+        <p:spPr/>
+      </p:sp>
+      <p:sp>
+        <p:nvSpPr>
+          <p:cNvPr id="3" name="Notes Placeholder 2"/>
+          <p:cNvSpPr>
+            <a:spLocks noGrp="1"/>
+          </p:cNvSpPr>
+          <p:nvPr>
+            <p:ph type="body" idx="1"/>
+          </p:nvPr>
+        </p:nvSpPr>
+        <p:spPr/>
+        <p:txBody>
+          <a:bodyPr/>
+          <a:lstStyle/>
+          <a:p>
+            <a:r>
+              <a:rPr lang="en-US" dirty="0" smtClean="0"/>
+              <a:t>PowerShell Script</a:t>
+            </a:r>
+          </a:p>
+          <a:p>
+            <a:endParaRPr lang="en-US" dirty="0" smtClean="0"/>
+          </a:p>
+          <a:p>
+            <a:r>
+              <a:rPr lang="en-US" dirty="0" smtClean="0"/>
+              <a:t>Import-Module "C:\Program Files\Microsoft Deployment Toolkit\bin\MicrosoftDeploymentToolkit.psd1"</a:t>
+            </a:r>
+          </a:p>
+          <a:p>
+            <a:r>
+              <a:rPr lang="en-US" dirty="0" smtClean="0"/>
+              <a:t>New-PSDrive -Name "DS001" -PSProvider MDTProvider -Root "C:\HECCMDTBuildLab"</a:t>
+            </a:r>
+          </a:p>
+          <a:p>
+            <a:r>
+              <a:rPr lang="en-US" dirty="0" smtClean="0"/>
+              <a:t>import-MDTApplication -path "DS001:\Applications" -enable "True" -Name "Configure - Enable RDP" -ShortName "Configure - Enable RDP" -Version "" -Publisher "" -Language "EN" -CommandLine "powershell.exe -Command `"Set-ExecutionPolicy Unrestricted -Force; Copy-Item 'Z:\Applications\Configure - Enable RDP\Configure - Enable RDP.ps1' -destination c:\; c:\Configure - Enable RDP.ps1; Remove-Item c:\*.ps1 -Force; set-ExecutionPolicy Restricted -Force`"" -WorkingDirectory ".\Applications\Configure - Enable RDP" -ApplicationSourcePath "C:\_Setup\_AppInstallFiles\Configure - Enable RDP" -DestinationFolder "Configure - Enable RDP" -Verbose</a:t>
+            </a:r>
+          </a:p>
+          <a:p>
+            <a:endParaRPr lang="en-US" dirty="0" smtClean="0"/>
+          </a:p>
+          <a:p>
+            <a:endParaRPr lang="en-US" dirty="0" smtClean="0"/>
+          </a:p>
+          <a:p>
+            <a:endParaRPr lang="en-US" dirty="0"/>
+          </a:p>
+        </p:txBody>
+      </p:sp>
+      <p:sp>
+        <p:nvSpPr>
+          <p:cNvPr id="4" name="Slide Number Placeholder 3"/>
+          <p:cNvSpPr>
+            <a:spLocks noGrp="1"/>
+          </p:cNvSpPr>
+          <p:nvPr>
+            <p:ph type="sldNum" sz="quarter" idx="10"/>
+          </p:nvPr>
+        </p:nvSpPr>
+        <p:spPr/>
+        <p:txBody>
+          <a:bodyPr/>
+          <a:lstStyle/>
+          <a:p>
+            <a:fld id="{D5AC405E-8311-4FE5-B406-016298D19D5B}" type="slidenum">
+              <a:rPr lang="en-US" smtClean="0"/>
+              <a:t>25</a:t>
+            </a:fld>
+            <a:endParaRPr lang="en-US" dirty="0"/>
+          </a:p>
+        </p:txBody>
+      </p:sp>
+    </p:spTree>
+    <p:extLst>
+      <p:ext uri="{BB962C8B-B14F-4D97-AF65-F5344CB8AC3E}">
+        <p14:creationId xmlns:p14="http://schemas.microsoft.com/office/powerpoint/2010/main" val="2691005800"/>
+      </p:ext>
+    </p:extLst>
+  </p:cSld>
+  <p:clrMapOvr>
+    <a:masterClrMapping/>
+  </p:clrMapOvr>
+</p:notes>
+</file>
+
+<file path=ppt/notesSlides/notesSlide11.xml><?xml version="1.0" encoding="utf-8"?>
+<p:notes xmlns:a="http://schemas.openxmlformats.org/drawingml/2006/main" xmlns:r="http://schemas.openxmlformats.org/officeDocument/2006/relationships" xmlns:p="http://schemas.openxmlformats.org/presentationml/2006/main">
+  <p:cSld>
+    <p:spTree>
+      <p:nvGrpSpPr>
+        <p:cNvPr id="1" name=""/>
+        <p:cNvGrpSpPr/>
+        <p:nvPr/>
+      </p:nvGrpSpPr>
+      <p:grpSpPr>
+        <a:xfrm>
+          <a:off x="0" y="0"/>
+          <a:ext cx="0" cy="0"/>
+          <a:chOff x="0" y="0"/>
+          <a:chExt cx="0" cy="0"/>
+        </a:xfrm>
+      </p:grpSpPr>
+      <p:sp>
+        <p:nvSpPr>
+          <p:cNvPr id="2" name="Slide Image Placeholder 1"/>
+          <p:cNvSpPr>
+            <a:spLocks noGrp="1" noRot="1" noChangeAspect="1"/>
+          </p:cNvSpPr>
+          <p:nvPr>
+            <p:ph type="sldImg"/>
+          </p:nvPr>
+        </p:nvSpPr>
+        <p:spPr/>
+      </p:sp>
+      <p:sp>
+        <p:nvSpPr>
+          <p:cNvPr id="3" name="Notes Placeholder 2"/>
+          <p:cNvSpPr>
+            <a:spLocks noGrp="1"/>
+          </p:cNvSpPr>
+          <p:nvPr>
+            <p:ph type="body" idx="1"/>
+          </p:nvPr>
+        </p:nvSpPr>
+        <p:spPr/>
+        <p:txBody>
+          <a:bodyPr/>
+          <a:lstStyle/>
+          <a:p>
+            <a:endParaRPr lang="en-US" dirty="0"/>
+          </a:p>
+        </p:txBody>
+      </p:sp>
+      <p:sp>
+        <p:nvSpPr>
+          <p:cNvPr id="4" name="Slide Number Placeholder 3"/>
+          <p:cNvSpPr>
+            <a:spLocks noGrp="1"/>
+          </p:cNvSpPr>
+          <p:nvPr>
+            <p:ph type="sldNum" sz="quarter" idx="10"/>
+          </p:nvPr>
+        </p:nvSpPr>
+        <p:spPr/>
+        <p:txBody>
+          <a:bodyPr/>
+          <a:lstStyle/>
+          <a:p>
+            <a:fld id="{D5AC405E-8311-4FE5-B406-016298D19D5B}" type="slidenum">
+              <a:rPr lang="en-US" smtClean="0"/>
+              <a:t>26</a:t>
+            </a:fld>
+            <a:endParaRPr lang="en-US"/>
+          </a:p>
+        </p:txBody>
+      </p:sp>
+    </p:spTree>
+    <p:extLst>
+      <p:ext uri="{BB962C8B-B14F-4D97-AF65-F5344CB8AC3E}">
+        <p14:creationId xmlns:p14="http://schemas.microsoft.com/office/powerpoint/2010/main" val="2672243203"/>
+      </p:ext>
+    </p:extLst>
+  </p:cSld>
+  <p:clrMapOvr>
+    <a:masterClrMapping/>
+  </p:clrMapOvr>
+</p:notes>
+</file>
+
 <file path=ppt/notesSlides/notesSlide2.xml><?xml version="1.0" encoding="utf-8"?>
 <p:notes xmlns:a="http://schemas.openxmlformats.org/drawingml/2006/main" xmlns:r="http://schemas.openxmlformats.org/officeDocument/2006/relationships" xmlns:p="http://schemas.openxmlformats.org/presentationml/2006/main">
   <p:cSld>
@@ -1303,83 +1507,19 @@
           <a:p>
             <a:r>
               <a:rPr lang="en-US" dirty="0" smtClean="0"/>
-              <a:t>New-</a:t>
-            </a:r>
-            <a:r>
-              <a:rPr lang="en-US" dirty="0" err="1" smtClean="0"/>
-              <a:t>PSDrive</a:t>
-            </a:r>
-            <a:r>
-              <a:rPr lang="en-US" dirty="0" smtClean="0"/>
-              <a:t> -Name "DS001" -</a:t>
-            </a:r>
-            <a:r>
-              <a:rPr lang="en-US" dirty="0" err="1" smtClean="0"/>
-              <a:t>PSProvider</a:t>
-            </a:r>
-            <a:r>
-              <a:rPr lang="en-US" dirty="0" smtClean="0"/>
-              <a:t> </a:t>
-            </a:r>
-            <a:r>
-              <a:rPr lang="en-US" dirty="0" err="1" smtClean="0"/>
-              <a:t>MDTProvider</a:t>
-            </a:r>
-            <a:r>
-              <a:rPr lang="en-US" dirty="0" smtClean="0"/>
-              <a:t> -Root "C:\HECCMDTBuildLab"</a:t>
-            </a:r>
-          </a:p>
-          <a:p>
-            <a:r>
-              <a:rPr lang="en-US" dirty="0" smtClean="0"/>
-              <a:t>import-</a:t>
-            </a:r>
-            <a:r>
-              <a:rPr lang="en-US" dirty="0" err="1" smtClean="0"/>
-              <a:t>mdttasksequence</a:t>
-            </a:r>
-            <a:r>
-              <a:rPr lang="en-US" dirty="0" smtClean="0"/>
-              <a:t> -path "DS001:\Task Sequences\Windows 10" -Name "Windows 10 Education x64 build 1803 (Nov 2018)" -Template "Client.xml" -Comments "Windows 10 Education build 1803 (November 2018)</a:t>
-            </a:r>
-          </a:p>
-          <a:p>
-            <a:r>
-              <a:rPr lang="en-US" dirty="0" smtClean="0"/>
-              <a:t>Designed for HECC" -ID "Win10Edu1803-001" -Version "1.0" -</a:t>
-            </a:r>
-            <a:r>
-              <a:rPr lang="en-US" dirty="0" err="1" smtClean="0"/>
-              <a:t>OperatingSystemPath</a:t>
-            </a:r>
-            <a:r>
-              <a:rPr lang="en-US" dirty="0" smtClean="0"/>
-              <a:t> "DS001:\Operating Systems\Windows 10\Windows 10 Education x64 (1803)" -</a:t>
-            </a:r>
-            <a:r>
-              <a:rPr lang="en-US" dirty="0" err="1" smtClean="0"/>
-              <a:t>FullName</a:t>
-            </a:r>
-            <a:r>
-              <a:rPr lang="en-US" dirty="0" smtClean="0"/>
-              <a:t> "HECC" -</a:t>
-            </a:r>
-            <a:r>
-              <a:rPr lang="en-US" dirty="0" err="1" smtClean="0"/>
-              <a:t>OrgName</a:t>
-            </a:r>
-            <a:r>
-              <a:rPr lang="en-US" dirty="0" smtClean="0"/>
-              <a:t> "Hoosier Educational Computer Coordinators" -</a:t>
-            </a:r>
-            <a:r>
-              <a:rPr lang="en-US" dirty="0" err="1" smtClean="0"/>
-              <a:t>HomePage</a:t>
-            </a:r>
-            <a:r>
-              <a:rPr lang="en-US" dirty="0" smtClean="0"/>
-              <a:t> "https://hecc.k12.in.us/" -Verbose</a:t>
+              <a:t>New-PSDrive -Name "DS001" -PSProvider MDTProvider -Root "C:\HECCMDTBuildLab"</a:t>
+            </a:r>
+          </a:p>
+          <a:p>
+            <a:r>
+              <a:rPr lang="en-US" dirty="0" smtClean="0"/>
+              <a:t>import-mdttasksequence -path "DS001:\Task Sequences\Windows 10" -Name "Windows 10 Education x64 build 1803 (Nov 2018)" -Template "Client.xml" -Comments "Windows 10 Education build 1803 (November 2018)</a:t>
+            </a:r>
+          </a:p>
+          <a:p>
+            <a:r>
+              <a:rPr lang="en-US" dirty="0" smtClean="0"/>
+              <a:t>Designed for HECC" -ID "Win10Edu1803-001" -Version "1.0" -OperatingSystemPath "DS001:\Operating Systems\Windows 10\Windows 10 Education x64 (1803)" -FullName "HECC" -OrgName "Hoosier Educational Computer Coordinators" -HomePage "https://hecc.k12.in.us/" -Verbose</a:t>
             </a:r>
           </a:p>
           <a:p>
@@ -1410,9 +1550,9 @@
           <a:p>
             <a:fld id="{D5AC405E-8311-4FE5-B406-016298D19D5B}" type="slidenum">
               <a:rPr lang="en-US" smtClean="0"/>
-              <a:t>20</a:t>
+              <a:t>21</a:t>
             </a:fld>
-            <a:endParaRPr lang="en-US"/>
+            <a:endParaRPr lang="en-US" dirty="0"/>
           </a:p>
         </p:txBody>
       </p:sp>
@@ -1490,83 +1630,19 @@
           <a:p>
             <a:r>
               <a:rPr lang="en-US" dirty="0" smtClean="0"/>
-              <a:t>New-</a:t>
-            </a:r>
-            <a:r>
-              <a:rPr lang="en-US" dirty="0" err="1" smtClean="0"/>
-              <a:t>PSDrive</a:t>
-            </a:r>
-            <a:r>
-              <a:rPr lang="en-US" dirty="0" smtClean="0"/>
-              <a:t> -Name "DS001" -</a:t>
-            </a:r>
-            <a:r>
-              <a:rPr lang="en-US" dirty="0" err="1" smtClean="0"/>
-              <a:t>PSProvider</a:t>
-            </a:r>
-            <a:r>
-              <a:rPr lang="en-US" dirty="0" smtClean="0"/>
-              <a:t> </a:t>
-            </a:r>
-            <a:r>
-              <a:rPr lang="en-US" dirty="0" err="1" smtClean="0"/>
-              <a:t>MDTProvider</a:t>
-            </a:r>
-            <a:r>
-              <a:rPr lang="en-US" dirty="0" smtClean="0"/>
-              <a:t> -Root "C:\HECCMDTBuildLab"</a:t>
-            </a:r>
-          </a:p>
-          <a:p>
-            <a:r>
-              <a:rPr lang="en-US" dirty="0" smtClean="0"/>
-              <a:t>import-</a:t>
-            </a:r>
-            <a:r>
-              <a:rPr lang="en-US" dirty="0" err="1" smtClean="0"/>
-              <a:t>mdttasksequence</a:t>
-            </a:r>
-            <a:r>
-              <a:rPr lang="en-US" dirty="0" smtClean="0"/>
-              <a:t> -path "DS001:\Task Sequences\Windows 10" -Name "Windows 10 Education x64 build 1803 (Nov 2018)" -Template "Client.xml" -Comments "Windows 10 Education build 1803 (November 2018)</a:t>
-            </a:r>
-          </a:p>
-          <a:p>
-            <a:r>
-              <a:rPr lang="en-US" dirty="0" smtClean="0"/>
-              <a:t>Designed for HECC" -ID "Win10Edu1803-001" -Version "1.0" -</a:t>
-            </a:r>
-            <a:r>
-              <a:rPr lang="en-US" dirty="0" err="1" smtClean="0"/>
-              <a:t>OperatingSystemPath</a:t>
-            </a:r>
-            <a:r>
-              <a:rPr lang="en-US" dirty="0" smtClean="0"/>
-              <a:t> "DS001:\Operating Systems\Windows 10\Windows 10 Education x64 (1803)" -</a:t>
-            </a:r>
-            <a:r>
-              <a:rPr lang="en-US" dirty="0" err="1" smtClean="0"/>
-              <a:t>FullName</a:t>
-            </a:r>
-            <a:r>
-              <a:rPr lang="en-US" dirty="0" smtClean="0"/>
-              <a:t> "HECC" -</a:t>
-            </a:r>
-            <a:r>
-              <a:rPr lang="en-US" dirty="0" err="1" smtClean="0"/>
-              <a:t>OrgName</a:t>
-            </a:r>
-            <a:r>
-              <a:rPr lang="en-US" dirty="0" smtClean="0"/>
-              <a:t> "Hoosier Educational Computer Coordinators" -</a:t>
-            </a:r>
-            <a:r>
-              <a:rPr lang="en-US" dirty="0" err="1" smtClean="0"/>
-              <a:t>HomePage</a:t>
-            </a:r>
-            <a:r>
-              <a:rPr lang="en-US" dirty="0" smtClean="0"/>
-              <a:t> "https://hecc.k12.in.us/" -Verbose</a:t>
+              <a:t>New-PSDrive -Name "DS001" -PSProvider MDTProvider -Root "C:\HECCMDTBuildLab"</a:t>
+            </a:r>
+          </a:p>
+          <a:p>
+            <a:r>
+              <a:rPr lang="en-US" dirty="0" smtClean="0"/>
+              <a:t>import-mdttasksequence -path "DS001:\Task Sequences\Windows 10" -Name "Windows 10 Education x64 build 1803 (Nov 2018)" -Template "Client.xml" -Comments "Windows 10 Education build 1803 (November 2018)</a:t>
+            </a:r>
+          </a:p>
+          <a:p>
+            <a:r>
+              <a:rPr lang="en-US" dirty="0" smtClean="0"/>
+              <a:t>Designed for HECC" -ID "Win10Edu1803-001" -Version "1.0" -OperatingSystemPath "DS001:\Operating Systems\Windows 10\Windows 10 Education x64 (1803)" -FullName "HECC" -OrgName "Hoosier Educational Computer Coordinators" -HomePage "https://hecc.k12.in.us/" -Verbose</a:t>
             </a:r>
           </a:p>
           <a:p>
@@ -1597,9 +1673,9 @@
           <a:p>
             <a:fld id="{D5AC405E-8311-4FE5-B406-016298D19D5B}" type="slidenum">
               <a:rPr lang="en-US" smtClean="0"/>
-              <a:t>21</a:t>
+              <a:t>22</a:t>
             </a:fld>
-            <a:endParaRPr lang="en-US"/>
+            <a:endParaRPr lang="en-US" dirty="0"/>
           </a:p>
         </p:txBody>
       </p:sp>
@@ -1681,9 +1757,9 @@
           <a:p>
             <a:fld id="{D5AC405E-8311-4FE5-B406-016298D19D5B}" type="slidenum">
               <a:rPr lang="en-US" smtClean="0"/>
-              <a:t>22</a:t>
+              <a:t>23</a:t>
             </a:fld>
-            <a:endParaRPr lang="en-US"/>
+            <a:endParaRPr lang="en-US" dirty="0"/>
           </a:p>
         </p:txBody>
       </p:sp>
@@ -1744,127 +1820,6 @@
           <a:bodyPr/>
           <a:lstStyle/>
           <a:p>
-            <a:r>
-              <a:rPr lang="en-US" dirty="0" smtClean="0"/>
-              <a:t>PowerShell Script</a:t>
-            </a:r>
-          </a:p>
-          <a:p>
-            <a:endParaRPr lang="en-US" dirty="0" smtClean="0"/>
-          </a:p>
-          <a:p>
-            <a:r>
-              <a:rPr lang="en-US" dirty="0" smtClean="0"/>
-              <a:t>Import-Module "C:\Program Files\Microsoft Deployment Toolkit\bin\MicrosoftDeploymentToolkit.psd1"</a:t>
-            </a:r>
-          </a:p>
-          <a:p>
-            <a:r>
-              <a:rPr lang="en-US" dirty="0" smtClean="0"/>
-              <a:t>New-</a:t>
-            </a:r>
-            <a:r>
-              <a:rPr lang="en-US" dirty="0" err="1" smtClean="0"/>
-              <a:t>PSDrive</a:t>
-            </a:r>
-            <a:r>
-              <a:rPr lang="en-US" dirty="0" smtClean="0"/>
-              <a:t> -Name "DS001" -</a:t>
-            </a:r>
-            <a:r>
-              <a:rPr lang="en-US" dirty="0" err="1" smtClean="0"/>
-              <a:t>PSProvider</a:t>
-            </a:r>
-            <a:r>
-              <a:rPr lang="en-US" dirty="0" smtClean="0"/>
-              <a:t> </a:t>
-            </a:r>
-            <a:r>
-              <a:rPr lang="en-US" dirty="0" err="1" smtClean="0"/>
-              <a:t>MDTProvider</a:t>
-            </a:r>
-            <a:r>
-              <a:rPr lang="en-US" dirty="0" smtClean="0"/>
-              <a:t> -Root "C:\HECCMDTBuildLab"</a:t>
-            </a:r>
-          </a:p>
-          <a:p>
-            <a:r>
-              <a:rPr lang="en-US" dirty="0" smtClean="0"/>
-              <a:t>import-</a:t>
-            </a:r>
-            <a:r>
-              <a:rPr lang="en-US" dirty="0" err="1" smtClean="0"/>
-              <a:t>MDTApplication</a:t>
-            </a:r>
-            <a:r>
-              <a:rPr lang="en-US" dirty="0" smtClean="0"/>
-              <a:t> -path "DS001:\Applications" -enable "True" -Name "Configure - Enable RDP" -</a:t>
-            </a:r>
-            <a:r>
-              <a:rPr lang="en-US" dirty="0" err="1" smtClean="0"/>
-              <a:t>ShortName</a:t>
-            </a:r>
-            <a:r>
-              <a:rPr lang="en-US" dirty="0" smtClean="0"/>
-              <a:t> "Configure - Enable RDP" -Version "" -Publisher "" -Language "EN" -</a:t>
-            </a:r>
-            <a:r>
-              <a:rPr lang="en-US" dirty="0" err="1" smtClean="0"/>
-              <a:t>CommandLine</a:t>
-            </a:r>
-            <a:r>
-              <a:rPr lang="en-US" dirty="0" smtClean="0"/>
-              <a:t> "powershell.exe -Command `"Set-</a:t>
-            </a:r>
-            <a:r>
-              <a:rPr lang="en-US" dirty="0" err="1" smtClean="0"/>
-              <a:t>ExecutionPolicy</a:t>
-            </a:r>
-            <a:r>
-              <a:rPr lang="en-US" dirty="0" smtClean="0"/>
-              <a:t> Unrestricted -Force; Copy-Item 'Z:\Applications\Configure - Enable RDP\Configure - Enable RDP.ps1' -destination c:\; c:\Configure - Enable RDP.ps1; Remove-Item c:\*.ps1 -Force; set-</a:t>
-            </a:r>
-            <a:r>
-              <a:rPr lang="en-US" dirty="0" err="1" smtClean="0"/>
-              <a:t>ExecutionPolicy</a:t>
-            </a:r>
-            <a:r>
-              <a:rPr lang="en-US" dirty="0" smtClean="0"/>
-              <a:t> Restricted -Force`"" -</a:t>
-            </a:r>
-            <a:r>
-              <a:rPr lang="en-US" dirty="0" err="1" smtClean="0"/>
-              <a:t>WorkingDirectory</a:t>
-            </a:r>
-            <a:r>
-              <a:rPr lang="en-US" dirty="0" smtClean="0"/>
-              <a:t> ".\Applications\Configure - Enable RDP" -</a:t>
-            </a:r>
-            <a:r>
-              <a:rPr lang="en-US" dirty="0" err="1" smtClean="0"/>
-              <a:t>ApplicationSourcePath</a:t>
-            </a:r>
-            <a:r>
-              <a:rPr lang="en-US" dirty="0" smtClean="0"/>
-              <a:t> "C:\_Setup\_AppInstallFiles\Configure - Enable RDP" -</a:t>
-            </a:r>
-            <a:r>
-              <a:rPr lang="en-US" dirty="0" err="1" smtClean="0"/>
-              <a:t>DestinationFolder</a:t>
-            </a:r>
-            <a:r>
-              <a:rPr lang="en-US" dirty="0" smtClean="0"/>
-              <a:t> "Configure - Enable RDP" -Verbose</a:t>
-            </a:r>
-          </a:p>
-          <a:p>
-            <a:endParaRPr lang="en-US" dirty="0" smtClean="0"/>
-          </a:p>
-          <a:p>
-            <a:endParaRPr lang="en-US" dirty="0" smtClean="0"/>
-          </a:p>
-          <a:p>
             <a:endParaRPr lang="en-US" dirty="0"/>
           </a:p>
         </p:txBody>
@@ -1886,16 +1841,16 @@
           <a:p>
             <a:fld id="{D5AC405E-8311-4FE5-B406-016298D19D5B}" type="slidenum">
               <a:rPr lang="en-US" smtClean="0"/>
-              <a:t>23</a:t>
+              <a:t>24</a:t>
             </a:fld>
-            <a:endParaRPr lang="en-US"/>
+            <a:endParaRPr lang="en-US" dirty="0"/>
           </a:p>
         </p:txBody>
       </p:sp>
     </p:spTree>
     <p:extLst>
       <p:ext uri="{BB962C8B-B14F-4D97-AF65-F5344CB8AC3E}">
-        <p14:creationId xmlns:p14="http://schemas.microsoft.com/office/powerpoint/2010/main" val="2691005800"/>
+        <p14:creationId xmlns:p14="http://schemas.microsoft.com/office/powerpoint/2010/main" val="4210029881"/>
       </p:ext>
     </p:extLst>
   </p:cSld>
@@ -5867,7 +5822,6 @@
               <a:rPr lang="en-US" dirty="0" smtClean="0"/>
               <a:t>Create a Windows 10 folder and then under that a Windows 10 – 1803 folder</a:t>
             </a:r>
-            <a:endParaRPr lang="en-US" dirty="0" smtClean="0"/>
           </a:p>
           <a:p>
             <a:endParaRPr lang="en-US" dirty="0"/>
@@ -6866,8 +6820,13 @@
             </a:br>
             <a:r>
               <a:rPr lang="en-US" sz="2800" dirty="0"/>
-              <a:t>Background Changes</a:t>
-            </a:r>
+              <a:t>Background </a:t>
+            </a:r>
+            <a:r>
+              <a:rPr lang="en-US" sz="2800" dirty="0" smtClean="0"/>
+              <a:t>Tweak</a:t>
+            </a:r>
+            <a:endParaRPr lang="en-US" sz="2800" dirty="0"/>
           </a:p>
         </p:txBody>
       </p:sp>
@@ -6886,10 +6845,108 @@
           <a:bodyPr/>
           <a:lstStyle/>
           <a:p>
-            <a:endParaRPr lang="en-US"/>
-          </a:p>
-        </p:txBody>
-      </p:sp>
+            <a:r>
+              <a:rPr lang="en-US" dirty="0" smtClean="0"/>
+              <a:t>Script comes from a post found here</a:t>
+            </a:r>
+          </a:p>
+          <a:p>
+            <a:pPr lvl="1"/>
+            <a:r>
+              <a:rPr lang="en-US" sz="2000" dirty="0" smtClean="0">
+                <a:hlinkClick r:id="rId2"/>
+              </a:rPr>
+              <a:t>https</a:t>
+            </a:r>
+            <a:r>
+              <a:rPr lang="en-US" sz="2000" dirty="0">
+                <a:hlinkClick r:id="rId2"/>
+              </a:rPr>
+              <a:t>://</a:t>
+            </a:r>
+            <a:r>
+              <a:rPr lang="en-US" sz="2000" dirty="0" smtClean="0">
+                <a:hlinkClick r:id="rId2"/>
+              </a:rPr>
+              <a:t>garytown.com/windows-10-customizations-mms2017-demos</a:t>
+            </a:r>
+            <a:endParaRPr lang="en-US" sz="2000" dirty="0" smtClean="0"/>
+          </a:p>
+          <a:p>
+            <a:r>
+              <a:rPr lang="en-US" sz="2400" dirty="0" smtClean="0"/>
+              <a:t>You basically overwrite default backgrounds</a:t>
+            </a:r>
+          </a:p>
+          <a:p>
+            <a:r>
+              <a:rPr lang="en-US" sz="2400" dirty="0" smtClean="0"/>
+              <a:t>This will not survive a Feature Upgrade</a:t>
+            </a:r>
+          </a:p>
+          <a:p>
+            <a:r>
+              <a:rPr lang="en-US" sz="2400" dirty="0" smtClean="0"/>
+              <a:t>I add it as an Application so that the script will run</a:t>
+            </a:r>
+          </a:p>
+          <a:p>
+            <a:r>
+              <a:rPr lang="en-US" sz="2400" dirty="0" smtClean="0"/>
+              <a:t>Then just add it to Task sequence</a:t>
+            </a:r>
+            <a:endParaRPr lang="en-US" sz="2400" dirty="0"/>
+          </a:p>
+        </p:txBody>
+      </p:sp>
+      <p:pic>
+        <p:nvPicPr>
+          <p:cNvPr id="5" name="Picture 4"/>
+          <p:cNvPicPr>
+            <a:picLocks noChangeAspect="1"/>
+          </p:cNvPicPr>
+          <p:nvPr/>
+        </p:nvPicPr>
+        <p:blipFill>
+          <a:blip r:embed="rId3"/>
+          <a:stretch>
+            <a:fillRect/>
+          </a:stretch>
+        </p:blipFill>
+        <p:spPr>
+          <a:xfrm>
+            <a:off x="7468286" y="2767201"/>
+            <a:ext cx="4546349" cy="3409761"/>
+          </a:xfrm>
+          <a:prstGeom prst="rect">
+            <a:avLst/>
+          </a:prstGeom>
+        </p:spPr>
+      </p:pic>
+      <p:pic>
+        <p:nvPicPr>
+          <p:cNvPr id="6" name="Picture 5"/>
+          <p:cNvPicPr>
+            <a:picLocks noChangeAspect="1"/>
+          </p:cNvPicPr>
+          <p:nvPr/>
+        </p:nvPicPr>
+        <p:blipFill>
+          <a:blip r:embed="rId4"/>
+          <a:stretch>
+            <a:fillRect/>
+          </a:stretch>
+        </p:blipFill>
+        <p:spPr>
+          <a:xfrm>
+            <a:off x="2073916" y="4730109"/>
+            <a:ext cx="3687143" cy="1446853"/>
+          </a:xfrm>
+          <a:prstGeom prst="rect">
+            <a:avLst/>
+          </a:prstGeom>
+        </p:spPr>
+      </p:pic>
     </p:spTree>
     <p:extLst>
       <p:ext uri="{BB962C8B-B14F-4D97-AF65-F5344CB8AC3E}">
@@ -6951,8 +7008,13 @@
             </a:br>
             <a:r>
               <a:rPr lang="en-US" sz="2800" dirty="0"/>
-              <a:t>Lock Screen Changes</a:t>
-            </a:r>
+              <a:t>Lock Screen </a:t>
+            </a:r>
+            <a:r>
+              <a:rPr lang="en-US" sz="2800" dirty="0" smtClean="0"/>
+              <a:t>Changes</a:t>
+            </a:r>
+            <a:endParaRPr lang="en-US" sz="2800" dirty="0"/>
           </a:p>
         </p:txBody>
       </p:sp>
@@ -6971,7 +7033,43 @@
           <a:bodyPr/>
           <a:lstStyle/>
           <a:p>
-            <a:endParaRPr lang="en-US"/>
+            <a:r>
+              <a:rPr lang="en-US" dirty="0"/>
+              <a:t>This is part of Tweak - Windows 10 </a:t>
+            </a:r>
+            <a:r>
+              <a:rPr lang="en-US" dirty="0" smtClean="0"/>
+              <a:t>Settings</a:t>
+            </a:r>
+          </a:p>
+          <a:p>
+            <a:r>
+              <a:rPr lang="en-US" dirty="0" smtClean="0"/>
+              <a:t>It also does other tweaks</a:t>
+            </a:r>
+          </a:p>
+          <a:p>
+            <a:r>
+              <a:rPr lang="en-US" dirty="0" smtClean="0"/>
+              <a:t>Read the CMD to understand</a:t>
+            </a:r>
+          </a:p>
+          <a:p>
+            <a:r>
+              <a:rPr lang="en-US" dirty="0" smtClean="0"/>
+              <a:t>This will be part of a future PowerShell script.  Ran out of time</a:t>
+            </a:r>
+          </a:p>
+          <a:p>
+            <a:r>
+              <a:rPr lang="en-US" dirty="0" smtClean="0"/>
+              <a:t>Reason to </a:t>
+            </a:r>
+            <a:r>
+              <a:rPr lang="en-US" smtClean="0"/>
+              <a:t>come back next year???</a:t>
+            </a:r>
+            <a:endParaRPr lang="en-US" dirty="0"/>
           </a:p>
         </p:txBody>
       </p:sp>
@@ -7035,9 +7133,10 @@
               <a:rPr lang="en-US" dirty="0" smtClean="0"/>
             </a:br>
             <a:r>
-              <a:rPr lang="en-US" sz="2800" dirty="0"/>
-              <a:t>Start Menu Layout</a:t>
-            </a:r>
+              <a:rPr lang="en-US" sz="2800" dirty="0" smtClean="0"/>
+              <a:t>Remove Built-in Apps</a:t>
+            </a:r>
+            <a:endParaRPr lang="en-US" sz="2800" dirty="0"/>
           </a:p>
         </p:txBody>
       </p:sp>
@@ -7056,14 +7155,76 @@
           <a:bodyPr/>
           <a:lstStyle/>
           <a:p>
-            <a:endParaRPr lang="en-US"/>
+            <a:r>
+              <a:rPr lang="en-US" dirty="0" smtClean="0"/>
+              <a:t>Need 3 scripts to make work</a:t>
+            </a:r>
+          </a:p>
+          <a:p>
+            <a:r>
+              <a:rPr lang="en-US" dirty="0" smtClean="0"/>
+              <a:t>2 from Deployment Research </a:t>
+            </a:r>
+          </a:p>
+          <a:p>
+            <a:pPr lvl="1"/>
+            <a:r>
+              <a:rPr lang="en-US" sz="2000" dirty="0">
+                <a:hlinkClick r:id="rId2"/>
+              </a:rPr>
+              <a:t>https://</a:t>
+            </a:r>
+            <a:r>
+              <a:rPr lang="en-US" sz="2000" dirty="0" smtClean="0">
+                <a:hlinkClick r:id="rId2"/>
+              </a:rPr>
+              <a:t>deploymentresearch.com/Research/Post/615/Fixing-why-Sysprep-fails-in-Windows-10-due-to-Windows-Store-updates</a:t>
+            </a:r>
+            <a:endParaRPr lang="en-US" sz="2000" dirty="0" smtClean="0"/>
+          </a:p>
+          <a:p>
+            <a:r>
+              <a:rPr lang="en-US" dirty="0" smtClean="0"/>
+              <a:t>And main script from SCConfigMgr.com</a:t>
+            </a:r>
+          </a:p>
+          <a:p>
+            <a:pPr lvl="1"/>
+            <a:r>
+              <a:rPr lang="en-US" sz="2000" dirty="0">
+                <a:hlinkClick r:id="rId3"/>
+              </a:rPr>
+              <a:t>http://www.scconfigmgr.com/2018/05/13/remove-built-in-apps-for-windows-10-version-1803</a:t>
+            </a:r>
+            <a:r>
+              <a:rPr lang="en-US" sz="2000" dirty="0" smtClean="0">
+                <a:hlinkClick r:id="rId3"/>
+              </a:rPr>
+              <a:t>/</a:t>
+            </a:r>
+            <a:endParaRPr lang="en-US" sz="2000" dirty="0" smtClean="0"/>
+          </a:p>
+          <a:p>
+            <a:r>
+              <a:rPr lang="en-US" dirty="0" smtClean="0"/>
+              <a:t>Copy all three scripts to %</a:t>
+            </a:r>
+            <a:r>
+              <a:rPr lang="en-US" dirty="0" smtClean="0"/>
+              <a:t>DeploymentRoot</a:t>
+            </a:r>
+            <a:r>
+              <a:rPr lang="en-US" dirty="0" smtClean="0"/>
+              <a:t>%\scripts folder</a:t>
+            </a:r>
+            <a:endParaRPr lang="en-US" dirty="0"/>
           </a:p>
         </p:txBody>
       </p:sp>
     </p:spTree>
     <p:extLst>
       <p:ext uri="{BB962C8B-B14F-4D97-AF65-F5344CB8AC3E}">
-        <p14:creationId xmlns:p14="http://schemas.microsoft.com/office/powerpoint/2010/main" val="4085667234"/>
+        <p14:creationId xmlns:p14="http://schemas.microsoft.com/office/powerpoint/2010/main" val="1523043849"/>
       </p:ext>
     </p:extLst>
   </p:cSld>
@@ -7206,11 +7367,7 @@
             <a:pPr lvl="2"/>
             <a:r>
               <a:rPr lang="en-US" dirty="0" smtClean="0"/>
-              <a:t>Set </a:t>
-            </a:r>
-            <a:r>
-              <a:rPr lang="en-US" dirty="0" smtClean="0"/>
-              <a:t>Default Applications</a:t>
+              <a:t>Set Default Applications</a:t>
             </a:r>
           </a:p>
           <a:p>
@@ -7231,8 +7388,20 @@
             <a:pPr lvl="2"/>
             <a:r>
               <a:rPr lang="en-US" dirty="0" smtClean="0"/>
-              <a:t>Start Menu Layout</a:t>
-            </a:r>
+              <a:t>Start Menu </a:t>
+            </a:r>
+            <a:r>
+              <a:rPr lang="en-US" dirty="0" smtClean="0"/>
+              <a:t>Layout</a:t>
+            </a:r>
+          </a:p>
+          <a:p>
+            <a:pPr lvl="2"/>
+            <a:r>
+              <a:rPr lang="en-US" dirty="0" smtClean="0"/>
+              <a:t>Remove Built-in Apps</a:t>
+            </a:r>
+            <a:endParaRPr lang="en-US" dirty="0" smtClean="0"/>
           </a:p>
         </p:txBody>
       </p:sp>
@@ -7426,7 +7595,6 @@
               <a:rPr lang="en-US" dirty="0" smtClean="0"/>
               <a:t>Task Sequence</a:t>
             </a:r>
-            <a:endParaRPr lang="en-US" dirty="0" smtClean="0"/>
           </a:p>
           <a:p>
             <a:pPr lvl="1"/>
@@ -7446,11 +7614,7 @@
             <a:pPr lvl="2"/>
             <a:r>
               <a:rPr lang="en-US" dirty="0" smtClean="0"/>
-              <a:t>Disable/Enable Windows Store Update </a:t>
-            </a:r>
-            <a:r>
-              <a:rPr lang="en-US" dirty="0" smtClean="0"/>
-              <a:t>Scripts</a:t>
+              <a:t>Disable/Enable Windows Store Update Scripts</a:t>
             </a:r>
           </a:p>
           <a:p>
@@ -7459,7 +7623,6 @@
               <a:rPr lang="en-US" dirty="0" smtClean="0"/>
               <a:t>Enable RDP</a:t>
             </a:r>
-            <a:endParaRPr lang="en-US" dirty="0" smtClean="0"/>
           </a:p>
           <a:p>
             <a:pPr lvl="2"/>
@@ -7488,7 +7651,6 @@
               <a:rPr lang="en-US" dirty="0" smtClean="0"/>
               <a:t>Helpful Info</a:t>
             </a:r>
-            <a:endParaRPr lang="en-US" dirty="0" smtClean="0"/>
           </a:p>
           <a:p>
             <a:pPr lvl="1"/>
@@ -7554,20 +7716,15 @@
           <a:p>
             <a:r>
               <a:rPr lang="en-US" dirty="0" smtClean="0"/>
-              <a:t>Task Sequence</a:t>
-            </a:r>
-            <a:r>
-              <a:rPr lang="en-US" dirty="0" smtClean="0"/>
-              <a:t/>
+              <a:t>Customizing/Tweaking OS</a:t>
             </a:r>
             <a:br>
               <a:rPr lang="en-US" dirty="0" smtClean="0"/>
             </a:br>
             <a:r>
-              <a:rPr lang="en-US" sz="2800" dirty="0" smtClean="0"/>
-              <a:t>Create Task Sequence</a:t>
-            </a:r>
-            <a:endParaRPr lang="en-US" sz="2800" dirty="0"/>
+              <a:rPr lang="en-US" sz="2800" dirty="0"/>
+              <a:t>Start Menu Layout</a:t>
+            </a:r>
           </a:p>
         </p:txBody>
       </p:sp>
@@ -7583,74 +7740,17 @@
         </p:nvSpPr>
         <p:spPr/>
         <p:txBody>
-          <a:bodyPr>
-            <a:normAutofit lnSpcReduction="10000"/>
-          </a:bodyPr>
-          <a:lstStyle/>
-          <a:p>
-            <a:r>
-              <a:rPr lang="en-US" dirty="0" smtClean="0"/>
-              <a:t>Create Folder under Task Sequences for Windows 10</a:t>
-            </a:r>
-          </a:p>
-          <a:p>
-            <a:r>
-              <a:rPr lang="en-US" dirty="0"/>
-              <a:t>Create Windows 10 Education x64 build 1803 (Nov 2018</a:t>
-            </a:r>
-            <a:r>
-              <a:rPr lang="en-US" dirty="0" smtClean="0"/>
-              <a:t>) Task Sequence</a:t>
-            </a:r>
-          </a:p>
-          <a:p>
-            <a:r>
-              <a:rPr lang="en-US" dirty="0" smtClean="0"/>
-              <a:t>Input a unique Task sequence ID</a:t>
-            </a:r>
-          </a:p>
-          <a:p>
-            <a:r>
-              <a:rPr lang="en-US" dirty="0" smtClean="0"/>
-              <a:t>Input a Task sequence name</a:t>
-            </a:r>
-          </a:p>
-          <a:p>
-            <a:r>
-              <a:rPr lang="en-US" dirty="0" smtClean="0"/>
-              <a:t>Use the Standard Client Task Sequence</a:t>
-            </a:r>
-          </a:p>
-          <a:p>
-            <a:r>
-              <a:rPr lang="en-US" dirty="0" smtClean="0"/>
-              <a:t>Select Windows 10 Education x64 1803 OS</a:t>
-            </a:r>
-          </a:p>
-          <a:p>
-            <a:r>
-              <a:rPr lang="en-US" dirty="0" smtClean="0"/>
-              <a:t>Add OS Settings</a:t>
-            </a:r>
-          </a:p>
-          <a:p>
-            <a:r>
-              <a:rPr lang="en-US" dirty="0" smtClean="0"/>
-              <a:t>Do not specify an Administrator password</a:t>
-            </a:r>
-          </a:p>
-          <a:p>
-            <a:endParaRPr lang="en-US" dirty="0" smtClean="0"/>
-          </a:p>
-          <a:p>
-            <a:endParaRPr lang="en-US" dirty="0" smtClean="0"/>
+          <a:bodyPr/>
+          <a:lstStyle/>
+          <a:p>
+            <a:endParaRPr lang="en-US" dirty="0"/>
           </a:p>
         </p:txBody>
       </p:sp>
     </p:spTree>
     <p:extLst>
       <p:ext uri="{BB962C8B-B14F-4D97-AF65-F5344CB8AC3E}">
-        <p14:creationId xmlns:p14="http://schemas.microsoft.com/office/powerpoint/2010/main" val="1125976405"/>
+        <p14:creationId xmlns:p14="http://schemas.microsoft.com/office/powerpoint/2010/main" val="4085667234"/>
       </p:ext>
     </p:extLst>
   </p:cSld>
@@ -7703,9 +7803,148 @@
               <a:rPr lang="en-US" dirty="0" smtClean="0"/>
               <a:t>Task Sequence</a:t>
             </a:r>
-            <a:r>
-              <a:rPr lang="en-US" dirty="0" smtClean="0"/>
-              <a:t/>
+            <a:br>
+              <a:rPr lang="en-US" dirty="0" smtClean="0"/>
+            </a:br>
+            <a:r>
+              <a:rPr lang="en-US" sz="2800" dirty="0" smtClean="0"/>
+              <a:t>Create Task Sequence</a:t>
+            </a:r>
+            <a:endParaRPr lang="en-US" sz="2800" dirty="0"/>
+          </a:p>
+        </p:txBody>
+      </p:sp>
+      <p:sp>
+        <p:nvSpPr>
+          <p:cNvPr id="3" name="Content Placeholder 2"/>
+          <p:cNvSpPr>
+            <a:spLocks noGrp="1"/>
+          </p:cNvSpPr>
+          <p:nvPr>
+            <p:ph idx="1"/>
+          </p:nvPr>
+        </p:nvSpPr>
+        <p:spPr/>
+        <p:txBody>
+          <a:bodyPr>
+            <a:normAutofit lnSpcReduction="10000"/>
+          </a:bodyPr>
+          <a:lstStyle/>
+          <a:p>
+            <a:r>
+              <a:rPr lang="en-US" dirty="0" smtClean="0"/>
+              <a:t>Create Folder under Task Sequences for Windows 10</a:t>
+            </a:r>
+          </a:p>
+          <a:p>
+            <a:r>
+              <a:rPr lang="en-US" dirty="0"/>
+              <a:t>Create Windows 10 Education x64 build 1803 (Nov 2018</a:t>
+            </a:r>
+            <a:r>
+              <a:rPr lang="en-US" dirty="0" smtClean="0"/>
+              <a:t>) Task Sequence</a:t>
+            </a:r>
+          </a:p>
+          <a:p>
+            <a:r>
+              <a:rPr lang="en-US" dirty="0" smtClean="0"/>
+              <a:t>Input a unique Task sequence ID</a:t>
+            </a:r>
+          </a:p>
+          <a:p>
+            <a:r>
+              <a:rPr lang="en-US" dirty="0" smtClean="0"/>
+              <a:t>Input a Task sequence name</a:t>
+            </a:r>
+          </a:p>
+          <a:p>
+            <a:r>
+              <a:rPr lang="en-US" dirty="0" smtClean="0"/>
+              <a:t>Use the Standard Client Task Sequence</a:t>
+            </a:r>
+          </a:p>
+          <a:p>
+            <a:r>
+              <a:rPr lang="en-US" dirty="0" smtClean="0"/>
+              <a:t>Select Windows 10 Education x64 1803 OS</a:t>
+            </a:r>
+          </a:p>
+          <a:p>
+            <a:r>
+              <a:rPr lang="en-US" dirty="0" smtClean="0"/>
+              <a:t>Add OS Settings</a:t>
+            </a:r>
+          </a:p>
+          <a:p>
+            <a:r>
+              <a:rPr lang="en-US" dirty="0" smtClean="0"/>
+              <a:t>Do not specify an Administrator password</a:t>
+            </a:r>
+          </a:p>
+          <a:p>
+            <a:endParaRPr lang="en-US" dirty="0" smtClean="0"/>
+          </a:p>
+          <a:p>
+            <a:endParaRPr lang="en-US" dirty="0" smtClean="0"/>
+          </a:p>
+        </p:txBody>
+      </p:sp>
+    </p:spTree>
+    <p:extLst>
+      <p:ext uri="{BB962C8B-B14F-4D97-AF65-F5344CB8AC3E}">
+        <p14:creationId xmlns:p14="http://schemas.microsoft.com/office/powerpoint/2010/main" val="1125976405"/>
+      </p:ext>
+    </p:extLst>
+  </p:cSld>
+  <p:clrMapOvr>
+    <a:masterClrMapping/>
+  </p:clrMapOvr>
+  <p:timing>
+    <p:tnLst>
+      <p:par>
+        <p:cTn id="1" dur="indefinite" restart="never" nodeType="tmRoot"/>
+      </p:par>
+    </p:tnLst>
+  </p:timing>
+</p:sld>
+</file>
+
+<file path=ppt/slides/slide22.xml><?xml version="1.0" encoding="utf-8"?>
+<p:sld xmlns:a="http://schemas.openxmlformats.org/drawingml/2006/main" xmlns:r="http://schemas.openxmlformats.org/officeDocument/2006/relationships" xmlns:p="http://schemas.openxmlformats.org/presentationml/2006/main">
+  <p:cSld>
+    <p:spTree>
+      <p:nvGrpSpPr>
+        <p:cNvPr id="1" name=""/>
+        <p:cNvGrpSpPr/>
+        <p:nvPr/>
+      </p:nvGrpSpPr>
+      <p:grpSpPr>
+        <a:xfrm>
+          <a:off x="0" y="0"/>
+          <a:ext cx="0" cy="0"/>
+          <a:chOff x="0" y="0"/>
+          <a:chExt cx="0" cy="0"/>
+        </a:xfrm>
+      </p:grpSpPr>
+      <p:sp>
+        <p:nvSpPr>
+          <p:cNvPr id="2" name="Title 1"/>
+          <p:cNvSpPr>
+            <a:spLocks noGrp="1"/>
+          </p:cNvSpPr>
+          <p:nvPr>
+            <p:ph type="title"/>
+          </p:nvPr>
+        </p:nvSpPr>
+        <p:spPr/>
+        <p:txBody>
+          <a:bodyPr/>
+          <a:lstStyle/>
+          <a:p>
+            <a:r>
+              <a:rPr lang="en-US" dirty="0" smtClean="0"/>
+              <a:t>Task Sequence</a:t>
             </a:r>
             <a:br>
               <a:rPr lang="en-US" dirty="0" smtClean="0"/>
@@ -8337,7 +8576,7 @@
 </p:sld>
 </file>
 
-<file path=ppt/slides/slide22.xml><?xml version="1.0" encoding="utf-8"?>
+<file path=ppt/slides/slide23.xml><?xml version="1.0" encoding="utf-8"?>
 <p:sld xmlns:a="http://schemas.openxmlformats.org/drawingml/2006/main" xmlns:r="http://schemas.openxmlformats.org/officeDocument/2006/relationships" xmlns:p="http://schemas.openxmlformats.org/presentationml/2006/main">
   <p:cSld>
     <p:spTree>
@@ -8372,10 +8611,6 @@
             <a:r>
               <a:rPr lang="en-US" dirty="0" smtClean="0"/>
               <a:t>Task Sequence</a:t>
-            </a:r>
-            <a:r>
-              <a:rPr lang="en-US" dirty="0" smtClean="0"/>
-              <a:t/>
             </a:r>
             <a:br>
               <a:rPr lang="en-US" dirty="0" smtClean="0"/>
@@ -8687,189 +8922,6 @@
 </p:sld>
 </file>
 
-<file path=ppt/slides/slide23.xml><?xml version="1.0" encoding="utf-8"?>
-<p:sld xmlns:a="http://schemas.openxmlformats.org/drawingml/2006/main" xmlns:r="http://schemas.openxmlformats.org/officeDocument/2006/relationships" xmlns:p="http://schemas.openxmlformats.org/presentationml/2006/main">
-  <p:cSld>
-    <p:spTree>
-      <p:nvGrpSpPr>
-        <p:cNvPr id="1" name=""/>
-        <p:cNvGrpSpPr/>
-        <p:nvPr/>
-      </p:nvGrpSpPr>
-      <p:grpSpPr>
-        <a:xfrm>
-          <a:off x="0" y="0"/>
-          <a:ext cx="0" cy="0"/>
-          <a:chOff x="0" y="0"/>
-          <a:chExt cx="0" cy="0"/>
-        </a:xfrm>
-      </p:grpSpPr>
-      <p:sp>
-        <p:nvSpPr>
-          <p:cNvPr id="2" name="Title 1"/>
-          <p:cNvSpPr>
-            <a:spLocks noGrp="1"/>
-          </p:cNvSpPr>
-          <p:nvPr>
-            <p:ph type="title"/>
-          </p:nvPr>
-        </p:nvSpPr>
-        <p:spPr/>
-        <p:txBody>
-          <a:bodyPr/>
-          <a:lstStyle/>
-          <a:p>
-            <a:r>
-              <a:rPr lang="en-US" dirty="0" smtClean="0"/>
-              <a:t>Task Sequence</a:t>
-            </a:r>
-            <a:r>
-              <a:rPr lang="en-US" dirty="0" smtClean="0"/>
-              <a:t/>
-            </a:r>
-            <a:br>
-              <a:rPr lang="en-US" dirty="0" smtClean="0"/>
-            </a:br>
-            <a:r>
-              <a:rPr lang="en-US" sz="2800" dirty="0"/>
-              <a:t>Configure - Enable RDP</a:t>
-            </a:r>
-          </a:p>
-        </p:txBody>
-      </p:sp>
-      <p:sp>
-        <p:nvSpPr>
-          <p:cNvPr id="3" name="Content Placeholder 2"/>
-          <p:cNvSpPr>
-            <a:spLocks noGrp="1"/>
-          </p:cNvSpPr>
-          <p:nvPr>
-            <p:ph idx="1"/>
-          </p:nvPr>
-        </p:nvSpPr>
-        <p:spPr/>
-        <p:txBody>
-          <a:bodyPr>
-            <a:normAutofit/>
-          </a:bodyPr>
-          <a:lstStyle/>
-          <a:p>
-            <a:r>
-              <a:rPr lang="en-US" dirty="0" smtClean="0"/>
-              <a:t>Add Application</a:t>
-            </a:r>
-          </a:p>
-          <a:p>
-            <a:r>
-              <a:rPr lang="en-US" dirty="0"/>
-              <a:t>Configure - Enable RDP</a:t>
-            </a:r>
-            <a:endParaRPr lang="en-US" dirty="0" smtClean="0"/>
-          </a:p>
-          <a:p>
-            <a:r>
-              <a:rPr lang="en-US" dirty="0" smtClean="0"/>
-              <a:t>PowerShell Script</a:t>
-            </a:r>
-          </a:p>
-          <a:p>
-            <a:pPr lvl="1"/>
-            <a:r>
-              <a:rPr lang="en-US" sz="1800" dirty="0"/>
-              <a:t>$</a:t>
-            </a:r>
-            <a:r>
-              <a:rPr lang="en-US" sz="1800" dirty="0" err="1"/>
-              <a:t>rdp</a:t>
-            </a:r>
-            <a:r>
-              <a:rPr lang="en-US" sz="1800" dirty="0"/>
-              <a:t> = Get-</a:t>
-            </a:r>
-            <a:r>
-              <a:rPr lang="en-US" sz="1800" dirty="0" err="1"/>
-              <a:t>WmiObject</a:t>
-            </a:r>
-            <a:r>
-              <a:rPr lang="en-US" sz="1800" dirty="0"/>
-              <a:t> -Class Win32_TerminalServiceSetting -Namespace root\CIMV2\</a:t>
-            </a:r>
-            <a:r>
-              <a:rPr lang="en-US" sz="1800" dirty="0" err="1"/>
-              <a:t>TerminalServices</a:t>
-            </a:r>
-            <a:r>
-              <a:rPr lang="en-US" sz="1800" dirty="0"/>
-              <a:t> -Authentication </a:t>
-            </a:r>
-            <a:r>
-              <a:rPr lang="en-US" sz="1800" dirty="0" err="1"/>
-              <a:t>PacketPrivacy</a:t>
-            </a:r>
-            <a:endParaRPr lang="en-US" sz="1800" dirty="0"/>
-          </a:p>
-          <a:p>
-            <a:pPr lvl="1"/>
-            <a:r>
-              <a:rPr lang="en-US" sz="1800" dirty="0"/>
-              <a:t>$</a:t>
-            </a:r>
-            <a:r>
-              <a:rPr lang="en-US" sz="1800" dirty="0" err="1"/>
-              <a:t>tmp_rdp</a:t>
-            </a:r>
-            <a:r>
-              <a:rPr lang="en-US" sz="1800" dirty="0"/>
-              <a:t> = $</a:t>
-            </a:r>
-            <a:r>
-              <a:rPr lang="en-US" sz="1800" dirty="0" err="1"/>
-              <a:t>rdp.SetAllowTSConnections</a:t>
-            </a:r>
-            <a:r>
-              <a:rPr lang="en-US" sz="1800" dirty="0"/>
-              <a:t>(1,1) #first parameter </a:t>
-            </a:r>
-            <a:r>
-              <a:rPr lang="en-US" sz="1800" dirty="0" err="1"/>
-              <a:t>rdp</a:t>
-            </a:r>
-            <a:r>
-              <a:rPr lang="en-US" sz="1800" dirty="0"/>
-              <a:t> enable, second parameter firewall ports </a:t>
-            </a:r>
-            <a:r>
-              <a:rPr lang="en-US" sz="1800" dirty="0" err="1"/>
-              <a:t>config</a:t>
-            </a:r>
-            <a:endParaRPr lang="en-US" sz="1800" dirty="0"/>
-          </a:p>
-          <a:p>
-            <a:pPr lvl="1"/>
-            <a:endParaRPr lang="en-US" dirty="0" smtClean="0"/>
-          </a:p>
-        </p:txBody>
-      </p:sp>
-    </p:spTree>
-    <p:extLst>
-      <p:ext uri="{BB962C8B-B14F-4D97-AF65-F5344CB8AC3E}">
-        <p14:creationId xmlns:p14="http://schemas.microsoft.com/office/powerpoint/2010/main" val="3700688511"/>
-      </p:ext>
-    </p:extLst>
-  </p:cSld>
-  <p:clrMapOvr>
-    <a:masterClrMapping/>
-  </p:clrMapOvr>
-  <p:timing>
-    <p:tnLst>
-      <p:par>
-        <p:cTn id="1" dur="indefinite" restart="never" nodeType="tmRoot"/>
-      </p:par>
-    </p:tnLst>
-  </p:timing>
-</p:sld>
-</file>
-
 <file path=ppt/slides/slide24.xml><?xml version="1.0" encoding="utf-8"?>
 <p:sld xmlns:a="http://schemas.openxmlformats.org/drawingml/2006/main" xmlns:r="http://schemas.openxmlformats.org/officeDocument/2006/relationships" xmlns:p="http://schemas.openxmlformats.org/presentationml/2006/main">
   <p:cSld>
@@ -8897,31 +8949,281 @@
             <p:ph type="title"/>
           </p:nvPr>
         </p:nvSpPr>
-        <p:spPr>
-          <a:xfrm>
-            <a:off x="838200" y="365125"/>
-            <a:ext cx="10515600" cy="5461934"/>
-          </a:xfrm>
-        </p:spPr>
+        <p:spPr/>
+        <p:txBody>
+          <a:bodyPr/>
+          <a:lstStyle/>
+          <a:p>
+            <a:r>
+              <a:rPr lang="en-US" dirty="0" smtClean="0"/>
+              <a:t>Task Sequence</a:t>
+            </a:r>
+            <a:br>
+              <a:rPr lang="en-US" dirty="0" smtClean="0"/>
+            </a:br>
+            <a:r>
+              <a:rPr lang="en-US" sz="2800" dirty="0" smtClean="0"/>
+              <a:t>Apply OS Updates</a:t>
+            </a:r>
+            <a:endParaRPr lang="en-US" sz="2800" dirty="0"/>
+          </a:p>
+        </p:txBody>
+      </p:sp>
+      <p:sp>
+        <p:nvSpPr>
+          <p:cNvPr id="3" name="Content Placeholder 2"/>
+          <p:cNvSpPr>
+            <a:spLocks noGrp="1"/>
+          </p:cNvSpPr>
+          <p:nvPr>
+            <p:ph idx="1"/>
+          </p:nvPr>
+        </p:nvSpPr>
+        <p:spPr/>
         <p:txBody>
           <a:bodyPr>
             <a:normAutofit/>
           </a:bodyPr>
           <a:lstStyle/>
           <a:p>
-            <a:pPr algn="ctr"/>
-            <a:r>
-              <a:rPr lang="en-US" sz="16600" dirty="0" smtClean="0"/>
-              <a:t>Demo</a:t>
-            </a:r>
-            <a:endParaRPr lang="en-US" sz="16600" dirty="0"/>
-          </a:p>
-        </p:txBody>
-      </p:sp>
+            <a:endParaRPr lang="en-US" dirty="0" smtClean="0"/>
+          </a:p>
+          <a:p>
+            <a:endParaRPr lang="en-US" dirty="0" smtClean="0"/>
+          </a:p>
+        </p:txBody>
+      </p:sp>
+      <p:sp>
+        <p:nvSpPr>
+          <p:cNvPr id="4" name="Content Placeholder 2"/>
+          <p:cNvSpPr txBox="1">
+            <a:spLocks/>
+          </p:cNvSpPr>
+          <p:nvPr/>
+        </p:nvSpPr>
+        <p:spPr>
+          <a:xfrm>
+            <a:off x="838200" y="1825625"/>
+            <a:ext cx="4354724" cy="4351338"/>
+          </a:xfrm>
+          <a:prstGeom prst="rect">
+            <a:avLst/>
+          </a:prstGeom>
+        </p:spPr>
+        <p:txBody>
+          <a:bodyPr vert="horz" lIns="91440" tIns="45720" rIns="91440" bIns="45720" rtlCol="0">
+            <a:normAutofit/>
+          </a:bodyPr>
+          <a:lstStyle>
+            <a:lvl1pPr marL="228600" indent="-228600" algn="l" defTabSz="914400" rtl="0" eaLnBrk="1" latinLnBrk="0" hangingPunct="1">
+              <a:lnSpc>
+                <a:spcPct val="90000"/>
+              </a:lnSpc>
+              <a:spcBef>
+                <a:spcPts val="1000"/>
+              </a:spcBef>
+              <a:buFont typeface="Arial" panose="020B0604020202020204" pitchFamily="34" charset="0"/>
+              <a:buChar char="•"/>
+              <a:defRPr sz="2800" kern="1200">
+                <a:solidFill>
+                  <a:schemeClr val="tx1"/>
+                </a:solidFill>
+                <a:latin typeface="+mn-lt"/>
+                <a:ea typeface="+mn-ea"/>
+                <a:cs typeface="+mn-cs"/>
+              </a:defRPr>
+            </a:lvl1pPr>
+            <a:lvl2pPr marL="685800" indent="-228600" algn="l" defTabSz="914400" rtl="0" eaLnBrk="1" latinLnBrk="0" hangingPunct="1">
+              <a:lnSpc>
+                <a:spcPct val="90000"/>
+              </a:lnSpc>
+              <a:spcBef>
+                <a:spcPts val="500"/>
+              </a:spcBef>
+              <a:buFont typeface="Arial" panose="020B0604020202020204" pitchFamily="34" charset="0"/>
+              <a:buChar char="•"/>
+              <a:defRPr sz="2400" kern="1200">
+                <a:solidFill>
+                  <a:schemeClr val="tx1"/>
+                </a:solidFill>
+                <a:latin typeface="+mn-lt"/>
+                <a:ea typeface="+mn-ea"/>
+                <a:cs typeface="+mn-cs"/>
+              </a:defRPr>
+            </a:lvl2pPr>
+            <a:lvl3pPr marL="1143000" indent="-228600" algn="l" defTabSz="914400" rtl="0" eaLnBrk="1" latinLnBrk="0" hangingPunct="1">
+              <a:lnSpc>
+                <a:spcPct val="90000"/>
+              </a:lnSpc>
+              <a:spcBef>
+                <a:spcPts val="500"/>
+              </a:spcBef>
+              <a:buFont typeface="Arial" panose="020B0604020202020204" pitchFamily="34" charset="0"/>
+              <a:buChar char="•"/>
+              <a:defRPr sz="2000" kern="1200">
+                <a:solidFill>
+                  <a:schemeClr val="tx1"/>
+                </a:solidFill>
+                <a:latin typeface="+mn-lt"/>
+                <a:ea typeface="+mn-ea"/>
+                <a:cs typeface="+mn-cs"/>
+              </a:defRPr>
+            </a:lvl3pPr>
+            <a:lvl4pPr marL="1600200" indent="-228600" algn="l" defTabSz="914400" rtl="0" eaLnBrk="1" latinLnBrk="0" hangingPunct="1">
+              <a:lnSpc>
+                <a:spcPct val="90000"/>
+              </a:lnSpc>
+              <a:spcBef>
+                <a:spcPts val="500"/>
+              </a:spcBef>
+              <a:buFont typeface="Arial" panose="020B0604020202020204" pitchFamily="34" charset="0"/>
+              <a:buChar char="•"/>
+              <a:defRPr sz="1800" kern="1200">
+                <a:solidFill>
+                  <a:schemeClr val="tx1"/>
+                </a:solidFill>
+                <a:latin typeface="+mn-lt"/>
+                <a:ea typeface="+mn-ea"/>
+                <a:cs typeface="+mn-cs"/>
+              </a:defRPr>
+            </a:lvl4pPr>
+            <a:lvl5pPr marL="2057400" indent="-228600" algn="l" defTabSz="914400" rtl="0" eaLnBrk="1" latinLnBrk="0" hangingPunct="1">
+              <a:lnSpc>
+                <a:spcPct val="90000"/>
+              </a:lnSpc>
+              <a:spcBef>
+                <a:spcPts val="500"/>
+              </a:spcBef>
+              <a:buFont typeface="Arial" panose="020B0604020202020204" pitchFamily="34" charset="0"/>
+              <a:buChar char="•"/>
+              <a:defRPr sz="1800" kern="1200">
+                <a:solidFill>
+                  <a:schemeClr val="tx1"/>
+                </a:solidFill>
+                <a:latin typeface="+mn-lt"/>
+                <a:ea typeface="+mn-ea"/>
+                <a:cs typeface="+mn-cs"/>
+              </a:defRPr>
+            </a:lvl5pPr>
+            <a:lvl6pPr marL="2514600" indent="-228600" algn="l" defTabSz="914400" rtl="0" eaLnBrk="1" latinLnBrk="0" hangingPunct="1">
+              <a:lnSpc>
+                <a:spcPct val="90000"/>
+              </a:lnSpc>
+              <a:spcBef>
+                <a:spcPts val="500"/>
+              </a:spcBef>
+              <a:buFont typeface="Arial" panose="020B0604020202020204" pitchFamily="34" charset="0"/>
+              <a:buChar char="•"/>
+              <a:defRPr sz="1800" kern="1200">
+                <a:solidFill>
+                  <a:schemeClr val="tx1"/>
+                </a:solidFill>
+                <a:latin typeface="+mn-lt"/>
+                <a:ea typeface="+mn-ea"/>
+                <a:cs typeface="+mn-cs"/>
+              </a:defRPr>
+            </a:lvl6pPr>
+            <a:lvl7pPr marL="2971800" indent="-228600" algn="l" defTabSz="914400" rtl="0" eaLnBrk="1" latinLnBrk="0" hangingPunct="1">
+              <a:lnSpc>
+                <a:spcPct val="90000"/>
+              </a:lnSpc>
+              <a:spcBef>
+                <a:spcPts val="500"/>
+              </a:spcBef>
+              <a:buFont typeface="Arial" panose="020B0604020202020204" pitchFamily="34" charset="0"/>
+              <a:buChar char="•"/>
+              <a:defRPr sz="1800" kern="1200">
+                <a:solidFill>
+                  <a:schemeClr val="tx1"/>
+                </a:solidFill>
+                <a:latin typeface="+mn-lt"/>
+                <a:ea typeface="+mn-ea"/>
+                <a:cs typeface="+mn-cs"/>
+              </a:defRPr>
+            </a:lvl7pPr>
+            <a:lvl8pPr marL="3429000" indent="-228600" algn="l" defTabSz="914400" rtl="0" eaLnBrk="1" latinLnBrk="0" hangingPunct="1">
+              <a:lnSpc>
+                <a:spcPct val="90000"/>
+              </a:lnSpc>
+              <a:spcBef>
+                <a:spcPts val="500"/>
+              </a:spcBef>
+              <a:buFont typeface="Arial" panose="020B0604020202020204" pitchFamily="34" charset="0"/>
+              <a:buChar char="•"/>
+              <a:defRPr sz="1800" kern="1200">
+                <a:solidFill>
+                  <a:schemeClr val="tx1"/>
+                </a:solidFill>
+                <a:latin typeface="+mn-lt"/>
+                <a:ea typeface="+mn-ea"/>
+                <a:cs typeface="+mn-cs"/>
+              </a:defRPr>
+            </a:lvl8pPr>
+            <a:lvl9pPr marL="3886200" indent="-228600" algn="l" defTabSz="914400" rtl="0" eaLnBrk="1" latinLnBrk="0" hangingPunct="1">
+              <a:lnSpc>
+                <a:spcPct val="90000"/>
+              </a:lnSpc>
+              <a:spcBef>
+                <a:spcPts val="500"/>
+              </a:spcBef>
+              <a:buFont typeface="Arial" panose="020B0604020202020204" pitchFamily="34" charset="0"/>
+              <a:buChar char="•"/>
+              <a:defRPr sz="1800" kern="1200">
+                <a:solidFill>
+                  <a:schemeClr val="tx1"/>
+                </a:solidFill>
+                <a:latin typeface="+mn-lt"/>
+                <a:ea typeface="+mn-ea"/>
+                <a:cs typeface="+mn-cs"/>
+              </a:defRPr>
+            </a:lvl9pPr>
+          </a:lstStyle>
+          <a:p>
+            <a:r>
+              <a:rPr lang="en-US" dirty="0" smtClean="0"/>
+              <a:t>Apply updates by selecting selection profile we set up earlier</a:t>
+            </a:r>
+            <a:endParaRPr lang="en-US" dirty="0" smtClean="0"/>
+          </a:p>
+          <a:p>
+            <a:endParaRPr lang="en-US" dirty="0" smtClean="0"/>
+          </a:p>
+          <a:p>
+            <a:endParaRPr lang="en-US" dirty="0" smtClean="0"/>
+          </a:p>
+          <a:p>
+            <a:endParaRPr lang="en-US" dirty="0" smtClean="0"/>
+          </a:p>
+        </p:txBody>
+      </p:sp>
+      <p:pic>
+        <p:nvPicPr>
+          <p:cNvPr id="5" name="Picture 4"/>
+          <p:cNvPicPr>
+            <a:picLocks noChangeAspect="1"/>
+          </p:cNvPicPr>
+          <p:nvPr/>
+        </p:nvPicPr>
+        <p:blipFill>
+          <a:blip r:embed="rId3"/>
+          <a:stretch>
+            <a:fillRect/>
+          </a:stretch>
+        </p:blipFill>
+        <p:spPr>
+          <a:xfrm>
+            <a:off x="5368288" y="465336"/>
+            <a:ext cx="6523334" cy="5880952"/>
+          </a:xfrm>
+          <a:prstGeom prst="rect">
+            <a:avLst/>
+          </a:prstGeom>
+        </p:spPr>
+      </p:pic>
     </p:spTree>
     <p:extLst>
       <p:ext uri="{BB962C8B-B14F-4D97-AF65-F5344CB8AC3E}">
-        <p14:creationId xmlns:p14="http://schemas.microsoft.com/office/powerpoint/2010/main" val="2125388724"/>
+        <p14:creationId xmlns:p14="http://schemas.microsoft.com/office/powerpoint/2010/main" val="645501216"/>
       </p:ext>
     </p:extLst>
   </p:cSld>
@@ -8965,12 +9267,36 @@
             <p:ph type="title"/>
           </p:nvPr>
         </p:nvSpPr>
-        <p:spPr>
-          <a:xfrm>
-            <a:off x="838200" y="365125"/>
-            <a:ext cx="10515600" cy="1000211"/>
-          </a:xfrm>
-        </p:spPr>
+        <p:spPr/>
+        <p:txBody>
+          <a:bodyPr/>
+          <a:lstStyle/>
+          <a:p>
+            <a:r>
+              <a:rPr lang="en-US" dirty="0" smtClean="0"/>
+              <a:t>Task Sequence</a:t>
+            </a:r>
+            <a:br>
+              <a:rPr lang="en-US" dirty="0" smtClean="0"/>
+            </a:br>
+            <a:r>
+              <a:rPr lang="en-US" sz="2800" dirty="0"/>
+              <a:t>Configure - Enable RDP</a:t>
+            </a:r>
+          </a:p>
+        </p:txBody>
+      </p:sp>
+      <p:sp>
+        <p:nvSpPr>
+          <p:cNvPr id="3" name="Content Placeholder 2"/>
+          <p:cNvSpPr>
+            <a:spLocks noGrp="1"/>
+          </p:cNvSpPr>
+          <p:nvPr>
+            <p:ph idx="1"/>
+          </p:nvPr>
+        </p:nvSpPr>
+        <p:spPr/>
         <p:txBody>
           <a:bodyPr>
             <a:normAutofit/>
@@ -8979,159 +9305,104 @@
           <a:p>
             <a:r>
               <a:rPr lang="en-US" dirty="0" smtClean="0"/>
-              <a:t>Helpful Info</a:t>
-            </a:r>
-            <a:endParaRPr lang="en-US" sz="4800" dirty="0"/>
-          </a:p>
-        </p:txBody>
-      </p:sp>
-      <p:sp>
-        <p:nvSpPr>
-          <p:cNvPr id="3" name="Content Placeholder 2"/>
-          <p:cNvSpPr>
-            <a:spLocks noGrp="1"/>
-          </p:cNvSpPr>
-          <p:nvPr>
-            <p:ph idx="1"/>
-          </p:nvPr>
-        </p:nvSpPr>
-        <p:spPr>
-          <a:xfrm>
-            <a:off x="838200" y="1365336"/>
-            <a:ext cx="10515600" cy="5198301"/>
-          </a:xfrm>
-        </p:spPr>
-        <p:txBody>
-          <a:bodyPr/>
-          <a:lstStyle/>
-          <a:p>
-            <a:r>
-              <a:rPr lang="en-US" dirty="0" smtClean="0"/>
-              <a:t>Deployment Research</a:t>
+              <a:t>Add Application</a:t>
+            </a:r>
+          </a:p>
+          <a:p>
+            <a:r>
+              <a:rPr lang="en-US" dirty="0"/>
+              <a:t>Configure - Enable RDP</a:t>
+            </a:r>
+            <a:endParaRPr lang="en-US" dirty="0" smtClean="0"/>
+          </a:p>
+          <a:p>
+            <a:r>
+              <a:rPr lang="en-US" dirty="0" smtClean="0"/>
+              <a:t>PowerShell Script</a:t>
             </a:r>
           </a:p>
           <a:p>
             <a:pPr lvl="1"/>
             <a:r>
-              <a:rPr lang="en-US" dirty="0"/>
-              <a:t>Building a Windows 10 v1809 reference image using Microsoft Deployment Toolkit (MDT</a:t>
-            </a:r>
-            <a:r>
-              <a:rPr lang="en-US" dirty="0" smtClean="0"/>
-              <a:t>)</a:t>
-            </a:r>
-          </a:p>
-          <a:p>
-            <a:pPr lvl="2"/>
-            <a:r>
-              <a:rPr lang="en-US" dirty="0">
-                <a:hlinkClick r:id="rId2"/>
-              </a:rPr>
-              <a:t>https://</a:t>
-            </a:r>
-            <a:r>
-              <a:rPr lang="en-US" dirty="0" smtClean="0">
-                <a:hlinkClick r:id="rId2"/>
-              </a:rPr>
-              <a:t>deploymentresearch.com/Research/Post/1676/Building-a-Windows-10-v1809-reference-image-using-Microsoft-Deployment-Toolkit-MDT</a:t>
-            </a:r>
+              <a:rPr lang="en-US" sz="1800" dirty="0"/>
+              <a:t>$</a:t>
+            </a:r>
+            <a:r>
+              <a:rPr lang="en-US" sz="1800" dirty="0"/>
+              <a:t>rdp</a:t>
+            </a:r>
+            <a:r>
+              <a:rPr lang="en-US" sz="1800" dirty="0"/>
+              <a:t> = Get-</a:t>
+            </a:r>
+            <a:r>
+              <a:rPr lang="en-US" sz="1800" dirty="0"/>
+              <a:t>WmiObject</a:t>
+            </a:r>
+            <a:r>
+              <a:rPr lang="en-US" sz="1800" dirty="0"/>
+              <a:t> -Class Win32_TerminalServiceSetting -Namespace root\CIMV2\</a:t>
+            </a:r>
+            <a:r>
+              <a:rPr lang="en-US" sz="1800" dirty="0"/>
+              <a:t>TerminalServices</a:t>
+            </a:r>
+            <a:r>
+              <a:rPr lang="en-US" sz="1800" dirty="0"/>
+              <a:t> -Authentication </a:t>
+            </a:r>
+            <a:r>
+              <a:rPr lang="en-US" sz="1800" dirty="0"/>
+              <a:t>PacketPrivacy</a:t>
+            </a:r>
+            <a:endParaRPr lang="en-US" sz="1800" dirty="0"/>
+          </a:p>
+          <a:p>
+            <a:pPr lvl="1"/>
+            <a:r>
+              <a:rPr lang="en-US" sz="1800" dirty="0"/>
+              <a:t>$</a:t>
+            </a:r>
+            <a:r>
+              <a:rPr lang="en-US" sz="1800" dirty="0"/>
+              <a:t>tmp_rdp</a:t>
+            </a:r>
+            <a:r>
+              <a:rPr lang="en-US" sz="1800" dirty="0"/>
+              <a:t> = $</a:t>
+            </a:r>
+            <a:r>
+              <a:rPr lang="en-US" sz="1800" dirty="0"/>
+              <a:t>rdp.SetAllowTSConnections</a:t>
+            </a:r>
+            <a:r>
+              <a:rPr lang="en-US" sz="1800" dirty="0"/>
+              <a:t>(1,1) #first parameter </a:t>
+            </a:r>
+            <a:r>
+              <a:rPr lang="en-US" sz="1800" dirty="0"/>
+              <a:t>rdp</a:t>
+            </a:r>
+            <a:r>
+              <a:rPr lang="en-US" sz="1800" dirty="0"/>
+              <a:t> enable, second parameter firewall ports </a:t>
+            </a:r>
+            <a:r>
+              <a:rPr lang="en-US" sz="1800" dirty="0"/>
+              <a:t>config</a:t>
+            </a:r>
+            <a:endParaRPr lang="en-US" sz="1800" dirty="0"/>
+          </a:p>
+          <a:p>
+            <a:pPr lvl="1"/>
             <a:endParaRPr lang="en-US" dirty="0" smtClean="0"/>
-          </a:p>
-          <a:p>
-            <a:pPr lvl="1"/>
-            <a:r>
-              <a:rPr lang="en-US" dirty="0" smtClean="0"/>
-              <a:t>Building </a:t>
-            </a:r>
-            <a:r>
-              <a:rPr lang="en-US" dirty="0"/>
-              <a:t>a Windows 10 v1709 reference image using </a:t>
-            </a:r>
-            <a:r>
-              <a:rPr lang="en-US" dirty="0" smtClean="0"/>
-              <a:t>MDT</a:t>
-            </a:r>
-          </a:p>
-          <a:p>
-            <a:pPr lvl="2"/>
-            <a:r>
-              <a:rPr lang="en-US" dirty="0">
-                <a:hlinkClick r:id="rId3"/>
-              </a:rPr>
-              <a:t>https://</a:t>
-            </a:r>
-            <a:r>
-              <a:rPr lang="en-US" dirty="0" smtClean="0">
-                <a:hlinkClick r:id="rId3"/>
-              </a:rPr>
-              <a:t>deploymentresearch.com/Research/Post/654/Building-a-Windows-10-v1709-reference-image-using-MDT</a:t>
-            </a:r>
-            <a:endParaRPr lang="en-US" dirty="0" smtClean="0"/>
-          </a:p>
-          <a:p>
-            <a:pPr lvl="1"/>
-            <a:r>
-              <a:rPr lang="en-US" dirty="0"/>
-              <a:t>Building the perfect Windows Server 2016 reference </a:t>
-            </a:r>
-            <a:r>
-              <a:rPr lang="en-US" dirty="0" smtClean="0"/>
-              <a:t>image</a:t>
-            </a:r>
-          </a:p>
-          <a:p>
-            <a:pPr lvl="2"/>
-            <a:r>
-              <a:rPr lang="en-US" dirty="0">
-                <a:hlinkClick r:id="rId4"/>
-              </a:rPr>
-              <a:t>https://</a:t>
-            </a:r>
-            <a:r>
-              <a:rPr lang="en-US" dirty="0" smtClean="0">
-                <a:hlinkClick r:id="rId4"/>
-              </a:rPr>
-              <a:t>deploymentresearch.com/Research/Post/578/Building-the-perfect-Windows-Server-2016-reference-image</a:t>
-            </a:r>
-            <a:endParaRPr lang="en-US" dirty="0" smtClean="0"/>
-          </a:p>
-          <a:p>
-            <a:pPr lvl="1"/>
-            <a:r>
-              <a:rPr lang="en-US" dirty="0"/>
-              <a:t>Back to Basics - Building a Windows 7 SP1 Reference Image using MDT 2013 Update </a:t>
-            </a:r>
-            <a:r>
-              <a:rPr lang="en-US" dirty="0" smtClean="0"/>
-              <a:t>2</a:t>
-            </a:r>
-          </a:p>
-          <a:p>
-            <a:pPr lvl="2"/>
-            <a:r>
-              <a:rPr lang="en-US" dirty="0">
-                <a:hlinkClick r:id="rId5"/>
-              </a:rPr>
-              <a:t>https://</a:t>
-            </a:r>
-            <a:r>
-              <a:rPr lang="en-US" dirty="0" smtClean="0">
-                <a:hlinkClick r:id="rId5"/>
-              </a:rPr>
-              <a:t>deploymentresearch.com/Research/Post/521/Back-to-Basics-Building-a-Windows-7-SP1-Reference-Image-using-MDT-2013-Update-2</a:t>
-            </a:r>
-            <a:endParaRPr lang="en-US" dirty="0" smtClean="0"/>
-          </a:p>
-          <a:p>
-            <a:pPr lvl="1"/>
-            <a:endParaRPr lang="en-US" dirty="0"/>
           </a:p>
         </p:txBody>
       </p:sp>
     </p:spTree>
     <p:extLst>
       <p:ext uri="{BB962C8B-B14F-4D97-AF65-F5344CB8AC3E}">
-        <p14:creationId xmlns:p14="http://schemas.microsoft.com/office/powerpoint/2010/main" val="523525067"/>
+        <p14:creationId xmlns:p14="http://schemas.microsoft.com/office/powerpoint/2010/main" val="3700688511"/>
       </p:ext>
     </p:extLst>
   </p:cSld>
@@ -9175,31 +9446,315 @@
             <p:ph type="title"/>
           </p:nvPr>
         </p:nvSpPr>
-        <p:spPr>
-          <a:xfrm>
-            <a:off x="838200" y="365125"/>
-            <a:ext cx="10515600" cy="5641228"/>
-          </a:xfrm>
-        </p:spPr>
+        <p:spPr/>
+        <p:txBody>
+          <a:bodyPr/>
+          <a:lstStyle/>
+          <a:p>
+            <a:r>
+              <a:rPr lang="en-US" dirty="0" smtClean="0"/>
+              <a:t>Task Sequence</a:t>
+            </a:r>
+            <a:br>
+              <a:rPr lang="en-US" dirty="0" smtClean="0"/>
+            </a:br>
+            <a:r>
+              <a:rPr lang="en-US" sz="2800" dirty="0"/>
+              <a:t>Cleanup Before </a:t>
+            </a:r>
+            <a:r>
+              <a:rPr lang="en-US" sz="2800" dirty="0"/>
+              <a:t>Sysprep</a:t>
+            </a:r>
+            <a:endParaRPr lang="en-US" sz="2800" dirty="0"/>
+          </a:p>
+        </p:txBody>
+      </p:sp>
+      <p:sp>
+        <p:nvSpPr>
+          <p:cNvPr id="3" name="Content Placeholder 2"/>
+          <p:cNvSpPr>
+            <a:spLocks noGrp="1"/>
+          </p:cNvSpPr>
+          <p:nvPr>
+            <p:ph idx="1"/>
+          </p:nvPr>
+        </p:nvSpPr>
+        <p:spPr/>
         <p:txBody>
           <a:bodyPr>
             <a:normAutofit/>
           </a:bodyPr>
           <a:lstStyle/>
           <a:p>
-            <a:pPr algn="ctr"/>
-            <a:r>
-              <a:rPr lang="en-US" sz="13800" dirty="0" smtClean="0"/>
-              <a:t>Questions</a:t>
-            </a:r>
-            <a:endParaRPr lang="en-US" sz="13800" dirty="0"/>
-          </a:p>
-        </p:txBody>
-      </p:sp>
+            <a:endParaRPr lang="en-US" dirty="0" smtClean="0"/>
+          </a:p>
+          <a:p>
+            <a:endParaRPr lang="en-US" dirty="0" smtClean="0"/>
+          </a:p>
+        </p:txBody>
+      </p:sp>
+      <p:sp>
+        <p:nvSpPr>
+          <p:cNvPr id="4" name="Content Placeholder 2"/>
+          <p:cNvSpPr txBox="1">
+            <a:spLocks/>
+          </p:cNvSpPr>
+          <p:nvPr/>
+        </p:nvSpPr>
+        <p:spPr>
+          <a:xfrm>
+            <a:off x="838200" y="1825625"/>
+            <a:ext cx="4354724" cy="4351338"/>
+          </a:xfrm>
+          <a:prstGeom prst="rect">
+            <a:avLst/>
+          </a:prstGeom>
+        </p:spPr>
+        <p:txBody>
+          <a:bodyPr vert="horz" lIns="91440" tIns="45720" rIns="91440" bIns="45720" rtlCol="0">
+            <a:normAutofit/>
+          </a:bodyPr>
+          <a:lstStyle>
+            <a:lvl1pPr marL="228600" indent="-228600" algn="l" defTabSz="914400" rtl="0" eaLnBrk="1" latinLnBrk="0" hangingPunct="1">
+              <a:lnSpc>
+                <a:spcPct val="90000"/>
+              </a:lnSpc>
+              <a:spcBef>
+                <a:spcPts val="1000"/>
+              </a:spcBef>
+              <a:buFont typeface="Arial" panose="020B0604020202020204" pitchFamily="34" charset="0"/>
+              <a:buChar char="•"/>
+              <a:defRPr sz="2800" kern="1200">
+                <a:solidFill>
+                  <a:schemeClr val="tx1"/>
+                </a:solidFill>
+                <a:latin typeface="+mn-lt"/>
+                <a:ea typeface="+mn-ea"/>
+                <a:cs typeface="+mn-cs"/>
+              </a:defRPr>
+            </a:lvl1pPr>
+            <a:lvl2pPr marL="685800" indent="-228600" algn="l" defTabSz="914400" rtl="0" eaLnBrk="1" latinLnBrk="0" hangingPunct="1">
+              <a:lnSpc>
+                <a:spcPct val="90000"/>
+              </a:lnSpc>
+              <a:spcBef>
+                <a:spcPts val="500"/>
+              </a:spcBef>
+              <a:buFont typeface="Arial" panose="020B0604020202020204" pitchFamily="34" charset="0"/>
+              <a:buChar char="•"/>
+              <a:defRPr sz="2400" kern="1200">
+                <a:solidFill>
+                  <a:schemeClr val="tx1"/>
+                </a:solidFill>
+                <a:latin typeface="+mn-lt"/>
+                <a:ea typeface="+mn-ea"/>
+                <a:cs typeface="+mn-cs"/>
+              </a:defRPr>
+            </a:lvl2pPr>
+            <a:lvl3pPr marL="1143000" indent="-228600" algn="l" defTabSz="914400" rtl="0" eaLnBrk="1" latinLnBrk="0" hangingPunct="1">
+              <a:lnSpc>
+                <a:spcPct val="90000"/>
+              </a:lnSpc>
+              <a:spcBef>
+                <a:spcPts val="500"/>
+              </a:spcBef>
+              <a:buFont typeface="Arial" panose="020B0604020202020204" pitchFamily="34" charset="0"/>
+              <a:buChar char="•"/>
+              <a:defRPr sz="2000" kern="1200">
+                <a:solidFill>
+                  <a:schemeClr val="tx1"/>
+                </a:solidFill>
+                <a:latin typeface="+mn-lt"/>
+                <a:ea typeface="+mn-ea"/>
+                <a:cs typeface="+mn-cs"/>
+              </a:defRPr>
+            </a:lvl3pPr>
+            <a:lvl4pPr marL="1600200" indent="-228600" algn="l" defTabSz="914400" rtl="0" eaLnBrk="1" latinLnBrk="0" hangingPunct="1">
+              <a:lnSpc>
+                <a:spcPct val="90000"/>
+              </a:lnSpc>
+              <a:spcBef>
+                <a:spcPts val="500"/>
+              </a:spcBef>
+              <a:buFont typeface="Arial" panose="020B0604020202020204" pitchFamily="34" charset="0"/>
+              <a:buChar char="•"/>
+              <a:defRPr sz="1800" kern="1200">
+                <a:solidFill>
+                  <a:schemeClr val="tx1"/>
+                </a:solidFill>
+                <a:latin typeface="+mn-lt"/>
+                <a:ea typeface="+mn-ea"/>
+                <a:cs typeface="+mn-cs"/>
+              </a:defRPr>
+            </a:lvl4pPr>
+            <a:lvl5pPr marL="2057400" indent="-228600" algn="l" defTabSz="914400" rtl="0" eaLnBrk="1" latinLnBrk="0" hangingPunct="1">
+              <a:lnSpc>
+                <a:spcPct val="90000"/>
+              </a:lnSpc>
+              <a:spcBef>
+                <a:spcPts val="500"/>
+              </a:spcBef>
+              <a:buFont typeface="Arial" panose="020B0604020202020204" pitchFamily="34" charset="0"/>
+              <a:buChar char="•"/>
+              <a:defRPr sz="1800" kern="1200">
+                <a:solidFill>
+                  <a:schemeClr val="tx1"/>
+                </a:solidFill>
+                <a:latin typeface="+mn-lt"/>
+                <a:ea typeface="+mn-ea"/>
+                <a:cs typeface="+mn-cs"/>
+              </a:defRPr>
+            </a:lvl5pPr>
+            <a:lvl6pPr marL="2514600" indent="-228600" algn="l" defTabSz="914400" rtl="0" eaLnBrk="1" latinLnBrk="0" hangingPunct="1">
+              <a:lnSpc>
+                <a:spcPct val="90000"/>
+              </a:lnSpc>
+              <a:spcBef>
+                <a:spcPts val="500"/>
+              </a:spcBef>
+              <a:buFont typeface="Arial" panose="020B0604020202020204" pitchFamily="34" charset="0"/>
+              <a:buChar char="•"/>
+              <a:defRPr sz="1800" kern="1200">
+                <a:solidFill>
+                  <a:schemeClr val="tx1"/>
+                </a:solidFill>
+                <a:latin typeface="+mn-lt"/>
+                <a:ea typeface="+mn-ea"/>
+                <a:cs typeface="+mn-cs"/>
+              </a:defRPr>
+            </a:lvl6pPr>
+            <a:lvl7pPr marL="2971800" indent="-228600" algn="l" defTabSz="914400" rtl="0" eaLnBrk="1" latinLnBrk="0" hangingPunct="1">
+              <a:lnSpc>
+                <a:spcPct val="90000"/>
+              </a:lnSpc>
+              <a:spcBef>
+                <a:spcPts val="500"/>
+              </a:spcBef>
+              <a:buFont typeface="Arial" panose="020B0604020202020204" pitchFamily="34" charset="0"/>
+              <a:buChar char="•"/>
+              <a:defRPr sz="1800" kern="1200">
+                <a:solidFill>
+                  <a:schemeClr val="tx1"/>
+                </a:solidFill>
+                <a:latin typeface="+mn-lt"/>
+                <a:ea typeface="+mn-ea"/>
+                <a:cs typeface="+mn-cs"/>
+              </a:defRPr>
+            </a:lvl7pPr>
+            <a:lvl8pPr marL="3429000" indent="-228600" algn="l" defTabSz="914400" rtl="0" eaLnBrk="1" latinLnBrk="0" hangingPunct="1">
+              <a:lnSpc>
+                <a:spcPct val="90000"/>
+              </a:lnSpc>
+              <a:spcBef>
+                <a:spcPts val="500"/>
+              </a:spcBef>
+              <a:buFont typeface="Arial" panose="020B0604020202020204" pitchFamily="34" charset="0"/>
+              <a:buChar char="•"/>
+              <a:defRPr sz="1800" kern="1200">
+                <a:solidFill>
+                  <a:schemeClr val="tx1"/>
+                </a:solidFill>
+                <a:latin typeface="+mn-lt"/>
+                <a:ea typeface="+mn-ea"/>
+                <a:cs typeface="+mn-cs"/>
+              </a:defRPr>
+            </a:lvl8pPr>
+            <a:lvl9pPr marL="3886200" indent="-228600" algn="l" defTabSz="914400" rtl="0" eaLnBrk="1" latinLnBrk="0" hangingPunct="1">
+              <a:lnSpc>
+                <a:spcPct val="90000"/>
+              </a:lnSpc>
+              <a:spcBef>
+                <a:spcPts val="500"/>
+              </a:spcBef>
+              <a:buFont typeface="Arial" panose="020B0604020202020204" pitchFamily="34" charset="0"/>
+              <a:buChar char="•"/>
+              <a:defRPr sz="1800" kern="1200">
+                <a:solidFill>
+                  <a:schemeClr val="tx1"/>
+                </a:solidFill>
+                <a:latin typeface="+mn-lt"/>
+                <a:ea typeface="+mn-ea"/>
+                <a:cs typeface="+mn-cs"/>
+              </a:defRPr>
+            </a:lvl9pPr>
+          </a:lstStyle>
+          <a:p>
+            <a:r>
+              <a:rPr lang="en-US" dirty="0"/>
+              <a:t>Get rid of all junk before </a:t>
+            </a:r>
+            <a:r>
+              <a:rPr lang="en-US" dirty="0" err="1"/>
+              <a:t>Sysprep</a:t>
+            </a:r>
+            <a:r>
+              <a:rPr lang="en-US" dirty="0"/>
+              <a:t> and Capture when creating a reference image in </a:t>
+            </a:r>
+            <a:r>
+              <a:rPr lang="en-US" dirty="0" smtClean="0"/>
+              <a:t>MDT</a:t>
+            </a:r>
+          </a:p>
+          <a:p>
+            <a:pPr lvl="1"/>
+            <a:r>
+              <a:rPr lang="en-US" sz="1800" dirty="0">
+                <a:hlinkClick r:id="rId3"/>
+              </a:rPr>
+              <a:t>https://deploymentbunny.com/2014/06/05/nice-to-know-get-rid-of-all-junk-before-sysprep-and-capture-when-creating-a-reference-image-in-mdt</a:t>
+            </a:r>
+            <a:r>
+              <a:rPr lang="en-US" sz="1800" dirty="0" smtClean="0">
+                <a:hlinkClick r:id="rId3"/>
+              </a:rPr>
+              <a:t>/</a:t>
+            </a:r>
+            <a:endParaRPr lang="en-US" sz="1800" dirty="0" smtClean="0"/>
+          </a:p>
+          <a:p>
+            <a:pPr marL="457200" lvl="1" indent="0">
+              <a:buNone/>
+            </a:pPr>
+            <a:endParaRPr lang="en-US" sz="1800" dirty="0" smtClean="0"/>
+          </a:p>
+          <a:p>
+            <a:endParaRPr lang="en-US" dirty="0" smtClean="0"/>
+          </a:p>
+          <a:p>
+            <a:endParaRPr lang="en-US" dirty="0" smtClean="0"/>
+          </a:p>
+        </p:txBody>
+      </p:sp>
+      <p:pic>
+        <p:nvPicPr>
+          <p:cNvPr id="7" name="Picture 6"/>
+          <p:cNvPicPr>
+            <a:picLocks noChangeAspect="1"/>
+          </p:cNvPicPr>
+          <p:nvPr/>
+        </p:nvPicPr>
+        <p:blipFill>
+          <a:blip r:embed="rId4"/>
+          <a:stretch>
+            <a:fillRect/>
+          </a:stretch>
+        </p:blipFill>
+        <p:spPr>
+          <a:xfrm>
+            <a:off x="5418393" y="734597"/>
+            <a:ext cx="6523334" cy="5880952"/>
+          </a:xfrm>
+          <a:prstGeom prst="rect">
+            <a:avLst/>
+          </a:prstGeom>
+        </p:spPr>
+      </p:pic>
     </p:spTree>
     <p:extLst>
       <p:ext uri="{BB962C8B-B14F-4D97-AF65-F5344CB8AC3E}">
-        <p14:creationId xmlns:p14="http://schemas.microsoft.com/office/powerpoint/2010/main" val="3010964313"/>
+        <p14:creationId xmlns:p14="http://schemas.microsoft.com/office/powerpoint/2010/main" val="4139973338"/>
       </p:ext>
     </p:extLst>
   </p:cSld>
@@ -9246,33 +9801,306 @@
         <p:spPr>
           <a:xfrm>
             <a:off x="838200" y="365125"/>
-            <a:ext cx="10515600" cy="5730875"/>
+            <a:ext cx="10515600" cy="5461934"/>
           </a:xfrm>
         </p:spPr>
         <p:txBody>
-          <a:bodyPr/>
+          <a:bodyPr>
+            <a:normAutofit/>
+          </a:bodyPr>
           <a:lstStyle/>
           <a:p>
             <a:pPr algn="ctr"/>
             <a:r>
-              <a:rPr lang="en-US" sz="13800" dirty="0" smtClean="0"/>
-              <a:t>Break</a:t>
-            </a:r>
-            <a:br>
-              <a:rPr lang="en-US" sz="13800" dirty="0" smtClean="0"/>
-            </a:br>
-            <a:r>
-              <a:rPr lang="en-US" sz="3200" dirty="0" smtClean="0"/>
-              <a:t>10 Minutes</a:t>
-            </a:r>
-            <a:endParaRPr lang="en-US" dirty="0"/>
+              <a:rPr lang="en-US" sz="16600" dirty="0" smtClean="0"/>
+              <a:t>Demo</a:t>
+            </a:r>
+            <a:endParaRPr lang="en-US" sz="16600" dirty="0"/>
           </a:p>
         </p:txBody>
       </p:sp>
     </p:spTree>
     <p:extLst>
       <p:ext uri="{BB962C8B-B14F-4D97-AF65-F5344CB8AC3E}">
-        <p14:creationId xmlns:p14="http://schemas.microsoft.com/office/powerpoint/2010/main" val="3913060118"/>
+        <p14:creationId xmlns:p14="http://schemas.microsoft.com/office/powerpoint/2010/main" val="2125388724"/>
+      </p:ext>
+    </p:extLst>
+  </p:cSld>
+  <p:clrMapOvr>
+    <a:masterClrMapping/>
+  </p:clrMapOvr>
+  <p:timing>
+    <p:tnLst>
+      <p:par>
+        <p:cTn id="1" dur="indefinite" restart="never" nodeType="tmRoot"/>
+      </p:par>
+    </p:tnLst>
+  </p:timing>
+</p:sld>
+</file>
+
+<file path=ppt/slides/slide28.xml><?xml version="1.0" encoding="utf-8"?>
+<p:sld xmlns:a="http://schemas.openxmlformats.org/drawingml/2006/main" xmlns:r="http://schemas.openxmlformats.org/officeDocument/2006/relationships" xmlns:p="http://schemas.openxmlformats.org/presentationml/2006/main">
+  <p:cSld>
+    <p:spTree>
+      <p:nvGrpSpPr>
+        <p:cNvPr id="1" name=""/>
+        <p:cNvGrpSpPr/>
+        <p:nvPr/>
+      </p:nvGrpSpPr>
+      <p:grpSpPr>
+        <a:xfrm>
+          <a:off x="0" y="0"/>
+          <a:ext cx="0" cy="0"/>
+          <a:chOff x="0" y="0"/>
+          <a:chExt cx="0" cy="0"/>
+        </a:xfrm>
+      </p:grpSpPr>
+      <p:sp>
+        <p:nvSpPr>
+          <p:cNvPr id="2" name="Title 1"/>
+          <p:cNvSpPr>
+            <a:spLocks noGrp="1"/>
+          </p:cNvSpPr>
+          <p:nvPr>
+            <p:ph type="title"/>
+          </p:nvPr>
+        </p:nvSpPr>
+        <p:spPr>
+          <a:xfrm>
+            <a:off x="838200" y="365125"/>
+            <a:ext cx="10515600" cy="1000211"/>
+          </a:xfrm>
+        </p:spPr>
+        <p:txBody>
+          <a:bodyPr>
+            <a:normAutofit/>
+          </a:bodyPr>
+          <a:lstStyle/>
+          <a:p>
+            <a:r>
+              <a:rPr lang="en-US" dirty="0" smtClean="0"/>
+              <a:t>Helpful Info</a:t>
+            </a:r>
+            <a:endParaRPr lang="en-US" sz="4800" dirty="0"/>
+          </a:p>
+        </p:txBody>
+      </p:sp>
+      <p:sp>
+        <p:nvSpPr>
+          <p:cNvPr id="3" name="Content Placeholder 2"/>
+          <p:cNvSpPr>
+            <a:spLocks noGrp="1"/>
+          </p:cNvSpPr>
+          <p:nvPr>
+            <p:ph idx="1"/>
+          </p:nvPr>
+        </p:nvSpPr>
+        <p:spPr>
+          <a:xfrm>
+            <a:off x="838200" y="1365336"/>
+            <a:ext cx="10515600" cy="5198301"/>
+          </a:xfrm>
+        </p:spPr>
+        <p:txBody>
+          <a:bodyPr/>
+          <a:lstStyle/>
+          <a:p>
+            <a:r>
+              <a:rPr lang="en-US" dirty="0" smtClean="0"/>
+              <a:t>Deployment Research</a:t>
+            </a:r>
+          </a:p>
+          <a:p>
+            <a:pPr lvl="1"/>
+            <a:r>
+              <a:rPr lang="en-US" dirty="0"/>
+              <a:t>Building a Windows 10 v1809 reference image using Microsoft Deployment Toolkit (MDT</a:t>
+            </a:r>
+            <a:r>
+              <a:rPr lang="en-US" dirty="0" smtClean="0"/>
+              <a:t>)</a:t>
+            </a:r>
+          </a:p>
+          <a:p>
+            <a:pPr lvl="2"/>
+            <a:r>
+              <a:rPr lang="en-US" dirty="0">
+                <a:hlinkClick r:id="rId2"/>
+              </a:rPr>
+              <a:t>https://</a:t>
+            </a:r>
+            <a:r>
+              <a:rPr lang="en-US" dirty="0" smtClean="0">
+                <a:hlinkClick r:id="rId2"/>
+              </a:rPr>
+              <a:t>deploymentresearch.com/Research/Post/1676/Building-a-Windows-10-v1809-reference-image-using-Microsoft-Deployment-Toolkit-MDT</a:t>
+            </a:r>
+            <a:endParaRPr lang="en-US" dirty="0" smtClean="0"/>
+          </a:p>
+          <a:p>
+            <a:pPr lvl="1"/>
+            <a:r>
+              <a:rPr lang="en-US" dirty="0" smtClean="0"/>
+              <a:t>Building </a:t>
+            </a:r>
+            <a:r>
+              <a:rPr lang="en-US" dirty="0"/>
+              <a:t>a Windows 10 v1709 reference image using </a:t>
+            </a:r>
+            <a:r>
+              <a:rPr lang="en-US" dirty="0" smtClean="0"/>
+              <a:t>MDT</a:t>
+            </a:r>
+          </a:p>
+          <a:p>
+            <a:pPr lvl="2"/>
+            <a:r>
+              <a:rPr lang="en-US" dirty="0">
+                <a:hlinkClick r:id="rId3"/>
+              </a:rPr>
+              <a:t>https://</a:t>
+            </a:r>
+            <a:r>
+              <a:rPr lang="en-US" dirty="0" smtClean="0">
+                <a:hlinkClick r:id="rId3"/>
+              </a:rPr>
+              <a:t>deploymentresearch.com/Research/Post/654/Building-a-Windows-10-v1709-reference-image-using-MDT</a:t>
+            </a:r>
+            <a:endParaRPr lang="en-US" dirty="0" smtClean="0"/>
+          </a:p>
+          <a:p>
+            <a:pPr lvl="1"/>
+            <a:r>
+              <a:rPr lang="en-US" dirty="0"/>
+              <a:t>Building the perfect Windows Server 2016 reference </a:t>
+            </a:r>
+            <a:r>
+              <a:rPr lang="en-US" dirty="0" smtClean="0"/>
+              <a:t>image</a:t>
+            </a:r>
+          </a:p>
+          <a:p>
+            <a:pPr lvl="2"/>
+            <a:r>
+              <a:rPr lang="en-US" dirty="0">
+                <a:hlinkClick r:id="rId4"/>
+              </a:rPr>
+              <a:t>https://</a:t>
+            </a:r>
+            <a:r>
+              <a:rPr lang="en-US" dirty="0" smtClean="0">
+                <a:hlinkClick r:id="rId4"/>
+              </a:rPr>
+              <a:t>deploymentresearch.com/Research/Post/578/Building-the-perfect-Windows-Server-2016-reference-image</a:t>
+            </a:r>
+            <a:endParaRPr lang="en-US" dirty="0" smtClean="0"/>
+          </a:p>
+          <a:p>
+            <a:pPr lvl="1"/>
+            <a:r>
+              <a:rPr lang="en-US" dirty="0"/>
+              <a:t>Back to Basics - Building a Windows 7 SP1 Reference Image using MDT 2013 Update </a:t>
+            </a:r>
+            <a:r>
+              <a:rPr lang="en-US" dirty="0" smtClean="0"/>
+              <a:t>2</a:t>
+            </a:r>
+          </a:p>
+          <a:p>
+            <a:pPr lvl="2"/>
+            <a:r>
+              <a:rPr lang="en-US" dirty="0">
+                <a:hlinkClick r:id="rId5"/>
+              </a:rPr>
+              <a:t>https://</a:t>
+            </a:r>
+            <a:r>
+              <a:rPr lang="en-US" dirty="0" smtClean="0">
+                <a:hlinkClick r:id="rId5"/>
+              </a:rPr>
+              <a:t>deploymentresearch.com/Research/Post/521/Back-to-Basics-Building-a-Windows-7-SP1-Reference-Image-using-MDT-2013-Update-2</a:t>
+            </a:r>
+            <a:endParaRPr lang="en-US" dirty="0" smtClean="0"/>
+          </a:p>
+          <a:p>
+            <a:pPr lvl="1"/>
+            <a:endParaRPr lang="en-US" dirty="0"/>
+          </a:p>
+        </p:txBody>
+      </p:sp>
+    </p:spTree>
+    <p:extLst>
+      <p:ext uri="{BB962C8B-B14F-4D97-AF65-F5344CB8AC3E}">
+        <p14:creationId xmlns:p14="http://schemas.microsoft.com/office/powerpoint/2010/main" val="523525067"/>
+      </p:ext>
+    </p:extLst>
+  </p:cSld>
+  <p:clrMapOvr>
+    <a:masterClrMapping/>
+  </p:clrMapOvr>
+  <p:timing>
+    <p:tnLst>
+      <p:par>
+        <p:cTn id="1" dur="indefinite" restart="never" nodeType="tmRoot"/>
+      </p:par>
+    </p:tnLst>
+  </p:timing>
+</p:sld>
+</file>
+
+<file path=ppt/slides/slide29.xml><?xml version="1.0" encoding="utf-8"?>
+<p:sld xmlns:a="http://schemas.openxmlformats.org/drawingml/2006/main" xmlns:r="http://schemas.openxmlformats.org/officeDocument/2006/relationships" xmlns:p="http://schemas.openxmlformats.org/presentationml/2006/main">
+  <p:cSld>
+    <p:spTree>
+      <p:nvGrpSpPr>
+        <p:cNvPr id="1" name=""/>
+        <p:cNvGrpSpPr/>
+        <p:nvPr/>
+      </p:nvGrpSpPr>
+      <p:grpSpPr>
+        <a:xfrm>
+          <a:off x="0" y="0"/>
+          <a:ext cx="0" cy="0"/>
+          <a:chOff x="0" y="0"/>
+          <a:chExt cx="0" cy="0"/>
+        </a:xfrm>
+      </p:grpSpPr>
+      <p:sp>
+        <p:nvSpPr>
+          <p:cNvPr id="2" name="Title 1"/>
+          <p:cNvSpPr>
+            <a:spLocks noGrp="1"/>
+          </p:cNvSpPr>
+          <p:nvPr>
+            <p:ph type="title"/>
+          </p:nvPr>
+        </p:nvSpPr>
+        <p:spPr>
+          <a:xfrm>
+            <a:off x="838200" y="365125"/>
+            <a:ext cx="10515600" cy="5641228"/>
+          </a:xfrm>
+        </p:spPr>
+        <p:txBody>
+          <a:bodyPr>
+            <a:normAutofit/>
+          </a:bodyPr>
+          <a:lstStyle/>
+          <a:p>
+            <a:pPr algn="ctr"/>
+            <a:r>
+              <a:rPr lang="en-US" sz="13800" dirty="0" smtClean="0"/>
+              <a:t>Questions</a:t>
+            </a:r>
+            <a:endParaRPr lang="en-US" sz="13800" dirty="0"/>
+          </a:p>
+        </p:txBody>
+      </p:sp>
+    </p:spTree>
+    <p:extLst>
+      <p:ext uri="{BB962C8B-B14F-4D97-AF65-F5344CB8AC3E}">
+        <p14:creationId xmlns:p14="http://schemas.microsoft.com/office/powerpoint/2010/main" val="3010964313"/>
       </p:ext>
     </p:extLst>
   </p:cSld>
@@ -9379,6 +10207,79 @@
     <p:extLst>
       <p:ext uri="{BB962C8B-B14F-4D97-AF65-F5344CB8AC3E}">
         <p14:creationId xmlns:p14="http://schemas.microsoft.com/office/powerpoint/2010/main" val="633198053"/>
+      </p:ext>
+    </p:extLst>
+  </p:cSld>
+  <p:clrMapOvr>
+    <a:masterClrMapping/>
+  </p:clrMapOvr>
+  <p:timing>
+    <p:tnLst>
+      <p:par>
+        <p:cTn id="1" dur="indefinite" restart="never" nodeType="tmRoot"/>
+      </p:par>
+    </p:tnLst>
+  </p:timing>
+</p:sld>
+</file>
+
+<file path=ppt/slides/slide30.xml><?xml version="1.0" encoding="utf-8"?>
+<p:sld xmlns:a="http://schemas.openxmlformats.org/drawingml/2006/main" xmlns:r="http://schemas.openxmlformats.org/officeDocument/2006/relationships" xmlns:p="http://schemas.openxmlformats.org/presentationml/2006/main">
+  <p:cSld>
+    <p:spTree>
+      <p:nvGrpSpPr>
+        <p:cNvPr id="1" name=""/>
+        <p:cNvGrpSpPr/>
+        <p:nvPr/>
+      </p:nvGrpSpPr>
+      <p:grpSpPr>
+        <a:xfrm>
+          <a:off x="0" y="0"/>
+          <a:ext cx="0" cy="0"/>
+          <a:chOff x="0" y="0"/>
+          <a:chExt cx="0" cy="0"/>
+        </a:xfrm>
+      </p:grpSpPr>
+      <p:sp>
+        <p:nvSpPr>
+          <p:cNvPr id="2" name="Title 1"/>
+          <p:cNvSpPr>
+            <a:spLocks noGrp="1"/>
+          </p:cNvSpPr>
+          <p:nvPr>
+            <p:ph type="title"/>
+          </p:nvPr>
+        </p:nvSpPr>
+        <p:spPr>
+          <a:xfrm>
+            <a:off x="838200" y="365125"/>
+            <a:ext cx="10515600" cy="5730875"/>
+          </a:xfrm>
+        </p:spPr>
+        <p:txBody>
+          <a:bodyPr/>
+          <a:lstStyle/>
+          <a:p>
+            <a:pPr algn="ctr"/>
+            <a:r>
+              <a:rPr lang="en-US" sz="13800" dirty="0" smtClean="0"/>
+              <a:t>Break</a:t>
+            </a:r>
+            <a:br>
+              <a:rPr lang="en-US" sz="13800" dirty="0" smtClean="0"/>
+            </a:br>
+            <a:r>
+              <a:rPr lang="en-US" sz="3200" dirty="0" smtClean="0"/>
+              <a:t>10 Minutes</a:t>
+            </a:r>
+            <a:endParaRPr lang="en-US" dirty="0"/>
+          </a:p>
+        </p:txBody>
+      </p:sp>
+    </p:spTree>
+    <p:extLst>
+      <p:ext uri="{BB962C8B-B14F-4D97-AF65-F5344CB8AC3E}">
+        <p14:creationId xmlns:p14="http://schemas.microsoft.com/office/powerpoint/2010/main" val="3913060118"/>
       </p:ext>
     </p:extLst>
   </p:cSld>
